--- a/Presentation1.pptx
+++ b/Presentation1.pptx
@@ -7,12 +7,13 @@
   <p:sldIdLst>
     <p:sldId id="256" r:id="rId2"/>
     <p:sldId id="257" r:id="rId3"/>
-    <p:sldId id="258" r:id="rId4"/>
-    <p:sldId id="260" r:id="rId5"/>
+    <p:sldId id="260" r:id="rId4"/>
+    <p:sldId id="258" r:id="rId5"/>
     <p:sldId id="261" r:id="rId6"/>
     <p:sldId id="263" r:id="rId7"/>
     <p:sldId id="264" r:id="rId8"/>
     <p:sldId id="262" r:id="rId9"/>
+    <p:sldId id="265" r:id="rId10"/>
   </p:sldIdLst>
   <p:sldSz cx="12192000" cy="6858000"/>
   <p:notesSz cx="6858000" cy="9144000"/>
@@ -3614,9 +3615,12 @@
           </a:p>
           <a:p>
             <a:r>
-              <a:rPr lang="en-US" dirty="0"/>
-              <a:t>Info</a:t>
-            </a:r>
+              <a:rPr lang="en-US" dirty="0">
+                <a:hlinkClick r:id="rId2"/>
+              </a:rPr>
+              <a:t>Kaggle</a:t>
+            </a:r>
+            <a:endParaRPr lang="en-US" dirty="0"/>
           </a:p>
           <a:p>
             <a:r>
@@ -3691,90 +3695,27 @@
         </p:nvSpPr>
         <p:spPr>
           <a:xfrm>
-            <a:off x="838200" y="365126"/>
-            <a:ext cx="10515600" cy="934286"/>
+            <a:off x="838200" y="365125"/>
+            <a:ext cx="10515600" cy="877079"/>
           </a:xfrm>
         </p:spPr>
         <p:txBody>
-          <a:bodyPr>
-            <a:normAutofit fontScale="90000"/>
-          </a:bodyPr>
-          <a:lstStyle/>
-          <a:p>
-            <a:r>
-              <a:rPr lang="en-US" dirty="0"/>
-              <a:t>Demonstration: Power Bi</a:t>
-            </a:r>
-            <a:br>
-              <a:rPr lang="en-US" dirty="0"/>
-            </a:br>
-            <a:endParaRPr lang="en-SE" dirty="0"/>
-          </a:p>
-        </p:txBody>
-      </p:sp>
-    </p:spTree>
-    <p:extLst>
-      <p:ext uri="{BB962C8B-B14F-4D97-AF65-F5344CB8AC3E}">
-        <p14:creationId xmlns:p14="http://schemas.microsoft.com/office/powerpoint/2010/main" val="3798099090"/>
-      </p:ext>
-    </p:extLst>
-  </p:cSld>
-  <p:clrMapOvr>
-    <a:masterClrMapping/>
-  </p:clrMapOvr>
-</p:sld>
-</file>
-
-<file path=ppt/slides/slide4.xml><?xml version="1.0" encoding="utf-8"?>
-<p:sld xmlns:a="http://schemas.openxmlformats.org/drawingml/2006/main" xmlns:r="http://schemas.openxmlformats.org/officeDocument/2006/relationships" xmlns:p="http://schemas.openxmlformats.org/presentationml/2006/main">
-  <p:cSld>
-    <p:spTree>
-      <p:nvGrpSpPr>
-        <p:cNvPr id="1" name=""/>
-        <p:cNvGrpSpPr/>
-        <p:nvPr/>
-      </p:nvGrpSpPr>
-      <p:grpSpPr>
-        <a:xfrm>
-          <a:off x="0" y="0"/>
-          <a:ext cx="0" cy="0"/>
-          <a:chOff x="0" y="0"/>
-          <a:chExt cx="0" cy="0"/>
-        </a:xfrm>
-      </p:grpSpPr>
-      <p:sp>
-        <p:nvSpPr>
-          <p:cNvPr id="2" name="Title 1">
-            <a:extLst>
-              <a:ext uri="{FF2B5EF4-FFF2-40B4-BE49-F238E27FC236}">
-                <a16:creationId xmlns:a16="http://schemas.microsoft.com/office/drawing/2014/main" id="{5A791183-00C2-F32B-D85F-BA0EDD454243}"/>
-              </a:ext>
-            </a:extLst>
-          </p:cNvPr>
-          <p:cNvSpPr>
-            <a:spLocks noGrp="1"/>
-          </p:cNvSpPr>
-          <p:nvPr>
-            <p:ph type="title"/>
-          </p:nvPr>
-        </p:nvSpPr>
-        <p:spPr/>
-        <p:txBody>
-          <a:bodyPr/>
-          <a:lstStyle/>
-          <a:p>
-            <a:r>
-              <a:rPr lang="en-US" dirty="0"/>
-              <a:t>Demonstration: Dash</a:t>
-            </a:r>
-            <a:br>
-              <a:rPr lang="en-US" dirty="0"/>
-            </a:br>
-            <a:r>
-              <a:rPr lang="en-US" dirty="0" err="1">
+          <a:bodyPr/>
+          <a:lstStyle/>
+          <a:p>
+            <a:r>
+              <a:rPr lang="en-US" dirty="0"/>
+              <a:t>Demonstration: </a:t>
+            </a:r>
+            <a:r>
+              <a:rPr lang="en-US" dirty="0">
                 <a:hlinkClick r:id="rId2"/>
               </a:rPr>
               <a:t>Dash</a:t>
+            </a:r>
+            <a:r>
+              <a:rPr lang="en-US" dirty="0"/>
+              <a:t> / Code</a:t>
             </a:r>
             <a:endParaRPr lang="en-SE" dirty="0"/>
           </a:p>
@@ -3823,6 +3764,134 @@
 </p:sld>
 </file>
 
+<file path=ppt/slides/slide4.xml><?xml version="1.0" encoding="utf-8"?>
+<p:sld xmlns:a="http://schemas.openxmlformats.org/drawingml/2006/main" xmlns:r="http://schemas.openxmlformats.org/officeDocument/2006/relationships" xmlns:p="http://schemas.openxmlformats.org/presentationml/2006/main">
+  <p:cSld>
+    <p:spTree>
+      <p:nvGrpSpPr>
+        <p:cNvPr id="1" name=""/>
+        <p:cNvGrpSpPr/>
+        <p:nvPr/>
+      </p:nvGrpSpPr>
+      <p:grpSpPr>
+        <a:xfrm>
+          <a:off x="0" y="0"/>
+          <a:ext cx="0" cy="0"/>
+          <a:chOff x="0" y="0"/>
+          <a:chExt cx="0" cy="0"/>
+        </a:xfrm>
+      </p:grpSpPr>
+      <p:sp>
+        <p:nvSpPr>
+          <p:cNvPr id="2" name="Title 1">
+            <a:extLst>
+              <a:ext uri="{FF2B5EF4-FFF2-40B4-BE49-F238E27FC236}">
+                <a16:creationId xmlns:a16="http://schemas.microsoft.com/office/drawing/2014/main" id="{5A791183-00C2-F32B-D85F-BA0EDD454243}"/>
+              </a:ext>
+            </a:extLst>
+          </p:cNvPr>
+          <p:cNvSpPr>
+            <a:spLocks noGrp="1"/>
+          </p:cNvSpPr>
+          <p:nvPr>
+            <p:ph type="title"/>
+          </p:nvPr>
+        </p:nvSpPr>
+        <p:spPr>
+          <a:xfrm>
+            <a:off x="838200" y="365126"/>
+            <a:ext cx="10515600" cy="934286"/>
+          </a:xfrm>
+        </p:spPr>
+        <p:txBody>
+          <a:bodyPr>
+            <a:normAutofit fontScale="90000"/>
+          </a:bodyPr>
+          <a:lstStyle/>
+          <a:p>
+            <a:r>
+              <a:rPr lang="en-US" dirty="0"/>
+              <a:t>Demonstration: Power Bi</a:t>
+            </a:r>
+            <a:br>
+              <a:rPr lang="en-US" dirty="0"/>
+            </a:br>
+            <a:endParaRPr lang="en-SE" dirty="0"/>
+          </a:p>
+        </p:txBody>
+      </p:sp>
+      <p:sp>
+        <p:nvSpPr>
+          <p:cNvPr id="6" name="TextBox 5">
+            <a:extLst>
+              <a:ext uri="{FF2B5EF4-FFF2-40B4-BE49-F238E27FC236}">
+                <a16:creationId xmlns:a16="http://schemas.microsoft.com/office/drawing/2014/main" id="{6AB9D842-05B2-C0BC-9D42-44468231E386}"/>
+              </a:ext>
+            </a:extLst>
+          </p:cNvPr>
+          <p:cNvSpPr txBox="1"/>
+          <p:nvPr/>
+        </p:nvSpPr>
+        <p:spPr>
+          <a:xfrm>
+            <a:off x="948906" y="1699404"/>
+            <a:ext cx="3519577" cy="923330"/>
+          </a:xfrm>
+          <a:prstGeom prst="rect">
+            <a:avLst/>
+          </a:prstGeom>
+          <a:noFill/>
+        </p:spPr>
+        <p:txBody>
+          <a:bodyPr wrap="square" rtlCol="0">
+            <a:spAutoFit/>
+          </a:bodyPr>
+          <a:lstStyle/>
+          <a:p>
+            <a:pPr marL="285750" indent="-285750">
+              <a:buFont typeface="Arial" panose="020B0604020202020204" pitchFamily="34" charset="0"/>
+              <a:buChar char="•"/>
+            </a:pPr>
+            <a:r>
+              <a:rPr lang="en-US" dirty="0"/>
+              <a:t>Energy consumption analyzes </a:t>
+            </a:r>
+          </a:p>
+          <a:p>
+            <a:pPr marL="285750" indent="-285750">
+              <a:buFont typeface="Arial" panose="020B0604020202020204" pitchFamily="34" charset="0"/>
+              <a:buChar char="•"/>
+            </a:pPr>
+            <a:r>
+              <a:rPr lang="en-US" dirty="0"/>
+              <a:t>Electricity source distribution</a:t>
+            </a:r>
+          </a:p>
+          <a:p>
+            <a:pPr marL="285750" indent="-285750">
+              <a:buFont typeface="Arial" panose="020B0604020202020204" pitchFamily="34" charset="0"/>
+              <a:buChar char="•"/>
+            </a:pPr>
+            <a:r>
+              <a:rPr lang="en-US" dirty="0"/>
+              <a:t>Energy generated</a:t>
+            </a:r>
+          </a:p>
+        </p:txBody>
+      </p:sp>
+    </p:spTree>
+    <p:extLst>
+      <p:ext uri="{BB962C8B-B14F-4D97-AF65-F5344CB8AC3E}">
+        <p14:creationId xmlns:p14="http://schemas.microsoft.com/office/powerpoint/2010/main" val="3798099090"/>
+      </p:ext>
+    </p:extLst>
+  </p:cSld>
+  <p:clrMapOvr>
+    <a:masterClrMapping/>
+  </p:clrMapOvr>
+</p:sld>
+</file>
+
 <file path=ppt/slides/slide5.xml><?xml version="1.0" encoding="utf-8"?>
 <p:sld xmlns:a="http://schemas.openxmlformats.org/drawingml/2006/main" xmlns:r="http://schemas.openxmlformats.org/officeDocument/2006/relationships" xmlns:p="http://schemas.openxmlformats.org/presentationml/2006/main">
   <p:cSld>
@@ -3917,38 +3986,34 @@
             </a:r>
             <a:r>
               <a:rPr lang="en-US" dirty="0"/>
-              <a:t> Enugu, scrum, Power Bi, SQL</a:t>
-            </a:r>
-          </a:p>
-          <a:p>
-            <a:pPr marL="342900" indent="-342900" algn="l">
-              <a:buFont typeface="Arial" panose="020B0604020202020204" pitchFamily="34" charset="0"/>
-              <a:buChar char="•"/>
+              <a:t> Enugu, scrum, Power Bi, SQL, machine learning</a:t>
+            </a:r>
+          </a:p>
+          <a:p>
+            <a:pPr marL="342900" indent="-342900"/>
+            <a:r>
+              <a:rPr lang="en-US" dirty="0"/>
+              <a:t>Yuko Olsson Moriya, Power Bi, documentation, machine learning</a:t>
+            </a:r>
+          </a:p>
+          <a:p>
+            <a:pPr marL="342900" indent="-342900"/>
+            <a:r>
+              <a:rPr lang="en-US" dirty="0"/>
+              <a:t>Sajjad Ahmed, Testing, Power Bi, machine learning,</a:t>
+            </a:r>
+          </a:p>
+          <a:p>
+            <a:pPr marL="342900" indent="-342900"/>
+            <a:r>
+              <a:rPr lang="en-US" dirty="0"/>
+              <a:t>Christoffer Brodin, Git, python, machine learning, Dash</a:t>
+            </a:r>
+          </a:p>
+          <a:p>
+            <a:pPr marL="0" indent="0" algn="l">
+              <a:buNone/>
             </a:pPr>
-            <a:r>
-              <a:rPr lang="en-US" dirty="0"/>
-              <a:t>Yuko Olsson Moriya, Power Bi, documentation, </a:t>
-            </a:r>
-          </a:p>
-          <a:p>
-            <a:pPr marL="342900" indent="-342900" algn="l">
-              <a:buFont typeface="Arial" panose="020B0604020202020204" pitchFamily="34" charset="0"/>
-              <a:buChar char="•"/>
-            </a:pPr>
-            <a:r>
-              <a:rPr lang="en-US" dirty="0"/>
-              <a:t>Sajjad Ahmed, Testing, Power Bi</a:t>
-            </a:r>
-          </a:p>
-          <a:p>
-            <a:pPr marL="342900" indent="-342900" algn="l">
-              <a:buFont typeface="Arial" panose="020B0604020202020204" pitchFamily="34" charset="0"/>
-              <a:buChar char="•"/>
-            </a:pPr>
-            <a:r>
-              <a:rPr lang="en-US" dirty="0"/>
-              <a:t>Christoffer Brodin, Git, python, </a:t>
-            </a:r>
             <a:endParaRPr lang="en-SE" dirty="0"/>
           </a:p>
           <a:p>
@@ -4520,9 +4585,8 @@
           <a:p>
             <a:r>
               <a:rPr lang="en-US" dirty="0"/>
-              <a:t>Next step??</a:t>
-            </a:r>
-            <a:endParaRPr lang="en-SE" dirty="0"/>
+              <a:t>Future &amp; Potentials</a:t>
+            </a:r>
           </a:p>
         </p:txBody>
       </p:sp>
@@ -4545,7 +4609,7 @@
         <p:spPr>
           <a:xfrm>
             <a:off x="838200" y="1690688"/>
-            <a:ext cx="10515600" cy="4613859"/>
+            <a:ext cx="10515600" cy="3234995"/>
           </a:xfrm>
         </p:spPr>
         <p:txBody>
@@ -4556,19 +4620,13 @@
           <a:p>
             <a:r>
               <a:rPr lang="en-US" dirty="0"/>
-              <a:t>Future?</a:t>
-            </a:r>
-          </a:p>
-          <a:p>
-            <a:r>
-              <a:rPr lang="en-US" dirty="0"/>
               <a:t>Add another data set, to do further analysis </a:t>
             </a:r>
           </a:p>
           <a:p>
             <a:r>
               <a:rPr lang="en-US" dirty="0"/>
-              <a:t>Create sustainability reports</a:t>
+              <a:t>Create sustainability reports, climate changes</a:t>
             </a:r>
           </a:p>
           <a:p>
@@ -4586,13 +4644,7 @@
           <a:p>
             <a:r>
               <a:rPr lang="en-US" dirty="0"/>
-              <a:t>Classifications</a:t>
-            </a:r>
-          </a:p>
-          <a:p>
-            <a:r>
-              <a:rPr lang="en-US" dirty="0"/>
-              <a:t>Potentials for 2.0??</a:t>
+              <a:t>Classifications, clustering</a:t>
             </a:r>
           </a:p>
           <a:p>
@@ -4600,6 +4652,9 @@
               <a:rPr lang="en-US" dirty="0"/>
               <a:t>Mobile applications</a:t>
             </a:r>
+          </a:p>
+          <a:p>
+            <a:endParaRPr lang="en-US" dirty="0"/>
           </a:p>
           <a:p>
             <a:endParaRPr lang="en-US" dirty="0"/>
@@ -4610,6 +4665,94 @@
     <p:extLst>
       <p:ext uri="{BB962C8B-B14F-4D97-AF65-F5344CB8AC3E}">
         <p14:creationId xmlns:p14="http://schemas.microsoft.com/office/powerpoint/2010/main" val="3187306194"/>
+      </p:ext>
+    </p:extLst>
+  </p:cSld>
+  <p:clrMapOvr>
+    <a:masterClrMapping/>
+  </p:clrMapOvr>
+</p:sld>
+</file>
+
+<file path=ppt/slides/slide9.xml><?xml version="1.0" encoding="utf-8"?>
+<p:sld xmlns:a="http://schemas.openxmlformats.org/drawingml/2006/main" xmlns:r="http://schemas.openxmlformats.org/officeDocument/2006/relationships" xmlns:p="http://schemas.openxmlformats.org/presentationml/2006/main">
+  <p:cSld>
+    <p:spTree>
+      <p:nvGrpSpPr>
+        <p:cNvPr id="1" name=""/>
+        <p:cNvGrpSpPr/>
+        <p:nvPr/>
+      </p:nvGrpSpPr>
+      <p:grpSpPr>
+        <a:xfrm>
+          <a:off x="0" y="0"/>
+          <a:ext cx="0" cy="0"/>
+          <a:chOff x="0" y="0"/>
+          <a:chExt cx="0" cy="0"/>
+        </a:xfrm>
+      </p:grpSpPr>
+      <p:sp>
+        <p:nvSpPr>
+          <p:cNvPr id="2" name="Title 1">
+            <a:extLst>
+              <a:ext uri="{FF2B5EF4-FFF2-40B4-BE49-F238E27FC236}">
+                <a16:creationId xmlns:a16="http://schemas.microsoft.com/office/drawing/2014/main" id="{0F1EA880-4BB2-52DC-BE09-B535D4DE2720}"/>
+              </a:ext>
+            </a:extLst>
+          </p:cNvPr>
+          <p:cNvSpPr>
+            <a:spLocks noGrp="1"/>
+          </p:cNvSpPr>
+          <p:nvPr>
+            <p:ph type="title"/>
+          </p:nvPr>
+        </p:nvSpPr>
+        <p:spPr/>
+        <p:txBody>
+          <a:bodyPr/>
+          <a:lstStyle/>
+          <a:p>
+            <a:r>
+              <a:rPr lang="en-US" dirty="0"/>
+              <a:t>Thank You!</a:t>
+            </a:r>
+            <a:endParaRPr lang="en-SE" dirty="0"/>
+          </a:p>
+        </p:txBody>
+      </p:sp>
+      <p:sp>
+        <p:nvSpPr>
+          <p:cNvPr id="3" name="Content Placeholder 2">
+            <a:extLst>
+              <a:ext uri="{FF2B5EF4-FFF2-40B4-BE49-F238E27FC236}">
+                <a16:creationId xmlns:a16="http://schemas.microsoft.com/office/drawing/2014/main" id="{7F638B6A-359D-DF6D-C4DB-AFAF7FBC7465}"/>
+              </a:ext>
+            </a:extLst>
+          </p:cNvPr>
+          <p:cNvSpPr>
+            <a:spLocks noGrp="1"/>
+          </p:cNvSpPr>
+          <p:nvPr>
+            <p:ph idx="1"/>
+          </p:nvPr>
+        </p:nvSpPr>
+        <p:spPr/>
+        <p:txBody>
+          <a:bodyPr/>
+          <a:lstStyle/>
+          <a:p>
+            <a:r>
+              <a:rPr lang="en-US" dirty="0"/>
+              <a:t>Questions?</a:t>
+            </a:r>
+            <a:endParaRPr lang="en-SE" dirty="0"/>
+          </a:p>
+        </p:txBody>
+      </p:sp>
+    </p:spTree>
+    <p:extLst>
+      <p:ext uri="{BB962C8B-B14F-4D97-AF65-F5344CB8AC3E}">
+        <p14:creationId xmlns:p14="http://schemas.microsoft.com/office/powerpoint/2010/main" val="1167830513"/>
       </p:ext>
     </p:extLst>
   </p:cSld>

--- a/Presentation1.pptx
+++ b/Presentation1.pptx
@@ -112,6 +112,11 @@
       </a:defRPr>
     </a:lvl9pPr>
   </p:defaultTextStyle>
+  <p:extLst>
+    <p:ext uri="{EFAFB233-063F-42B5-8137-9DF3F51BA10A}">
+      <p15:sldGuideLst xmlns:p15="http://schemas.microsoft.com/office/powerpoint/2012/main"/>
+    </p:ext>
+  </p:extLst>
 </p:presentation>
 </file>
 
@@ -3612,6 +3617,78 @@
               <a:rPr lang="en-US" dirty="0"/>
               <a:t>, </a:t>
             </a:r>
+            <a:r>
+              <a:rPr lang="en-US" dirty="0" err="1"/>
+              <a:t>går</a:t>
+            </a:r>
+            <a:r>
+              <a:rPr lang="en-US" dirty="0"/>
+              <a:t> det </a:t>
+            </a:r>
+            <a:r>
+              <a:rPr lang="en-US" dirty="0" err="1"/>
+              <a:t>att</a:t>
+            </a:r>
+            <a:r>
+              <a:rPr lang="en-US" dirty="0"/>
+              <a:t> </a:t>
+            </a:r>
+            <a:r>
+              <a:rPr lang="en-US" dirty="0" err="1"/>
+              <a:t>använda</a:t>
+            </a:r>
+            <a:r>
+              <a:rPr lang="en-US" dirty="0"/>
+              <a:t>, och I </a:t>
+            </a:r>
+            <a:r>
+              <a:rPr lang="en-US" dirty="0" err="1"/>
+              <a:t>vilket</a:t>
+            </a:r>
+            <a:r>
+              <a:rPr lang="en-US" dirty="0"/>
+              <a:t> </a:t>
+            </a:r>
+            <a:r>
+              <a:rPr lang="en-US" dirty="0" err="1"/>
+              <a:t>sammanhang</a:t>
+            </a:r>
+            <a:r>
+              <a:rPr lang="en-US" dirty="0"/>
+              <a:t>, the use of it, </a:t>
+            </a:r>
+            <a:r>
+              <a:rPr lang="en-US" dirty="0" err="1"/>
+              <a:t>hur</a:t>
+            </a:r>
+            <a:r>
+              <a:rPr lang="en-US" dirty="0"/>
+              <a:t> det </a:t>
+            </a:r>
+            <a:r>
+              <a:rPr lang="en-US" dirty="0" err="1"/>
+              <a:t>går</a:t>
+            </a:r>
+            <a:r>
+              <a:rPr lang="en-US" dirty="0"/>
+              <a:t> </a:t>
+            </a:r>
+            <a:r>
+              <a:rPr lang="en-US" dirty="0" err="1"/>
+              <a:t>att</a:t>
+            </a:r>
+            <a:r>
+              <a:rPr lang="en-US" dirty="0"/>
+              <a:t> </a:t>
+            </a:r>
+            <a:r>
+              <a:rPr lang="en-US" dirty="0" err="1"/>
+              <a:t>applicera</a:t>
+            </a:r>
+            <a:r>
+              <a:rPr lang="en-US" dirty="0"/>
+              <a:t>. </a:t>
+            </a:r>
           </a:p>
           <a:p>
             <a:r>
@@ -3743,7 +3820,7 @@
         </p:blipFill>
         <p:spPr>
           <a:xfrm>
-            <a:off x="2284734" y="1380361"/>
+            <a:off x="1715391" y="1242204"/>
             <a:ext cx="9069066" cy="5477639"/>
           </a:xfrm>
           <a:prstGeom prst="rect">
@@ -3783,45 +3860,6 @@
       </p:grpSpPr>
       <p:sp>
         <p:nvSpPr>
-          <p:cNvPr id="2" name="Title 1">
-            <a:extLst>
-              <a:ext uri="{FF2B5EF4-FFF2-40B4-BE49-F238E27FC236}">
-                <a16:creationId xmlns:a16="http://schemas.microsoft.com/office/drawing/2014/main" id="{5A791183-00C2-F32B-D85F-BA0EDD454243}"/>
-              </a:ext>
-            </a:extLst>
-          </p:cNvPr>
-          <p:cNvSpPr>
-            <a:spLocks noGrp="1"/>
-          </p:cNvSpPr>
-          <p:nvPr>
-            <p:ph type="title"/>
-          </p:nvPr>
-        </p:nvSpPr>
-        <p:spPr>
-          <a:xfrm>
-            <a:off x="838200" y="365126"/>
-            <a:ext cx="10515600" cy="934286"/>
-          </a:xfrm>
-        </p:spPr>
-        <p:txBody>
-          <a:bodyPr>
-            <a:normAutofit fontScale="90000"/>
-          </a:bodyPr>
-          <a:lstStyle/>
-          <a:p>
-            <a:r>
-              <a:rPr lang="en-US" dirty="0"/>
-              <a:t>Demonstration: Power Bi</a:t>
-            </a:r>
-            <a:br>
-              <a:rPr lang="en-US" dirty="0"/>
-            </a:br>
-            <a:endParaRPr lang="en-SE" dirty="0"/>
-          </a:p>
-        </p:txBody>
-      </p:sp>
-      <p:sp>
-        <p:nvSpPr>
           <p:cNvPr id="6" name="TextBox 5">
             <a:extLst>
               <a:ext uri="{FF2B5EF4-FFF2-40B4-BE49-F238E27FC236}">
@@ -3876,6 +3914,35 @@
               <a:rPr lang="en-US" dirty="0"/>
               <a:t>Energy generated</a:t>
             </a:r>
+          </a:p>
+        </p:txBody>
+      </p:sp>
+      <p:sp>
+        <p:nvSpPr>
+          <p:cNvPr id="5" name="Title 4">
+            <a:extLst>
+              <a:ext uri="{FF2B5EF4-FFF2-40B4-BE49-F238E27FC236}">
+                <a16:creationId xmlns:a16="http://schemas.microsoft.com/office/drawing/2014/main" id="{75046C81-3E3B-22F4-38B6-04B59672F716}"/>
+              </a:ext>
+            </a:extLst>
+          </p:cNvPr>
+          <p:cNvSpPr>
+            <a:spLocks noGrp="1"/>
+          </p:cNvSpPr>
+          <p:nvPr>
+            <p:ph type="title"/>
+          </p:nvPr>
+        </p:nvSpPr>
+        <p:spPr/>
+        <p:txBody>
+          <a:bodyPr/>
+          <a:lstStyle/>
+          <a:p>
+            <a:r>
+              <a:rPr lang="en-US" dirty="0"/>
+              <a:t>Power Bi</a:t>
+            </a:r>
+            <a:endParaRPr lang="en-SE" dirty="0"/>
           </a:p>
         </p:txBody>
       </p:sp>

--- a/Presentation1.pptx
+++ b/Presentation1.pptx
@@ -269,7 +269,7 @@
           <a:p>
             <a:fld id="{DF96D516-803A-4DB7-B704-28470E3DC6FA}" type="datetimeFigureOut">
               <a:rPr lang="en-SE" smtClean="0"/>
-              <a:t>2022-08-29</a:t>
+              <a:t>2022-08-30</a:t>
             </a:fld>
             <a:endParaRPr lang="en-SE"/>
           </a:p>
@@ -469,7 +469,7 @@
           <a:p>
             <a:fld id="{DF96D516-803A-4DB7-B704-28470E3DC6FA}" type="datetimeFigureOut">
               <a:rPr lang="en-SE" smtClean="0"/>
-              <a:t>2022-08-29</a:t>
+              <a:t>2022-08-30</a:t>
             </a:fld>
             <a:endParaRPr lang="en-SE"/>
           </a:p>
@@ -679,7 +679,7 @@
           <a:p>
             <a:fld id="{DF96D516-803A-4DB7-B704-28470E3DC6FA}" type="datetimeFigureOut">
               <a:rPr lang="en-SE" smtClean="0"/>
-              <a:t>2022-08-29</a:t>
+              <a:t>2022-08-30</a:t>
             </a:fld>
             <a:endParaRPr lang="en-SE"/>
           </a:p>
@@ -879,7 +879,7 @@
           <a:p>
             <a:fld id="{DF96D516-803A-4DB7-B704-28470E3DC6FA}" type="datetimeFigureOut">
               <a:rPr lang="en-SE" smtClean="0"/>
-              <a:t>2022-08-29</a:t>
+              <a:t>2022-08-30</a:t>
             </a:fld>
             <a:endParaRPr lang="en-SE"/>
           </a:p>
@@ -1155,7 +1155,7 @@
           <a:p>
             <a:fld id="{DF96D516-803A-4DB7-B704-28470E3DC6FA}" type="datetimeFigureOut">
               <a:rPr lang="en-SE" smtClean="0"/>
-              <a:t>2022-08-29</a:t>
+              <a:t>2022-08-30</a:t>
             </a:fld>
             <a:endParaRPr lang="en-SE"/>
           </a:p>
@@ -1423,7 +1423,7 @@
           <a:p>
             <a:fld id="{DF96D516-803A-4DB7-B704-28470E3DC6FA}" type="datetimeFigureOut">
               <a:rPr lang="en-SE" smtClean="0"/>
-              <a:t>2022-08-29</a:t>
+              <a:t>2022-08-30</a:t>
             </a:fld>
             <a:endParaRPr lang="en-SE"/>
           </a:p>
@@ -1838,7 +1838,7 @@
           <a:p>
             <a:fld id="{DF96D516-803A-4DB7-B704-28470E3DC6FA}" type="datetimeFigureOut">
               <a:rPr lang="en-SE" smtClean="0"/>
-              <a:t>2022-08-29</a:t>
+              <a:t>2022-08-30</a:t>
             </a:fld>
             <a:endParaRPr lang="en-SE"/>
           </a:p>
@@ -1980,7 +1980,7 @@
           <a:p>
             <a:fld id="{DF96D516-803A-4DB7-B704-28470E3DC6FA}" type="datetimeFigureOut">
               <a:rPr lang="en-SE" smtClean="0"/>
-              <a:t>2022-08-29</a:t>
+              <a:t>2022-08-30</a:t>
             </a:fld>
             <a:endParaRPr lang="en-SE"/>
           </a:p>
@@ -2093,7 +2093,7 @@
           <a:p>
             <a:fld id="{DF96D516-803A-4DB7-B704-28470E3DC6FA}" type="datetimeFigureOut">
               <a:rPr lang="en-SE" smtClean="0"/>
-              <a:t>2022-08-29</a:t>
+              <a:t>2022-08-30</a:t>
             </a:fld>
             <a:endParaRPr lang="en-SE"/>
           </a:p>
@@ -2406,7 +2406,7 @@
           <a:p>
             <a:fld id="{DF96D516-803A-4DB7-B704-28470E3DC6FA}" type="datetimeFigureOut">
               <a:rPr lang="en-SE" smtClean="0"/>
-              <a:t>2022-08-29</a:t>
+              <a:t>2022-08-30</a:t>
             </a:fld>
             <a:endParaRPr lang="en-SE"/>
           </a:p>
@@ -2695,7 +2695,7 @@
           <a:p>
             <a:fld id="{DF96D516-803A-4DB7-B704-28470E3DC6FA}" type="datetimeFigureOut">
               <a:rPr lang="en-SE" smtClean="0"/>
-              <a:t>2022-08-29</a:t>
+              <a:t>2022-08-30</a:t>
             </a:fld>
             <a:endParaRPr lang="en-SE"/>
           </a:p>
@@ -2938,7 +2938,7 @@
           <a:p>
             <a:fld id="{DF96D516-803A-4DB7-B704-28470E3DC6FA}" type="datetimeFigureOut">
               <a:rPr lang="en-SE" smtClean="0"/>
-              <a:t>2022-08-29</a:t>
+              <a:t>2022-08-30</a:t>
             </a:fld>
             <a:endParaRPr lang="en-SE"/>
           </a:p>
@@ -3386,7 +3386,7 @@
             <a:pPr algn="l"/>
             <a:r>
               <a:rPr lang="en-US" dirty="0"/>
-              <a:t>Energy data, mining &amp; analyzing</a:t>
+              <a:t>Energy Data, Mining &amp; Analyzing</a:t>
             </a:r>
             <a:endParaRPr lang="en-SE" dirty="0"/>
           </a:p>
@@ -3410,13 +3410,13 @@
         </p:nvSpPr>
         <p:spPr>
           <a:xfrm>
-            <a:off x="1684422" y="3730375"/>
+            <a:off x="1524000" y="3204164"/>
             <a:ext cx="9144000" cy="1655762"/>
           </a:xfrm>
         </p:spPr>
         <p:txBody>
           <a:bodyPr>
-            <a:normAutofit lnSpcReduction="10000"/>
+            <a:normAutofit/>
           </a:bodyPr>
           <a:lstStyle/>
           <a:p>
@@ -3425,11 +3425,11 @@
               <a:buChar char="•"/>
             </a:pPr>
             <a:r>
-              <a:rPr lang="en-US" dirty="0" err="1"/>
+              <a:rPr lang="en-US" sz="1800" dirty="0" err="1"/>
               <a:t>Thriveni</a:t>
             </a:r>
             <a:r>
-              <a:rPr lang="en-US" dirty="0"/>
+              <a:rPr lang="en-US" sz="1800" dirty="0"/>
               <a:t> Enugu</a:t>
             </a:r>
           </a:p>
@@ -3439,7 +3439,7 @@
               <a:buChar char="•"/>
             </a:pPr>
             <a:r>
-              <a:rPr lang="en-US" dirty="0"/>
+              <a:rPr lang="en-US" sz="1800" dirty="0"/>
               <a:t>Yuko Olsson Moriya</a:t>
             </a:r>
           </a:p>
@@ -3449,7 +3449,7 @@
               <a:buChar char="•"/>
             </a:pPr>
             <a:r>
-              <a:rPr lang="en-US" dirty="0"/>
+              <a:rPr lang="en-US" sz="1800" dirty="0"/>
               <a:t>Sajjad Ahmed</a:t>
             </a:r>
           </a:p>
@@ -3459,10 +3459,10 @@
               <a:buChar char="•"/>
             </a:pPr>
             <a:r>
-              <a:rPr lang="en-US" dirty="0"/>
+              <a:rPr lang="en-US" sz="1800" dirty="0"/>
               <a:t>Christoffer Brodin</a:t>
             </a:r>
-            <a:endParaRPr lang="en-SE" dirty="0"/>
+            <a:endParaRPr lang="en-SE" sz="1800" dirty="0"/>
           </a:p>
         </p:txBody>
       </p:sp>
@@ -3546,178 +3546,107 @@
           <a:bodyPr/>
           <a:lstStyle/>
           <a:p>
-            <a:r>
-              <a:rPr lang="en-US" dirty="0" err="1"/>
-              <a:t>Stor</a:t>
-            </a:r>
-            <a:r>
-              <a:rPr lang="en-US" dirty="0"/>
-              <a:t> </a:t>
-            </a:r>
-            <a:r>
-              <a:rPr lang="en-US" dirty="0" err="1"/>
-              <a:t>mängd</a:t>
-            </a:r>
-            <a:r>
-              <a:rPr lang="en-US" dirty="0"/>
-              <a:t> data, visa </a:t>
-            </a:r>
-            <a:r>
-              <a:rPr lang="en-US" dirty="0" err="1"/>
-              <a:t>tydligt</a:t>
-            </a:r>
-            <a:r>
-              <a:rPr lang="en-US" dirty="0"/>
-              <a:t> </a:t>
-            </a:r>
-            <a:r>
-              <a:rPr lang="en-US" dirty="0" err="1"/>
-              <a:t>vad</a:t>
-            </a:r>
-            <a:r>
-              <a:rPr lang="en-US" dirty="0"/>
-              <a:t> </a:t>
-            </a:r>
-            <a:r>
-              <a:rPr lang="en-US" dirty="0" err="1"/>
-              <a:t>datan</a:t>
-            </a:r>
-            <a:r>
-              <a:rPr lang="en-US" dirty="0"/>
-              <a:t>, </a:t>
+            <a:pPr algn="l"/>
+            <a:r>
+              <a:rPr lang="en-US" sz="1800" b="0" i="0" dirty="0">
+                <a:effectLst/>
+              </a:rPr>
+              <a:t>Project idea</a:t>
+            </a:r>
+            <a:endParaRPr lang="en-US" b="0" i="0" dirty="0">
+              <a:effectLst/>
+            </a:endParaRPr>
+          </a:p>
+          <a:p>
+            <a:pPr algn="l"/>
+            <a:r>
+              <a:rPr lang="en-US" sz="1800" b="0" i="0" dirty="0">
+                <a:effectLst/>
+              </a:rPr>
+              <a:t>Dataset</a:t>
             </a:r>
             <a:r>
               <a:rPr lang="en-US" b="0" i="0" dirty="0">
                 <a:effectLst/>
-                <a:latin typeface="Inter"/>
               </a:rPr>
-              <a:t>Electricity generation from, measured in terawatt-hours </a:t>
-            </a:r>
-            <a:r>
-              <a:rPr lang="en-US" dirty="0" err="1"/>
-              <a:t>åller</a:t>
-            </a:r>
-            <a:r>
-              <a:rPr lang="en-US" dirty="0"/>
-              <a:t>, consumption measured I </a:t>
-            </a:r>
-            <a:r>
-              <a:rPr lang="en-US" dirty="0" err="1"/>
-              <a:t>terawtt</a:t>
-            </a:r>
-            <a:r>
-              <a:rPr lang="en-US" dirty="0"/>
-              <a:t>-hours, per </a:t>
-            </a:r>
-            <a:r>
-              <a:rPr lang="en-US" dirty="0" err="1"/>
-              <a:t>år</a:t>
-            </a:r>
-            <a:r>
-              <a:rPr lang="en-US" dirty="0"/>
-              <a:t>, </a:t>
-            </a:r>
-            <a:r>
-              <a:rPr lang="en-US" dirty="0" err="1"/>
-              <a:t>går</a:t>
-            </a:r>
-            <a:r>
-              <a:rPr lang="en-US" dirty="0"/>
-              <a:t> det </a:t>
-            </a:r>
-            <a:r>
-              <a:rPr lang="en-US" dirty="0" err="1"/>
-              <a:t>att</a:t>
-            </a:r>
-            <a:r>
-              <a:rPr lang="en-US" dirty="0"/>
               <a:t> </a:t>
             </a:r>
             <a:r>
-              <a:rPr lang="en-US" dirty="0" err="1"/>
-              <a:t>använda</a:t>
-            </a:r>
-            <a:r>
-              <a:rPr lang="en-US" dirty="0"/>
-              <a:t>, och I </a:t>
-            </a:r>
-            <a:r>
-              <a:rPr lang="en-US" dirty="0" err="1"/>
-              <a:t>vilket</a:t>
-            </a:r>
-            <a:r>
-              <a:rPr lang="en-US" dirty="0"/>
-              <a:t> </a:t>
-            </a:r>
-            <a:r>
-              <a:rPr lang="en-US" dirty="0" err="1"/>
-              <a:t>sammanhang</a:t>
-            </a:r>
-            <a:r>
-              <a:rPr lang="en-US" dirty="0"/>
-              <a:t>, the use of it, </a:t>
-            </a:r>
-            <a:r>
-              <a:rPr lang="en-US" dirty="0" err="1"/>
-              <a:t>hur</a:t>
-            </a:r>
-            <a:r>
-              <a:rPr lang="en-US" dirty="0"/>
-              <a:t> det </a:t>
-            </a:r>
-            <a:r>
-              <a:rPr lang="en-US" dirty="0" err="1"/>
-              <a:t>går</a:t>
-            </a:r>
-            <a:r>
-              <a:rPr lang="en-US" dirty="0"/>
-              <a:t> </a:t>
-            </a:r>
-            <a:r>
-              <a:rPr lang="en-US" dirty="0" err="1"/>
-              <a:t>att</a:t>
-            </a:r>
-            <a:r>
-              <a:rPr lang="en-US" dirty="0"/>
-              <a:t> </a:t>
-            </a:r>
-            <a:r>
-              <a:rPr lang="en-US" dirty="0" err="1"/>
-              <a:t>applicera</a:t>
-            </a:r>
-            <a:r>
-              <a:rPr lang="en-US" dirty="0"/>
-              <a:t>. </a:t>
-            </a:r>
-          </a:p>
-          <a:p>
-            <a:r>
-              <a:rPr lang="en-US" dirty="0">
-                <a:hlinkClick r:id="rId2"/>
+              <a:rPr lang="en-US" sz="1800" b="0" i="0" dirty="0">
+                <a:effectLst/>
+              </a:rPr>
+              <a:t>- World Energy Consumption from </a:t>
+            </a:r>
+            <a:r>
+              <a:rPr lang="en-US" sz="1800" b="0" i="0" dirty="0">
+                <a:effectLst/>
+                <a:hlinkClick r:id="rId2" tooltip="https://www.kaggle.com/datasets/pralabhpoudel/world-energy-consumption"/>
               </a:rPr>
               <a:t>Kaggle</a:t>
             </a:r>
-            <a:endParaRPr lang="en-US" dirty="0"/>
-          </a:p>
-          <a:p>
-            <a:r>
-              <a:rPr lang="en-US" dirty="0"/>
-              <a:t>Python, SQL, Database, Power Bi, Dash, Machine Learning, Linear Regression, ETL, </a:t>
-            </a:r>
-            <a:r>
-              <a:rPr lang="en-US" dirty="0" err="1"/>
-              <a:t>GiT</a:t>
-            </a:r>
-            <a:r>
-              <a:rPr lang="en-US" dirty="0"/>
-              <a:t>, API</a:t>
-            </a:r>
-          </a:p>
-          <a:p>
-            <a:r>
-              <a:rPr lang="en-US" dirty="0"/>
-              <a:t>Sustainability: generate/produce energy from </a:t>
-            </a:r>
+            <a:endParaRPr lang="en-US" b="0" i="0" dirty="0">
+              <a:effectLst/>
+            </a:endParaRPr>
+          </a:p>
+          <a:p>
+            <a:pPr algn="l"/>
+            <a:r>
+              <a:rPr lang="en-US" sz="1800" b="0" i="0" dirty="0">
+                <a:effectLst/>
+              </a:rPr>
+              <a:t>Purpose</a:t>
+            </a:r>
+            <a:endParaRPr lang="en-US" b="0" i="0" dirty="0">
+              <a:effectLst/>
+            </a:endParaRPr>
+          </a:p>
+          <a:p>
+            <a:pPr algn="l"/>
+            <a:r>
+              <a:rPr lang="en-US" sz="1800" b="0" i="0" dirty="0">
+                <a:effectLst/>
+              </a:rPr>
+              <a:t>Accomplishment</a:t>
+            </a:r>
+            <a:endParaRPr lang="en-US" b="0" i="0" dirty="0">
+              <a:effectLst/>
+            </a:endParaRPr>
+          </a:p>
+          <a:p>
+            <a:pPr algn="l"/>
+            <a:r>
+              <a:rPr lang="en-US" sz="1800" b="0" i="0" dirty="0">
+                <a:effectLst/>
+              </a:rPr>
+              <a:t>Technology -</a:t>
+            </a:r>
+            <a:r>
+              <a:rPr lang="en-US" b="0" i="0" dirty="0">
+                <a:effectLst/>
+              </a:rPr>
+              <a:t> </a:t>
+            </a:r>
+            <a:r>
+              <a:rPr lang="en-US" sz="1800" b="0" i="0" dirty="0">
+                <a:effectLst/>
+              </a:rPr>
+              <a:t>Python, SQL, Database, Power Bi, Dash, Machine Learning, Linear Regression, ETL, Git, API</a:t>
+            </a:r>
+            <a:endParaRPr lang="en-US" b="0" i="0" dirty="0">
+              <a:effectLst/>
+            </a:endParaRPr>
+          </a:p>
+          <a:p>
+            <a:pPr algn="l"/>
+            <a:r>
+              <a:rPr lang="en-US" sz="1800" b="0" i="0" dirty="0">
+                <a:effectLst/>
+              </a:rPr>
+              <a:t>Sustainability</a:t>
+            </a:r>
+            <a:endParaRPr lang="en-US" b="0" i="0" dirty="0">
+              <a:effectLst/>
+            </a:endParaRPr>
           </a:p>
           <a:p>
             <a:endParaRPr lang="en-SE" dirty="0"/>
@@ -3873,7 +3802,7 @@
         <p:spPr>
           <a:xfrm>
             <a:off x="948906" y="1699404"/>
-            <a:ext cx="3519577" cy="923330"/>
+            <a:ext cx="3519577" cy="646331"/>
           </a:xfrm>
           <a:prstGeom prst="rect">
             <a:avLst/>
@@ -3903,16 +3832,6 @@
             <a:r>
               <a:rPr lang="en-US" dirty="0"/>
               <a:t>Electricity source distribution</a:t>
-            </a:r>
-          </a:p>
-          <a:p>
-            <a:pPr marL="285750" indent="-285750">
-              <a:buFont typeface="Arial" panose="020B0604020202020204" pitchFamily="34" charset="0"/>
-              <a:buChar char="•"/>
-            </a:pPr>
-            <a:r>
-              <a:rPr lang="en-US" dirty="0"/>
-              <a:t>Energy generated</a:t>
             </a:r>
           </a:p>
         </p:txBody>
@@ -4033,14 +3952,41 @@
           </a:bodyPr>
           <a:lstStyle/>
           <a:p>
+            <a:pPr marL="0" indent="0" algn="l">
+              <a:buNone/>
+            </a:pPr>
+            <a:r>
+              <a:rPr lang="en-US" sz="1800" dirty="0"/>
+              <a:t>Who’s been doing what?</a:t>
+            </a:r>
+          </a:p>
+          <a:p>
+            <a:pPr marL="0" indent="0" algn="l">
+              <a:buNone/>
+            </a:pPr>
+            <a:endParaRPr lang="en-US" sz="1800" dirty="0"/>
+          </a:p>
+          <a:p>
             <a:pPr marL="342900" indent="-342900" algn="l">
               <a:buFont typeface="Arial" panose="020B0604020202020204" pitchFamily="34" charset="0"/>
               <a:buChar char="•"/>
             </a:pPr>
             <a:r>
-              <a:rPr lang="en-US" dirty="0"/>
-              <a:t>Who’s been doing what?</a:t>
-            </a:r>
+              <a:rPr lang="en-US" sz="1800" dirty="0" err="1"/>
+              <a:t>Thriveni</a:t>
+            </a:r>
+            <a:r>
+              <a:rPr lang="en-US" sz="1800" dirty="0"/>
+              <a:t> Enugu, Group </a:t>
+            </a:r>
+            <a:r>
+              <a:rPr lang="en-US" sz="1800" b="0" i="0" dirty="0">
+                <a:effectLst/>
+                <a:latin typeface="Arial" panose="020B0604020202020204" pitchFamily="34" charset="0"/>
+              </a:rPr>
+              <a:t>manager</a:t>
+            </a:r>
+            <a:endParaRPr lang="en-US" sz="1800" dirty="0"/>
           </a:p>
           <a:p>
             <a:pPr marL="342900" indent="-342900" algn="l">
@@ -4048,40 +3994,24 @@
               <a:buChar char="•"/>
             </a:pPr>
             <a:r>
-              <a:rPr lang="en-US" dirty="0" err="1"/>
-              <a:t>Thriveni</a:t>
-            </a:r>
-            <a:r>
-              <a:rPr lang="en-US" dirty="0"/>
-              <a:t> Enugu, scrum, Power Bi, SQL, machine learning</a:t>
+              <a:rPr lang="en-US" sz="1800" dirty="0"/>
+              <a:t>Yuko Olsson Moriya, Scrum-master</a:t>
             </a:r>
           </a:p>
           <a:p>
             <a:pPr marL="342900" indent="-342900"/>
             <a:r>
-              <a:rPr lang="en-US" dirty="0"/>
-              <a:t>Yuko Olsson Moriya, Power Bi, documentation, machine learning</a:t>
+              <a:rPr lang="en-US" sz="1800" dirty="0"/>
+              <a:t>Sajjad Ahmed, Testing</a:t>
             </a:r>
           </a:p>
           <a:p>
             <a:pPr marL="342900" indent="-342900"/>
             <a:r>
-              <a:rPr lang="en-US" dirty="0"/>
-              <a:t>Sajjad Ahmed, Testing, Power Bi, machine learning,</a:t>
-            </a:r>
-          </a:p>
-          <a:p>
-            <a:pPr marL="342900" indent="-342900"/>
-            <a:r>
-              <a:rPr lang="en-US" dirty="0"/>
-              <a:t>Christoffer Brodin, Git, python, machine learning, Dash</a:t>
-            </a:r>
-          </a:p>
-          <a:p>
-            <a:pPr marL="0" indent="0" algn="l">
-              <a:buNone/>
-            </a:pPr>
-            <a:endParaRPr lang="en-SE" dirty="0"/>
+              <a:rPr lang="en-US" sz="1800" dirty="0"/>
+              <a:t>Christoffer Brodin, Git-manager</a:t>
+            </a:r>
+            <a:endParaRPr lang="en-SE" sz="1800" dirty="0"/>
           </a:p>
           <a:p>
             <a:pPr marL="0" indent="0" algn="l">
@@ -4158,11 +4088,15 @@
           <a:bodyPr/>
           <a:lstStyle/>
           <a:p>
-            <a:r>
-              <a:rPr lang="en-US" dirty="0"/>
-              <a:t>Project group:</a:t>
-            </a:r>
-            <a:endParaRPr lang="en-SE" dirty="0"/>
+            <a:pPr marL="0" indent="0" algn="l">
+              <a:buNone/>
+            </a:pPr>
+            <a:r>
+              <a:rPr lang="en-US" sz="4400" dirty="0">
+                <a:latin typeface="-apple-system"/>
+              </a:rPr>
+              <a:t>Agile methodology:</a:t>
+            </a:r>
           </a:p>
         </p:txBody>
       </p:sp>
@@ -4190,7 +4124,7 @@
         </p:spPr>
         <p:txBody>
           <a:bodyPr>
-            <a:normAutofit lnSpcReduction="10000"/>
+            <a:normAutofit/>
           </a:bodyPr>
           <a:lstStyle/>
           <a:p>
@@ -4200,144 +4134,33 @@
             <a:endParaRPr lang="en-US" dirty="0"/>
           </a:p>
           <a:p>
-            <a:pPr marL="342900" indent="-342900" algn="l">
-              <a:buFont typeface="Arial" panose="020B0604020202020204" pitchFamily="34" charset="0"/>
-              <a:buChar char="•"/>
-            </a:pPr>
-            <a:r>
-              <a:rPr lang="en-US" dirty="0"/>
-              <a:t>Agile methodology:</a:t>
-            </a:r>
-          </a:p>
-          <a:p>
-            <a:pPr marL="342900" indent="-342900" algn="l">
-              <a:buFont typeface="Arial" panose="020B0604020202020204" pitchFamily="34" charset="0"/>
-              <a:buChar char="•"/>
-            </a:pPr>
-            <a:r>
-              <a:rPr lang="sv-SE" b="0" i="0" dirty="0">
-                <a:effectLst/>
-                <a:latin typeface="Arial" panose="020B0604020202020204" pitchFamily="34" charset="0"/>
-              </a:rPr>
-              <a:t>Välkomna förändrade krav, även sent </a:t>
-            </a:r>
-            <a:br>
-              <a:rPr lang="sv-SE" dirty="0"/>
-            </a:br>
-            <a:r>
-              <a:rPr lang="sv-SE" b="0" i="0" dirty="0">
-                <a:effectLst/>
-                <a:latin typeface="Arial" panose="020B0604020202020204" pitchFamily="34" charset="0"/>
-              </a:rPr>
-              <a:t>under utvecklingen. </a:t>
-            </a:r>
-            <a:r>
-              <a:rPr lang="sv-SE" b="0" i="0" dirty="0" err="1">
-                <a:effectLst/>
-                <a:latin typeface="Arial" panose="020B0604020202020204" pitchFamily="34" charset="0"/>
-              </a:rPr>
-              <a:t>Agila</a:t>
-            </a:r>
-            <a:r>
-              <a:rPr lang="sv-SE" b="0" i="0" dirty="0">
-                <a:effectLst/>
-                <a:latin typeface="Arial" panose="020B0604020202020204" pitchFamily="34" charset="0"/>
-              </a:rPr>
-              <a:t> metoder </a:t>
-            </a:r>
-            <a:br>
-              <a:rPr lang="sv-SE" dirty="0"/>
-            </a:br>
-            <a:r>
-              <a:rPr lang="sv-SE" b="0" i="0" dirty="0">
-                <a:effectLst/>
-                <a:latin typeface="Arial" panose="020B0604020202020204" pitchFamily="34" charset="0"/>
-              </a:rPr>
-              <a:t>utnyttjar förändring till kundens </a:t>
-            </a:r>
-            <a:br>
-              <a:rPr lang="sv-SE" dirty="0"/>
-            </a:br>
-            <a:r>
-              <a:rPr lang="sv-SE" b="0" i="0" dirty="0">
-                <a:effectLst/>
-                <a:latin typeface="Arial" panose="020B0604020202020204" pitchFamily="34" charset="0"/>
-              </a:rPr>
-              <a:t>konkurrensfördel.</a:t>
-            </a:r>
-          </a:p>
-          <a:p>
-            <a:pPr marL="342900" indent="-342900" algn="l">
-              <a:buFont typeface="Arial" panose="020B0604020202020204" pitchFamily="34" charset="0"/>
-              <a:buChar char="•"/>
-            </a:pPr>
-            <a:r>
-              <a:rPr lang="sv-SE" b="0" i="0" dirty="0">
-                <a:effectLst/>
-                <a:latin typeface="Arial" panose="020B0604020202020204" pitchFamily="34" charset="0"/>
-              </a:rPr>
-              <a:t>Verksamhetskunniga och utvecklare </a:t>
-            </a:r>
-            <a:br>
-              <a:rPr lang="sv-SE" dirty="0"/>
-            </a:br>
-            <a:r>
-              <a:rPr lang="sv-SE" b="0" i="0" dirty="0">
-                <a:effectLst/>
-                <a:latin typeface="Arial" panose="020B0604020202020204" pitchFamily="34" charset="0"/>
-              </a:rPr>
-              <a:t>måste arbeta tillsammans dagligen </a:t>
-            </a:r>
-            <a:br>
-              <a:rPr lang="sv-SE" dirty="0"/>
-            </a:br>
-            <a:r>
-              <a:rPr lang="sv-SE" b="0" i="0" dirty="0">
-                <a:effectLst/>
-                <a:latin typeface="Arial" panose="020B0604020202020204" pitchFamily="34" charset="0"/>
-              </a:rPr>
-              <a:t>under hela projektet. </a:t>
-            </a:r>
-          </a:p>
-          <a:p>
-            <a:pPr marL="342900" indent="-342900" algn="l">
-              <a:buFont typeface="Arial" panose="020B0604020202020204" pitchFamily="34" charset="0"/>
-              <a:buChar char="•"/>
-            </a:pPr>
-            <a:r>
-              <a:rPr lang="sv-SE" b="0" i="0" dirty="0">
-                <a:effectLst/>
-                <a:latin typeface="Arial" panose="020B0604020202020204" pitchFamily="34" charset="0"/>
-              </a:rPr>
-              <a:t>Dagliga möten, på morgonen, vad alla skall göra, </a:t>
-            </a:r>
-            <a:r>
-              <a:rPr lang="sv-SE" b="0" i="0" dirty="0" err="1">
-                <a:effectLst/>
-                <a:latin typeface="Arial" panose="020B0604020202020204" pitchFamily="34" charset="0"/>
-              </a:rPr>
-              <a:t>avlustande</a:t>
-            </a:r>
-            <a:r>
-              <a:rPr lang="sv-SE" b="0" i="0" dirty="0">
-                <a:effectLst/>
-                <a:latin typeface="Arial" panose="020B0604020202020204" pitchFamily="34" charset="0"/>
-              </a:rPr>
-              <a:t> möte vid dagens slut, vad har vi </a:t>
-            </a:r>
-            <a:r>
-              <a:rPr lang="sv-SE" b="0" i="0" dirty="0" err="1">
-                <a:effectLst/>
-                <a:latin typeface="Arial" panose="020B0604020202020204" pitchFamily="34" charset="0"/>
-              </a:rPr>
-              <a:t>åstakommit</a:t>
-            </a:r>
-            <a:r>
-              <a:rPr lang="sv-SE" b="0" i="0" dirty="0">
-                <a:effectLst/>
-                <a:latin typeface="Arial" panose="020B0604020202020204" pitchFamily="34" charset="0"/>
-              </a:rPr>
-              <a:t>, vad har varit problematiskt, bra osv.</a:t>
+            <a:r>
+              <a:rPr lang="en-US" sz="1800" dirty="0"/>
+              <a:t>Daily Scrum</a:t>
+            </a:r>
+          </a:p>
+          <a:p>
+            <a:r>
+              <a:rPr lang="en-US" sz="1800" dirty="0"/>
+              <a:t>Distribution of tasks</a:t>
+            </a:r>
+          </a:p>
+          <a:p>
+            <a:r>
+              <a:rPr lang="en-US" sz="1800" dirty="0"/>
+              <a:t>Setting up goals for the day</a:t>
+            </a:r>
+          </a:p>
+          <a:p>
+            <a:r>
+              <a:rPr lang="en-US" sz="1800" dirty="0"/>
+              <a:t>Make sure everyone is equally active and participating on developing an ongoing product</a:t>
+            </a:r>
+          </a:p>
+          <a:p>
+            <a:r>
+              <a:rPr lang="en-US" sz="1800" dirty="0"/>
+              <a:t>End of the day meeting</a:t>
             </a:r>
           </a:p>
           <a:p>
@@ -4418,7 +4241,7 @@
           <a:p>
             <a:r>
               <a:rPr lang="en-US" dirty="0"/>
-              <a:t>Project group:</a:t>
+              <a:t>Challenges:</a:t>
             </a:r>
             <a:endParaRPr lang="en-SE" dirty="0"/>
           </a:p>
@@ -4442,8 +4265,8 @@
         </p:nvSpPr>
         <p:spPr>
           <a:xfrm>
-            <a:off x="838200" y="1360403"/>
-            <a:ext cx="10515600" cy="5132472"/>
+            <a:off x="838200" y="1389917"/>
+            <a:ext cx="10515600" cy="2068597"/>
           </a:xfrm>
         </p:spPr>
         <p:txBody>
@@ -4451,122 +4274,6 @@
             <a:normAutofit/>
           </a:bodyPr>
           <a:lstStyle/>
-          <a:p>
-            <a:pPr marL="342900" indent="-342900" algn="l">
-              <a:buFont typeface="Arial" panose="020B0604020202020204" pitchFamily="34" charset="0"/>
-              <a:buChar char="•"/>
-            </a:pPr>
-            <a:r>
-              <a:rPr lang="en-US" dirty="0"/>
-              <a:t>Challenges</a:t>
-            </a:r>
-          </a:p>
-          <a:p>
-            <a:pPr marL="342900" indent="-342900" algn="l">
-              <a:buFont typeface="Arial" panose="020B0604020202020204" pitchFamily="34" charset="0"/>
-              <a:buChar char="•"/>
-            </a:pPr>
-            <a:r>
-              <a:rPr lang="en-US" dirty="0"/>
-              <a:t>Dataset,  find a good data set, what can we do with it?</a:t>
-            </a:r>
-          </a:p>
-          <a:p>
-            <a:pPr marL="342900" indent="-342900" algn="l">
-              <a:buFont typeface="Arial" panose="020B0604020202020204" pitchFamily="34" charset="0"/>
-              <a:buChar char="•"/>
-            </a:pPr>
-            <a:r>
-              <a:rPr lang="en-US" dirty="0"/>
-              <a:t>What techniques should we use?</a:t>
-            </a:r>
-          </a:p>
-          <a:p>
-            <a:pPr marL="342900" indent="-342900" algn="l">
-              <a:buFont typeface="Arial" panose="020B0604020202020204" pitchFamily="34" charset="0"/>
-              <a:buChar char="•"/>
-            </a:pPr>
-            <a:r>
-              <a:rPr lang="en-US" dirty="0"/>
-              <a:t>Machine Learning, hade inte så </a:t>
-            </a:r>
-            <a:r>
-              <a:rPr lang="en-US" dirty="0" err="1"/>
-              <a:t>mycket</a:t>
-            </a:r>
-            <a:r>
-              <a:rPr lang="en-US" dirty="0"/>
-              <a:t> </a:t>
-            </a:r>
-            <a:r>
-              <a:rPr lang="en-US" dirty="0" err="1"/>
-              <a:t>kunskap</a:t>
-            </a:r>
-            <a:r>
-              <a:rPr lang="en-US" dirty="0"/>
-              <a:t>,</a:t>
-            </a:r>
-          </a:p>
-          <a:p>
-            <a:pPr marL="342900" indent="-342900" algn="l">
-              <a:buFont typeface="Arial" panose="020B0604020202020204" pitchFamily="34" charset="0"/>
-              <a:buChar char="•"/>
-            </a:pPr>
-            <a:r>
-              <a:rPr lang="en-US" dirty="0"/>
-              <a:t>Learnings:</a:t>
-            </a:r>
-          </a:p>
-          <a:p>
-            <a:pPr marL="342900" indent="-342900" algn="l">
-              <a:buFont typeface="Arial" panose="020B0604020202020204" pitchFamily="34" charset="0"/>
-              <a:buChar char="•"/>
-            </a:pPr>
-            <a:r>
-              <a:rPr lang="en-US" dirty="0"/>
-              <a:t>Regression, greater understanding</a:t>
-            </a:r>
-          </a:p>
-          <a:p>
-            <a:pPr marL="342900" indent="-342900" algn="l">
-              <a:buFont typeface="Arial" panose="020B0604020202020204" pitchFamily="34" charset="0"/>
-              <a:buChar char="•"/>
-            </a:pPr>
-            <a:r>
-              <a:rPr lang="en-US" dirty="0"/>
-              <a:t>Dash in combination with Machine learning</a:t>
-            </a:r>
-          </a:p>
-          <a:p>
-            <a:pPr marL="342900" indent="-342900" algn="l">
-              <a:buFont typeface="Arial" panose="020B0604020202020204" pitchFamily="34" charset="0"/>
-              <a:buChar char="•"/>
-            </a:pPr>
-            <a:r>
-              <a:rPr lang="en-US" dirty="0"/>
-              <a:t>Power Bi, connecting to Database</a:t>
-            </a:r>
-          </a:p>
-          <a:p>
-            <a:pPr marL="342900" indent="-342900" algn="l">
-              <a:buFont typeface="Arial" panose="020B0604020202020204" pitchFamily="34" charset="0"/>
-              <a:buChar char="•"/>
-            </a:pPr>
-            <a:r>
-              <a:rPr lang="en-US" dirty="0"/>
-              <a:t>From dataset to the finish product</a:t>
-            </a:r>
-          </a:p>
-          <a:p>
-            <a:pPr marL="342900" indent="-342900" algn="l">
-              <a:buFont typeface="Arial" panose="020B0604020202020204" pitchFamily="34" charset="0"/>
-              <a:buChar char="•"/>
-            </a:pPr>
-            <a:r>
-              <a:rPr lang="en-US" dirty="0"/>
-              <a:t>Agile</a:t>
-            </a:r>
-          </a:p>
           <a:p>
             <a:pPr marL="342900" indent="-342900" algn="l">
               <a:buFont typeface="Arial" panose="020B0604020202020204" pitchFamily="34" charset="0"/>
@@ -4579,6 +4286,30 @@
               <a:buFont typeface="Arial" panose="020B0604020202020204" pitchFamily="34" charset="0"/>
               <a:buChar char="•"/>
             </a:pPr>
+            <a:r>
+              <a:rPr lang="en-US" sz="1800" dirty="0"/>
+              <a:t>Dataset,  find a good data set, what can we do with it?</a:t>
+            </a:r>
+          </a:p>
+          <a:p>
+            <a:pPr marL="342900" indent="-342900" algn="l">
+              <a:buFont typeface="Arial" panose="020B0604020202020204" pitchFamily="34" charset="0"/>
+              <a:buChar char="•"/>
+            </a:pPr>
+            <a:r>
+              <a:rPr lang="en-US" sz="1800" dirty="0"/>
+              <a:t>What techniques should we use?</a:t>
+            </a:r>
+          </a:p>
+          <a:p>
+            <a:pPr marL="342900" indent="-342900" algn="l">
+              <a:buFont typeface="Arial" panose="020B0604020202020204" pitchFamily="34" charset="0"/>
+              <a:buChar char="•"/>
+            </a:pPr>
+            <a:r>
+              <a:rPr lang="en-US" sz="1800" dirty="0"/>
+              <a:t>Machine Learning</a:t>
+            </a:r>
             <a:endParaRPr lang="en-US" dirty="0"/>
           </a:p>
           <a:p>
@@ -4589,12 +4320,331 @@
             <a:endParaRPr lang="en-US" dirty="0"/>
           </a:p>
           <a:p>
-            <a:pPr marL="0" indent="0" algn="l">
-              <a:buNone/>
+            <a:pPr marL="342900" indent="-342900" algn="l">
+              <a:buFont typeface="Arial" panose="020B0604020202020204" pitchFamily="34" charset="0"/>
+              <a:buChar char="•"/>
             </a:pPr>
             <a:endParaRPr lang="en-US" dirty="0"/>
           </a:p>
           <a:p>
+            <a:pPr marL="342900" indent="-342900" algn="l">
+              <a:buFont typeface="Arial" panose="020B0604020202020204" pitchFamily="34" charset="0"/>
+              <a:buChar char="•"/>
+            </a:pPr>
+            <a:endParaRPr lang="en-US" dirty="0"/>
+          </a:p>
+          <a:p>
+            <a:pPr marL="0" indent="0" algn="l">
+              <a:buNone/>
+            </a:pPr>
+            <a:endParaRPr lang="en-US" dirty="0"/>
+          </a:p>
+          <a:p>
+            <a:endParaRPr lang="en-SE" dirty="0"/>
+          </a:p>
+        </p:txBody>
+      </p:sp>
+      <p:sp>
+        <p:nvSpPr>
+          <p:cNvPr id="4" name="Content Placeholder 2">
+            <a:extLst>
+              <a:ext uri="{FF2B5EF4-FFF2-40B4-BE49-F238E27FC236}">
+                <a16:creationId xmlns:a16="http://schemas.microsoft.com/office/drawing/2014/main" id="{492E61BD-4609-26D5-8712-38705749C8F4}"/>
+              </a:ext>
+            </a:extLst>
+          </p:cNvPr>
+          <p:cNvSpPr txBox="1">
+            <a:spLocks/>
+          </p:cNvSpPr>
+          <p:nvPr/>
+        </p:nvSpPr>
+        <p:spPr>
+          <a:xfrm>
+            <a:off x="838200" y="4424278"/>
+            <a:ext cx="10515600" cy="1796865"/>
+          </a:xfrm>
+          <a:prstGeom prst="rect">
+            <a:avLst/>
+          </a:prstGeom>
+        </p:spPr>
+        <p:txBody>
+          <a:bodyPr vert="horz" lIns="91440" tIns="45720" rIns="91440" bIns="45720" rtlCol="0">
+            <a:noAutofit/>
+          </a:bodyPr>
+          <a:lstStyle>
+            <a:lvl1pPr marL="228600" indent="-228600" algn="l" defTabSz="914400" rtl="0" eaLnBrk="1" latinLnBrk="0" hangingPunct="1">
+              <a:lnSpc>
+                <a:spcPct val="90000"/>
+              </a:lnSpc>
+              <a:spcBef>
+                <a:spcPts val="1000"/>
+              </a:spcBef>
+              <a:buFont typeface="Arial" panose="020B0604020202020204" pitchFamily="34" charset="0"/>
+              <a:buChar char="•"/>
+              <a:defRPr sz="2800" kern="1200">
+                <a:solidFill>
+                  <a:schemeClr val="tx1"/>
+                </a:solidFill>
+                <a:latin typeface="+mn-lt"/>
+                <a:ea typeface="+mn-ea"/>
+                <a:cs typeface="+mn-cs"/>
+              </a:defRPr>
+            </a:lvl1pPr>
+            <a:lvl2pPr marL="685800" indent="-228600" algn="l" defTabSz="914400" rtl="0" eaLnBrk="1" latinLnBrk="0" hangingPunct="1">
+              <a:lnSpc>
+                <a:spcPct val="90000"/>
+              </a:lnSpc>
+              <a:spcBef>
+                <a:spcPts val="500"/>
+              </a:spcBef>
+              <a:buFont typeface="Arial" panose="020B0604020202020204" pitchFamily="34" charset="0"/>
+              <a:buChar char="•"/>
+              <a:defRPr sz="2400" kern="1200">
+                <a:solidFill>
+                  <a:schemeClr val="tx1"/>
+                </a:solidFill>
+                <a:latin typeface="+mn-lt"/>
+                <a:ea typeface="+mn-ea"/>
+                <a:cs typeface="+mn-cs"/>
+              </a:defRPr>
+            </a:lvl2pPr>
+            <a:lvl3pPr marL="1143000" indent="-228600" algn="l" defTabSz="914400" rtl="0" eaLnBrk="1" latinLnBrk="0" hangingPunct="1">
+              <a:lnSpc>
+                <a:spcPct val="90000"/>
+              </a:lnSpc>
+              <a:spcBef>
+                <a:spcPts val="500"/>
+              </a:spcBef>
+              <a:buFont typeface="Arial" panose="020B0604020202020204" pitchFamily="34" charset="0"/>
+              <a:buChar char="•"/>
+              <a:defRPr sz="2000" kern="1200">
+                <a:solidFill>
+                  <a:schemeClr val="tx1"/>
+                </a:solidFill>
+                <a:latin typeface="+mn-lt"/>
+                <a:ea typeface="+mn-ea"/>
+                <a:cs typeface="+mn-cs"/>
+              </a:defRPr>
+            </a:lvl3pPr>
+            <a:lvl4pPr marL="1600200" indent="-228600" algn="l" defTabSz="914400" rtl="0" eaLnBrk="1" latinLnBrk="0" hangingPunct="1">
+              <a:lnSpc>
+                <a:spcPct val="90000"/>
+              </a:lnSpc>
+              <a:spcBef>
+                <a:spcPts val="500"/>
+              </a:spcBef>
+              <a:buFont typeface="Arial" panose="020B0604020202020204" pitchFamily="34" charset="0"/>
+              <a:buChar char="•"/>
+              <a:defRPr sz="1800" kern="1200">
+                <a:solidFill>
+                  <a:schemeClr val="tx1"/>
+                </a:solidFill>
+                <a:latin typeface="+mn-lt"/>
+                <a:ea typeface="+mn-ea"/>
+                <a:cs typeface="+mn-cs"/>
+              </a:defRPr>
+            </a:lvl4pPr>
+            <a:lvl5pPr marL="2057400" indent="-228600" algn="l" defTabSz="914400" rtl="0" eaLnBrk="1" latinLnBrk="0" hangingPunct="1">
+              <a:lnSpc>
+                <a:spcPct val="90000"/>
+              </a:lnSpc>
+              <a:spcBef>
+                <a:spcPts val="500"/>
+              </a:spcBef>
+              <a:buFont typeface="Arial" panose="020B0604020202020204" pitchFamily="34" charset="0"/>
+              <a:buChar char="•"/>
+              <a:defRPr sz="1800" kern="1200">
+                <a:solidFill>
+                  <a:schemeClr val="tx1"/>
+                </a:solidFill>
+                <a:latin typeface="+mn-lt"/>
+                <a:ea typeface="+mn-ea"/>
+                <a:cs typeface="+mn-cs"/>
+              </a:defRPr>
+            </a:lvl5pPr>
+            <a:lvl6pPr marL="2514600" indent="-228600" algn="l" defTabSz="914400" rtl="0" eaLnBrk="1" latinLnBrk="0" hangingPunct="1">
+              <a:lnSpc>
+                <a:spcPct val="90000"/>
+              </a:lnSpc>
+              <a:spcBef>
+                <a:spcPts val="500"/>
+              </a:spcBef>
+              <a:buFont typeface="Arial" panose="020B0604020202020204" pitchFamily="34" charset="0"/>
+              <a:buChar char="•"/>
+              <a:defRPr sz="1800" kern="1200">
+                <a:solidFill>
+                  <a:schemeClr val="tx1"/>
+                </a:solidFill>
+                <a:latin typeface="+mn-lt"/>
+                <a:ea typeface="+mn-ea"/>
+                <a:cs typeface="+mn-cs"/>
+              </a:defRPr>
+            </a:lvl6pPr>
+            <a:lvl7pPr marL="2971800" indent="-228600" algn="l" defTabSz="914400" rtl="0" eaLnBrk="1" latinLnBrk="0" hangingPunct="1">
+              <a:lnSpc>
+                <a:spcPct val="90000"/>
+              </a:lnSpc>
+              <a:spcBef>
+                <a:spcPts val="500"/>
+              </a:spcBef>
+              <a:buFont typeface="Arial" panose="020B0604020202020204" pitchFamily="34" charset="0"/>
+              <a:buChar char="•"/>
+              <a:defRPr sz="1800" kern="1200">
+                <a:solidFill>
+                  <a:schemeClr val="tx1"/>
+                </a:solidFill>
+                <a:latin typeface="+mn-lt"/>
+                <a:ea typeface="+mn-ea"/>
+                <a:cs typeface="+mn-cs"/>
+              </a:defRPr>
+            </a:lvl7pPr>
+            <a:lvl8pPr marL="3429000" indent="-228600" algn="l" defTabSz="914400" rtl="0" eaLnBrk="1" latinLnBrk="0" hangingPunct="1">
+              <a:lnSpc>
+                <a:spcPct val="90000"/>
+              </a:lnSpc>
+              <a:spcBef>
+                <a:spcPts val="500"/>
+              </a:spcBef>
+              <a:buFont typeface="Arial" panose="020B0604020202020204" pitchFamily="34" charset="0"/>
+              <a:buChar char="•"/>
+              <a:defRPr sz="1800" kern="1200">
+                <a:solidFill>
+                  <a:schemeClr val="tx1"/>
+                </a:solidFill>
+                <a:latin typeface="+mn-lt"/>
+                <a:ea typeface="+mn-ea"/>
+                <a:cs typeface="+mn-cs"/>
+              </a:defRPr>
+            </a:lvl8pPr>
+            <a:lvl9pPr marL="3886200" indent="-228600" algn="l" defTabSz="914400" rtl="0" eaLnBrk="1" latinLnBrk="0" hangingPunct="1">
+              <a:lnSpc>
+                <a:spcPct val="90000"/>
+              </a:lnSpc>
+              <a:spcBef>
+                <a:spcPts val="500"/>
+              </a:spcBef>
+              <a:buFont typeface="Arial" panose="020B0604020202020204" pitchFamily="34" charset="0"/>
+              <a:buChar char="•"/>
+              <a:defRPr sz="1800" kern="1200">
+                <a:solidFill>
+                  <a:schemeClr val="tx1"/>
+                </a:solidFill>
+                <a:latin typeface="+mn-lt"/>
+                <a:ea typeface="+mn-ea"/>
+                <a:cs typeface="+mn-cs"/>
+              </a:defRPr>
+            </a:lvl9pPr>
+          </a:lstStyle>
+          <a:p>
+            <a:pPr marL="342900" indent="-342900"/>
+            <a:r>
+              <a:rPr lang="en-US" sz="1800" dirty="0"/>
+              <a:t>Regression, greater understanding</a:t>
+            </a:r>
+          </a:p>
+          <a:p>
+            <a:pPr marL="342900" indent="-342900"/>
+            <a:r>
+              <a:rPr lang="en-US" sz="1800" dirty="0"/>
+              <a:t>Dash in combination with Machine learning</a:t>
+            </a:r>
+          </a:p>
+          <a:p>
+            <a:pPr marL="342900" indent="-342900"/>
+            <a:r>
+              <a:rPr lang="en-US" sz="1800" dirty="0"/>
+              <a:t>Power Bi, connecting to Database</a:t>
+            </a:r>
+          </a:p>
+          <a:p>
+            <a:pPr marL="342900" indent="-342900"/>
+            <a:r>
+              <a:rPr lang="en-US" sz="1800" dirty="0"/>
+              <a:t>From dataset to the finish product</a:t>
+            </a:r>
+          </a:p>
+          <a:p>
+            <a:pPr marL="342900" indent="-342900"/>
+            <a:r>
+              <a:rPr lang="en-US" sz="1800" dirty="0"/>
+              <a:t>Agile</a:t>
+            </a:r>
+          </a:p>
+          <a:p>
+            <a:pPr marL="342900" indent="-342900"/>
+            <a:endParaRPr lang="en-US" sz="1800" dirty="0"/>
+          </a:p>
+          <a:p>
+            <a:pPr marL="342900" indent="-342900"/>
+            <a:endParaRPr lang="en-US" sz="1800" dirty="0"/>
+          </a:p>
+          <a:p>
+            <a:pPr marL="342900" indent="-342900"/>
+            <a:endParaRPr lang="en-US" sz="1800" dirty="0"/>
+          </a:p>
+          <a:p>
+            <a:pPr marL="0" indent="0">
+              <a:buFont typeface="Arial" panose="020B0604020202020204" pitchFamily="34" charset="0"/>
+              <a:buNone/>
+            </a:pPr>
+            <a:endParaRPr lang="en-US" sz="1800" dirty="0"/>
+          </a:p>
+          <a:p>
+            <a:endParaRPr lang="en-SE" sz="1800" dirty="0"/>
+          </a:p>
+        </p:txBody>
+      </p:sp>
+      <p:sp>
+        <p:nvSpPr>
+          <p:cNvPr id="5" name="Title 1">
+            <a:extLst>
+              <a:ext uri="{FF2B5EF4-FFF2-40B4-BE49-F238E27FC236}">
+                <a16:creationId xmlns:a16="http://schemas.microsoft.com/office/drawing/2014/main" id="{9C94FE4E-5E18-BDFA-DA72-B519BCD6DA92}"/>
+              </a:ext>
+            </a:extLst>
+          </p:cNvPr>
+          <p:cNvSpPr txBox="1">
+            <a:spLocks/>
+          </p:cNvSpPr>
+          <p:nvPr/>
+        </p:nvSpPr>
+        <p:spPr>
+          <a:xfrm>
+            <a:off x="838200" y="3098715"/>
+            <a:ext cx="10515600" cy="1325563"/>
+          </a:xfrm>
+          <a:prstGeom prst="rect">
+            <a:avLst/>
+          </a:prstGeom>
+        </p:spPr>
+        <p:txBody>
+          <a:bodyPr vert="horz" lIns="91440" tIns="45720" rIns="91440" bIns="45720" rtlCol="0" anchor="ctr">
+            <a:normAutofit/>
+          </a:bodyPr>
+          <a:lstStyle>
+            <a:lvl1pPr algn="l" defTabSz="914400" rtl="0" eaLnBrk="1" latinLnBrk="0" hangingPunct="1">
+              <a:lnSpc>
+                <a:spcPct val="90000"/>
+              </a:lnSpc>
+              <a:spcBef>
+                <a:spcPct val="0"/>
+              </a:spcBef>
+              <a:buNone/>
+              <a:defRPr sz="4400" kern="1200">
+                <a:solidFill>
+                  <a:schemeClr val="tx1"/>
+                </a:solidFill>
+                <a:latin typeface="+mj-lt"/>
+                <a:ea typeface="+mj-ea"/>
+                <a:cs typeface="+mj-cs"/>
+              </a:defRPr>
+            </a:lvl1pPr>
+          </a:lstStyle>
+          <a:p>
+            <a:r>
+              <a:rPr lang="en-US" dirty="0"/>
+              <a:t>Learnings :</a:t>
+            </a:r>
             <a:endParaRPr lang="en-SE" dirty="0"/>
           </a:p>
         </p:txBody>
@@ -4686,37 +4736,37 @@
           <a:lstStyle/>
           <a:p>
             <a:r>
-              <a:rPr lang="en-US" dirty="0"/>
+              <a:rPr lang="en-US" sz="1800" dirty="0"/>
               <a:t>Add another data set, to do further analysis </a:t>
             </a:r>
           </a:p>
           <a:p>
             <a:r>
-              <a:rPr lang="en-US" dirty="0"/>
+              <a:rPr lang="en-US" sz="1800" dirty="0"/>
               <a:t>Create sustainability reports, climate changes</a:t>
             </a:r>
           </a:p>
           <a:p>
             <a:r>
-              <a:rPr lang="en-US" dirty="0"/>
+              <a:rPr lang="en-US" sz="1800" dirty="0"/>
               <a:t>Use cloud</a:t>
             </a:r>
           </a:p>
           <a:p>
             <a:r>
-              <a:rPr lang="en-US" dirty="0"/>
+              <a:rPr lang="en-US" sz="1800" dirty="0"/>
               <a:t>More machine learning, prediction analysis, </a:t>
             </a:r>
           </a:p>
           <a:p>
             <a:r>
-              <a:rPr lang="en-US" dirty="0"/>
+              <a:rPr lang="en-US" sz="1800" dirty="0"/>
               <a:t>Classifications, clustering</a:t>
             </a:r>
           </a:p>
           <a:p>
             <a:r>
-              <a:rPr lang="en-US" dirty="0"/>
+              <a:rPr lang="en-US" sz="1800" dirty="0"/>
               <a:t>Mobile applications</a:t>
             </a:r>
           </a:p>
@@ -4809,7 +4859,7 @@
           <a:lstStyle/>
           <a:p>
             <a:r>
-              <a:rPr lang="en-US" dirty="0"/>
+              <a:rPr lang="en-US" sz="1800" dirty="0"/>
               <a:t>Questions?</a:t>
             </a:r>
             <a:endParaRPr lang="en-SE" dirty="0"/>

--- a/Presentation1.pptx
+++ b/Presentation1.pptx
@@ -6,10 +6,10 @@
   </p:sldMasterIdLst>
   <p:sldIdLst>
     <p:sldId id="256" r:id="rId2"/>
-    <p:sldId id="257" r:id="rId3"/>
-    <p:sldId id="260" r:id="rId4"/>
-    <p:sldId id="258" r:id="rId5"/>
-    <p:sldId id="261" r:id="rId6"/>
+    <p:sldId id="261" r:id="rId3"/>
+    <p:sldId id="257" r:id="rId4"/>
+    <p:sldId id="267" r:id="rId5"/>
+    <p:sldId id="258" r:id="rId6"/>
     <p:sldId id="263" r:id="rId7"/>
     <p:sldId id="264" r:id="rId8"/>
     <p:sldId id="266" r:id="rId9"/>
@@ -904,6 +904,788 @@
 </file>
 
 <file path=ppt/diagrams/colors2.xml><?xml version="1.0" encoding="utf-8"?>
+<dgm:colorsDef xmlns:dgm="http://schemas.openxmlformats.org/drawingml/2006/diagram" xmlns:a="http://schemas.openxmlformats.org/drawingml/2006/main" uniqueId="urn:microsoft.com/office/officeart/2005/8/colors/colorful2">
+  <dgm:title val=""/>
+  <dgm:desc val=""/>
+  <dgm:catLst>
+    <dgm:cat type="colorful" pri="10200"/>
+  </dgm:catLst>
+  <dgm:styleLbl name="node0">
+    <dgm:fillClrLst meth="repeat">
+      <a:schemeClr val="accent1"/>
+    </dgm:fillClrLst>
+    <dgm:linClrLst meth="repeat">
+      <a:schemeClr val="lt1"/>
+    </dgm:linClrLst>
+    <dgm:effectClrLst/>
+    <dgm:txLinClrLst/>
+    <dgm:txFillClrLst/>
+    <dgm:txEffectClrLst/>
+  </dgm:styleLbl>
+  <dgm:styleLbl name="node1">
+    <dgm:fillClrLst>
+      <a:schemeClr val="accent2"/>
+      <a:schemeClr val="accent3"/>
+    </dgm:fillClrLst>
+    <dgm:linClrLst meth="repeat">
+      <a:schemeClr val="lt1"/>
+    </dgm:linClrLst>
+    <dgm:effectClrLst/>
+    <dgm:txLinClrLst/>
+    <dgm:txFillClrLst/>
+    <dgm:txEffectClrLst/>
+  </dgm:styleLbl>
+  <dgm:styleLbl name="alignNode1">
+    <dgm:fillClrLst>
+      <a:schemeClr val="accent2"/>
+      <a:schemeClr val="accent3"/>
+    </dgm:fillClrLst>
+    <dgm:linClrLst>
+      <a:schemeClr val="accent2"/>
+      <a:schemeClr val="accent3"/>
+    </dgm:linClrLst>
+    <dgm:effectClrLst/>
+    <dgm:txLinClrLst/>
+    <dgm:txFillClrLst/>
+    <dgm:txEffectClrLst/>
+  </dgm:styleLbl>
+  <dgm:styleLbl name="lnNode1">
+    <dgm:fillClrLst>
+      <a:schemeClr val="accent2"/>
+      <a:schemeClr val="accent3"/>
+    </dgm:fillClrLst>
+    <dgm:linClrLst meth="repeat">
+      <a:schemeClr val="lt1"/>
+    </dgm:linClrLst>
+    <dgm:effectClrLst/>
+    <dgm:txLinClrLst/>
+    <dgm:txFillClrLst/>
+    <dgm:txEffectClrLst/>
+  </dgm:styleLbl>
+  <dgm:styleLbl name="vennNode1">
+    <dgm:fillClrLst>
+      <a:schemeClr val="accent2">
+        <a:alpha val="50000"/>
+      </a:schemeClr>
+      <a:schemeClr val="accent3">
+        <a:alpha val="50000"/>
+      </a:schemeClr>
+    </dgm:fillClrLst>
+    <dgm:linClrLst meth="repeat">
+      <a:schemeClr val="lt1"/>
+    </dgm:linClrLst>
+    <dgm:effectClrLst/>
+    <dgm:txLinClrLst/>
+    <dgm:txFillClrLst/>
+    <dgm:txEffectClrLst/>
+  </dgm:styleLbl>
+  <dgm:styleLbl name="node2">
+    <dgm:fillClrLst>
+      <a:schemeClr val="accent3"/>
+    </dgm:fillClrLst>
+    <dgm:linClrLst meth="repeat">
+      <a:schemeClr val="lt1"/>
+    </dgm:linClrLst>
+    <dgm:effectClrLst/>
+    <dgm:txLinClrLst/>
+    <dgm:txFillClrLst/>
+    <dgm:txEffectClrLst/>
+  </dgm:styleLbl>
+  <dgm:styleLbl name="node3">
+    <dgm:fillClrLst>
+      <a:schemeClr val="accent4"/>
+    </dgm:fillClrLst>
+    <dgm:linClrLst meth="repeat">
+      <a:schemeClr val="lt1"/>
+    </dgm:linClrLst>
+    <dgm:effectClrLst/>
+    <dgm:txLinClrLst/>
+    <dgm:txFillClrLst/>
+    <dgm:txEffectClrLst/>
+  </dgm:styleLbl>
+  <dgm:styleLbl name="node4">
+    <dgm:fillClrLst>
+      <a:schemeClr val="accent5"/>
+    </dgm:fillClrLst>
+    <dgm:linClrLst meth="repeat">
+      <a:schemeClr val="lt1"/>
+    </dgm:linClrLst>
+    <dgm:effectClrLst/>
+    <dgm:txLinClrLst/>
+    <dgm:txFillClrLst/>
+    <dgm:txEffectClrLst/>
+  </dgm:styleLbl>
+  <dgm:styleLbl name="fgImgPlace1">
+    <dgm:fillClrLst>
+      <a:schemeClr val="accent2">
+        <a:tint val="50000"/>
+      </a:schemeClr>
+      <a:schemeClr val="accent3">
+        <a:tint val="50000"/>
+      </a:schemeClr>
+    </dgm:fillClrLst>
+    <dgm:linClrLst meth="repeat">
+      <a:schemeClr val="lt1"/>
+    </dgm:linClrLst>
+    <dgm:effectClrLst/>
+    <dgm:txLinClrLst/>
+    <dgm:txFillClrLst meth="repeat">
+      <a:schemeClr val="lt1"/>
+    </dgm:txFillClrLst>
+    <dgm:txEffectClrLst/>
+  </dgm:styleLbl>
+  <dgm:styleLbl name="alignImgPlace1">
+    <dgm:fillClrLst>
+      <a:schemeClr val="accent2">
+        <a:tint val="50000"/>
+      </a:schemeClr>
+      <a:schemeClr val="accent3">
+        <a:tint val="20000"/>
+      </a:schemeClr>
+    </dgm:fillClrLst>
+    <dgm:linClrLst meth="repeat">
+      <a:schemeClr val="lt1"/>
+    </dgm:linClrLst>
+    <dgm:effectClrLst/>
+    <dgm:txLinClrLst/>
+    <dgm:txFillClrLst meth="repeat">
+      <a:schemeClr val="lt1"/>
+    </dgm:txFillClrLst>
+    <dgm:txEffectClrLst/>
+  </dgm:styleLbl>
+  <dgm:styleLbl name="bgImgPlace1">
+    <dgm:fillClrLst>
+      <a:schemeClr val="accent2">
+        <a:tint val="50000"/>
+      </a:schemeClr>
+      <a:schemeClr val="accent3">
+        <a:tint val="20000"/>
+      </a:schemeClr>
+    </dgm:fillClrLst>
+    <dgm:linClrLst meth="repeat">
+      <a:schemeClr val="lt1"/>
+    </dgm:linClrLst>
+    <dgm:effectClrLst/>
+    <dgm:txLinClrLst/>
+    <dgm:txFillClrLst meth="repeat">
+      <a:schemeClr val="lt1"/>
+    </dgm:txFillClrLst>
+    <dgm:txEffectClrLst/>
+  </dgm:styleLbl>
+  <dgm:styleLbl name="sibTrans2D1">
+    <dgm:fillClrLst>
+      <a:schemeClr val="accent2"/>
+      <a:schemeClr val="accent3"/>
+    </dgm:fillClrLst>
+    <dgm:linClrLst meth="repeat">
+      <a:schemeClr val="lt1"/>
+    </dgm:linClrLst>
+    <dgm:effectClrLst/>
+    <dgm:txLinClrLst/>
+    <dgm:txFillClrLst/>
+    <dgm:txEffectClrLst/>
+  </dgm:styleLbl>
+  <dgm:styleLbl name="fgSibTrans2D1">
+    <dgm:fillClrLst>
+      <a:schemeClr val="accent2"/>
+      <a:schemeClr val="accent3"/>
+    </dgm:fillClrLst>
+    <dgm:linClrLst meth="repeat">
+      <a:schemeClr val="lt1"/>
+    </dgm:linClrLst>
+    <dgm:effectClrLst/>
+    <dgm:txLinClrLst/>
+    <dgm:txFillClrLst meth="repeat">
+      <a:schemeClr val="lt1"/>
+    </dgm:txFillClrLst>
+    <dgm:txEffectClrLst/>
+  </dgm:styleLbl>
+  <dgm:styleLbl name="bgSibTrans2D1">
+    <dgm:fillClrLst>
+      <a:schemeClr val="accent2"/>
+      <a:schemeClr val="accent3"/>
+    </dgm:fillClrLst>
+    <dgm:linClrLst meth="repeat">
+      <a:schemeClr val="lt1"/>
+    </dgm:linClrLst>
+    <dgm:effectClrLst/>
+    <dgm:txLinClrLst/>
+    <dgm:txFillClrLst meth="repeat">
+      <a:schemeClr val="lt1"/>
+    </dgm:txFillClrLst>
+    <dgm:txEffectClrLst/>
+  </dgm:styleLbl>
+  <dgm:styleLbl name="sibTrans1D1">
+    <dgm:fillClrLst/>
+    <dgm:linClrLst>
+      <a:schemeClr val="accent2"/>
+      <a:schemeClr val="accent3"/>
+    </dgm:linClrLst>
+    <dgm:effectClrLst/>
+    <dgm:txLinClrLst/>
+    <dgm:txFillClrLst meth="repeat">
+      <a:schemeClr val="tx1"/>
+    </dgm:txFillClrLst>
+    <dgm:txEffectClrLst/>
+  </dgm:styleLbl>
+  <dgm:styleLbl name="callout">
+    <dgm:fillClrLst meth="repeat">
+      <a:schemeClr val="accent2"/>
+    </dgm:fillClrLst>
+    <dgm:linClrLst meth="repeat">
+      <a:schemeClr val="accent2">
+        <a:tint val="50000"/>
+      </a:schemeClr>
+    </dgm:linClrLst>
+    <dgm:effectClrLst/>
+    <dgm:txLinClrLst/>
+    <dgm:txFillClrLst meth="repeat">
+      <a:schemeClr val="tx1"/>
+    </dgm:txFillClrLst>
+    <dgm:txEffectClrLst/>
+  </dgm:styleLbl>
+  <dgm:styleLbl name="asst0">
+    <dgm:fillClrLst meth="repeat">
+      <a:schemeClr val="accent2"/>
+    </dgm:fillClrLst>
+    <dgm:linClrLst meth="repeat">
+      <a:schemeClr val="lt1">
+        <a:shade val="80000"/>
+      </a:schemeClr>
+    </dgm:linClrLst>
+    <dgm:effectClrLst/>
+    <dgm:txLinClrLst/>
+    <dgm:txFillClrLst/>
+    <dgm:txEffectClrLst/>
+  </dgm:styleLbl>
+  <dgm:styleLbl name="asst1">
+    <dgm:fillClrLst meth="repeat">
+      <a:schemeClr val="accent3"/>
+    </dgm:fillClrLst>
+    <dgm:linClrLst meth="repeat">
+      <a:schemeClr val="lt1">
+        <a:shade val="80000"/>
+      </a:schemeClr>
+    </dgm:linClrLst>
+    <dgm:effectClrLst/>
+    <dgm:txLinClrLst/>
+    <dgm:txFillClrLst/>
+    <dgm:txEffectClrLst/>
+  </dgm:styleLbl>
+  <dgm:styleLbl name="asst2">
+    <dgm:fillClrLst>
+      <a:schemeClr val="accent4"/>
+    </dgm:fillClrLst>
+    <dgm:linClrLst meth="repeat">
+      <a:schemeClr val="lt1"/>
+    </dgm:linClrLst>
+    <dgm:effectClrLst/>
+    <dgm:txLinClrLst/>
+    <dgm:txFillClrLst/>
+    <dgm:txEffectClrLst/>
+  </dgm:styleLbl>
+  <dgm:styleLbl name="asst3">
+    <dgm:fillClrLst>
+      <a:schemeClr val="accent5"/>
+    </dgm:fillClrLst>
+    <dgm:linClrLst meth="repeat">
+      <a:schemeClr val="lt1"/>
+    </dgm:linClrLst>
+    <dgm:effectClrLst/>
+    <dgm:txLinClrLst/>
+    <dgm:txFillClrLst/>
+    <dgm:txEffectClrLst/>
+  </dgm:styleLbl>
+  <dgm:styleLbl name="asst4">
+    <dgm:fillClrLst>
+      <a:schemeClr val="accent6"/>
+    </dgm:fillClrLst>
+    <dgm:linClrLst meth="repeat">
+      <a:schemeClr val="lt1"/>
+    </dgm:linClrLst>
+    <dgm:effectClrLst/>
+    <dgm:txLinClrLst/>
+    <dgm:txFillClrLst/>
+    <dgm:txEffectClrLst/>
+  </dgm:styleLbl>
+  <dgm:styleLbl name="parChTrans2D1">
+    <dgm:fillClrLst meth="repeat">
+      <a:schemeClr val="accent2"/>
+    </dgm:fillClrLst>
+    <dgm:linClrLst meth="repeat">
+      <a:schemeClr val="lt1"/>
+    </dgm:linClrLst>
+    <dgm:effectClrLst/>
+    <dgm:txLinClrLst/>
+    <dgm:txFillClrLst meth="repeat">
+      <a:schemeClr val="lt1"/>
+    </dgm:txFillClrLst>
+    <dgm:txEffectClrLst/>
+  </dgm:styleLbl>
+  <dgm:styleLbl name="parChTrans2D2">
+    <dgm:fillClrLst meth="repeat">
+      <a:schemeClr val="accent3"/>
+    </dgm:fillClrLst>
+    <dgm:linClrLst meth="repeat">
+      <a:schemeClr val="lt1"/>
+    </dgm:linClrLst>
+    <dgm:effectClrLst/>
+    <dgm:txLinClrLst/>
+    <dgm:txFillClrLst/>
+    <dgm:txEffectClrLst/>
+  </dgm:styleLbl>
+  <dgm:styleLbl name="parChTrans2D3">
+    <dgm:fillClrLst meth="repeat">
+      <a:schemeClr val="accent4"/>
+    </dgm:fillClrLst>
+    <dgm:linClrLst meth="repeat">
+      <a:schemeClr val="lt1"/>
+    </dgm:linClrLst>
+    <dgm:effectClrLst/>
+    <dgm:txLinClrLst/>
+    <dgm:txFillClrLst/>
+    <dgm:txEffectClrLst/>
+  </dgm:styleLbl>
+  <dgm:styleLbl name="parChTrans2D4">
+    <dgm:fillClrLst meth="repeat">
+      <a:schemeClr val="accent5"/>
+    </dgm:fillClrLst>
+    <dgm:linClrLst meth="repeat">
+      <a:schemeClr val="lt1"/>
+    </dgm:linClrLst>
+    <dgm:effectClrLst/>
+    <dgm:txLinClrLst/>
+    <dgm:txFillClrLst meth="repeat">
+      <a:schemeClr val="lt1"/>
+    </dgm:txFillClrLst>
+    <dgm:txEffectClrLst/>
+  </dgm:styleLbl>
+  <dgm:styleLbl name="parChTrans1D1">
+    <dgm:fillClrLst meth="repeat">
+      <a:schemeClr val="accent2"/>
+    </dgm:fillClrLst>
+    <dgm:linClrLst meth="repeat">
+      <a:schemeClr val="accent2"/>
+    </dgm:linClrLst>
+    <dgm:effectClrLst/>
+    <dgm:txLinClrLst/>
+    <dgm:txFillClrLst meth="repeat">
+      <a:schemeClr val="tx1"/>
+    </dgm:txFillClrLst>
+    <dgm:txEffectClrLst/>
+  </dgm:styleLbl>
+  <dgm:styleLbl name="parChTrans1D2">
+    <dgm:fillClrLst meth="repeat">
+      <a:schemeClr val="accent2">
+        <a:tint val="90000"/>
+      </a:schemeClr>
+    </dgm:fillClrLst>
+    <dgm:linClrLst meth="repeat">
+      <a:schemeClr val="accent3"/>
+    </dgm:linClrLst>
+    <dgm:effectClrLst/>
+    <dgm:txLinClrLst/>
+    <dgm:txFillClrLst meth="repeat">
+      <a:schemeClr val="tx1"/>
+    </dgm:txFillClrLst>
+    <dgm:txEffectClrLst/>
+  </dgm:styleLbl>
+  <dgm:styleLbl name="parChTrans1D3">
+    <dgm:fillClrLst meth="repeat">
+      <a:schemeClr val="accent2">
+        <a:tint val="70000"/>
+      </a:schemeClr>
+    </dgm:fillClrLst>
+    <dgm:linClrLst meth="repeat">
+      <a:schemeClr val="accent4"/>
+    </dgm:linClrLst>
+    <dgm:effectClrLst/>
+    <dgm:txLinClrLst/>
+    <dgm:txFillClrLst meth="repeat">
+      <a:schemeClr val="tx1"/>
+    </dgm:txFillClrLst>
+    <dgm:txEffectClrLst/>
+  </dgm:styleLbl>
+  <dgm:styleLbl name="parChTrans1D4">
+    <dgm:fillClrLst meth="repeat">
+      <a:schemeClr val="accent2">
+        <a:tint val="50000"/>
+      </a:schemeClr>
+    </dgm:fillClrLst>
+    <dgm:linClrLst meth="repeat">
+      <a:schemeClr val="accent5"/>
+    </dgm:linClrLst>
+    <dgm:effectClrLst/>
+    <dgm:txLinClrLst/>
+    <dgm:txFillClrLst meth="repeat">
+      <a:schemeClr val="tx1"/>
+    </dgm:txFillClrLst>
+    <dgm:txEffectClrLst/>
+  </dgm:styleLbl>
+  <dgm:styleLbl name="fgAcc1">
+    <dgm:fillClrLst meth="repeat">
+      <a:schemeClr val="lt1">
+        <a:alpha val="90000"/>
+      </a:schemeClr>
+    </dgm:fillClrLst>
+    <dgm:linClrLst>
+      <a:schemeClr val="accent2"/>
+      <a:schemeClr val="accent3"/>
+    </dgm:linClrLst>
+    <dgm:effectClrLst/>
+    <dgm:txLinClrLst/>
+    <dgm:txFillClrLst meth="repeat">
+      <a:schemeClr val="dk1"/>
+    </dgm:txFillClrLst>
+    <dgm:txEffectClrLst/>
+  </dgm:styleLbl>
+  <dgm:styleLbl name="conFgAcc1">
+    <dgm:fillClrLst meth="repeat">
+      <a:schemeClr val="lt1">
+        <a:alpha val="90000"/>
+      </a:schemeClr>
+    </dgm:fillClrLst>
+    <dgm:linClrLst>
+      <a:schemeClr val="accent2"/>
+      <a:schemeClr val="accent3"/>
+    </dgm:linClrLst>
+    <dgm:effectClrLst/>
+    <dgm:txLinClrLst/>
+    <dgm:txFillClrLst meth="repeat">
+      <a:schemeClr val="dk1"/>
+    </dgm:txFillClrLst>
+    <dgm:txEffectClrLst/>
+  </dgm:styleLbl>
+  <dgm:styleLbl name="alignAcc1">
+    <dgm:fillClrLst meth="repeat">
+      <a:schemeClr val="lt1">
+        <a:alpha val="90000"/>
+      </a:schemeClr>
+    </dgm:fillClrLst>
+    <dgm:linClrLst>
+      <a:schemeClr val="accent2"/>
+      <a:schemeClr val="accent3"/>
+    </dgm:linClrLst>
+    <dgm:effectClrLst/>
+    <dgm:txLinClrLst/>
+    <dgm:txFillClrLst meth="repeat">
+      <a:schemeClr val="dk1"/>
+    </dgm:txFillClrLst>
+    <dgm:txEffectClrLst/>
+  </dgm:styleLbl>
+  <dgm:styleLbl name="trAlignAcc1">
+    <dgm:fillClrLst meth="repeat">
+      <a:schemeClr val="lt1">
+        <a:alpha val="40000"/>
+      </a:schemeClr>
+    </dgm:fillClrLst>
+    <dgm:linClrLst meth="repeat">
+      <a:schemeClr val="accent2"/>
+    </dgm:linClrLst>
+    <dgm:effectClrLst/>
+    <dgm:txLinClrLst/>
+    <dgm:txFillClrLst meth="repeat">
+      <a:schemeClr val="dk1"/>
+    </dgm:txFillClrLst>
+    <dgm:txEffectClrLst/>
+  </dgm:styleLbl>
+  <dgm:styleLbl name="bgAcc1">
+    <dgm:fillClrLst meth="repeat">
+      <a:schemeClr val="lt1">
+        <a:alpha val="90000"/>
+      </a:schemeClr>
+    </dgm:fillClrLst>
+    <dgm:linClrLst>
+      <a:schemeClr val="accent2"/>
+      <a:schemeClr val="accent3"/>
+    </dgm:linClrLst>
+    <dgm:effectClrLst/>
+    <dgm:txLinClrLst/>
+    <dgm:txFillClrLst meth="repeat">
+      <a:schemeClr val="dk1"/>
+    </dgm:txFillClrLst>
+    <dgm:txEffectClrLst/>
+  </dgm:styleLbl>
+  <dgm:styleLbl name="solidFgAcc1">
+    <dgm:fillClrLst meth="repeat">
+      <a:schemeClr val="lt1"/>
+    </dgm:fillClrLst>
+    <dgm:linClrLst>
+      <a:schemeClr val="accent2"/>
+      <a:schemeClr val="accent3"/>
+    </dgm:linClrLst>
+    <dgm:effectClrLst/>
+    <dgm:txLinClrLst/>
+    <dgm:txFillClrLst meth="repeat">
+      <a:schemeClr val="dk1"/>
+    </dgm:txFillClrLst>
+    <dgm:txEffectClrLst/>
+  </dgm:styleLbl>
+  <dgm:styleLbl name="solidAlignAcc1">
+    <dgm:fillClrLst meth="repeat">
+      <a:schemeClr val="lt1"/>
+    </dgm:fillClrLst>
+    <dgm:linClrLst>
+      <a:schemeClr val="accent2"/>
+      <a:schemeClr val="accent3"/>
+    </dgm:linClrLst>
+    <dgm:effectClrLst/>
+    <dgm:txLinClrLst/>
+    <dgm:txFillClrLst meth="repeat">
+      <a:schemeClr val="dk1"/>
+    </dgm:txFillClrLst>
+    <dgm:txEffectClrLst/>
+  </dgm:styleLbl>
+  <dgm:styleLbl name="solidBgAcc1">
+    <dgm:fillClrLst meth="repeat">
+      <a:schemeClr val="lt1"/>
+    </dgm:fillClrLst>
+    <dgm:linClrLst>
+      <a:schemeClr val="accent2"/>
+      <a:schemeClr val="accent3"/>
+    </dgm:linClrLst>
+    <dgm:effectClrLst/>
+    <dgm:txLinClrLst/>
+    <dgm:txFillClrLst meth="repeat">
+      <a:schemeClr val="dk1"/>
+    </dgm:txFillClrLst>
+    <dgm:txEffectClrLst/>
+  </dgm:styleLbl>
+  <dgm:styleLbl name="fgAccFollowNode1">
+    <dgm:fillClrLst>
+      <a:schemeClr val="accent2">
+        <a:tint val="40000"/>
+        <a:alpha val="90000"/>
+      </a:schemeClr>
+      <a:schemeClr val="accent3">
+        <a:tint val="40000"/>
+        <a:alpha val="90000"/>
+      </a:schemeClr>
+    </dgm:fillClrLst>
+    <dgm:linClrLst>
+      <a:schemeClr val="accent2">
+        <a:tint val="40000"/>
+        <a:alpha val="90000"/>
+      </a:schemeClr>
+      <a:schemeClr val="accent3">
+        <a:tint val="40000"/>
+        <a:alpha val="90000"/>
+      </a:schemeClr>
+    </dgm:linClrLst>
+    <dgm:effectClrLst/>
+    <dgm:txLinClrLst/>
+    <dgm:txFillClrLst meth="repeat">
+      <a:schemeClr val="dk1"/>
+    </dgm:txFillClrLst>
+    <dgm:txEffectClrLst/>
+  </dgm:styleLbl>
+  <dgm:styleLbl name="alignAccFollowNode1">
+    <dgm:fillClrLst>
+      <a:schemeClr val="accent2">
+        <a:tint val="40000"/>
+        <a:alpha val="90000"/>
+      </a:schemeClr>
+      <a:schemeClr val="accent3">
+        <a:tint val="40000"/>
+        <a:alpha val="90000"/>
+      </a:schemeClr>
+    </dgm:fillClrLst>
+    <dgm:linClrLst>
+      <a:schemeClr val="accent2">
+        <a:tint val="40000"/>
+        <a:alpha val="90000"/>
+      </a:schemeClr>
+      <a:schemeClr val="accent3">
+        <a:tint val="40000"/>
+        <a:alpha val="90000"/>
+      </a:schemeClr>
+    </dgm:linClrLst>
+    <dgm:effectClrLst/>
+    <dgm:txLinClrLst/>
+    <dgm:txFillClrLst meth="repeat">
+      <a:schemeClr val="dk1"/>
+    </dgm:txFillClrLst>
+    <dgm:txEffectClrLst/>
+  </dgm:styleLbl>
+  <dgm:styleLbl name="bgAccFollowNode1">
+    <dgm:fillClrLst>
+      <a:schemeClr val="accent2">
+        <a:tint val="40000"/>
+        <a:alpha val="90000"/>
+      </a:schemeClr>
+      <a:schemeClr val="accent3">
+        <a:tint val="40000"/>
+        <a:alpha val="90000"/>
+      </a:schemeClr>
+    </dgm:fillClrLst>
+    <dgm:linClrLst>
+      <a:schemeClr val="accent2">
+        <a:tint val="40000"/>
+        <a:alpha val="90000"/>
+      </a:schemeClr>
+      <a:schemeClr val="accent3">
+        <a:tint val="40000"/>
+        <a:alpha val="90000"/>
+      </a:schemeClr>
+    </dgm:linClrLst>
+    <dgm:effectClrLst/>
+    <dgm:txLinClrLst/>
+    <dgm:txFillClrLst meth="repeat">
+      <a:schemeClr val="dk1"/>
+    </dgm:txFillClrLst>
+    <dgm:txEffectClrLst/>
+  </dgm:styleLbl>
+  <dgm:styleLbl name="fgAcc0">
+    <dgm:fillClrLst meth="repeat">
+      <a:schemeClr val="lt1">
+        <a:alpha val="90000"/>
+      </a:schemeClr>
+    </dgm:fillClrLst>
+    <dgm:linClrLst>
+      <a:schemeClr val="accent1"/>
+    </dgm:linClrLst>
+    <dgm:effectClrLst/>
+    <dgm:txLinClrLst/>
+    <dgm:txFillClrLst meth="repeat">
+      <a:schemeClr val="dk1"/>
+    </dgm:txFillClrLst>
+    <dgm:txEffectClrLst/>
+  </dgm:styleLbl>
+  <dgm:styleLbl name="fgAcc2">
+    <dgm:fillClrLst meth="repeat">
+      <a:schemeClr val="lt1">
+        <a:alpha val="90000"/>
+      </a:schemeClr>
+    </dgm:fillClrLst>
+    <dgm:linClrLst>
+      <a:schemeClr val="accent3"/>
+    </dgm:linClrLst>
+    <dgm:effectClrLst/>
+    <dgm:txLinClrLst/>
+    <dgm:txFillClrLst meth="repeat">
+      <a:schemeClr val="dk1"/>
+    </dgm:txFillClrLst>
+    <dgm:txEffectClrLst/>
+  </dgm:styleLbl>
+  <dgm:styleLbl name="fgAcc3">
+    <dgm:fillClrLst meth="repeat">
+      <a:schemeClr val="lt1">
+        <a:alpha val="90000"/>
+      </a:schemeClr>
+    </dgm:fillClrLst>
+    <dgm:linClrLst>
+      <a:schemeClr val="accent4"/>
+    </dgm:linClrLst>
+    <dgm:effectClrLst/>
+    <dgm:txLinClrLst/>
+    <dgm:txFillClrLst meth="repeat">
+      <a:schemeClr val="dk1"/>
+    </dgm:txFillClrLst>
+    <dgm:txEffectClrLst/>
+  </dgm:styleLbl>
+  <dgm:styleLbl name="fgAcc4">
+    <dgm:fillClrLst meth="repeat">
+      <a:schemeClr val="lt1">
+        <a:alpha val="90000"/>
+      </a:schemeClr>
+    </dgm:fillClrLst>
+    <dgm:linClrLst>
+      <a:schemeClr val="accent5"/>
+    </dgm:linClrLst>
+    <dgm:effectClrLst/>
+    <dgm:txLinClrLst/>
+    <dgm:txFillClrLst meth="repeat">
+      <a:schemeClr val="dk1"/>
+    </dgm:txFillClrLst>
+    <dgm:txEffectClrLst/>
+  </dgm:styleLbl>
+  <dgm:styleLbl name="bgShp">
+    <dgm:fillClrLst meth="repeat">
+      <a:schemeClr val="accent2">
+        <a:tint val="40000"/>
+      </a:schemeClr>
+    </dgm:fillClrLst>
+    <dgm:linClrLst meth="repeat">
+      <a:schemeClr val="dk1"/>
+    </dgm:linClrLst>
+    <dgm:effectClrLst/>
+    <dgm:txLinClrLst/>
+    <dgm:txFillClrLst meth="repeat">
+      <a:schemeClr val="dk1"/>
+    </dgm:txFillClrLst>
+    <dgm:txEffectClrLst/>
+  </dgm:styleLbl>
+  <dgm:styleLbl name="dkBgShp">
+    <dgm:fillClrLst meth="repeat">
+      <a:schemeClr val="accent2">
+        <a:shade val="90000"/>
+      </a:schemeClr>
+    </dgm:fillClrLst>
+    <dgm:linClrLst meth="repeat">
+      <a:schemeClr val="dk1"/>
+    </dgm:linClrLst>
+    <dgm:effectClrLst/>
+    <dgm:txLinClrLst/>
+    <dgm:txFillClrLst meth="repeat">
+      <a:schemeClr val="lt1"/>
+    </dgm:txFillClrLst>
+    <dgm:txEffectClrLst/>
+  </dgm:styleLbl>
+  <dgm:styleLbl name="trBgShp">
+    <dgm:fillClrLst meth="repeat">
+      <a:schemeClr val="accent2">
+        <a:tint val="50000"/>
+        <a:alpha val="40000"/>
+      </a:schemeClr>
+    </dgm:fillClrLst>
+    <dgm:linClrLst meth="repeat">
+      <a:schemeClr val="accent2"/>
+    </dgm:linClrLst>
+    <dgm:effectClrLst/>
+    <dgm:txLinClrLst/>
+    <dgm:txFillClrLst meth="repeat">
+      <a:schemeClr val="lt1"/>
+    </dgm:txFillClrLst>
+    <dgm:txEffectClrLst/>
+  </dgm:styleLbl>
+  <dgm:styleLbl name="fgShp">
+    <dgm:fillClrLst meth="repeat">
+      <a:schemeClr val="accent2">
+        <a:tint val="40000"/>
+      </a:schemeClr>
+    </dgm:fillClrLst>
+    <dgm:linClrLst meth="repeat">
+      <a:schemeClr val="lt1"/>
+    </dgm:linClrLst>
+    <dgm:effectClrLst/>
+    <dgm:txLinClrLst/>
+    <dgm:txFillClrLst meth="repeat">
+      <a:schemeClr val="dk1"/>
+    </dgm:txFillClrLst>
+    <dgm:txEffectClrLst/>
+  </dgm:styleLbl>
+  <dgm:styleLbl name="revTx">
+    <dgm:fillClrLst meth="repeat">
+      <a:schemeClr val="lt1">
+        <a:alpha val="0"/>
+      </a:schemeClr>
+    </dgm:fillClrLst>
+    <dgm:linClrLst meth="repeat">
+      <a:schemeClr val="dk1">
+        <a:alpha val="0"/>
+      </a:schemeClr>
+    </dgm:linClrLst>
+    <dgm:effectClrLst/>
+    <dgm:txLinClrLst/>
+    <dgm:txFillClrLst meth="repeat">
+      <a:schemeClr val="tx1"/>
+    </dgm:txFillClrLst>
+    <dgm:txEffectClrLst/>
+  </dgm:styleLbl>
+</dgm:colorsDef>
+</file>
+
+<file path=ppt/diagrams/colors3.xml><?xml version="1.0" encoding="utf-8"?>
 <dgm:colorsDef xmlns:dgm="http://schemas.openxmlformats.org/drawingml/2006/diagram" xmlns:a="http://schemas.openxmlformats.org/drawingml/2006/main" uniqueId="urn:microsoft.com/office/officeart/2005/8/colors/colorful5">
   <dgm:title val=""/>
   <dgm:desc val=""/>
@@ -1651,788 +2433,6 @@
   <dgm:styleLbl name="fgShp">
     <dgm:fillClrLst meth="repeat">
       <a:schemeClr val="accent5">
-        <a:tint val="40000"/>
-      </a:schemeClr>
-    </dgm:fillClrLst>
-    <dgm:linClrLst meth="repeat">
-      <a:schemeClr val="lt1"/>
-    </dgm:linClrLst>
-    <dgm:effectClrLst/>
-    <dgm:txLinClrLst/>
-    <dgm:txFillClrLst meth="repeat">
-      <a:schemeClr val="dk1"/>
-    </dgm:txFillClrLst>
-    <dgm:txEffectClrLst/>
-  </dgm:styleLbl>
-  <dgm:styleLbl name="revTx">
-    <dgm:fillClrLst meth="repeat">
-      <a:schemeClr val="lt1">
-        <a:alpha val="0"/>
-      </a:schemeClr>
-    </dgm:fillClrLst>
-    <dgm:linClrLst meth="repeat">
-      <a:schemeClr val="dk1">
-        <a:alpha val="0"/>
-      </a:schemeClr>
-    </dgm:linClrLst>
-    <dgm:effectClrLst/>
-    <dgm:txLinClrLst/>
-    <dgm:txFillClrLst meth="repeat">
-      <a:schemeClr val="tx1"/>
-    </dgm:txFillClrLst>
-    <dgm:txEffectClrLst/>
-  </dgm:styleLbl>
-</dgm:colorsDef>
-</file>
-
-<file path=ppt/diagrams/colors3.xml><?xml version="1.0" encoding="utf-8"?>
-<dgm:colorsDef xmlns:dgm="http://schemas.openxmlformats.org/drawingml/2006/diagram" xmlns:a="http://schemas.openxmlformats.org/drawingml/2006/main" uniqueId="urn:microsoft.com/office/officeart/2005/8/colors/colorful2">
-  <dgm:title val=""/>
-  <dgm:desc val=""/>
-  <dgm:catLst>
-    <dgm:cat type="colorful" pri="10200"/>
-  </dgm:catLst>
-  <dgm:styleLbl name="node0">
-    <dgm:fillClrLst meth="repeat">
-      <a:schemeClr val="accent1"/>
-    </dgm:fillClrLst>
-    <dgm:linClrLst meth="repeat">
-      <a:schemeClr val="lt1"/>
-    </dgm:linClrLst>
-    <dgm:effectClrLst/>
-    <dgm:txLinClrLst/>
-    <dgm:txFillClrLst/>
-    <dgm:txEffectClrLst/>
-  </dgm:styleLbl>
-  <dgm:styleLbl name="node1">
-    <dgm:fillClrLst>
-      <a:schemeClr val="accent2"/>
-      <a:schemeClr val="accent3"/>
-    </dgm:fillClrLst>
-    <dgm:linClrLst meth="repeat">
-      <a:schemeClr val="lt1"/>
-    </dgm:linClrLst>
-    <dgm:effectClrLst/>
-    <dgm:txLinClrLst/>
-    <dgm:txFillClrLst/>
-    <dgm:txEffectClrLst/>
-  </dgm:styleLbl>
-  <dgm:styleLbl name="alignNode1">
-    <dgm:fillClrLst>
-      <a:schemeClr val="accent2"/>
-      <a:schemeClr val="accent3"/>
-    </dgm:fillClrLst>
-    <dgm:linClrLst>
-      <a:schemeClr val="accent2"/>
-      <a:schemeClr val="accent3"/>
-    </dgm:linClrLst>
-    <dgm:effectClrLst/>
-    <dgm:txLinClrLst/>
-    <dgm:txFillClrLst/>
-    <dgm:txEffectClrLst/>
-  </dgm:styleLbl>
-  <dgm:styleLbl name="lnNode1">
-    <dgm:fillClrLst>
-      <a:schemeClr val="accent2"/>
-      <a:schemeClr val="accent3"/>
-    </dgm:fillClrLst>
-    <dgm:linClrLst meth="repeat">
-      <a:schemeClr val="lt1"/>
-    </dgm:linClrLst>
-    <dgm:effectClrLst/>
-    <dgm:txLinClrLst/>
-    <dgm:txFillClrLst/>
-    <dgm:txEffectClrLst/>
-  </dgm:styleLbl>
-  <dgm:styleLbl name="vennNode1">
-    <dgm:fillClrLst>
-      <a:schemeClr val="accent2">
-        <a:alpha val="50000"/>
-      </a:schemeClr>
-      <a:schemeClr val="accent3">
-        <a:alpha val="50000"/>
-      </a:schemeClr>
-    </dgm:fillClrLst>
-    <dgm:linClrLst meth="repeat">
-      <a:schemeClr val="lt1"/>
-    </dgm:linClrLst>
-    <dgm:effectClrLst/>
-    <dgm:txLinClrLst/>
-    <dgm:txFillClrLst/>
-    <dgm:txEffectClrLst/>
-  </dgm:styleLbl>
-  <dgm:styleLbl name="node2">
-    <dgm:fillClrLst>
-      <a:schemeClr val="accent3"/>
-    </dgm:fillClrLst>
-    <dgm:linClrLst meth="repeat">
-      <a:schemeClr val="lt1"/>
-    </dgm:linClrLst>
-    <dgm:effectClrLst/>
-    <dgm:txLinClrLst/>
-    <dgm:txFillClrLst/>
-    <dgm:txEffectClrLst/>
-  </dgm:styleLbl>
-  <dgm:styleLbl name="node3">
-    <dgm:fillClrLst>
-      <a:schemeClr val="accent4"/>
-    </dgm:fillClrLst>
-    <dgm:linClrLst meth="repeat">
-      <a:schemeClr val="lt1"/>
-    </dgm:linClrLst>
-    <dgm:effectClrLst/>
-    <dgm:txLinClrLst/>
-    <dgm:txFillClrLst/>
-    <dgm:txEffectClrLst/>
-  </dgm:styleLbl>
-  <dgm:styleLbl name="node4">
-    <dgm:fillClrLst>
-      <a:schemeClr val="accent5"/>
-    </dgm:fillClrLst>
-    <dgm:linClrLst meth="repeat">
-      <a:schemeClr val="lt1"/>
-    </dgm:linClrLst>
-    <dgm:effectClrLst/>
-    <dgm:txLinClrLst/>
-    <dgm:txFillClrLst/>
-    <dgm:txEffectClrLst/>
-  </dgm:styleLbl>
-  <dgm:styleLbl name="fgImgPlace1">
-    <dgm:fillClrLst>
-      <a:schemeClr val="accent2">
-        <a:tint val="50000"/>
-      </a:schemeClr>
-      <a:schemeClr val="accent3">
-        <a:tint val="50000"/>
-      </a:schemeClr>
-    </dgm:fillClrLst>
-    <dgm:linClrLst meth="repeat">
-      <a:schemeClr val="lt1"/>
-    </dgm:linClrLst>
-    <dgm:effectClrLst/>
-    <dgm:txLinClrLst/>
-    <dgm:txFillClrLst meth="repeat">
-      <a:schemeClr val="lt1"/>
-    </dgm:txFillClrLst>
-    <dgm:txEffectClrLst/>
-  </dgm:styleLbl>
-  <dgm:styleLbl name="alignImgPlace1">
-    <dgm:fillClrLst>
-      <a:schemeClr val="accent2">
-        <a:tint val="50000"/>
-      </a:schemeClr>
-      <a:schemeClr val="accent3">
-        <a:tint val="20000"/>
-      </a:schemeClr>
-    </dgm:fillClrLst>
-    <dgm:linClrLst meth="repeat">
-      <a:schemeClr val="lt1"/>
-    </dgm:linClrLst>
-    <dgm:effectClrLst/>
-    <dgm:txLinClrLst/>
-    <dgm:txFillClrLst meth="repeat">
-      <a:schemeClr val="lt1"/>
-    </dgm:txFillClrLst>
-    <dgm:txEffectClrLst/>
-  </dgm:styleLbl>
-  <dgm:styleLbl name="bgImgPlace1">
-    <dgm:fillClrLst>
-      <a:schemeClr val="accent2">
-        <a:tint val="50000"/>
-      </a:schemeClr>
-      <a:schemeClr val="accent3">
-        <a:tint val="20000"/>
-      </a:schemeClr>
-    </dgm:fillClrLst>
-    <dgm:linClrLst meth="repeat">
-      <a:schemeClr val="lt1"/>
-    </dgm:linClrLst>
-    <dgm:effectClrLst/>
-    <dgm:txLinClrLst/>
-    <dgm:txFillClrLst meth="repeat">
-      <a:schemeClr val="lt1"/>
-    </dgm:txFillClrLst>
-    <dgm:txEffectClrLst/>
-  </dgm:styleLbl>
-  <dgm:styleLbl name="sibTrans2D1">
-    <dgm:fillClrLst>
-      <a:schemeClr val="accent2"/>
-      <a:schemeClr val="accent3"/>
-    </dgm:fillClrLst>
-    <dgm:linClrLst meth="repeat">
-      <a:schemeClr val="lt1"/>
-    </dgm:linClrLst>
-    <dgm:effectClrLst/>
-    <dgm:txLinClrLst/>
-    <dgm:txFillClrLst/>
-    <dgm:txEffectClrLst/>
-  </dgm:styleLbl>
-  <dgm:styleLbl name="fgSibTrans2D1">
-    <dgm:fillClrLst>
-      <a:schemeClr val="accent2"/>
-      <a:schemeClr val="accent3"/>
-    </dgm:fillClrLst>
-    <dgm:linClrLst meth="repeat">
-      <a:schemeClr val="lt1"/>
-    </dgm:linClrLst>
-    <dgm:effectClrLst/>
-    <dgm:txLinClrLst/>
-    <dgm:txFillClrLst meth="repeat">
-      <a:schemeClr val="lt1"/>
-    </dgm:txFillClrLst>
-    <dgm:txEffectClrLst/>
-  </dgm:styleLbl>
-  <dgm:styleLbl name="bgSibTrans2D1">
-    <dgm:fillClrLst>
-      <a:schemeClr val="accent2"/>
-      <a:schemeClr val="accent3"/>
-    </dgm:fillClrLst>
-    <dgm:linClrLst meth="repeat">
-      <a:schemeClr val="lt1"/>
-    </dgm:linClrLst>
-    <dgm:effectClrLst/>
-    <dgm:txLinClrLst/>
-    <dgm:txFillClrLst meth="repeat">
-      <a:schemeClr val="lt1"/>
-    </dgm:txFillClrLst>
-    <dgm:txEffectClrLst/>
-  </dgm:styleLbl>
-  <dgm:styleLbl name="sibTrans1D1">
-    <dgm:fillClrLst/>
-    <dgm:linClrLst>
-      <a:schemeClr val="accent2"/>
-      <a:schemeClr val="accent3"/>
-    </dgm:linClrLst>
-    <dgm:effectClrLst/>
-    <dgm:txLinClrLst/>
-    <dgm:txFillClrLst meth="repeat">
-      <a:schemeClr val="tx1"/>
-    </dgm:txFillClrLst>
-    <dgm:txEffectClrLst/>
-  </dgm:styleLbl>
-  <dgm:styleLbl name="callout">
-    <dgm:fillClrLst meth="repeat">
-      <a:schemeClr val="accent2"/>
-    </dgm:fillClrLst>
-    <dgm:linClrLst meth="repeat">
-      <a:schemeClr val="accent2">
-        <a:tint val="50000"/>
-      </a:schemeClr>
-    </dgm:linClrLst>
-    <dgm:effectClrLst/>
-    <dgm:txLinClrLst/>
-    <dgm:txFillClrLst meth="repeat">
-      <a:schemeClr val="tx1"/>
-    </dgm:txFillClrLst>
-    <dgm:txEffectClrLst/>
-  </dgm:styleLbl>
-  <dgm:styleLbl name="asst0">
-    <dgm:fillClrLst meth="repeat">
-      <a:schemeClr val="accent2"/>
-    </dgm:fillClrLst>
-    <dgm:linClrLst meth="repeat">
-      <a:schemeClr val="lt1">
-        <a:shade val="80000"/>
-      </a:schemeClr>
-    </dgm:linClrLst>
-    <dgm:effectClrLst/>
-    <dgm:txLinClrLst/>
-    <dgm:txFillClrLst/>
-    <dgm:txEffectClrLst/>
-  </dgm:styleLbl>
-  <dgm:styleLbl name="asst1">
-    <dgm:fillClrLst meth="repeat">
-      <a:schemeClr val="accent3"/>
-    </dgm:fillClrLst>
-    <dgm:linClrLst meth="repeat">
-      <a:schemeClr val="lt1">
-        <a:shade val="80000"/>
-      </a:schemeClr>
-    </dgm:linClrLst>
-    <dgm:effectClrLst/>
-    <dgm:txLinClrLst/>
-    <dgm:txFillClrLst/>
-    <dgm:txEffectClrLst/>
-  </dgm:styleLbl>
-  <dgm:styleLbl name="asst2">
-    <dgm:fillClrLst>
-      <a:schemeClr val="accent4"/>
-    </dgm:fillClrLst>
-    <dgm:linClrLst meth="repeat">
-      <a:schemeClr val="lt1"/>
-    </dgm:linClrLst>
-    <dgm:effectClrLst/>
-    <dgm:txLinClrLst/>
-    <dgm:txFillClrLst/>
-    <dgm:txEffectClrLst/>
-  </dgm:styleLbl>
-  <dgm:styleLbl name="asst3">
-    <dgm:fillClrLst>
-      <a:schemeClr val="accent5"/>
-    </dgm:fillClrLst>
-    <dgm:linClrLst meth="repeat">
-      <a:schemeClr val="lt1"/>
-    </dgm:linClrLst>
-    <dgm:effectClrLst/>
-    <dgm:txLinClrLst/>
-    <dgm:txFillClrLst/>
-    <dgm:txEffectClrLst/>
-  </dgm:styleLbl>
-  <dgm:styleLbl name="asst4">
-    <dgm:fillClrLst>
-      <a:schemeClr val="accent6"/>
-    </dgm:fillClrLst>
-    <dgm:linClrLst meth="repeat">
-      <a:schemeClr val="lt1"/>
-    </dgm:linClrLst>
-    <dgm:effectClrLst/>
-    <dgm:txLinClrLst/>
-    <dgm:txFillClrLst/>
-    <dgm:txEffectClrLst/>
-  </dgm:styleLbl>
-  <dgm:styleLbl name="parChTrans2D1">
-    <dgm:fillClrLst meth="repeat">
-      <a:schemeClr val="accent2"/>
-    </dgm:fillClrLst>
-    <dgm:linClrLst meth="repeat">
-      <a:schemeClr val="lt1"/>
-    </dgm:linClrLst>
-    <dgm:effectClrLst/>
-    <dgm:txLinClrLst/>
-    <dgm:txFillClrLst meth="repeat">
-      <a:schemeClr val="lt1"/>
-    </dgm:txFillClrLst>
-    <dgm:txEffectClrLst/>
-  </dgm:styleLbl>
-  <dgm:styleLbl name="parChTrans2D2">
-    <dgm:fillClrLst meth="repeat">
-      <a:schemeClr val="accent3"/>
-    </dgm:fillClrLst>
-    <dgm:linClrLst meth="repeat">
-      <a:schemeClr val="lt1"/>
-    </dgm:linClrLst>
-    <dgm:effectClrLst/>
-    <dgm:txLinClrLst/>
-    <dgm:txFillClrLst/>
-    <dgm:txEffectClrLst/>
-  </dgm:styleLbl>
-  <dgm:styleLbl name="parChTrans2D3">
-    <dgm:fillClrLst meth="repeat">
-      <a:schemeClr val="accent4"/>
-    </dgm:fillClrLst>
-    <dgm:linClrLst meth="repeat">
-      <a:schemeClr val="lt1"/>
-    </dgm:linClrLst>
-    <dgm:effectClrLst/>
-    <dgm:txLinClrLst/>
-    <dgm:txFillClrLst/>
-    <dgm:txEffectClrLst/>
-  </dgm:styleLbl>
-  <dgm:styleLbl name="parChTrans2D4">
-    <dgm:fillClrLst meth="repeat">
-      <a:schemeClr val="accent5"/>
-    </dgm:fillClrLst>
-    <dgm:linClrLst meth="repeat">
-      <a:schemeClr val="lt1"/>
-    </dgm:linClrLst>
-    <dgm:effectClrLst/>
-    <dgm:txLinClrLst/>
-    <dgm:txFillClrLst meth="repeat">
-      <a:schemeClr val="lt1"/>
-    </dgm:txFillClrLst>
-    <dgm:txEffectClrLst/>
-  </dgm:styleLbl>
-  <dgm:styleLbl name="parChTrans1D1">
-    <dgm:fillClrLst meth="repeat">
-      <a:schemeClr val="accent2"/>
-    </dgm:fillClrLst>
-    <dgm:linClrLst meth="repeat">
-      <a:schemeClr val="accent2"/>
-    </dgm:linClrLst>
-    <dgm:effectClrLst/>
-    <dgm:txLinClrLst/>
-    <dgm:txFillClrLst meth="repeat">
-      <a:schemeClr val="tx1"/>
-    </dgm:txFillClrLst>
-    <dgm:txEffectClrLst/>
-  </dgm:styleLbl>
-  <dgm:styleLbl name="parChTrans1D2">
-    <dgm:fillClrLst meth="repeat">
-      <a:schemeClr val="accent2">
-        <a:tint val="90000"/>
-      </a:schemeClr>
-    </dgm:fillClrLst>
-    <dgm:linClrLst meth="repeat">
-      <a:schemeClr val="accent3"/>
-    </dgm:linClrLst>
-    <dgm:effectClrLst/>
-    <dgm:txLinClrLst/>
-    <dgm:txFillClrLst meth="repeat">
-      <a:schemeClr val="tx1"/>
-    </dgm:txFillClrLst>
-    <dgm:txEffectClrLst/>
-  </dgm:styleLbl>
-  <dgm:styleLbl name="parChTrans1D3">
-    <dgm:fillClrLst meth="repeat">
-      <a:schemeClr val="accent2">
-        <a:tint val="70000"/>
-      </a:schemeClr>
-    </dgm:fillClrLst>
-    <dgm:linClrLst meth="repeat">
-      <a:schemeClr val="accent4"/>
-    </dgm:linClrLst>
-    <dgm:effectClrLst/>
-    <dgm:txLinClrLst/>
-    <dgm:txFillClrLst meth="repeat">
-      <a:schemeClr val="tx1"/>
-    </dgm:txFillClrLst>
-    <dgm:txEffectClrLst/>
-  </dgm:styleLbl>
-  <dgm:styleLbl name="parChTrans1D4">
-    <dgm:fillClrLst meth="repeat">
-      <a:schemeClr val="accent2">
-        <a:tint val="50000"/>
-      </a:schemeClr>
-    </dgm:fillClrLst>
-    <dgm:linClrLst meth="repeat">
-      <a:schemeClr val="accent5"/>
-    </dgm:linClrLst>
-    <dgm:effectClrLst/>
-    <dgm:txLinClrLst/>
-    <dgm:txFillClrLst meth="repeat">
-      <a:schemeClr val="tx1"/>
-    </dgm:txFillClrLst>
-    <dgm:txEffectClrLst/>
-  </dgm:styleLbl>
-  <dgm:styleLbl name="fgAcc1">
-    <dgm:fillClrLst meth="repeat">
-      <a:schemeClr val="lt1">
-        <a:alpha val="90000"/>
-      </a:schemeClr>
-    </dgm:fillClrLst>
-    <dgm:linClrLst>
-      <a:schemeClr val="accent2"/>
-      <a:schemeClr val="accent3"/>
-    </dgm:linClrLst>
-    <dgm:effectClrLst/>
-    <dgm:txLinClrLst/>
-    <dgm:txFillClrLst meth="repeat">
-      <a:schemeClr val="dk1"/>
-    </dgm:txFillClrLst>
-    <dgm:txEffectClrLst/>
-  </dgm:styleLbl>
-  <dgm:styleLbl name="conFgAcc1">
-    <dgm:fillClrLst meth="repeat">
-      <a:schemeClr val="lt1">
-        <a:alpha val="90000"/>
-      </a:schemeClr>
-    </dgm:fillClrLst>
-    <dgm:linClrLst>
-      <a:schemeClr val="accent2"/>
-      <a:schemeClr val="accent3"/>
-    </dgm:linClrLst>
-    <dgm:effectClrLst/>
-    <dgm:txLinClrLst/>
-    <dgm:txFillClrLst meth="repeat">
-      <a:schemeClr val="dk1"/>
-    </dgm:txFillClrLst>
-    <dgm:txEffectClrLst/>
-  </dgm:styleLbl>
-  <dgm:styleLbl name="alignAcc1">
-    <dgm:fillClrLst meth="repeat">
-      <a:schemeClr val="lt1">
-        <a:alpha val="90000"/>
-      </a:schemeClr>
-    </dgm:fillClrLst>
-    <dgm:linClrLst>
-      <a:schemeClr val="accent2"/>
-      <a:schemeClr val="accent3"/>
-    </dgm:linClrLst>
-    <dgm:effectClrLst/>
-    <dgm:txLinClrLst/>
-    <dgm:txFillClrLst meth="repeat">
-      <a:schemeClr val="dk1"/>
-    </dgm:txFillClrLst>
-    <dgm:txEffectClrLst/>
-  </dgm:styleLbl>
-  <dgm:styleLbl name="trAlignAcc1">
-    <dgm:fillClrLst meth="repeat">
-      <a:schemeClr val="lt1">
-        <a:alpha val="40000"/>
-      </a:schemeClr>
-    </dgm:fillClrLst>
-    <dgm:linClrLst meth="repeat">
-      <a:schemeClr val="accent2"/>
-    </dgm:linClrLst>
-    <dgm:effectClrLst/>
-    <dgm:txLinClrLst/>
-    <dgm:txFillClrLst meth="repeat">
-      <a:schemeClr val="dk1"/>
-    </dgm:txFillClrLst>
-    <dgm:txEffectClrLst/>
-  </dgm:styleLbl>
-  <dgm:styleLbl name="bgAcc1">
-    <dgm:fillClrLst meth="repeat">
-      <a:schemeClr val="lt1">
-        <a:alpha val="90000"/>
-      </a:schemeClr>
-    </dgm:fillClrLst>
-    <dgm:linClrLst>
-      <a:schemeClr val="accent2"/>
-      <a:schemeClr val="accent3"/>
-    </dgm:linClrLst>
-    <dgm:effectClrLst/>
-    <dgm:txLinClrLst/>
-    <dgm:txFillClrLst meth="repeat">
-      <a:schemeClr val="dk1"/>
-    </dgm:txFillClrLst>
-    <dgm:txEffectClrLst/>
-  </dgm:styleLbl>
-  <dgm:styleLbl name="solidFgAcc1">
-    <dgm:fillClrLst meth="repeat">
-      <a:schemeClr val="lt1"/>
-    </dgm:fillClrLst>
-    <dgm:linClrLst>
-      <a:schemeClr val="accent2"/>
-      <a:schemeClr val="accent3"/>
-    </dgm:linClrLst>
-    <dgm:effectClrLst/>
-    <dgm:txLinClrLst/>
-    <dgm:txFillClrLst meth="repeat">
-      <a:schemeClr val="dk1"/>
-    </dgm:txFillClrLst>
-    <dgm:txEffectClrLst/>
-  </dgm:styleLbl>
-  <dgm:styleLbl name="solidAlignAcc1">
-    <dgm:fillClrLst meth="repeat">
-      <a:schemeClr val="lt1"/>
-    </dgm:fillClrLst>
-    <dgm:linClrLst>
-      <a:schemeClr val="accent2"/>
-      <a:schemeClr val="accent3"/>
-    </dgm:linClrLst>
-    <dgm:effectClrLst/>
-    <dgm:txLinClrLst/>
-    <dgm:txFillClrLst meth="repeat">
-      <a:schemeClr val="dk1"/>
-    </dgm:txFillClrLst>
-    <dgm:txEffectClrLst/>
-  </dgm:styleLbl>
-  <dgm:styleLbl name="solidBgAcc1">
-    <dgm:fillClrLst meth="repeat">
-      <a:schemeClr val="lt1"/>
-    </dgm:fillClrLst>
-    <dgm:linClrLst>
-      <a:schemeClr val="accent2"/>
-      <a:schemeClr val="accent3"/>
-    </dgm:linClrLst>
-    <dgm:effectClrLst/>
-    <dgm:txLinClrLst/>
-    <dgm:txFillClrLst meth="repeat">
-      <a:schemeClr val="dk1"/>
-    </dgm:txFillClrLst>
-    <dgm:txEffectClrLst/>
-  </dgm:styleLbl>
-  <dgm:styleLbl name="fgAccFollowNode1">
-    <dgm:fillClrLst>
-      <a:schemeClr val="accent2">
-        <a:tint val="40000"/>
-        <a:alpha val="90000"/>
-      </a:schemeClr>
-      <a:schemeClr val="accent3">
-        <a:tint val="40000"/>
-        <a:alpha val="90000"/>
-      </a:schemeClr>
-    </dgm:fillClrLst>
-    <dgm:linClrLst>
-      <a:schemeClr val="accent2">
-        <a:tint val="40000"/>
-        <a:alpha val="90000"/>
-      </a:schemeClr>
-      <a:schemeClr val="accent3">
-        <a:tint val="40000"/>
-        <a:alpha val="90000"/>
-      </a:schemeClr>
-    </dgm:linClrLst>
-    <dgm:effectClrLst/>
-    <dgm:txLinClrLst/>
-    <dgm:txFillClrLst meth="repeat">
-      <a:schemeClr val="dk1"/>
-    </dgm:txFillClrLst>
-    <dgm:txEffectClrLst/>
-  </dgm:styleLbl>
-  <dgm:styleLbl name="alignAccFollowNode1">
-    <dgm:fillClrLst>
-      <a:schemeClr val="accent2">
-        <a:tint val="40000"/>
-        <a:alpha val="90000"/>
-      </a:schemeClr>
-      <a:schemeClr val="accent3">
-        <a:tint val="40000"/>
-        <a:alpha val="90000"/>
-      </a:schemeClr>
-    </dgm:fillClrLst>
-    <dgm:linClrLst>
-      <a:schemeClr val="accent2">
-        <a:tint val="40000"/>
-        <a:alpha val="90000"/>
-      </a:schemeClr>
-      <a:schemeClr val="accent3">
-        <a:tint val="40000"/>
-        <a:alpha val="90000"/>
-      </a:schemeClr>
-    </dgm:linClrLst>
-    <dgm:effectClrLst/>
-    <dgm:txLinClrLst/>
-    <dgm:txFillClrLst meth="repeat">
-      <a:schemeClr val="dk1"/>
-    </dgm:txFillClrLst>
-    <dgm:txEffectClrLst/>
-  </dgm:styleLbl>
-  <dgm:styleLbl name="bgAccFollowNode1">
-    <dgm:fillClrLst>
-      <a:schemeClr val="accent2">
-        <a:tint val="40000"/>
-        <a:alpha val="90000"/>
-      </a:schemeClr>
-      <a:schemeClr val="accent3">
-        <a:tint val="40000"/>
-        <a:alpha val="90000"/>
-      </a:schemeClr>
-    </dgm:fillClrLst>
-    <dgm:linClrLst>
-      <a:schemeClr val="accent2">
-        <a:tint val="40000"/>
-        <a:alpha val="90000"/>
-      </a:schemeClr>
-      <a:schemeClr val="accent3">
-        <a:tint val="40000"/>
-        <a:alpha val="90000"/>
-      </a:schemeClr>
-    </dgm:linClrLst>
-    <dgm:effectClrLst/>
-    <dgm:txLinClrLst/>
-    <dgm:txFillClrLst meth="repeat">
-      <a:schemeClr val="dk1"/>
-    </dgm:txFillClrLst>
-    <dgm:txEffectClrLst/>
-  </dgm:styleLbl>
-  <dgm:styleLbl name="fgAcc0">
-    <dgm:fillClrLst meth="repeat">
-      <a:schemeClr val="lt1">
-        <a:alpha val="90000"/>
-      </a:schemeClr>
-    </dgm:fillClrLst>
-    <dgm:linClrLst>
-      <a:schemeClr val="accent1"/>
-    </dgm:linClrLst>
-    <dgm:effectClrLst/>
-    <dgm:txLinClrLst/>
-    <dgm:txFillClrLst meth="repeat">
-      <a:schemeClr val="dk1"/>
-    </dgm:txFillClrLst>
-    <dgm:txEffectClrLst/>
-  </dgm:styleLbl>
-  <dgm:styleLbl name="fgAcc2">
-    <dgm:fillClrLst meth="repeat">
-      <a:schemeClr val="lt1">
-        <a:alpha val="90000"/>
-      </a:schemeClr>
-    </dgm:fillClrLst>
-    <dgm:linClrLst>
-      <a:schemeClr val="accent3"/>
-    </dgm:linClrLst>
-    <dgm:effectClrLst/>
-    <dgm:txLinClrLst/>
-    <dgm:txFillClrLst meth="repeat">
-      <a:schemeClr val="dk1"/>
-    </dgm:txFillClrLst>
-    <dgm:txEffectClrLst/>
-  </dgm:styleLbl>
-  <dgm:styleLbl name="fgAcc3">
-    <dgm:fillClrLst meth="repeat">
-      <a:schemeClr val="lt1">
-        <a:alpha val="90000"/>
-      </a:schemeClr>
-    </dgm:fillClrLst>
-    <dgm:linClrLst>
-      <a:schemeClr val="accent4"/>
-    </dgm:linClrLst>
-    <dgm:effectClrLst/>
-    <dgm:txLinClrLst/>
-    <dgm:txFillClrLst meth="repeat">
-      <a:schemeClr val="dk1"/>
-    </dgm:txFillClrLst>
-    <dgm:txEffectClrLst/>
-  </dgm:styleLbl>
-  <dgm:styleLbl name="fgAcc4">
-    <dgm:fillClrLst meth="repeat">
-      <a:schemeClr val="lt1">
-        <a:alpha val="90000"/>
-      </a:schemeClr>
-    </dgm:fillClrLst>
-    <dgm:linClrLst>
-      <a:schemeClr val="accent5"/>
-    </dgm:linClrLst>
-    <dgm:effectClrLst/>
-    <dgm:txLinClrLst/>
-    <dgm:txFillClrLst meth="repeat">
-      <a:schemeClr val="dk1"/>
-    </dgm:txFillClrLst>
-    <dgm:txEffectClrLst/>
-  </dgm:styleLbl>
-  <dgm:styleLbl name="bgShp">
-    <dgm:fillClrLst meth="repeat">
-      <a:schemeClr val="accent2">
-        <a:tint val="40000"/>
-      </a:schemeClr>
-    </dgm:fillClrLst>
-    <dgm:linClrLst meth="repeat">
-      <a:schemeClr val="dk1"/>
-    </dgm:linClrLst>
-    <dgm:effectClrLst/>
-    <dgm:txLinClrLst/>
-    <dgm:txFillClrLst meth="repeat">
-      <a:schemeClr val="dk1"/>
-    </dgm:txFillClrLst>
-    <dgm:txEffectClrLst/>
-  </dgm:styleLbl>
-  <dgm:styleLbl name="dkBgShp">
-    <dgm:fillClrLst meth="repeat">
-      <a:schemeClr val="accent2">
-        <a:shade val="90000"/>
-      </a:schemeClr>
-    </dgm:fillClrLst>
-    <dgm:linClrLst meth="repeat">
-      <a:schemeClr val="dk1"/>
-    </dgm:linClrLst>
-    <dgm:effectClrLst/>
-    <dgm:txLinClrLst/>
-    <dgm:txFillClrLst meth="repeat">
-      <a:schemeClr val="lt1"/>
-    </dgm:txFillClrLst>
-    <dgm:txEffectClrLst/>
-  </dgm:styleLbl>
-  <dgm:styleLbl name="trBgShp">
-    <dgm:fillClrLst meth="repeat">
-      <a:schemeClr val="accent2">
-        <a:tint val="50000"/>
-        <a:alpha val="40000"/>
-      </a:schemeClr>
-    </dgm:fillClrLst>
-    <dgm:linClrLst meth="repeat">
-      <a:schemeClr val="accent2"/>
-    </dgm:linClrLst>
-    <dgm:effectClrLst/>
-    <dgm:txLinClrLst/>
-    <dgm:txFillClrLst meth="repeat">
-      <a:schemeClr val="lt1"/>
-    </dgm:txFillClrLst>
-    <dgm:txEffectClrLst/>
-  </dgm:styleLbl>
-  <dgm:styleLbl name="fgShp">
-    <dgm:fillClrLst meth="repeat">
-      <a:schemeClr val="accent2">
         <a:tint val="40000"/>
       </a:schemeClr>
     </dgm:fillClrLst>
@@ -6017,519 +6017,6 @@
 <file path=ppt/diagrams/data1.xml><?xml version="1.0" encoding="utf-8"?>
 <dgm:dataModel xmlns:dgm="http://schemas.openxmlformats.org/drawingml/2006/diagram" xmlns:a="http://schemas.openxmlformats.org/drawingml/2006/main">
   <dgm:ptLst>
-    <dgm:pt modelId="{66F21CE7-2DBC-4995-AF37-C23F5D74D6FA}" type="doc">
-      <dgm:prSet loTypeId="urn:microsoft.com/office/officeart/2005/8/layout/vList2" loCatId="list" qsTypeId="urn:microsoft.com/office/officeart/2005/8/quickstyle/simple4" qsCatId="simple" csTypeId="urn:microsoft.com/office/officeart/2005/8/colors/colorful2" csCatId="colorful"/>
-      <dgm:spPr/>
-      <dgm:t>
-        <a:bodyPr/>
-        <a:lstStyle/>
-        <a:p>
-          <a:endParaRPr lang="en-US"/>
-        </a:p>
-      </dgm:t>
-    </dgm:pt>
-    <dgm:pt modelId="{8E9F767F-6A72-4256-BEEE-A5A9E8389FB3}">
-      <dgm:prSet/>
-      <dgm:spPr/>
-      <dgm:t>
-        <a:bodyPr/>
-        <a:lstStyle/>
-        <a:p>
-          <a:r>
-            <a:rPr lang="en-US" b="0" i="0"/>
-            <a:t>Project idea</a:t>
-          </a:r>
-          <a:endParaRPr lang="en-US"/>
-        </a:p>
-      </dgm:t>
-    </dgm:pt>
-    <dgm:pt modelId="{7F861975-9B78-4A80-A04C-EC3AD38CE152}" type="parTrans" cxnId="{BCC7F7E1-8CB0-4966-B83E-637309C5CBBE}">
-      <dgm:prSet/>
-      <dgm:spPr/>
-      <dgm:t>
-        <a:bodyPr/>
-        <a:lstStyle/>
-        <a:p>
-          <a:endParaRPr lang="en-US"/>
-        </a:p>
-      </dgm:t>
-    </dgm:pt>
-    <dgm:pt modelId="{3950A648-763C-4A0E-9533-0CDD8DDEF658}" type="sibTrans" cxnId="{BCC7F7E1-8CB0-4966-B83E-637309C5CBBE}">
-      <dgm:prSet/>
-      <dgm:spPr/>
-      <dgm:t>
-        <a:bodyPr/>
-        <a:lstStyle/>
-        <a:p>
-          <a:endParaRPr lang="en-US"/>
-        </a:p>
-      </dgm:t>
-    </dgm:pt>
-    <dgm:pt modelId="{32A75D09-3EAC-44D4-9015-A246299D8215}">
-      <dgm:prSet/>
-      <dgm:spPr/>
-      <dgm:t>
-        <a:bodyPr/>
-        <a:lstStyle/>
-        <a:p>
-          <a:r>
-            <a:rPr lang="en-US" b="0" i="0"/>
-            <a:t>Purpose</a:t>
-          </a:r>
-          <a:endParaRPr lang="en-US"/>
-        </a:p>
-      </dgm:t>
-    </dgm:pt>
-    <dgm:pt modelId="{43F9A9B0-DEA1-4E6C-9883-8CFA1E7481B3}" type="parTrans" cxnId="{D93F2650-9F46-4873-B99B-1272EFEFAE38}">
-      <dgm:prSet/>
-      <dgm:spPr/>
-      <dgm:t>
-        <a:bodyPr/>
-        <a:lstStyle/>
-        <a:p>
-          <a:endParaRPr lang="en-US"/>
-        </a:p>
-      </dgm:t>
-    </dgm:pt>
-    <dgm:pt modelId="{A5FA531F-F0BB-4F7A-B593-3DE179D9D3BF}" type="sibTrans" cxnId="{D93F2650-9F46-4873-B99B-1272EFEFAE38}">
-      <dgm:prSet/>
-      <dgm:spPr/>
-      <dgm:t>
-        <a:bodyPr/>
-        <a:lstStyle/>
-        <a:p>
-          <a:endParaRPr lang="en-US"/>
-        </a:p>
-      </dgm:t>
-    </dgm:pt>
-    <dgm:pt modelId="{7C48F3CB-C343-45F3-B9E9-3111DB0CF821}">
-      <dgm:prSet/>
-      <dgm:spPr/>
-      <dgm:t>
-        <a:bodyPr/>
-        <a:lstStyle/>
-        <a:p>
-          <a:r>
-            <a:rPr lang="en-US" b="0" i="0"/>
-            <a:t>Accomplishment</a:t>
-          </a:r>
-          <a:endParaRPr lang="en-US"/>
-        </a:p>
-      </dgm:t>
-    </dgm:pt>
-    <dgm:pt modelId="{5C7F13AE-A8F1-48CC-9ED4-F30794C2EB95}" type="parTrans" cxnId="{9E77039B-4219-438D-8F61-5C761EFD49A2}">
-      <dgm:prSet/>
-      <dgm:spPr/>
-      <dgm:t>
-        <a:bodyPr/>
-        <a:lstStyle/>
-        <a:p>
-          <a:endParaRPr lang="en-US"/>
-        </a:p>
-      </dgm:t>
-    </dgm:pt>
-    <dgm:pt modelId="{1E7769D7-52C7-449C-82D1-AC97C2028564}" type="sibTrans" cxnId="{9E77039B-4219-438D-8F61-5C761EFD49A2}">
-      <dgm:prSet/>
-      <dgm:spPr/>
-      <dgm:t>
-        <a:bodyPr/>
-        <a:lstStyle/>
-        <a:p>
-          <a:endParaRPr lang="en-US"/>
-        </a:p>
-      </dgm:t>
-    </dgm:pt>
-    <dgm:pt modelId="{F866385F-EC58-4A60-82F4-9FC61044BF2E}">
-      <dgm:prSet/>
-      <dgm:spPr/>
-      <dgm:t>
-        <a:bodyPr/>
-        <a:lstStyle/>
-        <a:p>
-          <a:r>
-            <a:rPr lang="en-US" b="0" i="0"/>
-            <a:t>Technology - Python, SQL, Database, Power Bi, Dash, Machine Learning, Linear Regression, ETL, Git, API</a:t>
-          </a:r>
-          <a:endParaRPr lang="en-US"/>
-        </a:p>
-      </dgm:t>
-    </dgm:pt>
-    <dgm:pt modelId="{8C6F52D9-F28F-40B1-82A0-8BE8B250802F}" type="parTrans" cxnId="{B718D02B-97D9-41BF-AC43-6FB1C90C41C2}">
-      <dgm:prSet/>
-      <dgm:spPr/>
-      <dgm:t>
-        <a:bodyPr/>
-        <a:lstStyle/>
-        <a:p>
-          <a:endParaRPr lang="en-US"/>
-        </a:p>
-      </dgm:t>
-    </dgm:pt>
-    <dgm:pt modelId="{748CC70C-D147-4FE2-ADDE-ACABD049EDE0}" type="sibTrans" cxnId="{B718D02B-97D9-41BF-AC43-6FB1C90C41C2}">
-      <dgm:prSet/>
-      <dgm:spPr/>
-      <dgm:t>
-        <a:bodyPr/>
-        <a:lstStyle/>
-        <a:p>
-          <a:endParaRPr lang="en-US"/>
-        </a:p>
-      </dgm:t>
-    </dgm:pt>
-    <dgm:pt modelId="{BB54A24A-1A5A-4E57-A379-68384192E4DE}">
-      <dgm:prSet/>
-      <dgm:spPr/>
-      <dgm:t>
-        <a:bodyPr/>
-        <a:lstStyle/>
-        <a:p>
-          <a:r>
-            <a:rPr lang="en-US" b="0" i="0"/>
-            <a:t>Sustainability</a:t>
-          </a:r>
-          <a:endParaRPr lang="en-US"/>
-        </a:p>
-      </dgm:t>
-    </dgm:pt>
-    <dgm:pt modelId="{BE8141D0-B382-46BE-A711-2C9B5AC61AA6}" type="parTrans" cxnId="{9AD71DF0-1D8F-4770-85F2-6C46A8CEBBAE}">
-      <dgm:prSet/>
-      <dgm:spPr/>
-      <dgm:t>
-        <a:bodyPr/>
-        <a:lstStyle/>
-        <a:p>
-          <a:endParaRPr lang="en-US"/>
-        </a:p>
-      </dgm:t>
-    </dgm:pt>
-    <dgm:pt modelId="{43B9654F-6125-4A64-A6C6-D6E7BADD69CE}" type="sibTrans" cxnId="{9AD71DF0-1D8F-4770-85F2-6C46A8CEBBAE}">
-      <dgm:prSet/>
-      <dgm:spPr/>
-      <dgm:t>
-        <a:bodyPr/>
-        <a:lstStyle/>
-        <a:p>
-          <a:endParaRPr lang="en-US"/>
-        </a:p>
-      </dgm:t>
-    </dgm:pt>
-    <dgm:pt modelId="{A27217DE-B52B-44C1-9202-B99FD226FA1B}">
-      <dgm:prSet/>
-      <dgm:spPr/>
-      <dgm:t>
-        <a:bodyPr/>
-        <a:lstStyle/>
-        <a:p>
-          <a:r>
-            <a:rPr lang="en-US" b="0" i="0" dirty="0"/>
-            <a:t>Dataset - World Energy Consumption from </a:t>
-          </a:r>
-          <a:r>
-            <a:rPr lang="en-US" b="0" i="0" dirty="0">
-              <a:solidFill>
-                <a:schemeClr val="tx1"/>
-              </a:solidFill>
-              <a:hlinkClick xmlns:r="http://schemas.openxmlformats.org/officeDocument/2006/relationships" r:id="rId1">
-                <a:extLst>
-                  <a:ext uri="{A12FA001-AC4F-418D-AE19-62706E023703}">
-                    <ahyp:hlinkClr xmlns:ahyp="http://schemas.microsoft.com/office/drawing/2018/hyperlinkcolor" val="tx"/>
-                  </a:ext>
-                </a:extLst>
-              </a:hlinkClick>
-            </a:rPr>
-            <a:t>Kaggle</a:t>
-          </a:r>
-          <a:endParaRPr lang="en-US" dirty="0">
-            <a:solidFill>
-              <a:schemeClr val="tx1"/>
-            </a:solidFill>
-          </a:endParaRPr>
-        </a:p>
-      </dgm:t>
-    </dgm:pt>
-    <dgm:pt modelId="{280D8B71-07D6-4636-A6E8-2A1EF8BFBC98}" type="sibTrans" cxnId="{032B1FD7-0305-4299-80BA-DE0741639FEE}">
-      <dgm:prSet/>
-      <dgm:spPr/>
-      <dgm:t>
-        <a:bodyPr/>
-        <a:lstStyle/>
-        <a:p>
-          <a:endParaRPr lang="en-US"/>
-        </a:p>
-      </dgm:t>
-    </dgm:pt>
-    <dgm:pt modelId="{29A09FEA-B003-46A5-B0DC-14523B26FA0F}" type="parTrans" cxnId="{032B1FD7-0305-4299-80BA-DE0741639FEE}">
-      <dgm:prSet/>
-      <dgm:spPr/>
-      <dgm:t>
-        <a:bodyPr/>
-        <a:lstStyle/>
-        <a:p>
-          <a:endParaRPr lang="en-US"/>
-        </a:p>
-      </dgm:t>
-    </dgm:pt>
-    <dgm:pt modelId="{C87AAA3A-E234-4682-A9EC-0725657F4BAD}" type="pres">
-      <dgm:prSet presAssocID="{66F21CE7-2DBC-4995-AF37-C23F5D74D6FA}" presName="linear" presStyleCnt="0">
-        <dgm:presLayoutVars>
-          <dgm:animLvl val="lvl"/>
-          <dgm:resizeHandles val="exact"/>
-        </dgm:presLayoutVars>
-      </dgm:prSet>
-      <dgm:spPr/>
-    </dgm:pt>
-    <dgm:pt modelId="{2EA7A9BD-1934-44F3-A8A6-457CBE931C5E}" type="pres">
-      <dgm:prSet presAssocID="{8E9F767F-6A72-4256-BEEE-A5A9E8389FB3}" presName="parentText" presStyleLbl="node1" presStyleIdx="0" presStyleCnt="6">
-        <dgm:presLayoutVars>
-          <dgm:chMax val="0"/>
-          <dgm:bulletEnabled val="1"/>
-        </dgm:presLayoutVars>
-      </dgm:prSet>
-      <dgm:spPr/>
-    </dgm:pt>
-    <dgm:pt modelId="{0B2F6B92-39B2-4620-A085-5DAFA86ECC9E}" type="pres">
-      <dgm:prSet presAssocID="{3950A648-763C-4A0E-9533-0CDD8DDEF658}" presName="spacer" presStyleCnt="0"/>
-      <dgm:spPr/>
-    </dgm:pt>
-    <dgm:pt modelId="{583CF9A3-09CF-41DA-B790-F3639A53A16F}" type="pres">
-      <dgm:prSet presAssocID="{A27217DE-B52B-44C1-9202-B99FD226FA1B}" presName="parentText" presStyleLbl="node1" presStyleIdx="1" presStyleCnt="6" custLinFactNeighborX="-2020" custLinFactNeighborY="-44929">
-        <dgm:presLayoutVars>
-          <dgm:chMax val="0"/>
-          <dgm:bulletEnabled val="1"/>
-        </dgm:presLayoutVars>
-      </dgm:prSet>
-      <dgm:spPr/>
-    </dgm:pt>
-    <dgm:pt modelId="{12845CA1-9EC5-40BB-807A-C44B92766783}" type="pres">
-      <dgm:prSet presAssocID="{280D8B71-07D6-4636-A6E8-2A1EF8BFBC98}" presName="spacer" presStyleCnt="0"/>
-      <dgm:spPr/>
-    </dgm:pt>
-    <dgm:pt modelId="{25A2134C-F266-43ED-8B61-15777F4AB977}" type="pres">
-      <dgm:prSet presAssocID="{32A75D09-3EAC-44D4-9015-A246299D8215}" presName="parentText" presStyleLbl="node1" presStyleIdx="2" presStyleCnt="6">
-        <dgm:presLayoutVars>
-          <dgm:chMax val="0"/>
-          <dgm:bulletEnabled val="1"/>
-        </dgm:presLayoutVars>
-      </dgm:prSet>
-      <dgm:spPr/>
-    </dgm:pt>
-    <dgm:pt modelId="{C4193132-9F5C-46F2-B094-6C849D7EEC7D}" type="pres">
-      <dgm:prSet presAssocID="{A5FA531F-F0BB-4F7A-B593-3DE179D9D3BF}" presName="spacer" presStyleCnt="0"/>
-      <dgm:spPr/>
-    </dgm:pt>
-    <dgm:pt modelId="{188BA2A7-7016-4A81-8277-EFB9C3F32592}" type="pres">
-      <dgm:prSet presAssocID="{7C48F3CB-C343-45F3-B9E9-3111DB0CF821}" presName="parentText" presStyleLbl="node1" presStyleIdx="3" presStyleCnt="6">
-        <dgm:presLayoutVars>
-          <dgm:chMax val="0"/>
-          <dgm:bulletEnabled val="1"/>
-        </dgm:presLayoutVars>
-      </dgm:prSet>
-      <dgm:spPr/>
-    </dgm:pt>
-    <dgm:pt modelId="{473DDE2D-4D38-4DD1-B3E5-AB85F80535EC}" type="pres">
-      <dgm:prSet presAssocID="{1E7769D7-52C7-449C-82D1-AC97C2028564}" presName="spacer" presStyleCnt="0"/>
-      <dgm:spPr/>
-    </dgm:pt>
-    <dgm:pt modelId="{F726F82C-B1D9-4AE6-A3FC-34731162ED9C}" type="pres">
-      <dgm:prSet presAssocID="{F866385F-EC58-4A60-82F4-9FC61044BF2E}" presName="parentText" presStyleLbl="node1" presStyleIdx="4" presStyleCnt="6">
-        <dgm:presLayoutVars>
-          <dgm:chMax val="0"/>
-          <dgm:bulletEnabled val="1"/>
-        </dgm:presLayoutVars>
-      </dgm:prSet>
-      <dgm:spPr/>
-    </dgm:pt>
-    <dgm:pt modelId="{2E02C1E6-E2E5-4F9E-831E-B35909208719}" type="pres">
-      <dgm:prSet presAssocID="{748CC70C-D147-4FE2-ADDE-ACABD049EDE0}" presName="spacer" presStyleCnt="0"/>
-      <dgm:spPr/>
-    </dgm:pt>
-    <dgm:pt modelId="{10FCD63C-672C-49A8-B3B3-7D017B0DE3C8}" type="pres">
-      <dgm:prSet presAssocID="{BB54A24A-1A5A-4E57-A379-68384192E4DE}" presName="parentText" presStyleLbl="node1" presStyleIdx="5" presStyleCnt="6">
-        <dgm:presLayoutVars>
-          <dgm:chMax val="0"/>
-          <dgm:bulletEnabled val="1"/>
-        </dgm:presLayoutVars>
-      </dgm:prSet>
-      <dgm:spPr/>
-    </dgm:pt>
-  </dgm:ptLst>
-  <dgm:cxnLst>
-    <dgm:cxn modelId="{BF946023-4ADE-43D1-8E25-A6A92B4FA928}" type="presOf" srcId="{A27217DE-B52B-44C1-9202-B99FD226FA1B}" destId="{583CF9A3-09CF-41DA-B790-F3639A53A16F}" srcOrd="0" destOrd="0" presId="urn:microsoft.com/office/officeart/2005/8/layout/vList2"/>
-    <dgm:cxn modelId="{B718D02B-97D9-41BF-AC43-6FB1C90C41C2}" srcId="{66F21CE7-2DBC-4995-AF37-C23F5D74D6FA}" destId="{F866385F-EC58-4A60-82F4-9FC61044BF2E}" srcOrd="4" destOrd="0" parTransId="{8C6F52D9-F28F-40B1-82A0-8BE8B250802F}" sibTransId="{748CC70C-D147-4FE2-ADDE-ACABD049EDE0}"/>
-    <dgm:cxn modelId="{DE35092D-527E-4949-A62A-10B21DE7DC00}" type="presOf" srcId="{32A75D09-3EAC-44D4-9015-A246299D8215}" destId="{25A2134C-F266-43ED-8B61-15777F4AB977}" srcOrd="0" destOrd="0" presId="urn:microsoft.com/office/officeart/2005/8/layout/vList2"/>
-    <dgm:cxn modelId="{B9671565-29FB-4138-9A4C-F88EC57249A7}" type="presOf" srcId="{F866385F-EC58-4A60-82F4-9FC61044BF2E}" destId="{F726F82C-B1D9-4AE6-A3FC-34731162ED9C}" srcOrd="0" destOrd="0" presId="urn:microsoft.com/office/officeart/2005/8/layout/vList2"/>
-    <dgm:cxn modelId="{FCFD5948-BD49-43CF-A601-4A639DF891A7}" type="presOf" srcId="{8E9F767F-6A72-4256-BEEE-A5A9E8389FB3}" destId="{2EA7A9BD-1934-44F3-A8A6-457CBE931C5E}" srcOrd="0" destOrd="0" presId="urn:microsoft.com/office/officeart/2005/8/layout/vList2"/>
-    <dgm:cxn modelId="{D93F2650-9F46-4873-B99B-1272EFEFAE38}" srcId="{66F21CE7-2DBC-4995-AF37-C23F5D74D6FA}" destId="{32A75D09-3EAC-44D4-9015-A246299D8215}" srcOrd="2" destOrd="0" parTransId="{43F9A9B0-DEA1-4E6C-9883-8CFA1E7481B3}" sibTransId="{A5FA531F-F0BB-4F7A-B593-3DE179D9D3BF}"/>
-    <dgm:cxn modelId="{B9F81274-4012-488E-9442-CEDA2BDE5D8E}" type="presOf" srcId="{7C48F3CB-C343-45F3-B9E9-3111DB0CF821}" destId="{188BA2A7-7016-4A81-8277-EFB9C3F32592}" srcOrd="0" destOrd="0" presId="urn:microsoft.com/office/officeart/2005/8/layout/vList2"/>
-    <dgm:cxn modelId="{3F3C4582-9BF9-497C-A1ED-CE337F215A50}" type="presOf" srcId="{BB54A24A-1A5A-4E57-A379-68384192E4DE}" destId="{10FCD63C-672C-49A8-B3B3-7D017B0DE3C8}" srcOrd="0" destOrd="0" presId="urn:microsoft.com/office/officeart/2005/8/layout/vList2"/>
-    <dgm:cxn modelId="{9E77039B-4219-438D-8F61-5C761EFD49A2}" srcId="{66F21CE7-2DBC-4995-AF37-C23F5D74D6FA}" destId="{7C48F3CB-C343-45F3-B9E9-3111DB0CF821}" srcOrd="3" destOrd="0" parTransId="{5C7F13AE-A8F1-48CC-9ED4-F30794C2EB95}" sibTransId="{1E7769D7-52C7-449C-82D1-AC97C2028564}"/>
-    <dgm:cxn modelId="{032B1FD7-0305-4299-80BA-DE0741639FEE}" srcId="{66F21CE7-2DBC-4995-AF37-C23F5D74D6FA}" destId="{A27217DE-B52B-44C1-9202-B99FD226FA1B}" srcOrd="1" destOrd="0" parTransId="{29A09FEA-B003-46A5-B0DC-14523B26FA0F}" sibTransId="{280D8B71-07D6-4636-A6E8-2A1EF8BFBC98}"/>
-    <dgm:cxn modelId="{BCC7F7E1-8CB0-4966-B83E-637309C5CBBE}" srcId="{66F21CE7-2DBC-4995-AF37-C23F5D74D6FA}" destId="{8E9F767F-6A72-4256-BEEE-A5A9E8389FB3}" srcOrd="0" destOrd="0" parTransId="{7F861975-9B78-4A80-A04C-EC3AD38CE152}" sibTransId="{3950A648-763C-4A0E-9533-0CDD8DDEF658}"/>
-    <dgm:cxn modelId="{26A9DCE3-750C-466B-A8A5-30D5344B11ED}" type="presOf" srcId="{66F21CE7-2DBC-4995-AF37-C23F5D74D6FA}" destId="{C87AAA3A-E234-4682-A9EC-0725657F4BAD}" srcOrd="0" destOrd="0" presId="urn:microsoft.com/office/officeart/2005/8/layout/vList2"/>
-    <dgm:cxn modelId="{9AD71DF0-1D8F-4770-85F2-6C46A8CEBBAE}" srcId="{66F21CE7-2DBC-4995-AF37-C23F5D74D6FA}" destId="{BB54A24A-1A5A-4E57-A379-68384192E4DE}" srcOrd="5" destOrd="0" parTransId="{BE8141D0-B382-46BE-A711-2C9B5AC61AA6}" sibTransId="{43B9654F-6125-4A64-A6C6-D6E7BADD69CE}"/>
-    <dgm:cxn modelId="{2C49D2A4-9CC3-42DC-B654-2B1E4909453A}" type="presParOf" srcId="{C87AAA3A-E234-4682-A9EC-0725657F4BAD}" destId="{2EA7A9BD-1934-44F3-A8A6-457CBE931C5E}" srcOrd="0" destOrd="0" presId="urn:microsoft.com/office/officeart/2005/8/layout/vList2"/>
-    <dgm:cxn modelId="{E6BEFEE8-3F27-41F0-8FCA-C3F43BB30541}" type="presParOf" srcId="{C87AAA3A-E234-4682-A9EC-0725657F4BAD}" destId="{0B2F6B92-39B2-4620-A085-5DAFA86ECC9E}" srcOrd="1" destOrd="0" presId="urn:microsoft.com/office/officeart/2005/8/layout/vList2"/>
-    <dgm:cxn modelId="{BC4AB9A0-E95F-40B1-AD33-205A11B2D2B7}" type="presParOf" srcId="{C87AAA3A-E234-4682-A9EC-0725657F4BAD}" destId="{583CF9A3-09CF-41DA-B790-F3639A53A16F}" srcOrd="2" destOrd="0" presId="urn:microsoft.com/office/officeart/2005/8/layout/vList2"/>
-    <dgm:cxn modelId="{050F9DE0-FBD2-4102-AB15-7586D5B9E175}" type="presParOf" srcId="{C87AAA3A-E234-4682-A9EC-0725657F4BAD}" destId="{12845CA1-9EC5-40BB-807A-C44B92766783}" srcOrd="3" destOrd="0" presId="urn:microsoft.com/office/officeart/2005/8/layout/vList2"/>
-    <dgm:cxn modelId="{F547FF81-1063-4AA7-B94C-4A241022D20C}" type="presParOf" srcId="{C87AAA3A-E234-4682-A9EC-0725657F4BAD}" destId="{25A2134C-F266-43ED-8B61-15777F4AB977}" srcOrd="4" destOrd="0" presId="urn:microsoft.com/office/officeart/2005/8/layout/vList2"/>
-    <dgm:cxn modelId="{685B9D3C-8368-4509-9D51-78C9640BDDB3}" type="presParOf" srcId="{C87AAA3A-E234-4682-A9EC-0725657F4BAD}" destId="{C4193132-9F5C-46F2-B094-6C849D7EEC7D}" srcOrd="5" destOrd="0" presId="urn:microsoft.com/office/officeart/2005/8/layout/vList2"/>
-    <dgm:cxn modelId="{22808BCC-BAFB-4102-90D1-1AEAF02E4580}" type="presParOf" srcId="{C87AAA3A-E234-4682-A9EC-0725657F4BAD}" destId="{188BA2A7-7016-4A81-8277-EFB9C3F32592}" srcOrd="6" destOrd="0" presId="urn:microsoft.com/office/officeart/2005/8/layout/vList2"/>
-    <dgm:cxn modelId="{B54A163C-14B1-4B5B-B5FF-46EDED1C5D7B}" type="presParOf" srcId="{C87AAA3A-E234-4682-A9EC-0725657F4BAD}" destId="{473DDE2D-4D38-4DD1-B3E5-AB85F80535EC}" srcOrd="7" destOrd="0" presId="urn:microsoft.com/office/officeart/2005/8/layout/vList2"/>
-    <dgm:cxn modelId="{5FC73CA5-4FBA-41FF-94A1-29457CF884C8}" type="presParOf" srcId="{C87AAA3A-E234-4682-A9EC-0725657F4BAD}" destId="{F726F82C-B1D9-4AE6-A3FC-34731162ED9C}" srcOrd="8" destOrd="0" presId="urn:microsoft.com/office/officeart/2005/8/layout/vList2"/>
-    <dgm:cxn modelId="{94BBF361-00C6-4023-90BA-39C37AB6AD01}" type="presParOf" srcId="{C87AAA3A-E234-4682-A9EC-0725657F4BAD}" destId="{2E02C1E6-E2E5-4F9E-831E-B35909208719}" srcOrd="9" destOrd="0" presId="urn:microsoft.com/office/officeart/2005/8/layout/vList2"/>
-    <dgm:cxn modelId="{7526FD5B-E782-4916-B859-9FFE9C752E5F}" type="presParOf" srcId="{C87AAA3A-E234-4682-A9EC-0725657F4BAD}" destId="{10FCD63C-672C-49A8-B3B3-7D017B0DE3C8}" srcOrd="10" destOrd="0" presId="urn:microsoft.com/office/officeart/2005/8/layout/vList2"/>
-  </dgm:cxnLst>
-  <dgm:bg/>
-  <dgm:whole/>
-  <dgm:extLst>
-    <a:ext uri="http://schemas.microsoft.com/office/drawing/2008/diagram">
-      <dsp:dataModelExt xmlns:dsp="http://schemas.microsoft.com/office/drawing/2008/diagram" relId="rId6" minVer="http://schemas.openxmlformats.org/drawingml/2006/diagram"/>
-    </a:ext>
-  </dgm:extLst>
-</dgm:dataModel>
-</file>
-
-<file path=ppt/diagrams/data2.xml><?xml version="1.0" encoding="utf-8"?>
-<dgm:dataModel xmlns:dgm="http://schemas.openxmlformats.org/drawingml/2006/diagram" xmlns:a="http://schemas.openxmlformats.org/drawingml/2006/main">
-  <dgm:ptLst>
-    <dgm:pt modelId="{C8092609-F8EA-4E4A-8350-8B8B44869798}" type="doc">
-      <dgm:prSet loTypeId="urn:microsoft.com/office/officeart/2005/8/layout/vList2" loCatId="list" qsTypeId="urn:microsoft.com/office/officeart/2005/8/quickstyle/simple4" qsCatId="simple" csTypeId="urn:microsoft.com/office/officeart/2005/8/colors/colorful5" csCatId="colorful"/>
-      <dgm:spPr/>
-      <dgm:t>
-        <a:bodyPr/>
-        <a:lstStyle/>
-        <a:p>
-          <a:endParaRPr lang="en-US"/>
-        </a:p>
-      </dgm:t>
-    </dgm:pt>
-    <dgm:pt modelId="{1EBFCD4E-44F6-4442-80E6-D7FE1E34857D}">
-      <dgm:prSet/>
-      <dgm:spPr/>
-      <dgm:t>
-        <a:bodyPr/>
-        <a:lstStyle/>
-        <a:p>
-          <a:r>
-            <a:rPr lang="en-US"/>
-            <a:t>Energy consumption analyzes </a:t>
-          </a:r>
-        </a:p>
-      </dgm:t>
-    </dgm:pt>
-    <dgm:pt modelId="{9F2B0586-9AC2-4647-8C7D-405A0603124B}" type="parTrans" cxnId="{B73FA32C-98E3-4D87-8E41-A9740EA4A832}">
-      <dgm:prSet/>
-      <dgm:spPr/>
-      <dgm:t>
-        <a:bodyPr/>
-        <a:lstStyle/>
-        <a:p>
-          <a:endParaRPr lang="en-US"/>
-        </a:p>
-      </dgm:t>
-    </dgm:pt>
-    <dgm:pt modelId="{55ECAD25-23C5-43E7-A2FF-6803A5F736A4}" type="sibTrans" cxnId="{B73FA32C-98E3-4D87-8E41-A9740EA4A832}">
-      <dgm:prSet/>
-      <dgm:spPr/>
-      <dgm:t>
-        <a:bodyPr/>
-        <a:lstStyle/>
-        <a:p>
-          <a:endParaRPr lang="en-US"/>
-        </a:p>
-      </dgm:t>
-    </dgm:pt>
-    <dgm:pt modelId="{867402EA-0F55-4C5C-AA32-6CA21EDC204F}">
-      <dgm:prSet/>
-      <dgm:spPr/>
-      <dgm:t>
-        <a:bodyPr/>
-        <a:lstStyle/>
-        <a:p>
-          <a:r>
-            <a:rPr lang="en-US"/>
-            <a:t>Electricity source distribution</a:t>
-          </a:r>
-        </a:p>
-      </dgm:t>
-    </dgm:pt>
-    <dgm:pt modelId="{CC525E2F-700B-4BCC-B969-7FBD5CC2F5AE}" type="parTrans" cxnId="{510C485B-785C-4C6C-B7E5-CBF6A91A893C}">
-      <dgm:prSet/>
-      <dgm:spPr/>
-      <dgm:t>
-        <a:bodyPr/>
-        <a:lstStyle/>
-        <a:p>
-          <a:endParaRPr lang="en-US"/>
-        </a:p>
-      </dgm:t>
-    </dgm:pt>
-    <dgm:pt modelId="{26C818E0-1ABF-4319-9F44-509615EA4147}" type="sibTrans" cxnId="{510C485B-785C-4C6C-B7E5-CBF6A91A893C}">
-      <dgm:prSet/>
-      <dgm:spPr/>
-      <dgm:t>
-        <a:bodyPr/>
-        <a:lstStyle/>
-        <a:p>
-          <a:endParaRPr lang="en-US"/>
-        </a:p>
-      </dgm:t>
-    </dgm:pt>
-    <dgm:pt modelId="{D8DDCC30-1C5E-46F5-9E4A-D2EA31455D02}" type="pres">
-      <dgm:prSet presAssocID="{C8092609-F8EA-4E4A-8350-8B8B44869798}" presName="linear" presStyleCnt="0">
-        <dgm:presLayoutVars>
-          <dgm:animLvl val="lvl"/>
-          <dgm:resizeHandles val="exact"/>
-        </dgm:presLayoutVars>
-      </dgm:prSet>
-      <dgm:spPr/>
-    </dgm:pt>
-    <dgm:pt modelId="{7EC72881-6CAF-4A4D-9EED-D6AF75BB1D44}" type="pres">
-      <dgm:prSet presAssocID="{1EBFCD4E-44F6-4442-80E6-D7FE1E34857D}" presName="parentText" presStyleLbl="node1" presStyleIdx="0" presStyleCnt="2">
-        <dgm:presLayoutVars>
-          <dgm:chMax val="0"/>
-          <dgm:bulletEnabled val="1"/>
-        </dgm:presLayoutVars>
-      </dgm:prSet>
-      <dgm:spPr/>
-    </dgm:pt>
-    <dgm:pt modelId="{F77AA73C-D12B-461F-A181-17A777C46998}" type="pres">
-      <dgm:prSet presAssocID="{55ECAD25-23C5-43E7-A2FF-6803A5F736A4}" presName="spacer" presStyleCnt="0"/>
-      <dgm:spPr/>
-    </dgm:pt>
-    <dgm:pt modelId="{CC96F631-FDA7-4E62-9D8D-39059F8CD6AA}" type="pres">
-      <dgm:prSet presAssocID="{867402EA-0F55-4C5C-AA32-6CA21EDC204F}" presName="parentText" presStyleLbl="node1" presStyleIdx="1" presStyleCnt="2">
-        <dgm:presLayoutVars>
-          <dgm:chMax val="0"/>
-          <dgm:bulletEnabled val="1"/>
-        </dgm:presLayoutVars>
-      </dgm:prSet>
-      <dgm:spPr/>
-    </dgm:pt>
-  </dgm:ptLst>
-  <dgm:cxnLst>
-    <dgm:cxn modelId="{B73FA32C-98E3-4D87-8E41-A9740EA4A832}" srcId="{C8092609-F8EA-4E4A-8350-8B8B44869798}" destId="{1EBFCD4E-44F6-4442-80E6-D7FE1E34857D}" srcOrd="0" destOrd="0" parTransId="{9F2B0586-9AC2-4647-8C7D-405A0603124B}" sibTransId="{55ECAD25-23C5-43E7-A2FF-6803A5F736A4}"/>
-    <dgm:cxn modelId="{510C485B-785C-4C6C-B7E5-CBF6A91A893C}" srcId="{C8092609-F8EA-4E4A-8350-8B8B44869798}" destId="{867402EA-0F55-4C5C-AA32-6CA21EDC204F}" srcOrd="1" destOrd="0" parTransId="{CC525E2F-700B-4BCC-B969-7FBD5CC2F5AE}" sibTransId="{26C818E0-1ABF-4319-9F44-509615EA4147}"/>
-    <dgm:cxn modelId="{9DDC2266-461F-4766-A2AE-B483E799AB16}" type="presOf" srcId="{1EBFCD4E-44F6-4442-80E6-D7FE1E34857D}" destId="{7EC72881-6CAF-4A4D-9EED-D6AF75BB1D44}" srcOrd="0" destOrd="0" presId="urn:microsoft.com/office/officeart/2005/8/layout/vList2"/>
-    <dgm:cxn modelId="{0925A278-EF01-4F9F-8E89-078A1F5D6CF8}" type="presOf" srcId="{C8092609-F8EA-4E4A-8350-8B8B44869798}" destId="{D8DDCC30-1C5E-46F5-9E4A-D2EA31455D02}" srcOrd="0" destOrd="0" presId="urn:microsoft.com/office/officeart/2005/8/layout/vList2"/>
-    <dgm:cxn modelId="{E1D95D8D-B780-4DC4-9CC9-C4F4D9FE5B1B}" type="presOf" srcId="{867402EA-0F55-4C5C-AA32-6CA21EDC204F}" destId="{CC96F631-FDA7-4E62-9D8D-39059F8CD6AA}" srcOrd="0" destOrd="0" presId="urn:microsoft.com/office/officeart/2005/8/layout/vList2"/>
-    <dgm:cxn modelId="{C8F63BEE-8B82-43E1-8007-E2BCCC45AB7A}" type="presParOf" srcId="{D8DDCC30-1C5E-46F5-9E4A-D2EA31455D02}" destId="{7EC72881-6CAF-4A4D-9EED-D6AF75BB1D44}" srcOrd="0" destOrd="0" presId="urn:microsoft.com/office/officeart/2005/8/layout/vList2"/>
-    <dgm:cxn modelId="{449E6BEB-B8B7-469A-9711-19D885823D8B}" type="presParOf" srcId="{D8DDCC30-1C5E-46F5-9E4A-D2EA31455D02}" destId="{F77AA73C-D12B-461F-A181-17A777C46998}" srcOrd="1" destOrd="0" presId="urn:microsoft.com/office/officeart/2005/8/layout/vList2"/>
-    <dgm:cxn modelId="{3DBAA903-3F71-4AE8-B14E-EA3BDFBFD6ED}" type="presParOf" srcId="{D8DDCC30-1C5E-46F5-9E4A-D2EA31455D02}" destId="{CC96F631-FDA7-4E62-9D8D-39059F8CD6AA}" srcOrd="2" destOrd="0" presId="urn:microsoft.com/office/officeart/2005/8/layout/vList2"/>
-  </dgm:cxnLst>
-  <dgm:bg/>
-  <dgm:whole/>
-  <dgm:extLst>
-    <a:ext uri="http://schemas.microsoft.com/office/drawing/2008/diagram">
-      <dsp:dataModelExt xmlns:dsp="http://schemas.microsoft.com/office/drawing/2008/diagram" relId="rId6" minVer="http://schemas.openxmlformats.org/drawingml/2006/diagram"/>
-    </a:ext>
-  </dgm:extLst>
-</dgm:dataModel>
-</file>
-
-<file path=ppt/diagrams/data3.xml><?xml version="1.0" encoding="utf-8"?>
-<dgm:dataModel xmlns:dgm="http://schemas.openxmlformats.org/drawingml/2006/diagram" xmlns:a="http://schemas.openxmlformats.org/drawingml/2006/main">
-  <dgm:ptLst>
     <dgm:pt modelId="{B146344E-1570-40B5-BEA2-A8480FBADBC1}" type="doc">
       <dgm:prSet loTypeId="urn:microsoft.com/office/officeart/2008/layout/LinedList" loCatId="list" qsTypeId="urn:microsoft.com/office/officeart/2005/8/quickstyle/simple4" qsCatId="simple" csTypeId="urn:microsoft.com/office/officeart/2005/8/colors/colorful2" csCatId="colorful" phldr="1"/>
       <dgm:spPr/>
@@ -6549,12 +6036,8 @@
         <a:lstStyle/>
         <a:p>
           <a:r>
-            <a:rPr lang="en-US" dirty="0" err="1"/>
-            <a:t>Thriveni</a:t>
-          </a:r>
-          <a:r>
             <a:rPr lang="en-US" dirty="0"/>
-            <a:t>, Group </a:t>
+            <a:t>Thriveni, Group </a:t>
           </a:r>
           <a:r>
             <a:rPr lang="en-US" b="0" i="0" dirty="0"/>
@@ -6795,6 +6278,518 @@
     <dgm:cxn modelId="{0A080377-4EC1-49A8-99C4-D87C95714F93}" type="presParOf" srcId="{05973344-1CFC-45DA-B83B-8D42420759B6}" destId="{63837AB4-D6B8-4FAB-B993-2C867A5A3422}" srcOrd="7" destOrd="0" presId="urn:microsoft.com/office/officeart/2008/layout/LinedList"/>
     <dgm:cxn modelId="{6ADDDADD-E406-4D49-94DD-7F23145A5BD1}" type="presParOf" srcId="{63837AB4-D6B8-4FAB-B993-2C867A5A3422}" destId="{6CF7FF08-B842-4814-8489-42F30030A20A}" srcOrd="0" destOrd="0" presId="urn:microsoft.com/office/officeart/2008/layout/LinedList"/>
     <dgm:cxn modelId="{FABF10BB-CFA3-47B6-9188-AF5E11E7AAF2}" type="presParOf" srcId="{63837AB4-D6B8-4FAB-B993-2C867A5A3422}" destId="{00B9C600-0065-4BD3-8639-41A2C493A399}" srcOrd="1" destOrd="0" presId="urn:microsoft.com/office/officeart/2008/layout/LinedList"/>
+  </dgm:cxnLst>
+  <dgm:bg/>
+  <dgm:whole/>
+  <dgm:extLst>
+    <a:ext uri="http://schemas.microsoft.com/office/drawing/2008/diagram">
+      <dsp:dataModelExt xmlns:dsp="http://schemas.microsoft.com/office/drawing/2008/diagram" relId="rId6" minVer="http://schemas.openxmlformats.org/drawingml/2006/diagram"/>
+    </a:ext>
+  </dgm:extLst>
+</dgm:dataModel>
+</file>
+
+<file path=ppt/diagrams/data2.xml><?xml version="1.0" encoding="utf-8"?>
+<dgm:dataModel xmlns:dgm="http://schemas.openxmlformats.org/drawingml/2006/diagram" xmlns:a="http://schemas.openxmlformats.org/drawingml/2006/main">
+  <dgm:ptLst>
+    <dgm:pt modelId="{66F21CE7-2DBC-4995-AF37-C23F5D74D6FA}" type="doc">
+      <dgm:prSet loTypeId="urn:microsoft.com/office/officeart/2005/8/layout/vList2" loCatId="list" qsTypeId="urn:microsoft.com/office/officeart/2005/8/quickstyle/simple4" qsCatId="simple" csTypeId="urn:microsoft.com/office/officeart/2005/8/colors/colorful2" csCatId="colorful" phldr="1"/>
+      <dgm:spPr/>
+      <dgm:t>
+        <a:bodyPr/>
+        <a:lstStyle/>
+        <a:p>
+          <a:endParaRPr lang="en-US"/>
+        </a:p>
+      </dgm:t>
+    </dgm:pt>
+    <dgm:pt modelId="{8E9F767F-6A72-4256-BEEE-A5A9E8389FB3}">
+      <dgm:prSet/>
+      <dgm:spPr/>
+      <dgm:t>
+        <a:bodyPr/>
+        <a:lstStyle/>
+        <a:p>
+          <a:r>
+            <a:rPr lang="en-US" b="0" i="0" dirty="0"/>
+            <a:t>Project idea</a:t>
+          </a:r>
+          <a:endParaRPr lang="en-US" dirty="0"/>
+        </a:p>
+      </dgm:t>
+    </dgm:pt>
+    <dgm:pt modelId="{7F861975-9B78-4A80-A04C-EC3AD38CE152}" type="parTrans" cxnId="{BCC7F7E1-8CB0-4966-B83E-637309C5CBBE}">
+      <dgm:prSet/>
+      <dgm:spPr/>
+      <dgm:t>
+        <a:bodyPr/>
+        <a:lstStyle/>
+        <a:p>
+          <a:endParaRPr lang="en-US"/>
+        </a:p>
+      </dgm:t>
+    </dgm:pt>
+    <dgm:pt modelId="{3950A648-763C-4A0E-9533-0CDD8DDEF658}" type="sibTrans" cxnId="{BCC7F7E1-8CB0-4966-B83E-637309C5CBBE}">
+      <dgm:prSet/>
+      <dgm:spPr/>
+      <dgm:t>
+        <a:bodyPr/>
+        <a:lstStyle/>
+        <a:p>
+          <a:endParaRPr lang="en-US"/>
+        </a:p>
+      </dgm:t>
+    </dgm:pt>
+    <dgm:pt modelId="{32A75D09-3EAC-44D4-9015-A246299D8215}">
+      <dgm:prSet/>
+      <dgm:spPr/>
+      <dgm:t>
+        <a:bodyPr/>
+        <a:lstStyle/>
+        <a:p>
+          <a:r>
+            <a:rPr lang="en-US" b="0" i="0"/>
+            <a:t>Purpose</a:t>
+          </a:r>
+          <a:endParaRPr lang="en-US"/>
+        </a:p>
+      </dgm:t>
+    </dgm:pt>
+    <dgm:pt modelId="{43F9A9B0-DEA1-4E6C-9883-8CFA1E7481B3}" type="parTrans" cxnId="{D93F2650-9F46-4873-B99B-1272EFEFAE38}">
+      <dgm:prSet/>
+      <dgm:spPr/>
+      <dgm:t>
+        <a:bodyPr/>
+        <a:lstStyle/>
+        <a:p>
+          <a:endParaRPr lang="en-US"/>
+        </a:p>
+      </dgm:t>
+    </dgm:pt>
+    <dgm:pt modelId="{A5FA531F-F0BB-4F7A-B593-3DE179D9D3BF}" type="sibTrans" cxnId="{D93F2650-9F46-4873-B99B-1272EFEFAE38}">
+      <dgm:prSet/>
+      <dgm:spPr/>
+      <dgm:t>
+        <a:bodyPr/>
+        <a:lstStyle/>
+        <a:p>
+          <a:endParaRPr lang="en-US"/>
+        </a:p>
+      </dgm:t>
+    </dgm:pt>
+    <dgm:pt modelId="{7C48F3CB-C343-45F3-B9E9-3111DB0CF821}">
+      <dgm:prSet/>
+      <dgm:spPr/>
+      <dgm:t>
+        <a:bodyPr/>
+        <a:lstStyle/>
+        <a:p>
+          <a:r>
+            <a:rPr lang="en-US" b="0" i="0"/>
+            <a:t>Accomplishment</a:t>
+          </a:r>
+          <a:endParaRPr lang="en-US"/>
+        </a:p>
+      </dgm:t>
+    </dgm:pt>
+    <dgm:pt modelId="{5C7F13AE-A8F1-48CC-9ED4-F30794C2EB95}" type="parTrans" cxnId="{9E77039B-4219-438D-8F61-5C761EFD49A2}">
+      <dgm:prSet/>
+      <dgm:spPr/>
+      <dgm:t>
+        <a:bodyPr/>
+        <a:lstStyle/>
+        <a:p>
+          <a:endParaRPr lang="en-US"/>
+        </a:p>
+      </dgm:t>
+    </dgm:pt>
+    <dgm:pt modelId="{1E7769D7-52C7-449C-82D1-AC97C2028564}" type="sibTrans" cxnId="{9E77039B-4219-438D-8F61-5C761EFD49A2}">
+      <dgm:prSet/>
+      <dgm:spPr/>
+      <dgm:t>
+        <a:bodyPr/>
+        <a:lstStyle/>
+        <a:p>
+          <a:endParaRPr lang="en-US"/>
+        </a:p>
+      </dgm:t>
+    </dgm:pt>
+    <dgm:pt modelId="{F866385F-EC58-4A60-82F4-9FC61044BF2E}">
+      <dgm:prSet/>
+      <dgm:spPr/>
+      <dgm:t>
+        <a:bodyPr/>
+        <a:lstStyle/>
+        <a:p>
+          <a:r>
+            <a:rPr lang="en-US" b="0" i="0"/>
+            <a:t>Technology - Python, SQL, Database, Power Bi, Dash, Machine Learning, Linear Regression, ETL, Git, API</a:t>
+          </a:r>
+          <a:endParaRPr lang="en-US"/>
+        </a:p>
+      </dgm:t>
+    </dgm:pt>
+    <dgm:pt modelId="{8C6F52D9-F28F-40B1-82A0-8BE8B250802F}" type="parTrans" cxnId="{B718D02B-97D9-41BF-AC43-6FB1C90C41C2}">
+      <dgm:prSet/>
+      <dgm:spPr/>
+      <dgm:t>
+        <a:bodyPr/>
+        <a:lstStyle/>
+        <a:p>
+          <a:endParaRPr lang="en-US"/>
+        </a:p>
+      </dgm:t>
+    </dgm:pt>
+    <dgm:pt modelId="{748CC70C-D147-4FE2-ADDE-ACABD049EDE0}" type="sibTrans" cxnId="{B718D02B-97D9-41BF-AC43-6FB1C90C41C2}">
+      <dgm:prSet/>
+      <dgm:spPr/>
+      <dgm:t>
+        <a:bodyPr/>
+        <a:lstStyle/>
+        <a:p>
+          <a:endParaRPr lang="en-US"/>
+        </a:p>
+      </dgm:t>
+    </dgm:pt>
+    <dgm:pt modelId="{A27217DE-B52B-44C1-9202-B99FD226FA1B}">
+      <dgm:prSet/>
+      <dgm:spPr/>
+      <dgm:t>
+        <a:bodyPr/>
+        <a:lstStyle/>
+        <a:p>
+          <a:r>
+            <a:rPr lang="en-US" b="0" i="0" dirty="0"/>
+            <a:t>Dataset - World Energy Consumption from </a:t>
+          </a:r>
+          <a:r>
+            <a:rPr lang="en-US" b="0" i="0" dirty="0">
+              <a:solidFill>
+                <a:schemeClr val="tx1"/>
+              </a:solidFill>
+              <a:hlinkClick xmlns:r="http://schemas.openxmlformats.org/officeDocument/2006/relationships" r:id="rId1">
+                <a:extLst>
+                  <a:ext uri="{A12FA001-AC4F-418D-AE19-62706E023703}">
+                    <ahyp:hlinkClr xmlns:ahyp="http://schemas.microsoft.com/office/drawing/2018/hyperlinkcolor" val="tx"/>
+                  </a:ext>
+                </a:extLst>
+              </a:hlinkClick>
+            </a:rPr>
+            <a:t>Kaggle</a:t>
+          </a:r>
+          <a:endParaRPr lang="en-US" dirty="0">
+            <a:solidFill>
+              <a:schemeClr val="tx1"/>
+            </a:solidFill>
+          </a:endParaRPr>
+        </a:p>
+      </dgm:t>
+    </dgm:pt>
+    <dgm:pt modelId="{280D8B71-07D6-4636-A6E8-2A1EF8BFBC98}" type="sibTrans" cxnId="{032B1FD7-0305-4299-80BA-DE0741639FEE}">
+      <dgm:prSet/>
+      <dgm:spPr/>
+      <dgm:t>
+        <a:bodyPr/>
+        <a:lstStyle/>
+        <a:p>
+          <a:endParaRPr lang="en-US"/>
+        </a:p>
+      </dgm:t>
+    </dgm:pt>
+    <dgm:pt modelId="{29A09FEA-B003-46A5-B0DC-14523B26FA0F}" type="parTrans" cxnId="{032B1FD7-0305-4299-80BA-DE0741639FEE}">
+      <dgm:prSet/>
+      <dgm:spPr/>
+      <dgm:t>
+        <a:bodyPr/>
+        <a:lstStyle/>
+        <a:p>
+          <a:endParaRPr lang="en-US"/>
+        </a:p>
+      </dgm:t>
+    </dgm:pt>
+    <dgm:pt modelId="{BB54A24A-1A5A-4E57-A379-68384192E4DE}">
+      <dgm:prSet/>
+      <dgm:spPr/>
+      <dgm:t>
+        <a:bodyPr/>
+        <a:lstStyle/>
+        <a:p>
+          <a:r>
+            <a:rPr lang="en-US" b="0" i="0" dirty="0"/>
+            <a:t>Usage</a:t>
+          </a:r>
+        </a:p>
+      </dgm:t>
+    </dgm:pt>
+    <dgm:pt modelId="{43B9654F-6125-4A64-A6C6-D6E7BADD69CE}" type="sibTrans" cxnId="{9AD71DF0-1D8F-4770-85F2-6C46A8CEBBAE}">
+      <dgm:prSet/>
+      <dgm:spPr/>
+      <dgm:t>
+        <a:bodyPr/>
+        <a:lstStyle/>
+        <a:p>
+          <a:endParaRPr lang="en-US"/>
+        </a:p>
+      </dgm:t>
+    </dgm:pt>
+    <dgm:pt modelId="{BE8141D0-B382-46BE-A711-2C9B5AC61AA6}" type="parTrans" cxnId="{9AD71DF0-1D8F-4770-85F2-6C46A8CEBBAE}">
+      <dgm:prSet/>
+      <dgm:spPr/>
+      <dgm:t>
+        <a:bodyPr/>
+        <a:lstStyle/>
+        <a:p>
+          <a:endParaRPr lang="en-US"/>
+        </a:p>
+      </dgm:t>
+    </dgm:pt>
+    <dgm:pt modelId="{C87AAA3A-E234-4682-A9EC-0725657F4BAD}" type="pres">
+      <dgm:prSet presAssocID="{66F21CE7-2DBC-4995-AF37-C23F5D74D6FA}" presName="linear" presStyleCnt="0">
+        <dgm:presLayoutVars>
+          <dgm:animLvl val="lvl"/>
+          <dgm:resizeHandles val="exact"/>
+        </dgm:presLayoutVars>
+      </dgm:prSet>
+      <dgm:spPr/>
+    </dgm:pt>
+    <dgm:pt modelId="{2EA7A9BD-1934-44F3-A8A6-457CBE931C5E}" type="pres">
+      <dgm:prSet presAssocID="{8E9F767F-6A72-4256-BEEE-A5A9E8389FB3}" presName="parentText" presStyleLbl="node1" presStyleIdx="0" presStyleCnt="6">
+        <dgm:presLayoutVars>
+          <dgm:chMax val="0"/>
+          <dgm:bulletEnabled val="1"/>
+        </dgm:presLayoutVars>
+      </dgm:prSet>
+      <dgm:spPr/>
+    </dgm:pt>
+    <dgm:pt modelId="{0B2F6B92-39B2-4620-A085-5DAFA86ECC9E}" type="pres">
+      <dgm:prSet presAssocID="{3950A648-763C-4A0E-9533-0CDD8DDEF658}" presName="spacer" presStyleCnt="0"/>
+      <dgm:spPr/>
+    </dgm:pt>
+    <dgm:pt modelId="{583CF9A3-09CF-41DA-B790-F3639A53A16F}" type="pres">
+      <dgm:prSet presAssocID="{A27217DE-B52B-44C1-9202-B99FD226FA1B}" presName="parentText" presStyleLbl="node1" presStyleIdx="1" presStyleCnt="6" custLinFactNeighborX="-2020" custLinFactNeighborY="-44929">
+        <dgm:presLayoutVars>
+          <dgm:chMax val="0"/>
+          <dgm:bulletEnabled val="1"/>
+        </dgm:presLayoutVars>
+      </dgm:prSet>
+      <dgm:spPr/>
+    </dgm:pt>
+    <dgm:pt modelId="{12845CA1-9EC5-40BB-807A-C44B92766783}" type="pres">
+      <dgm:prSet presAssocID="{280D8B71-07D6-4636-A6E8-2A1EF8BFBC98}" presName="spacer" presStyleCnt="0"/>
+      <dgm:spPr/>
+    </dgm:pt>
+    <dgm:pt modelId="{25A2134C-F266-43ED-8B61-15777F4AB977}" type="pres">
+      <dgm:prSet presAssocID="{32A75D09-3EAC-44D4-9015-A246299D8215}" presName="parentText" presStyleLbl="node1" presStyleIdx="2" presStyleCnt="6">
+        <dgm:presLayoutVars>
+          <dgm:chMax val="0"/>
+          <dgm:bulletEnabled val="1"/>
+        </dgm:presLayoutVars>
+      </dgm:prSet>
+      <dgm:spPr/>
+    </dgm:pt>
+    <dgm:pt modelId="{C4193132-9F5C-46F2-B094-6C849D7EEC7D}" type="pres">
+      <dgm:prSet presAssocID="{A5FA531F-F0BB-4F7A-B593-3DE179D9D3BF}" presName="spacer" presStyleCnt="0"/>
+      <dgm:spPr/>
+    </dgm:pt>
+    <dgm:pt modelId="{188BA2A7-7016-4A81-8277-EFB9C3F32592}" type="pres">
+      <dgm:prSet presAssocID="{7C48F3CB-C343-45F3-B9E9-3111DB0CF821}" presName="parentText" presStyleLbl="node1" presStyleIdx="3" presStyleCnt="6">
+        <dgm:presLayoutVars>
+          <dgm:chMax val="0"/>
+          <dgm:bulletEnabled val="1"/>
+        </dgm:presLayoutVars>
+      </dgm:prSet>
+      <dgm:spPr/>
+    </dgm:pt>
+    <dgm:pt modelId="{473DDE2D-4D38-4DD1-B3E5-AB85F80535EC}" type="pres">
+      <dgm:prSet presAssocID="{1E7769D7-52C7-449C-82D1-AC97C2028564}" presName="spacer" presStyleCnt="0"/>
+      <dgm:spPr/>
+    </dgm:pt>
+    <dgm:pt modelId="{F726F82C-B1D9-4AE6-A3FC-34731162ED9C}" type="pres">
+      <dgm:prSet presAssocID="{F866385F-EC58-4A60-82F4-9FC61044BF2E}" presName="parentText" presStyleLbl="node1" presStyleIdx="4" presStyleCnt="6">
+        <dgm:presLayoutVars>
+          <dgm:chMax val="0"/>
+          <dgm:bulletEnabled val="1"/>
+        </dgm:presLayoutVars>
+      </dgm:prSet>
+      <dgm:spPr/>
+    </dgm:pt>
+    <dgm:pt modelId="{2E02C1E6-E2E5-4F9E-831E-B35909208719}" type="pres">
+      <dgm:prSet presAssocID="{748CC70C-D147-4FE2-ADDE-ACABD049EDE0}" presName="spacer" presStyleCnt="0"/>
+      <dgm:spPr/>
+    </dgm:pt>
+    <dgm:pt modelId="{10FCD63C-672C-49A8-B3B3-7D017B0DE3C8}" type="pres">
+      <dgm:prSet presAssocID="{BB54A24A-1A5A-4E57-A379-68384192E4DE}" presName="parentText" presStyleLbl="node1" presStyleIdx="5" presStyleCnt="6">
+        <dgm:presLayoutVars>
+          <dgm:chMax val="0"/>
+          <dgm:bulletEnabled val="1"/>
+        </dgm:presLayoutVars>
+      </dgm:prSet>
+      <dgm:spPr/>
+    </dgm:pt>
+  </dgm:ptLst>
+  <dgm:cxnLst>
+    <dgm:cxn modelId="{BF946023-4ADE-43D1-8E25-A6A92B4FA928}" type="presOf" srcId="{A27217DE-B52B-44C1-9202-B99FD226FA1B}" destId="{583CF9A3-09CF-41DA-B790-F3639A53A16F}" srcOrd="0" destOrd="0" presId="urn:microsoft.com/office/officeart/2005/8/layout/vList2"/>
+    <dgm:cxn modelId="{B718D02B-97D9-41BF-AC43-6FB1C90C41C2}" srcId="{66F21CE7-2DBC-4995-AF37-C23F5D74D6FA}" destId="{F866385F-EC58-4A60-82F4-9FC61044BF2E}" srcOrd="4" destOrd="0" parTransId="{8C6F52D9-F28F-40B1-82A0-8BE8B250802F}" sibTransId="{748CC70C-D147-4FE2-ADDE-ACABD049EDE0}"/>
+    <dgm:cxn modelId="{DE35092D-527E-4949-A62A-10B21DE7DC00}" type="presOf" srcId="{32A75D09-3EAC-44D4-9015-A246299D8215}" destId="{25A2134C-F266-43ED-8B61-15777F4AB977}" srcOrd="0" destOrd="0" presId="urn:microsoft.com/office/officeart/2005/8/layout/vList2"/>
+    <dgm:cxn modelId="{B9671565-29FB-4138-9A4C-F88EC57249A7}" type="presOf" srcId="{F866385F-EC58-4A60-82F4-9FC61044BF2E}" destId="{F726F82C-B1D9-4AE6-A3FC-34731162ED9C}" srcOrd="0" destOrd="0" presId="urn:microsoft.com/office/officeart/2005/8/layout/vList2"/>
+    <dgm:cxn modelId="{FCFD5948-BD49-43CF-A601-4A639DF891A7}" type="presOf" srcId="{8E9F767F-6A72-4256-BEEE-A5A9E8389FB3}" destId="{2EA7A9BD-1934-44F3-A8A6-457CBE931C5E}" srcOrd="0" destOrd="0" presId="urn:microsoft.com/office/officeart/2005/8/layout/vList2"/>
+    <dgm:cxn modelId="{D93F2650-9F46-4873-B99B-1272EFEFAE38}" srcId="{66F21CE7-2DBC-4995-AF37-C23F5D74D6FA}" destId="{32A75D09-3EAC-44D4-9015-A246299D8215}" srcOrd="2" destOrd="0" parTransId="{43F9A9B0-DEA1-4E6C-9883-8CFA1E7481B3}" sibTransId="{A5FA531F-F0BB-4F7A-B593-3DE179D9D3BF}"/>
+    <dgm:cxn modelId="{B9F81274-4012-488E-9442-CEDA2BDE5D8E}" type="presOf" srcId="{7C48F3CB-C343-45F3-B9E9-3111DB0CF821}" destId="{188BA2A7-7016-4A81-8277-EFB9C3F32592}" srcOrd="0" destOrd="0" presId="urn:microsoft.com/office/officeart/2005/8/layout/vList2"/>
+    <dgm:cxn modelId="{3F3C4582-9BF9-497C-A1ED-CE337F215A50}" type="presOf" srcId="{BB54A24A-1A5A-4E57-A379-68384192E4DE}" destId="{10FCD63C-672C-49A8-B3B3-7D017B0DE3C8}" srcOrd="0" destOrd="0" presId="urn:microsoft.com/office/officeart/2005/8/layout/vList2"/>
+    <dgm:cxn modelId="{9E77039B-4219-438D-8F61-5C761EFD49A2}" srcId="{66F21CE7-2DBC-4995-AF37-C23F5D74D6FA}" destId="{7C48F3CB-C343-45F3-B9E9-3111DB0CF821}" srcOrd="3" destOrd="0" parTransId="{5C7F13AE-A8F1-48CC-9ED4-F30794C2EB95}" sibTransId="{1E7769D7-52C7-449C-82D1-AC97C2028564}"/>
+    <dgm:cxn modelId="{032B1FD7-0305-4299-80BA-DE0741639FEE}" srcId="{66F21CE7-2DBC-4995-AF37-C23F5D74D6FA}" destId="{A27217DE-B52B-44C1-9202-B99FD226FA1B}" srcOrd="1" destOrd="0" parTransId="{29A09FEA-B003-46A5-B0DC-14523B26FA0F}" sibTransId="{280D8B71-07D6-4636-A6E8-2A1EF8BFBC98}"/>
+    <dgm:cxn modelId="{BCC7F7E1-8CB0-4966-B83E-637309C5CBBE}" srcId="{66F21CE7-2DBC-4995-AF37-C23F5D74D6FA}" destId="{8E9F767F-6A72-4256-BEEE-A5A9E8389FB3}" srcOrd="0" destOrd="0" parTransId="{7F861975-9B78-4A80-A04C-EC3AD38CE152}" sibTransId="{3950A648-763C-4A0E-9533-0CDD8DDEF658}"/>
+    <dgm:cxn modelId="{26A9DCE3-750C-466B-A8A5-30D5344B11ED}" type="presOf" srcId="{66F21CE7-2DBC-4995-AF37-C23F5D74D6FA}" destId="{C87AAA3A-E234-4682-A9EC-0725657F4BAD}" srcOrd="0" destOrd="0" presId="urn:microsoft.com/office/officeart/2005/8/layout/vList2"/>
+    <dgm:cxn modelId="{9AD71DF0-1D8F-4770-85F2-6C46A8CEBBAE}" srcId="{66F21CE7-2DBC-4995-AF37-C23F5D74D6FA}" destId="{BB54A24A-1A5A-4E57-A379-68384192E4DE}" srcOrd="5" destOrd="0" parTransId="{BE8141D0-B382-46BE-A711-2C9B5AC61AA6}" sibTransId="{43B9654F-6125-4A64-A6C6-D6E7BADD69CE}"/>
+    <dgm:cxn modelId="{2C49D2A4-9CC3-42DC-B654-2B1E4909453A}" type="presParOf" srcId="{C87AAA3A-E234-4682-A9EC-0725657F4BAD}" destId="{2EA7A9BD-1934-44F3-A8A6-457CBE931C5E}" srcOrd="0" destOrd="0" presId="urn:microsoft.com/office/officeart/2005/8/layout/vList2"/>
+    <dgm:cxn modelId="{E6BEFEE8-3F27-41F0-8FCA-C3F43BB30541}" type="presParOf" srcId="{C87AAA3A-E234-4682-A9EC-0725657F4BAD}" destId="{0B2F6B92-39B2-4620-A085-5DAFA86ECC9E}" srcOrd="1" destOrd="0" presId="urn:microsoft.com/office/officeart/2005/8/layout/vList2"/>
+    <dgm:cxn modelId="{BC4AB9A0-E95F-40B1-AD33-205A11B2D2B7}" type="presParOf" srcId="{C87AAA3A-E234-4682-A9EC-0725657F4BAD}" destId="{583CF9A3-09CF-41DA-B790-F3639A53A16F}" srcOrd="2" destOrd="0" presId="urn:microsoft.com/office/officeart/2005/8/layout/vList2"/>
+    <dgm:cxn modelId="{050F9DE0-FBD2-4102-AB15-7586D5B9E175}" type="presParOf" srcId="{C87AAA3A-E234-4682-A9EC-0725657F4BAD}" destId="{12845CA1-9EC5-40BB-807A-C44B92766783}" srcOrd="3" destOrd="0" presId="urn:microsoft.com/office/officeart/2005/8/layout/vList2"/>
+    <dgm:cxn modelId="{F547FF81-1063-4AA7-B94C-4A241022D20C}" type="presParOf" srcId="{C87AAA3A-E234-4682-A9EC-0725657F4BAD}" destId="{25A2134C-F266-43ED-8B61-15777F4AB977}" srcOrd="4" destOrd="0" presId="urn:microsoft.com/office/officeart/2005/8/layout/vList2"/>
+    <dgm:cxn modelId="{685B9D3C-8368-4509-9D51-78C9640BDDB3}" type="presParOf" srcId="{C87AAA3A-E234-4682-A9EC-0725657F4BAD}" destId="{C4193132-9F5C-46F2-B094-6C849D7EEC7D}" srcOrd="5" destOrd="0" presId="urn:microsoft.com/office/officeart/2005/8/layout/vList2"/>
+    <dgm:cxn modelId="{22808BCC-BAFB-4102-90D1-1AEAF02E4580}" type="presParOf" srcId="{C87AAA3A-E234-4682-A9EC-0725657F4BAD}" destId="{188BA2A7-7016-4A81-8277-EFB9C3F32592}" srcOrd="6" destOrd="0" presId="urn:microsoft.com/office/officeart/2005/8/layout/vList2"/>
+    <dgm:cxn modelId="{B54A163C-14B1-4B5B-B5FF-46EDED1C5D7B}" type="presParOf" srcId="{C87AAA3A-E234-4682-A9EC-0725657F4BAD}" destId="{473DDE2D-4D38-4DD1-B3E5-AB85F80535EC}" srcOrd="7" destOrd="0" presId="urn:microsoft.com/office/officeart/2005/8/layout/vList2"/>
+    <dgm:cxn modelId="{5FC73CA5-4FBA-41FF-94A1-29457CF884C8}" type="presParOf" srcId="{C87AAA3A-E234-4682-A9EC-0725657F4BAD}" destId="{F726F82C-B1D9-4AE6-A3FC-34731162ED9C}" srcOrd="8" destOrd="0" presId="urn:microsoft.com/office/officeart/2005/8/layout/vList2"/>
+    <dgm:cxn modelId="{94BBF361-00C6-4023-90BA-39C37AB6AD01}" type="presParOf" srcId="{C87AAA3A-E234-4682-A9EC-0725657F4BAD}" destId="{2E02C1E6-E2E5-4F9E-831E-B35909208719}" srcOrd="9" destOrd="0" presId="urn:microsoft.com/office/officeart/2005/8/layout/vList2"/>
+    <dgm:cxn modelId="{7526FD5B-E782-4916-B859-9FFE9C752E5F}" type="presParOf" srcId="{C87AAA3A-E234-4682-A9EC-0725657F4BAD}" destId="{10FCD63C-672C-49A8-B3B3-7D017B0DE3C8}" srcOrd="10" destOrd="0" presId="urn:microsoft.com/office/officeart/2005/8/layout/vList2"/>
+  </dgm:cxnLst>
+  <dgm:bg/>
+  <dgm:whole/>
+  <dgm:extLst>
+    <a:ext uri="http://schemas.microsoft.com/office/drawing/2008/diagram">
+      <dsp:dataModelExt xmlns:dsp="http://schemas.microsoft.com/office/drawing/2008/diagram" relId="rId6" minVer="http://schemas.openxmlformats.org/drawingml/2006/diagram"/>
+    </a:ext>
+  </dgm:extLst>
+</dgm:dataModel>
+</file>
+
+<file path=ppt/diagrams/data3.xml><?xml version="1.0" encoding="utf-8"?>
+<dgm:dataModel xmlns:dgm="http://schemas.openxmlformats.org/drawingml/2006/diagram" xmlns:a="http://schemas.openxmlformats.org/drawingml/2006/main">
+  <dgm:ptLst>
+    <dgm:pt modelId="{C8092609-F8EA-4E4A-8350-8B8B44869798}" type="doc">
+      <dgm:prSet loTypeId="urn:microsoft.com/office/officeart/2005/8/layout/vList2" loCatId="list" qsTypeId="urn:microsoft.com/office/officeart/2005/8/quickstyle/simple4" qsCatId="simple" csTypeId="urn:microsoft.com/office/officeart/2005/8/colors/colorful5" csCatId="colorful"/>
+      <dgm:spPr/>
+      <dgm:t>
+        <a:bodyPr/>
+        <a:lstStyle/>
+        <a:p>
+          <a:endParaRPr lang="en-US"/>
+        </a:p>
+      </dgm:t>
+    </dgm:pt>
+    <dgm:pt modelId="{1EBFCD4E-44F6-4442-80E6-D7FE1E34857D}">
+      <dgm:prSet/>
+      <dgm:spPr/>
+      <dgm:t>
+        <a:bodyPr/>
+        <a:lstStyle/>
+        <a:p>
+          <a:r>
+            <a:rPr lang="en-US"/>
+            <a:t>Energy consumption analyzes </a:t>
+          </a:r>
+        </a:p>
+      </dgm:t>
+    </dgm:pt>
+    <dgm:pt modelId="{9F2B0586-9AC2-4647-8C7D-405A0603124B}" type="parTrans" cxnId="{B73FA32C-98E3-4D87-8E41-A9740EA4A832}">
+      <dgm:prSet/>
+      <dgm:spPr/>
+      <dgm:t>
+        <a:bodyPr/>
+        <a:lstStyle/>
+        <a:p>
+          <a:endParaRPr lang="en-US"/>
+        </a:p>
+      </dgm:t>
+    </dgm:pt>
+    <dgm:pt modelId="{55ECAD25-23C5-43E7-A2FF-6803A5F736A4}" type="sibTrans" cxnId="{B73FA32C-98E3-4D87-8E41-A9740EA4A832}">
+      <dgm:prSet/>
+      <dgm:spPr/>
+      <dgm:t>
+        <a:bodyPr/>
+        <a:lstStyle/>
+        <a:p>
+          <a:endParaRPr lang="en-US"/>
+        </a:p>
+      </dgm:t>
+    </dgm:pt>
+    <dgm:pt modelId="{867402EA-0F55-4C5C-AA32-6CA21EDC204F}">
+      <dgm:prSet/>
+      <dgm:spPr/>
+      <dgm:t>
+        <a:bodyPr/>
+        <a:lstStyle/>
+        <a:p>
+          <a:r>
+            <a:rPr lang="en-US"/>
+            <a:t>Electricity source distribution</a:t>
+          </a:r>
+        </a:p>
+      </dgm:t>
+    </dgm:pt>
+    <dgm:pt modelId="{CC525E2F-700B-4BCC-B969-7FBD5CC2F5AE}" type="parTrans" cxnId="{510C485B-785C-4C6C-B7E5-CBF6A91A893C}">
+      <dgm:prSet/>
+      <dgm:spPr/>
+      <dgm:t>
+        <a:bodyPr/>
+        <a:lstStyle/>
+        <a:p>
+          <a:endParaRPr lang="en-US"/>
+        </a:p>
+      </dgm:t>
+    </dgm:pt>
+    <dgm:pt modelId="{26C818E0-1ABF-4319-9F44-509615EA4147}" type="sibTrans" cxnId="{510C485B-785C-4C6C-B7E5-CBF6A91A893C}">
+      <dgm:prSet/>
+      <dgm:spPr/>
+      <dgm:t>
+        <a:bodyPr/>
+        <a:lstStyle/>
+        <a:p>
+          <a:endParaRPr lang="en-US"/>
+        </a:p>
+      </dgm:t>
+    </dgm:pt>
+    <dgm:pt modelId="{D8DDCC30-1C5E-46F5-9E4A-D2EA31455D02}" type="pres">
+      <dgm:prSet presAssocID="{C8092609-F8EA-4E4A-8350-8B8B44869798}" presName="linear" presStyleCnt="0">
+        <dgm:presLayoutVars>
+          <dgm:animLvl val="lvl"/>
+          <dgm:resizeHandles val="exact"/>
+        </dgm:presLayoutVars>
+      </dgm:prSet>
+      <dgm:spPr/>
+    </dgm:pt>
+    <dgm:pt modelId="{7EC72881-6CAF-4A4D-9EED-D6AF75BB1D44}" type="pres">
+      <dgm:prSet presAssocID="{1EBFCD4E-44F6-4442-80E6-D7FE1E34857D}" presName="parentText" presStyleLbl="node1" presStyleIdx="0" presStyleCnt="2">
+        <dgm:presLayoutVars>
+          <dgm:chMax val="0"/>
+          <dgm:bulletEnabled val="1"/>
+        </dgm:presLayoutVars>
+      </dgm:prSet>
+      <dgm:spPr/>
+    </dgm:pt>
+    <dgm:pt modelId="{F77AA73C-D12B-461F-A181-17A777C46998}" type="pres">
+      <dgm:prSet presAssocID="{55ECAD25-23C5-43E7-A2FF-6803A5F736A4}" presName="spacer" presStyleCnt="0"/>
+      <dgm:spPr/>
+    </dgm:pt>
+    <dgm:pt modelId="{CC96F631-FDA7-4E62-9D8D-39059F8CD6AA}" type="pres">
+      <dgm:prSet presAssocID="{867402EA-0F55-4C5C-AA32-6CA21EDC204F}" presName="parentText" presStyleLbl="node1" presStyleIdx="1" presStyleCnt="2">
+        <dgm:presLayoutVars>
+          <dgm:chMax val="0"/>
+          <dgm:bulletEnabled val="1"/>
+        </dgm:presLayoutVars>
+      </dgm:prSet>
+      <dgm:spPr/>
+    </dgm:pt>
+  </dgm:ptLst>
+  <dgm:cxnLst>
+    <dgm:cxn modelId="{B73FA32C-98E3-4D87-8E41-A9740EA4A832}" srcId="{C8092609-F8EA-4E4A-8350-8B8B44869798}" destId="{1EBFCD4E-44F6-4442-80E6-D7FE1E34857D}" srcOrd="0" destOrd="0" parTransId="{9F2B0586-9AC2-4647-8C7D-405A0603124B}" sibTransId="{55ECAD25-23C5-43E7-A2FF-6803A5F736A4}"/>
+    <dgm:cxn modelId="{510C485B-785C-4C6C-B7E5-CBF6A91A893C}" srcId="{C8092609-F8EA-4E4A-8350-8B8B44869798}" destId="{867402EA-0F55-4C5C-AA32-6CA21EDC204F}" srcOrd="1" destOrd="0" parTransId="{CC525E2F-700B-4BCC-B969-7FBD5CC2F5AE}" sibTransId="{26C818E0-1ABF-4319-9F44-509615EA4147}"/>
+    <dgm:cxn modelId="{9DDC2266-461F-4766-A2AE-B483E799AB16}" type="presOf" srcId="{1EBFCD4E-44F6-4442-80E6-D7FE1E34857D}" destId="{7EC72881-6CAF-4A4D-9EED-D6AF75BB1D44}" srcOrd="0" destOrd="0" presId="urn:microsoft.com/office/officeart/2005/8/layout/vList2"/>
+    <dgm:cxn modelId="{0925A278-EF01-4F9F-8E89-078A1F5D6CF8}" type="presOf" srcId="{C8092609-F8EA-4E4A-8350-8B8B44869798}" destId="{D8DDCC30-1C5E-46F5-9E4A-D2EA31455D02}" srcOrd="0" destOrd="0" presId="urn:microsoft.com/office/officeart/2005/8/layout/vList2"/>
+    <dgm:cxn modelId="{E1D95D8D-B780-4DC4-9CC9-C4F4D9FE5B1B}" type="presOf" srcId="{867402EA-0F55-4C5C-AA32-6CA21EDC204F}" destId="{CC96F631-FDA7-4E62-9D8D-39059F8CD6AA}" srcOrd="0" destOrd="0" presId="urn:microsoft.com/office/officeart/2005/8/layout/vList2"/>
+    <dgm:cxn modelId="{C8F63BEE-8B82-43E1-8007-E2BCCC45AB7A}" type="presParOf" srcId="{D8DDCC30-1C5E-46F5-9E4A-D2EA31455D02}" destId="{7EC72881-6CAF-4A4D-9EED-D6AF75BB1D44}" srcOrd="0" destOrd="0" presId="urn:microsoft.com/office/officeart/2005/8/layout/vList2"/>
+    <dgm:cxn modelId="{449E6BEB-B8B7-469A-9711-19D885823D8B}" type="presParOf" srcId="{D8DDCC30-1C5E-46F5-9E4A-D2EA31455D02}" destId="{F77AA73C-D12B-461F-A181-17A777C46998}" srcOrd="1" destOrd="0" presId="urn:microsoft.com/office/officeart/2005/8/layout/vList2"/>
+    <dgm:cxn modelId="{3DBAA903-3F71-4AE8-B14E-EA3BDFBFD6ED}" type="presParOf" srcId="{D8DDCC30-1C5E-46F5-9E4A-D2EA31455D02}" destId="{CC96F631-FDA7-4E62-9D8D-39059F8CD6AA}" srcOrd="2" destOrd="0" presId="urn:microsoft.com/office/officeart/2005/8/layout/vList2"/>
   </dgm:cxnLst>
   <dgm:bg/>
   <dgm:whole/>
@@ -8688,6 +8683,551 @@
       <dsp:cNvGrpSpPr/>
     </dsp:nvGrpSpPr>
     <dsp:grpSpPr/>
+    <dsp:sp modelId="{137A0A74-B9D6-478A-AFD2-F1FC7174AD09}">
+      <dsp:nvSpPr>
+        <dsp:cNvPr id="0" name=""/>
+        <dsp:cNvSpPr/>
+      </dsp:nvSpPr>
+      <dsp:spPr>
+        <a:xfrm>
+          <a:off x="0" y="0"/>
+          <a:ext cx="6832212" cy="0"/>
+        </a:xfrm>
+        <a:prstGeom prst="line">
+          <a:avLst/>
+        </a:prstGeom>
+        <a:gradFill rotWithShape="0">
+          <a:gsLst>
+            <a:gs pos="0">
+              <a:schemeClr val="accent2">
+                <a:hueOff val="0"/>
+                <a:satOff val="0"/>
+                <a:lumOff val="0"/>
+                <a:alphaOff val="0"/>
+                <a:tint val="96000"/>
+                <a:lumMod val="104000"/>
+              </a:schemeClr>
+            </a:gs>
+            <a:gs pos="100000">
+              <a:schemeClr val="accent2">
+                <a:hueOff val="0"/>
+                <a:satOff val="0"/>
+                <a:lumOff val="0"/>
+                <a:alphaOff val="0"/>
+                <a:shade val="98000"/>
+                <a:lumMod val="94000"/>
+              </a:schemeClr>
+            </a:gs>
+          </a:gsLst>
+          <a:lin ang="5400000" scaled="0"/>
+        </a:gradFill>
+        <a:ln w="9525" cap="rnd" cmpd="sng" algn="ctr">
+          <a:solidFill>
+            <a:schemeClr val="accent2">
+              <a:hueOff val="0"/>
+              <a:satOff val="0"/>
+              <a:lumOff val="0"/>
+              <a:alphaOff val="0"/>
+            </a:schemeClr>
+          </a:solidFill>
+          <a:prstDash val="solid"/>
+        </a:ln>
+        <a:effectLst>
+          <a:outerShdw blurRad="38100" dist="25400" dir="5400000" rotWithShape="0">
+            <a:srgbClr val="000000">
+              <a:alpha val="25000"/>
+            </a:srgbClr>
+          </a:outerShdw>
+        </a:effectLst>
+      </dsp:spPr>
+      <dsp:style>
+        <a:lnRef idx="1">
+          <a:scrgbClr r="0" g="0" b="0"/>
+        </a:lnRef>
+        <a:fillRef idx="3">
+          <a:scrgbClr r="0" g="0" b="0"/>
+        </a:fillRef>
+        <a:effectRef idx="2">
+          <a:scrgbClr r="0" g="0" b="0"/>
+        </a:effectRef>
+        <a:fontRef idx="minor">
+          <a:schemeClr val="lt1"/>
+        </a:fontRef>
+      </dsp:style>
+    </dsp:sp>
+    <dsp:sp modelId="{BF5D8A9F-2B38-42AB-804D-6A8835590707}">
+      <dsp:nvSpPr>
+        <dsp:cNvPr id="0" name=""/>
+        <dsp:cNvSpPr/>
+      </dsp:nvSpPr>
+      <dsp:spPr>
+        <a:xfrm>
+          <a:off x="0" y="0"/>
+          <a:ext cx="6832212" cy="1316194"/>
+        </a:xfrm>
+        <a:prstGeom prst="rect">
+          <a:avLst/>
+        </a:prstGeom>
+        <a:noFill/>
+        <a:ln>
+          <a:noFill/>
+        </a:ln>
+        <a:effectLst/>
+      </dsp:spPr>
+      <dsp:style>
+        <a:lnRef idx="0">
+          <a:scrgbClr r="0" g="0" b="0"/>
+        </a:lnRef>
+        <a:fillRef idx="0">
+          <a:scrgbClr r="0" g="0" b="0"/>
+        </a:fillRef>
+        <a:effectRef idx="0">
+          <a:scrgbClr r="0" g="0" b="0"/>
+        </a:effectRef>
+        <a:fontRef idx="minor"/>
+      </dsp:style>
+      <dsp:txBody>
+        <a:bodyPr spcFirstLastPara="0" vert="horz" wrap="square" lIns="160020" tIns="160020" rIns="160020" bIns="160020" numCol="1" spcCol="1270" anchor="t" anchorCtr="0">
+          <a:noAutofit/>
+        </a:bodyPr>
+        <a:lstStyle/>
+        <a:p>
+          <a:pPr marL="0" lvl="0" indent="0" algn="l" defTabSz="1866900">
+            <a:lnSpc>
+              <a:spcPct val="90000"/>
+            </a:lnSpc>
+            <a:spcBef>
+              <a:spcPct val="0"/>
+            </a:spcBef>
+            <a:spcAft>
+              <a:spcPct val="35000"/>
+            </a:spcAft>
+            <a:buNone/>
+          </a:pPr>
+          <a:r>
+            <a:rPr lang="en-US" sz="4200" kern="1200" dirty="0"/>
+            <a:t>Thriveni, Group </a:t>
+          </a:r>
+          <a:r>
+            <a:rPr lang="en-US" sz="4200" b="0" i="0" kern="1200" dirty="0"/>
+            <a:t>manager</a:t>
+          </a:r>
+          <a:endParaRPr lang="en-US" sz="4200" kern="1200" dirty="0"/>
+        </a:p>
+      </dsp:txBody>
+      <dsp:txXfrm>
+        <a:off x="0" y="0"/>
+        <a:ext cx="6832212" cy="1316194"/>
+      </dsp:txXfrm>
+    </dsp:sp>
+    <dsp:sp modelId="{44FD8FD6-6EEF-438B-B362-D99A9DF1622F}">
+      <dsp:nvSpPr>
+        <dsp:cNvPr id="0" name=""/>
+        <dsp:cNvSpPr/>
+      </dsp:nvSpPr>
+      <dsp:spPr>
+        <a:xfrm>
+          <a:off x="0" y="1316194"/>
+          <a:ext cx="6832212" cy="0"/>
+        </a:xfrm>
+        <a:prstGeom prst="line">
+          <a:avLst/>
+        </a:prstGeom>
+        <a:gradFill rotWithShape="0">
+          <a:gsLst>
+            <a:gs pos="0">
+              <a:schemeClr val="accent2">
+                <a:hueOff val="151055"/>
+                <a:satOff val="-15998"/>
+                <a:lumOff val="-392"/>
+                <a:alphaOff val="0"/>
+                <a:tint val="96000"/>
+                <a:lumMod val="104000"/>
+              </a:schemeClr>
+            </a:gs>
+            <a:gs pos="100000">
+              <a:schemeClr val="accent2">
+                <a:hueOff val="151055"/>
+                <a:satOff val="-15998"/>
+                <a:lumOff val="-392"/>
+                <a:alphaOff val="0"/>
+                <a:shade val="98000"/>
+                <a:lumMod val="94000"/>
+              </a:schemeClr>
+            </a:gs>
+          </a:gsLst>
+          <a:lin ang="5400000" scaled="0"/>
+        </a:gradFill>
+        <a:ln w="9525" cap="rnd" cmpd="sng" algn="ctr">
+          <a:solidFill>
+            <a:schemeClr val="accent2">
+              <a:hueOff val="151055"/>
+              <a:satOff val="-15998"/>
+              <a:lumOff val="-392"/>
+              <a:alphaOff val="0"/>
+            </a:schemeClr>
+          </a:solidFill>
+          <a:prstDash val="solid"/>
+        </a:ln>
+        <a:effectLst>
+          <a:outerShdw blurRad="38100" dist="25400" dir="5400000" rotWithShape="0">
+            <a:srgbClr val="000000">
+              <a:alpha val="25000"/>
+            </a:srgbClr>
+          </a:outerShdw>
+        </a:effectLst>
+      </dsp:spPr>
+      <dsp:style>
+        <a:lnRef idx="1">
+          <a:scrgbClr r="0" g="0" b="0"/>
+        </a:lnRef>
+        <a:fillRef idx="3">
+          <a:scrgbClr r="0" g="0" b="0"/>
+        </a:fillRef>
+        <a:effectRef idx="2">
+          <a:scrgbClr r="0" g="0" b="0"/>
+        </a:effectRef>
+        <a:fontRef idx="minor">
+          <a:schemeClr val="lt1"/>
+        </a:fontRef>
+      </dsp:style>
+    </dsp:sp>
+    <dsp:sp modelId="{589C182F-4397-4494-BF2D-C65B4A751C93}">
+      <dsp:nvSpPr>
+        <dsp:cNvPr id="0" name=""/>
+        <dsp:cNvSpPr/>
+      </dsp:nvSpPr>
+      <dsp:spPr>
+        <a:xfrm>
+          <a:off x="0" y="1316194"/>
+          <a:ext cx="6832212" cy="1316194"/>
+        </a:xfrm>
+        <a:prstGeom prst="rect">
+          <a:avLst/>
+        </a:prstGeom>
+        <a:noFill/>
+        <a:ln>
+          <a:noFill/>
+        </a:ln>
+        <a:effectLst/>
+      </dsp:spPr>
+      <dsp:style>
+        <a:lnRef idx="0">
+          <a:scrgbClr r="0" g="0" b="0"/>
+        </a:lnRef>
+        <a:fillRef idx="0">
+          <a:scrgbClr r="0" g="0" b="0"/>
+        </a:fillRef>
+        <a:effectRef idx="0">
+          <a:scrgbClr r="0" g="0" b="0"/>
+        </a:effectRef>
+        <a:fontRef idx="minor"/>
+      </dsp:style>
+      <dsp:txBody>
+        <a:bodyPr spcFirstLastPara="0" vert="horz" wrap="square" lIns="160020" tIns="160020" rIns="160020" bIns="160020" numCol="1" spcCol="1270" anchor="t" anchorCtr="0">
+          <a:noAutofit/>
+        </a:bodyPr>
+        <a:lstStyle/>
+        <a:p>
+          <a:pPr marL="0" lvl="0" indent="0" algn="l" defTabSz="1866900">
+            <a:lnSpc>
+              <a:spcPct val="90000"/>
+            </a:lnSpc>
+            <a:spcBef>
+              <a:spcPct val="0"/>
+            </a:spcBef>
+            <a:spcAft>
+              <a:spcPct val="35000"/>
+            </a:spcAft>
+            <a:buNone/>
+          </a:pPr>
+          <a:r>
+            <a:rPr lang="en-US" sz="4200" kern="1200" dirty="0"/>
+            <a:t>Yuko, Scrum-master</a:t>
+          </a:r>
+        </a:p>
+      </dsp:txBody>
+      <dsp:txXfrm>
+        <a:off x="0" y="1316194"/>
+        <a:ext cx="6832212" cy="1316194"/>
+      </dsp:txXfrm>
+    </dsp:sp>
+    <dsp:sp modelId="{9BC830A9-6B26-47C8-9FBF-868EAEC0EB99}">
+      <dsp:nvSpPr>
+        <dsp:cNvPr id="0" name=""/>
+        <dsp:cNvSpPr/>
+      </dsp:nvSpPr>
+      <dsp:spPr>
+        <a:xfrm>
+          <a:off x="0" y="2632389"/>
+          <a:ext cx="6832212" cy="0"/>
+        </a:xfrm>
+        <a:prstGeom prst="line">
+          <a:avLst/>
+        </a:prstGeom>
+        <a:gradFill rotWithShape="0">
+          <a:gsLst>
+            <a:gs pos="0">
+              <a:schemeClr val="accent2">
+                <a:hueOff val="302110"/>
+                <a:satOff val="-31995"/>
+                <a:lumOff val="-784"/>
+                <a:alphaOff val="0"/>
+                <a:tint val="96000"/>
+                <a:lumMod val="104000"/>
+              </a:schemeClr>
+            </a:gs>
+            <a:gs pos="100000">
+              <a:schemeClr val="accent2">
+                <a:hueOff val="302110"/>
+                <a:satOff val="-31995"/>
+                <a:lumOff val="-784"/>
+                <a:alphaOff val="0"/>
+                <a:shade val="98000"/>
+                <a:lumMod val="94000"/>
+              </a:schemeClr>
+            </a:gs>
+          </a:gsLst>
+          <a:lin ang="5400000" scaled="0"/>
+        </a:gradFill>
+        <a:ln w="9525" cap="rnd" cmpd="sng" algn="ctr">
+          <a:solidFill>
+            <a:schemeClr val="accent2">
+              <a:hueOff val="302110"/>
+              <a:satOff val="-31995"/>
+              <a:lumOff val="-784"/>
+              <a:alphaOff val="0"/>
+            </a:schemeClr>
+          </a:solidFill>
+          <a:prstDash val="solid"/>
+        </a:ln>
+        <a:effectLst>
+          <a:outerShdw blurRad="38100" dist="25400" dir="5400000" rotWithShape="0">
+            <a:srgbClr val="000000">
+              <a:alpha val="25000"/>
+            </a:srgbClr>
+          </a:outerShdw>
+        </a:effectLst>
+      </dsp:spPr>
+      <dsp:style>
+        <a:lnRef idx="1">
+          <a:scrgbClr r="0" g="0" b="0"/>
+        </a:lnRef>
+        <a:fillRef idx="3">
+          <a:scrgbClr r="0" g="0" b="0"/>
+        </a:fillRef>
+        <a:effectRef idx="2">
+          <a:scrgbClr r="0" g="0" b="0"/>
+        </a:effectRef>
+        <a:fontRef idx="minor">
+          <a:schemeClr val="lt1"/>
+        </a:fontRef>
+      </dsp:style>
+    </dsp:sp>
+    <dsp:sp modelId="{49D21892-ED8D-4A53-9EB6-0D1A9C51E471}">
+      <dsp:nvSpPr>
+        <dsp:cNvPr id="0" name=""/>
+        <dsp:cNvSpPr/>
+      </dsp:nvSpPr>
+      <dsp:spPr>
+        <a:xfrm>
+          <a:off x="0" y="2632389"/>
+          <a:ext cx="6832212" cy="1316194"/>
+        </a:xfrm>
+        <a:prstGeom prst="rect">
+          <a:avLst/>
+        </a:prstGeom>
+        <a:noFill/>
+        <a:ln>
+          <a:noFill/>
+        </a:ln>
+        <a:effectLst/>
+      </dsp:spPr>
+      <dsp:style>
+        <a:lnRef idx="0">
+          <a:scrgbClr r="0" g="0" b="0"/>
+        </a:lnRef>
+        <a:fillRef idx="0">
+          <a:scrgbClr r="0" g="0" b="0"/>
+        </a:fillRef>
+        <a:effectRef idx="0">
+          <a:scrgbClr r="0" g="0" b="0"/>
+        </a:effectRef>
+        <a:fontRef idx="minor"/>
+      </dsp:style>
+      <dsp:txBody>
+        <a:bodyPr spcFirstLastPara="0" vert="horz" wrap="square" lIns="160020" tIns="160020" rIns="160020" bIns="160020" numCol="1" spcCol="1270" anchor="t" anchorCtr="0">
+          <a:noAutofit/>
+        </a:bodyPr>
+        <a:lstStyle/>
+        <a:p>
+          <a:pPr marL="0" lvl="0" indent="0" algn="l" defTabSz="1866900">
+            <a:lnSpc>
+              <a:spcPct val="90000"/>
+            </a:lnSpc>
+            <a:spcBef>
+              <a:spcPct val="0"/>
+            </a:spcBef>
+            <a:spcAft>
+              <a:spcPct val="35000"/>
+            </a:spcAft>
+            <a:buNone/>
+          </a:pPr>
+          <a:r>
+            <a:rPr lang="en-US" sz="4200" kern="1200" dirty="0"/>
+            <a:t>Sajjad, Testing</a:t>
+          </a:r>
+        </a:p>
+      </dsp:txBody>
+      <dsp:txXfrm>
+        <a:off x="0" y="2632389"/>
+        <a:ext cx="6832212" cy="1316194"/>
+      </dsp:txXfrm>
+    </dsp:sp>
+    <dsp:sp modelId="{6F9A782B-22FD-438A-88F9-43A3D8AC0505}">
+      <dsp:nvSpPr>
+        <dsp:cNvPr id="0" name=""/>
+        <dsp:cNvSpPr/>
+      </dsp:nvSpPr>
+      <dsp:spPr>
+        <a:xfrm>
+          <a:off x="0" y="3948584"/>
+          <a:ext cx="6832212" cy="0"/>
+        </a:xfrm>
+        <a:prstGeom prst="line">
+          <a:avLst/>
+        </a:prstGeom>
+        <a:gradFill rotWithShape="0">
+          <a:gsLst>
+            <a:gs pos="0">
+              <a:schemeClr val="accent2">
+                <a:hueOff val="453165"/>
+                <a:satOff val="-47993"/>
+                <a:lumOff val="-1176"/>
+                <a:alphaOff val="0"/>
+                <a:tint val="96000"/>
+                <a:lumMod val="104000"/>
+              </a:schemeClr>
+            </a:gs>
+            <a:gs pos="100000">
+              <a:schemeClr val="accent2">
+                <a:hueOff val="453165"/>
+                <a:satOff val="-47993"/>
+                <a:lumOff val="-1176"/>
+                <a:alphaOff val="0"/>
+                <a:shade val="98000"/>
+                <a:lumMod val="94000"/>
+              </a:schemeClr>
+            </a:gs>
+          </a:gsLst>
+          <a:lin ang="5400000" scaled="0"/>
+        </a:gradFill>
+        <a:ln w="9525" cap="rnd" cmpd="sng" algn="ctr">
+          <a:solidFill>
+            <a:schemeClr val="accent2">
+              <a:hueOff val="453165"/>
+              <a:satOff val="-47993"/>
+              <a:lumOff val="-1176"/>
+              <a:alphaOff val="0"/>
+            </a:schemeClr>
+          </a:solidFill>
+          <a:prstDash val="solid"/>
+        </a:ln>
+        <a:effectLst>
+          <a:outerShdw blurRad="38100" dist="25400" dir="5400000" rotWithShape="0">
+            <a:srgbClr val="000000">
+              <a:alpha val="25000"/>
+            </a:srgbClr>
+          </a:outerShdw>
+        </a:effectLst>
+      </dsp:spPr>
+      <dsp:style>
+        <a:lnRef idx="1">
+          <a:scrgbClr r="0" g="0" b="0"/>
+        </a:lnRef>
+        <a:fillRef idx="3">
+          <a:scrgbClr r="0" g="0" b="0"/>
+        </a:fillRef>
+        <a:effectRef idx="2">
+          <a:scrgbClr r="0" g="0" b="0"/>
+        </a:effectRef>
+        <a:fontRef idx="minor">
+          <a:schemeClr val="lt1"/>
+        </a:fontRef>
+      </dsp:style>
+    </dsp:sp>
+    <dsp:sp modelId="{6CF7FF08-B842-4814-8489-42F30030A20A}">
+      <dsp:nvSpPr>
+        <dsp:cNvPr id="0" name=""/>
+        <dsp:cNvSpPr/>
+      </dsp:nvSpPr>
+      <dsp:spPr>
+        <a:xfrm>
+          <a:off x="0" y="3948584"/>
+          <a:ext cx="6832212" cy="1316194"/>
+        </a:xfrm>
+        <a:prstGeom prst="rect">
+          <a:avLst/>
+        </a:prstGeom>
+        <a:noFill/>
+        <a:ln>
+          <a:noFill/>
+        </a:ln>
+        <a:effectLst/>
+      </dsp:spPr>
+      <dsp:style>
+        <a:lnRef idx="0">
+          <a:scrgbClr r="0" g="0" b="0"/>
+        </a:lnRef>
+        <a:fillRef idx="0">
+          <a:scrgbClr r="0" g="0" b="0"/>
+        </a:fillRef>
+        <a:effectRef idx="0">
+          <a:scrgbClr r="0" g="0" b="0"/>
+        </a:effectRef>
+        <a:fontRef idx="minor"/>
+      </dsp:style>
+      <dsp:txBody>
+        <a:bodyPr spcFirstLastPara="0" vert="horz" wrap="square" lIns="160020" tIns="160020" rIns="160020" bIns="160020" numCol="1" spcCol="1270" anchor="t" anchorCtr="0">
+          <a:noAutofit/>
+        </a:bodyPr>
+        <a:lstStyle/>
+        <a:p>
+          <a:pPr marL="0" lvl="0" indent="0" algn="l" defTabSz="1866900">
+            <a:lnSpc>
+              <a:spcPct val="90000"/>
+            </a:lnSpc>
+            <a:spcBef>
+              <a:spcPct val="0"/>
+            </a:spcBef>
+            <a:spcAft>
+              <a:spcPct val="35000"/>
+            </a:spcAft>
+            <a:buNone/>
+          </a:pPr>
+          <a:r>
+            <a:rPr lang="en-US" sz="4200" kern="1200" dirty="0"/>
+            <a:t>Christoffer, Git-manager</a:t>
+          </a:r>
+        </a:p>
+      </dsp:txBody>
+      <dsp:txXfrm>
+        <a:off x="0" y="3948584"/>
+        <a:ext cx="6832212" cy="1316194"/>
+      </dsp:txXfrm>
+    </dsp:sp>
+  </dsp:spTree>
+</dsp:drawing>
+</file>
+
+<file path=ppt/diagrams/drawing2.xml><?xml version="1.0" encoding="utf-8"?>
+<dsp:drawing xmlns:dgm="http://schemas.openxmlformats.org/drawingml/2006/diagram" xmlns:dsp="http://schemas.microsoft.com/office/drawing/2008/diagram" xmlns:a="http://schemas.openxmlformats.org/drawingml/2006/main">
+  <dsp:spTree>
+    <dsp:nvGrpSpPr>
+      <dsp:cNvPr id="0" name=""/>
+      <dsp:cNvGrpSpPr/>
+    </dsp:nvGrpSpPr>
+    <dsp:grpSpPr/>
     <dsp:sp modelId="{2EA7A9BD-1934-44F3-A8A6-457CBE931C5E}">
       <dsp:nvSpPr>
         <dsp:cNvPr id="0" name=""/>
@@ -8770,10 +9310,10 @@
             <a:buNone/>
           </a:pPr>
           <a:r>
-            <a:rPr lang="en-US" sz="2000" b="0" i="0" kern="1200"/>
+            <a:rPr lang="en-US" sz="2000" b="0" i="0" kern="1200" dirty="0"/>
             <a:t>Project idea</a:t>
           </a:r>
-          <a:endParaRPr lang="en-US" sz="2000" kern="1200"/>
+          <a:endParaRPr lang="en-US" sz="2000" kern="1200" dirty="0"/>
         </a:p>
       </dsp:txBody>
       <dsp:txXfrm>
@@ -9254,10 +9794,9 @@
             <a:buNone/>
           </a:pPr>
           <a:r>
-            <a:rPr lang="en-US" sz="2000" b="0" i="0" kern="1200"/>
-            <a:t>Sustainability</a:t>
+            <a:rPr lang="en-US" sz="2000" b="0" i="0" kern="1200" dirty="0"/>
+            <a:t>Usage</a:t>
           </a:r>
-          <a:endParaRPr lang="en-US" sz="2000" kern="1200"/>
         </a:p>
       </dsp:txBody>
       <dsp:txXfrm>
@@ -9269,7 +9808,7 @@
 </dsp:drawing>
 </file>
 
-<file path=ppt/diagrams/drawing2.xml><?xml version="1.0" encoding="utf-8"?>
+<file path=ppt/diagrams/drawing3.xml><?xml version="1.0" encoding="utf-8"?>
 <dsp:drawing xmlns:dgm="http://schemas.openxmlformats.org/drawingml/2006/diagram" xmlns:dsp="http://schemas.microsoft.com/office/drawing/2008/diagram" xmlns:a="http://schemas.openxmlformats.org/drawingml/2006/main">
   <dsp:spTree>
     <dsp:nvGrpSpPr>
@@ -9459,555 +9998,6 @@
       <dsp:txXfrm>
         <a:off x="95153" y="2798102"/>
         <a:ext cx="6641906" cy="1758914"/>
-      </dsp:txXfrm>
-    </dsp:sp>
-  </dsp:spTree>
-</dsp:drawing>
-</file>
-
-<file path=ppt/diagrams/drawing3.xml><?xml version="1.0" encoding="utf-8"?>
-<dsp:drawing xmlns:dgm="http://schemas.openxmlformats.org/drawingml/2006/diagram" xmlns:dsp="http://schemas.microsoft.com/office/drawing/2008/diagram" xmlns:a="http://schemas.openxmlformats.org/drawingml/2006/main">
-  <dsp:spTree>
-    <dsp:nvGrpSpPr>
-      <dsp:cNvPr id="0" name=""/>
-      <dsp:cNvGrpSpPr/>
-    </dsp:nvGrpSpPr>
-    <dsp:grpSpPr/>
-    <dsp:sp modelId="{137A0A74-B9D6-478A-AFD2-F1FC7174AD09}">
-      <dsp:nvSpPr>
-        <dsp:cNvPr id="0" name=""/>
-        <dsp:cNvSpPr/>
-      </dsp:nvSpPr>
-      <dsp:spPr>
-        <a:xfrm>
-          <a:off x="0" y="0"/>
-          <a:ext cx="6832212" cy="0"/>
-        </a:xfrm>
-        <a:prstGeom prst="line">
-          <a:avLst/>
-        </a:prstGeom>
-        <a:gradFill rotWithShape="0">
-          <a:gsLst>
-            <a:gs pos="0">
-              <a:schemeClr val="accent2">
-                <a:hueOff val="0"/>
-                <a:satOff val="0"/>
-                <a:lumOff val="0"/>
-                <a:alphaOff val="0"/>
-                <a:tint val="96000"/>
-                <a:lumMod val="104000"/>
-              </a:schemeClr>
-            </a:gs>
-            <a:gs pos="100000">
-              <a:schemeClr val="accent2">
-                <a:hueOff val="0"/>
-                <a:satOff val="0"/>
-                <a:lumOff val="0"/>
-                <a:alphaOff val="0"/>
-                <a:shade val="98000"/>
-                <a:lumMod val="94000"/>
-              </a:schemeClr>
-            </a:gs>
-          </a:gsLst>
-          <a:lin ang="5400000" scaled="0"/>
-        </a:gradFill>
-        <a:ln w="9525" cap="rnd" cmpd="sng" algn="ctr">
-          <a:solidFill>
-            <a:schemeClr val="accent2">
-              <a:hueOff val="0"/>
-              <a:satOff val="0"/>
-              <a:lumOff val="0"/>
-              <a:alphaOff val="0"/>
-            </a:schemeClr>
-          </a:solidFill>
-          <a:prstDash val="solid"/>
-        </a:ln>
-        <a:effectLst>
-          <a:outerShdw blurRad="38100" dist="25400" dir="5400000" rotWithShape="0">
-            <a:srgbClr val="000000">
-              <a:alpha val="25000"/>
-            </a:srgbClr>
-          </a:outerShdw>
-        </a:effectLst>
-      </dsp:spPr>
-      <dsp:style>
-        <a:lnRef idx="1">
-          <a:scrgbClr r="0" g="0" b="0"/>
-        </a:lnRef>
-        <a:fillRef idx="3">
-          <a:scrgbClr r="0" g="0" b="0"/>
-        </a:fillRef>
-        <a:effectRef idx="2">
-          <a:scrgbClr r="0" g="0" b="0"/>
-        </a:effectRef>
-        <a:fontRef idx="minor">
-          <a:schemeClr val="lt1"/>
-        </a:fontRef>
-      </dsp:style>
-    </dsp:sp>
-    <dsp:sp modelId="{BF5D8A9F-2B38-42AB-804D-6A8835590707}">
-      <dsp:nvSpPr>
-        <dsp:cNvPr id="0" name=""/>
-        <dsp:cNvSpPr/>
-      </dsp:nvSpPr>
-      <dsp:spPr>
-        <a:xfrm>
-          <a:off x="0" y="0"/>
-          <a:ext cx="6832212" cy="1316194"/>
-        </a:xfrm>
-        <a:prstGeom prst="rect">
-          <a:avLst/>
-        </a:prstGeom>
-        <a:noFill/>
-        <a:ln>
-          <a:noFill/>
-        </a:ln>
-        <a:effectLst/>
-      </dsp:spPr>
-      <dsp:style>
-        <a:lnRef idx="0">
-          <a:scrgbClr r="0" g="0" b="0"/>
-        </a:lnRef>
-        <a:fillRef idx="0">
-          <a:scrgbClr r="0" g="0" b="0"/>
-        </a:fillRef>
-        <a:effectRef idx="0">
-          <a:scrgbClr r="0" g="0" b="0"/>
-        </a:effectRef>
-        <a:fontRef idx="minor"/>
-      </dsp:style>
-      <dsp:txBody>
-        <a:bodyPr spcFirstLastPara="0" vert="horz" wrap="square" lIns="160020" tIns="160020" rIns="160020" bIns="160020" numCol="1" spcCol="1270" anchor="t" anchorCtr="0">
-          <a:noAutofit/>
-        </a:bodyPr>
-        <a:lstStyle/>
-        <a:p>
-          <a:pPr marL="0" lvl="0" indent="0" algn="l" defTabSz="1866900">
-            <a:lnSpc>
-              <a:spcPct val="90000"/>
-            </a:lnSpc>
-            <a:spcBef>
-              <a:spcPct val="0"/>
-            </a:spcBef>
-            <a:spcAft>
-              <a:spcPct val="35000"/>
-            </a:spcAft>
-            <a:buNone/>
-          </a:pPr>
-          <a:r>
-            <a:rPr lang="en-US" sz="4200" kern="1200" dirty="0" err="1"/>
-            <a:t>Thriveni</a:t>
-          </a:r>
-          <a:r>
-            <a:rPr lang="en-US" sz="4200" kern="1200" dirty="0"/>
-            <a:t>, Group </a:t>
-          </a:r>
-          <a:r>
-            <a:rPr lang="en-US" sz="4200" b="0" i="0" kern="1200" dirty="0"/>
-            <a:t>manager</a:t>
-          </a:r>
-          <a:endParaRPr lang="en-US" sz="4200" kern="1200" dirty="0"/>
-        </a:p>
-      </dsp:txBody>
-      <dsp:txXfrm>
-        <a:off x="0" y="0"/>
-        <a:ext cx="6832212" cy="1316194"/>
-      </dsp:txXfrm>
-    </dsp:sp>
-    <dsp:sp modelId="{44FD8FD6-6EEF-438B-B362-D99A9DF1622F}">
-      <dsp:nvSpPr>
-        <dsp:cNvPr id="0" name=""/>
-        <dsp:cNvSpPr/>
-      </dsp:nvSpPr>
-      <dsp:spPr>
-        <a:xfrm>
-          <a:off x="0" y="1316194"/>
-          <a:ext cx="6832212" cy="0"/>
-        </a:xfrm>
-        <a:prstGeom prst="line">
-          <a:avLst/>
-        </a:prstGeom>
-        <a:gradFill rotWithShape="0">
-          <a:gsLst>
-            <a:gs pos="0">
-              <a:schemeClr val="accent2">
-                <a:hueOff val="151055"/>
-                <a:satOff val="-15998"/>
-                <a:lumOff val="-392"/>
-                <a:alphaOff val="0"/>
-                <a:tint val="96000"/>
-                <a:lumMod val="104000"/>
-              </a:schemeClr>
-            </a:gs>
-            <a:gs pos="100000">
-              <a:schemeClr val="accent2">
-                <a:hueOff val="151055"/>
-                <a:satOff val="-15998"/>
-                <a:lumOff val="-392"/>
-                <a:alphaOff val="0"/>
-                <a:shade val="98000"/>
-                <a:lumMod val="94000"/>
-              </a:schemeClr>
-            </a:gs>
-          </a:gsLst>
-          <a:lin ang="5400000" scaled="0"/>
-        </a:gradFill>
-        <a:ln w="9525" cap="rnd" cmpd="sng" algn="ctr">
-          <a:solidFill>
-            <a:schemeClr val="accent2">
-              <a:hueOff val="151055"/>
-              <a:satOff val="-15998"/>
-              <a:lumOff val="-392"/>
-              <a:alphaOff val="0"/>
-            </a:schemeClr>
-          </a:solidFill>
-          <a:prstDash val="solid"/>
-        </a:ln>
-        <a:effectLst>
-          <a:outerShdw blurRad="38100" dist="25400" dir="5400000" rotWithShape="0">
-            <a:srgbClr val="000000">
-              <a:alpha val="25000"/>
-            </a:srgbClr>
-          </a:outerShdw>
-        </a:effectLst>
-      </dsp:spPr>
-      <dsp:style>
-        <a:lnRef idx="1">
-          <a:scrgbClr r="0" g="0" b="0"/>
-        </a:lnRef>
-        <a:fillRef idx="3">
-          <a:scrgbClr r="0" g="0" b="0"/>
-        </a:fillRef>
-        <a:effectRef idx="2">
-          <a:scrgbClr r="0" g="0" b="0"/>
-        </a:effectRef>
-        <a:fontRef idx="minor">
-          <a:schemeClr val="lt1"/>
-        </a:fontRef>
-      </dsp:style>
-    </dsp:sp>
-    <dsp:sp modelId="{589C182F-4397-4494-BF2D-C65B4A751C93}">
-      <dsp:nvSpPr>
-        <dsp:cNvPr id="0" name=""/>
-        <dsp:cNvSpPr/>
-      </dsp:nvSpPr>
-      <dsp:spPr>
-        <a:xfrm>
-          <a:off x="0" y="1316194"/>
-          <a:ext cx="6832212" cy="1316194"/>
-        </a:xfrm>
-        <a:prstGeom prst="rect">
-          <a:avLst/>
-        </a:prstGeom>
-        <a:noFill/>
-        <a:ln>
-          <a:noFill/>
-        </a:ln>
-        <a:effectLst/>
-      </dsp:spPr>
-      <dsp:style>
-        <a:lnRef idx="0">
-          <a:scrgbClr r="0" g="0" b="0"/>
-        </a:lnRef>
-        <a:fillRef idx="0">
-          <a:scrgbClr r="0" g="0" b="0"/>
-        </a:fillRef>
-        <a:effectRef idx="0">
-          <a:scrgbClr r="0" g="0" b="0"/>
-        </a:effectRef>
-        <a:fontRef idx="minor"/>
-      </dsp:style>
-      <dsp:txBody>
-        <a:bodyPr spcFirstLastPara="0" vert="horz" wrap="square" lIns="160020" tIns="160020" rIns="160020" bIns="160020" numCol="1" spcCol="1270" anchor="t" anchorCtr="0">
-          <a:noAutofit/>
-        </a:bodyPr>
-        <a:lstStyle/>
-        <a:p>
-          <a:pPr marL="0" lvl="0" indent="0" algn="l" defTabSz="1866900">
-            <a:lnSpc>
-              <a:spcPct val="90000"/>
-            </a:lnSpc>
-            <a:spcBef>
-              <a:spcPct val="0"/>
-            </a:spcBef>
-            <a:spcAft>
-              <a:spcPct val="35000"/>
-            </a:spcAft>
-            <a:buNone/>
-          </a:pPr>
-          <a:r>
-            <a:rPr lang="en-US" sz="4200" kern="1200" dirty="0"/>
-            <a:t>Yuko, Scrum-master</a:t>
-          </a:r>
-        </a:p>
-      </dsp:txBody>
-      <dsp:txXfrm>
-        <a:off x="0" y="1316194"/>
-        <a:ext cx="6832212" cy="1316194"/>
-      </dsp:txXfrm>
-    </dsp:sp>
-    <dsp:sp modelId="{9BC830A9-6B26-47C8-9FBF-868EAEC0EB99}">
-      <dsp:nvSpPr>
-        <dsp:cNvPr id="0" name=""/>
-        <dsp:cNvSpPr/>
-      </dsp:nvSpPr>
-      <dsp:spPr>
-        <a:xfrm>
-          <a:off x="0" y="2632389"/>
-          <a:ext cx="6832212" cy="0"/>
-        </a:xfrm>
-        <a:prstGeom prst="line">
-          <a:avLst/>
-        </a:prstGeom>
-        <a:gradFill rotWithShape="0">
-          <a:gsLst>
-            <a:gs pos="0">
-              <a:schemeClr val="accent2">
-                <a:hueOff val="302110"/>
-                <a:satOff val="-31995"/>
-                <a:lumOff val="-784"/>
-                <a:alphaOff val="0"/>
-                <a:tint val="96000"/>
-                <a:lumMod val="104000"/>
-              </a:schemeClr>
-            </a:gs>
-            <a:gs pos="100000">
-              <a:schemeClr val="accent2">
-                <a:hueOff val="302110"/>
-                <a:satOff val="-31995"/>
-                <a:lumOff val="-784"/>
-                <a:alphaOff val="0"/>
-                <a:shade val="98000"/>
-                <a:lumMod val="94000"/>
-              </a:schemeClr>
-            </a:gs>
-          </a:gsLst>
-          <a:lin ang="5400000" scaled="0"/>
-        </a:gradFill>
-        <a:ln w="9525" cap="rnd" cmpd="sng" algn="ctr">
-          <a:solidFill>
-            <a:schemeClr val="accent2">
-              <a:hueOff val="302110"/>
-              <a:satOff val="-31995"/>
-              <a:lumOff val="-784"/>
-              <a:alphaOff val="0"/>
-            </a:schemeClr>
-          </a:solidFill>
-          <a:prstDash val="solid"/>
-        </a:ln>
-        <a:effectLst>
-          <a:outerShdw blurRad="38100" dist="25400" dir="5400000" rotWithShape="0">
-            <a:srgbClr val="000000">
-              <a:alpha val="25000"/>
-            </a:srgbClr>
-          </a:outerShdw>
-        </a:effectLst>
-      </dsp:spPr>
-      <dsp:style>
-        <a:lnRef idx="1">
-          <a:scrgbClr r="0" g="0" b="0"/>
-        </a:lnRef>
-        <a:fillRef idx="3">
-          <a:scrgbClr r="0" g="0" b="0"/>
-        </a:fillRef>
-        <a:effectRef idx="2">
-          <a:scrgbClr r="0" g="0" b="0"/>
-        </a:effectRef>
-        <a:fontRef idx="minor">
-          <a:schemeClr val="lt1"/>
-        </a:fontRef>
-      </dsp:style>
-    </dsp:sp>
-    <dsp:sp modelId="{49D21892-ED8D-4A53-9EB6-0D1A9C51E471}">
-      <dsp:nvSpPr>
-        <dsp:cNvPr id="0" name=""/>
-        <dsp:cNvSpPr/>
-      </dsp:nvSpPr>
-      <dsp:spPr>
-        <a:xfrm>
-          <a:off x="0" y="2632389"/>
-          <a:ext cx="6832212" cy="1316194"/>
-        </a:xfrm>
-        <a:prstGeom prst="rect">
-          <a:avLst/>
-        </a:prstGeom>
-        <a:noFill/>
-        <a:ln>
-          <a:noFill/>
-        </a:ln>
-        <a:effectLst/>
-      </dsp:spPr>
-      <dsp:style>
-        <a:lnRef idx="0">
-          <a:scrgbClr r="0" g="0" b="0"/>
-        </a:lnRef>
-        <a:fillRef idx="0">
-          <a:scrgbClr r="0" g="0" b="0"/>
-        </a:fillRef>
-        <a:effectRef idx="0">
-          <a:scrgbClr r="0" g="0" b="0"/>
-        </a:effectRef>
-        <a:fontRef idx="minor"/>
-      </dsp:style>
-      <dsp:txBody>
-        <a:bodyPr spcFirstLastPara="0" vert="horz" wrap="square" lIns="160020" tIns="160020" rIns="160020" bIns="160020" numCol="1" spcCol="1270" anchor="t" anchorCtr="0">
-          <a:noAutofit/>
-        </a:bodyPr>
-        <a:lstStyle/>
-        <a:p>
-          <a:pPr marL="0" lvl="0" indent="0" algn="l" defTabSz="1866900">
-            <a:lnSpc>
-              <a:spcPct val="90000"/>
-            </a:lnSpc>
-            <a:spcBef>
-              <a:spcPct val="0"/>
-            </a:spcBef>
-            <a:spcAft>
-              <a:spcPct val="35000"/>
-            </a:spcAft>
-            <a:buNone/>
-          </a:pPr>
-          <a:r>
-            <a:rPr lang="en-US" sz="4200" kern="1200" dirty="0"/>
-            <a:t>Sajjad, Testing</a:t>
-          </a:r>
-        </a:p>
-      </dsp:txBody>
-      <dsp:txXfrm>
-        <a:off x="0" y="2632389"/>
-        <a:ext cx="6832212" cy="1316194"/>
-      </dsp:txXfrm>
-    </dsp:sp>
-    <dsp:sp modelId="{6F9A782B-22FD-438A-88F9-43A3D8AC0505}">
-      <dsp:nvSpPr>
-        <dsp:cNvPr id="0" name=""/>
-        <dsp:cNvSpPr/>
-      </dsp:nvSpPr>
-      <dsp:spPr>
-        <a:xfrm>
-          <a:off x="0" y="3948584"/>
-          <a:ext cx="6832212" cy="0"/>
-        </a:xfrm>
-        <a:prstGeom prst="line">
-          <a:avLst/>
-        </a:prstGeom>
-        <a:gradFill rotWithShape="0">
-          <a:gsLst>
-            <a:gs pos="0">
-              <a:schemeClr val="accent2">
-                <a:hueOff val="453165"/>
-                <a:satOff val="-47993"/>
-                <a:lumOff val="-1176"/>
-                <a:alphaOff val="0"/>
-                <a:tint val="96000"/>
-                <a:lumMod val="104000"/>
-              </a:schemeClr>
-            </a:gs>
-            <a:gs pos="100000">
-              <a:schemeClr val="accent2">
-                <a:hueOff val="453165"/>
-                <a:satOff val="-47993"/>
-                <a:lumOff val="-1176"/>
-                <a:alphaOff val="0"/>
-                <a:shade val="98000"/>
-                <a:lumMod val="94000"/>
-              </a:schemeClr>
-            </a:gs>
-          </a:gsLst>
-          <a:lin ang="5400000" scaled="0"/>
-        </a:gradFill>
-        <a:ln w="9525" cap="rnd" cmpd="sng" algn="ctr">
-          <a:solidFill>
-            <a:schemeClr val="accent2">
-              <a:hueOff val="453165"/>
-              <a:satOff val="-47993"/>
-              <a:lumOff val="-1176"/>
-              <a:alphaOff val="0"/>
-            </a:schemeClr>
-          </a:solidFill>
-          <a:prstDash val="solid"/>
-        </a:ln>
-        <a:effectLst>
-          <a:outerShdw blurRad="38100" dist="25400" dir="5400000" rotWithShape="0">
-            <a:srgbClr val="000000">
-              <a:alpha val="25000"/>
-            </a:srgbClr>
-          </a:outerShdw>
-        </a:effectLst>
-      </dsp:spPr>
-      <dsp:style>
-        <a:lnRef idx="1">
-          <a:scrgbClr r="0" g="0" b="0"/>
-        </a:lnRef>
-        <a:fillRef idx="3">
-          <a:scrgbClr r="0" g="0" b="0"/>
-        </a:fillRef>
-        <a:effectRef idx="2">
-          <a:scrgbClr r="0" g="0" b="0"/>
-        </a:effectRef>
-        <a:fontRef idx="minor">
-          <a:schemeClr val="lt1"/>
-        </a:fontRef>
-      </dsp:style>
-    </dsp:sp>
-    <dsp:sp modelId="{6CF7FF08-B842-4814-8489-42F30030A20A}">
-      <dsp:nvSpPr>
-        <dsp:cNvPr id="0" name=""/>
-        <dsp:cNvSpPr/>
-      </dsp:nvSpPr>
-      <dsp:spPr>
-        <a:xfrm>
-          <a:off x="0" y="3948584"/>
-          <a:ext cx="6832212" cy="1316194"/>
-        </a:xfrm>
-        <a:prstGeom prst="rect">
-          <a:avLst/>
-        </a:prstGeom>
-        <a:noFill/>
-        <a:ln>
-          <a:noFill/>
-        </a:ln>
-        <a:effectLst/>
-      </dsp:spPr>
-      <dsp:style>
-        <a:lnRef idx="0">
-          <a:scrgbClr r="0" g="0" b="0"/>
-        </a:lnRef>
-        <a:fillRef idx="0">
-          <a:scrgbClr r="0" g="0" b="0"/>
-        </a:fillRef>
-        <a:effectRef idx="0">
-          <a:scrgbClr r="0" g="0" b="0"/>
-        </a:effectRef>
-        <a:fontRef idx="minor"/>
-      </dsp:style>
-      <dsp:txBody>
-        <a:bodyPr spcFirstLastPara="0" vert="horz" wrap="square" lIns="160020" tIns="160020" rIns="160020" bIns="160020" numCol="1" spcCol="1270" anchor="t" anchorCtr="0">
-          <a:noAutofit/>
-        </a:bodyPr>
-        <a:lstStyle/>
-        <a:p>
-          <a:pPr marL="0" lvl="0" indent="0" algn="l" defTabSz="1866900">
-            <a:lnSpc>
-              <a:spcPct val="90000"/>
-            </a:lnSpc>
-            <a:spcBef>
-              <a:spcPct val="0"/>
-            </a:spcBef>
-            <a:spcAft>
-              <a:spcPct val="35000"/>
-            </a:spcAft>
-            <a:buNone/>
-          </a:pPr>
-          <a:r>
-            <a:rPr lang="en-US" sz="4200" kern="1200" dirty="0"/>
-            <a:t>Christoffer, Git-manager</a:t>
-          </a:r>
-        </a:p>
-      </dsp:txBody>
-      <dsp:txXfrm>
-        <a:off x="0" y="3948584"/>
-        <a:ext cx="6832212" cy="1316194"/>
       </dsp:txXfrm>
     </dsp:sp>
   </dsp:spTree>
@@ -12776,340 +12766,6 @@
 </file>
 
 <file path=ppt/diagrams/layout1.xml><?xml version="1.0" encoding="utf-8"?>
-<dgm:layoutDef xmlns:dgm="http://schemas.openxmlformats.org/drawingml/2006/diagram" xmlns:a="http://schemas.openxmlformats.org/drawingml/2006/main" uniqueId="urn:microsoft.com/office/officeart/2005/8/layout/vList2">
-  <dgm:title val=""/>
-  <dgm:desc val=""/>
-  <dgm:catLst>
-    <dgm:cat type="list" pri="3000"/>
-    <dgm:cat type="convert" pri="1000"/>
-  </dgm:catLst>
-  <dgm:sampData>
-    <dgm:dataModel>
-      <dgm:ptLst>
-        <dgm:pt modelId="0" type="doc"/>
-        <dgm:pt modelId="1">
-          <dgm:prSet phldr="1"/>
-        </dgm:pt>
-        <dgm:pt modelId="11">
-          <dgm:prSet phldr="1"/>
-        </dgm:pt>
-        <dgm:pt modelId="2">
-          <dgm:prSet phldr="1"/>
-        </dgm:pt>
-        <dgm:pt modelId="21">
-          <dgm:prSet phldr="1"/>
-        </dgm:pt>
-      </dgm:ptLst>
-      <dgm:cxnLst>
-        <dgm:cxn modelId="4" srcId="0" destId="1" srcOrd="0" destOrd="0"/>
-        <dgm:cxn modelId="5" srcId="0" destId="2" srcOrd="1" destOrd="0"/>
-        <dgm:cxn modelId="12" srcId="1" destId="11" srcOrd="0" destOrd="0"/>
-        <dgm:cxn modelId="23" srcId="2" destId="21" srcOrd="0" destOrd="0"/>
-      </dgm:cxnLst>
-      <dgm:bg/>
-      <dgm:whole/>
-    </dgm:dataModel>
-  </dgm:sampData>
-  <dgm:styleData>
-    <dgm:dataModel>
-      <dgm:ptLst>
-        <dgm:pt modelId="0" type="doc"/>
-        <dgm:pt modelId="1"/>
-        <dgm:pt modelId="2"/>
-      </dgm:ptLst>
-      <dgm:cxnLst>
-        <dgm:cxn modelId="3" srcId="0" destId="1" srcOrd="0" destOrd="0"/>
-        <dgm:cxn modelId="4" srcId="0" destId="2" srcOrd="1" destOrd="0"/>
-      </dgm:cxnLst>
-      <dgm:bg/>
-      <dgm:whole/>
-    </dgm:dataModel>
-  </dgm:styleData>
-  <dgm:clrData>
-    <dgm:dataModel>
-      <dgm:ptLst>
-        <dgm:pt modelId="0" type="doc"/>
-        <dgm:pt modelId="1"/>
-        <dgm:pt modelId="2"/>
-        <dgm:pt modelId="3"/>
-        <dgm:pt modelId="4"/>
-      </dgm:ptLst>
-      <dgm:cxnLst>
-        <dgm:cxn modelId="5" srcId="0" destId="1" srcOrd="0" destOrd="0"/>
-        <dgm:cxn modelId="6" srcId="0" destId="2" srcOrd="1" destOrd="0"/>
-        <dgm:cxn modelId="7" srcId="0" destId="3" srcOrd="2" destOrd="0"/>
-        <dgm:cxn modelId="8" srcId="0" destId="4" srcOrd="3" destOrd="0"/>
-      </dgm:cxnLst>
-      <dgm:bg/>
-      <dgm:whole/>
-    </dgm:dataModel>
-  </dgm:clrData>
-  <dgm:layoutNode name="linear">
-    <dgm:varLst>
-      <dgm:animLvl val="lvl"/>
-      <dgm:resizeHandles val="exact"/>
-    </dgm:varLst>
-    <dgm:alg type="lin">
-      <dgm:param type="linDir" val="fromT"/>
-      <dgm:param type="vertAlign" val="mid"/>
-    </dgm:alg>
-    <dgm:shape xmlns:r="http://schemas.openxmlformats.org/officeDocument/2006/relationships" r:blip="">
-      <dgm:adjLst/>
-    </dgm:shape>
-    <dgm:presOf/>
-    <dgm:constrLst>
-      <dgm:constr type="w" for="ch" forName="parentText" refType="w"/>
-      <dgm:constr type="h" for="ch" forName="parentText" refType="primFontSz" refFor="ch" refForName="parentText" fact="0.52"/>
-      <dgm:constr type="w" for="ch" forName="childText" refType="w"/>
-      <dgm:constr type="h" for="ch" forName="childText" refType="primFontSz" refFor="ch" refForName="parentText" fact="0.46"/>
-      <dgm:constr type="h" for="ch" forName="parentText" op="equ"/>
-      <dgm:constr type="primFontSz" for="ch" forName="parentText" op="equ" val="65"/>
-      <dgm:constr type="primFontSz" for="ch" forName="childText" refType="primFontSz" refFor="ch" refForName="parentText" op="equ"/>
-      <dgm:constr type="h" for="ch" forName="spacer" refType="primFontSz" refFor="ch" refForName="parentText" fact="0.08"/>
-    </dgm:constrLst>
-    <dgm:ruleLst>
-      <dgm:rule type="primFontSz" for="ch" forName="parentText" val="5" fact="NaN" max="NaN"/>
-    </dgm:ruleLst>
-    <dgm:forEach name="Name0" axis="ch" ptType="node">
-      <dgm:layoutNode name="parentText" styleLbl="node1">
-        <dgm:varLst>
-          <dgm:chMax val="0"/>
-          <dgm:bulletEnabled val="1"/>
-        </dgm:varLst>
-        <dgm:alg type="tx">
-          <dgm:param type="parTxLTRAlign" val="l"/>
-          <dgm:param type="parTxRTLAlign" val="r"/>
-        </dgm:alg>
-        <dgm:shape xmlns:r="http://schemas.openxmlformats.org/officeDocument/2006/relationships" type="roundRect" r:blip="">
-          <dgm:adjLst/>
-        </dgm:shape>
-        <dgm:presOf axis="self"/>
-        <dgm:constrLst>
-          <dgm:constr type="tMarg" refType="primFontSz" fact="0.3"/>
-          <dgm:constr type="bMarg" refType="primFontSz" fact="0.3"/>
-          <dgm:constr type="lMarg" refType="primFontSz" fact="0.3"/>
-          <dgm:constr type="rMarg" refType="primFontSz" fact="0.3"/>
-        </dgm:constrLst>
-        <dgm:ruleLst>
-          <dgm:rule type="h" val="INF" fact="NaN" max="NaN"/>
-        </dgm:ruleLst>
-      </dgm:layoutNode>
-      <dgm:choose name="Name1">
-        <dgm:if name="Name2" axis="ch" ptType="node" func="cnt" op="gte" val="1">
-          <dgm:layoutNode name="childText" styleLbl="revTx">
-            <dgm:varLst>
-              <dgm:bulletEnabled val="1"/>
-            </dgm:varLst>
-            <dgm:alg type="tx">
-              <dgm:param type="stBulletLvl" val="1"/>
-              <dgm:param type="lnSpAfChP" val="20"/>
-            </dgm:alg>
-            <dgm:shape xmlns:r="http://schemas.openxmlformats.org/officeDocument/2006/relationships" type="rect" r:blip="">
-              <dgm:adjLst/>
-            </dgm:shape>
-            <dgm:presOf axis="des" ptType="node"/>
-            <dgm:constrLst>
-              <dgm:constr type="tMarg" refType="primFontSz" fact="0.1"/>
-              <dgm:constr type="bMarg" refType="primFontSz" fact="0.1"/>
-              <dgm:constr type="lMarg" refType="w" fact="0.09"/>
-            </dgm:constrLst>
-            <dgm:ruleLst>
-              <dgm:rule type="h" val="INF" fact="NaN" max="NaN"/>
-            </dgm:ruleLst>
-          </dgm:layoutNode>
-        </dgm:if>
-        <dgm:else name="Name3">
-          <dgm:choose name="Name4">
-            <dgm:if name="Name5" axis="par ch" ptType="doc node" func="cnt" op="gte" val="2">
-              <dgm:forEach name="Name6" axis="followSib" ptType="sibTrans" cnt="1">
-                <dgm:layoutNode name="spacer">
-                  <dgm:alg type="sp"/>
-                  <dgm:shape xmlns:r="http://schemas.openxmlformats.org/officeDocument/2006/relationships" r:blip="">
-                    <dgm:adjLst/>
-                  </dgm:shape>
-                  <dgm:presOf/>
-                  <dgm:constrLst/>
-                  <dgm:ruleLst/>
-                </dgm:layoutNode>
-              </dgm:forEach>
-            </dgm:if>
-            <dgm:else name="Name7"/>
-          </dgm:choose>
-        </dgm:else>
-      </dgm:choose>
-    </dgm:forEach>
-  </dgm:layoutNode>
-</dgm:layoutDef>
-</file>
-
-<file path=ppt/diagrams/layout2.xml><?xml version="1.0" encoding="utf-8"?>
-<dgm:layoutDef xmlns:dgm="http://schemas.openxmlformats.org/drawingml/2006/diagram" xmlns:a="http://schemas.openxmlformats.org/drawingml/2006/main" uniqueId="urn:microsoft.com/office/officeart/2005/8/layout/vList2">
-  <dgm:title val=""/>
-  <dgm:desc val=""/>
-  <dgm:catLst>
-    <dgm:cat type="list" pri="3000"/>
-    <dgm:cat type="convert" pri="1000"/>
-  </dgm:catLst>
-  <dgm:sampData>
-    <dgm:dataModel>
-      <dgm:ptLst>
-        <dgm:pt modelId="0" type="doc"/>
-        <dgm:pt modelId="1">
-          <dgm:prSet phldr="1"/>
-        </dgm:pt>
-        <dgm:pt modelId="11">
-          <dgm:prSet phldr="1"/>
-        </dgm:pt>
-        <dgm:pt modelId="2">
-          <dgm:prSet phldr="1"/>
-        </dgm:pt>
-        <dgm:pt modelId="21">
-          <dgm:prSet phldr="1"/>
-        </dgm:pt>
-      </dgm:ptLst>
-      <dgm:cxnLst>
-        <dgm:cxn modelId="4" srcId="0" destId="1" srcOrd="0" destOrd="0"/>
-        <dgm:cxn modelId="5" srcId="0" destId="2" srcOrd="1" destOrd="0"/>
-        <dgm:cxn modelId="12" srcId="1" destId="11" srcOrd="0" destOrd="0"/>
-        <dgm:cxn modelId="23" srcId="2" destId="21" srcOrd="0" destOrd="0"/>
-      </dgm:cxnLst>
-      <dgm:bg/>
-      <dgm:whole/>
-    </dgm:dataModel>
-  </dgm:sampData>
-  <dgm:styleData>
-    <dgm:dataModel>
-      <dgm:ptLst>
-        <dgm:pt modelId="0" type="doc"/>
-        <dgm:pt modelId="1"/>
-        <dgm:pt modelId="2"/>
-      </dgm:ptLst>
-      <dgm:cxnLst>
-        <dgm:cxn modelId="3" srcId="0" destId="1" srcOrd="0" destOrd="0"/>
-        <dgm:cxn modelId="4" srcId="0" destId="2" srcOrd="1" destOrd="0"/>
-      </dgm:cxnLst>
-      <dgm:bg/>
-      <dgm:whole/>
-    </dgm:dataModel>
-  </dgm:styleData>
-  <dgm:clrData>
-    <dgm:dataModel>
-      <dgm:ptLst>
-        <dgm:pt modelId="0" type="doc"/>
-        <dgm:pt modelId="1"/>
-        <dgm:pt modelId="2"/>
-        <dgm:pt modelId="3"/>
-        <dgm:pt modelId="4"/>
-      </dgm:ptLst>
-      <dgm:cxnLst>
-        <dgm:cxn modelId="5" srcId="0" destId="1" srcOrd="0" destOrd="0"/>
-        <dgm:cxn modelId="6" srcId="0" destId="2" srcOrd="1" destOrd="0"/>
-        <dgm:cxn modelId="7" srcId="0" destId="3" srcOrd="2" destOrd="0"/>
-        <dgm:cxn modelId="8" srcId="0" destId="4" srcOrd="3" destOrd="0"/>
-      </dgm:cxnLst>
-      <dgm:bg/>
-      <dgm:whole/>
-    </dgm:dataModel>
-  </dgm:clrData>
-  <dgm:layoutNode name="linear">
-    <dgm:varLst>
-      <dgm:animLvl val="lvl"/>
-      <dgm:resizeHandles val="exact"/>
-    </dgm:varLst>
-    <dgm:alg type="lin">
-      <dgm:param type="linDir" val="fromT"/>
-      <dgm:param type="vertAlign" val="mid"/>
-    </dgm:alg>
-    <dgm:shape xmlns:r="http://schemas.openxmlformats.org/officeDocument/2006/relationships" r:blip="">
-      <dgm:adjLst/>
-    </dgm:shape>
-    <dgm:presOf/>
-    <dgm:constrLst>
-      <dgm:constr type="w" for="ch" forName="parentText" refType="w"/>
-      <dgm:constr type="h" for="ch" forName="parentText" refType="primFontSz" refFor="ch" refForName="parentText" fact="0.52"/>
-      <dgm:constr type="w" for="ch" forName="childText" refType="w"/>
-      <dgm:constr type="h" for="ch" forName="childText" refType="primFontSz" refFor="ch" refForName="parentText" fact="0.46"/>
-      <dgm:constr type="h" for="ch" forName="parentText" op="equ"/>
-      <dgm:constr type="primFontSz" for="ch" forName="parentText" op="equ" val="65"/>
-      <dgm:constr type="primFontSz" for="ch" forName="childText" refType="primFontSz" refFor="ch" refForName="parentText" op="equ"/>
-      <dgm:constr type="h" for="ch" forName="spacer" refType="primFontSz" refFor="ch" refForName="parentText" fact="0.08"/>
-    </dgm:constrLst>
-    <dgm:ruleLst>
-      <dgm:rule type="primFontSz" for="ch" forName="parentText" val="5" fact="NaN" max="NaN"/>
-    </dgm:ruleLst>
-    <dgm:forEach name="Name0" axis="ch" ptType="node">
-      <dgm:layoutNode name="parentText" styleLbl="node1">
-        <dgm:varLst>
-          <dgm:chMax val="0"/>
-          <dgm:bulletEnabled val="1"/>
-        </dgm:varLst>
-        <dgm:alg type="tx">
-          <dgm:param type="parTxLTRAlign" val="l"/>
-          <dgm:param type="parTxRTLAlign" val="r"/>
-        </dgm:alg>
-        <dgm:shape xmlns:r="http://schemas.openxmlformats.org/officeDocument/2006/relationships" type="roundRect" r:blip="">
-          <dgm:adjLst/>
-        </dgm:shape>
-        <dgm:presOf axis="self"/>
-        <dgm:constrLst>
-          <dgm:constr type="tMarg" refType="primFontSz" fact="0.3"/>
-          <dgm:constr type="bMarg" refType="primFontSz" fact="0.3"/>
-          <dgm:constr type="lMarg" refType="primFontSz" fact="0.3"/>
-          <dgm:constr type="rMarg" refType="primFontSz" fact="0.3"/>
-        </dgm:constrLst>
-        <dgm:ruleLst>
-          <dgm:rule type="h" val="INF" fact="NaN" max="NaN"/>
-        </dgm:ruleLst>
-      </dgm:layoutNode>
-      <dgm:choose name="Name1">
-        <dgm:if name="Name2" axis="ch" ptType="node" func="cnt" op="gte" val="1">
-          <dgm:layoutNode name="childText" styleLbl="revTx">
-            <dgm:varLst>
-              <dgm:bulletEnabled val="1"/>
-            </dgm:varLst>
-            <dgm:alg type="tx">
-              <dgm:param type="stBulletLvl" val="1"/>
-              <dgm:param type="lnSpAfChP" val="20"/>
-            </dgm:alg>
-            <dgm:shape xmlns:r="http://schemas.openxmlformats.org/officeDocument/2006/relationships" type="rect" r:blip="">
-              <dgm:adjLst/>
-            </dgm:shape>
-            <dgm:presOf axis="des" ptType="node"/>
-            <dgm:constrLst>
-              <dgm:constr type="tMarg" refType="primFontSz" fact="0.1"/>
-              <dgm:constr type="bMarg" refType="primFontSz" fact="0.1"/>
-              <dgm:constr type="lMarg" refType="w" fact="0.09"/>
-            </dgm:constrLst>
-            <dgm:ruleLst>
-              <dgm:rule type="h" val="INF" fact="NaN" max="NaN"/>
-            </dgm:ruleLst>
-          </dgm:layoutNode>
-        </dgm:if>
-        <dgm:else name="Name3">
-          <dgm:choose name="Name4">
-            <dgm:if name="Name5" axis="par ch" ptType="doc node" func="cnt" op="gte" val="2">
-              <dgm:forEach name="Name6" axis="followSib" ptType="sibTrans" cnt="1">
-                <dgm:layoutNode name="spacer">
-                  <dgm:alg type="sp"/>
-                  <dgm:shape xmlns:r="http://schemas.openxmlformats.org/officeDocument/2006/relationships" r:blip="">
-                    <dgm:adjLst/>
-                  </dgm:shape>
-                  <dgm:presOf/>
-                  <dgm:constrLst/>
-                  <dgm:ruleLst/>
-                </dgm:layoutNode>
-              </dgm:forEach>
-            </dgm:if>
-            <dgm:else name="Name7"/>
-          </dgm:choose>
-        </dgm:else>
-      </dgm:choose>
-    </dgm:forEach>
-  </dgm:layoutNode>
-</dgm:layoutDef>
-</file>
-
-<file path=ppt/diagrams/layout3.xml><?xml version="1.0" encoding="utf-8"?>
 <dgm:layoutDef xmlns:dgm="http://schemas.openxmlformats.org/drawingml/2006/diagram" xmlns:a="http://schemas.openxmlformats.org/drawingml/2006/main" uniqueId="urn:microsoft.com/office/officeart/2008/layout/LinedList">
   <dgm:title val=""/>
   <dgm:desc val=""/>
@@ -13570,6 +13226,340 @@
           </dgm:forEach>
         </dgm:layoutNode>
       </dgm:layoutNode>
+    </dgm:forEach>
+  </dgm:layoutNode>
+</dgm:layoutDef>
+</file>
+
+<file path=ppt/diagrams/layout2.xml><?xml version="1.0" encoding="utf-8"?>
+<dgm:layoutDef xmlns:dgm="http://schemas.openxmlformats.org/drawingml/2006/diagram" xmlns:a="http://schemas.openxmlformats.org/drawingml/2006/main" uniqueId="urn:microsoft.com/office/officeart/2005/8/layout/vList2">
+  <dgm:title val=""/>
+  <dgm:desc val=""/>
+  <dgm:catLst>
+    <dgm:cat type="list" pri="3000"/>
+    <dgm:cat type="convert" pri="1000"/>
+  </dgm:catLst>
+  <dgm:sampData>
+    <dgm:dataModel>
+      <dgm:ptLst>
+        <dgm:pt modelId="0" type="doc"/>
+        <dgm:pt modelId="1">
+          <dgm:prSet phldr="1"/>
+        </dgm:pt>
+        <dgm:pt modelId="11">
+          <dgm:prSet phldr="1"/>
+        </dgm:pt>
+        <dgm:pt modelId="2">
+          <dgm:prSet phldr="1"/>
+        </dgm:pt>
+        <dgm:pt modelId="21">
+          <dgm:prSet phldr="1"/>
+        </dgm:pt>
+      </dgm:ptLst>
+      <dgm:cxnLst>
+        <dgm:cxn modelId="4" srcId="0" destId="1" srcOrd="0" destOrd="0"/>
+        <dgm:cxn modelId="5" srcId="0" destId="2" srcOrd="1" destOrd="0"/>
+        <dgm:cxn modelId="12" srcId="1" destId="11" srcOrd="0" destOrd="0"/>
+        <dgm:cxn modelId="23" srcId="2" destId="21" srcOrd="0" destOrd="0"/>
+      </dgm:cxnLst>
+      <dgm:bg/>
+      <dgm:whole/>
+    </dgm:dataModel>
+  </dgm:sampData>
+  <dgm:styleData>
+    <dgm:dataModel>
+      <dgm:ptLst>
+        <dgm:pt modelId="0" type="doc"/>
+        <dgm:pt modelId="1"/>
+        <dgm:pt modelId="2"/>
+      </dgm:ptLst>
+      <dgm:cxnLst>
+        <dgm:cxn modelId="3" srcId="0" destId="1" srcOrd="0" destOrd="0"/>
+        <dgm:cxn modelId="4" srcId="0" destId="2" srcOrd="1" destOrd="0"/>
+      </dgm:cxnLst>
+      <dgm:bg/>
+      <dgm:whole/>
+    </dgm:dataModel>
+  </dgm:styleData>
+  <dgm:clrData>
+    <dgm:dataModel>
+      <dgm:ptLst>
+        <dgm:pt modelId="0" type="doc"/>
+        <dgm:pt modelId="1"/>
+        <dgm:pt modelId="2"/>
+        <dgm:pt modelId="3"/>
+        <dgm:pt modelId="4"/>
+      </dgm:ptLst>
+      <dgm:cxnLst>
+        <dgm:cxn modelId="5" srcId="0" destId="1" srcOrd="0" destOrd="0"/>
+        <dgm:cxn modelId="6" srcId="0" destId="2" srcOrd="1" destOrd="0"/>
+        <dgm:cxn modelId="7" srcId="0" destId="3" srcOrd="2" destOrd="0"/>
+        <dgm:cxn modelId="8" srcId="0" destId="4" srcOrd="3" destOrd="0"/>
+      </dgm:cxnLst>
+      <dgm:bg/>
+      <dgm:whole/>
+    </dgm:dataModel>
+  </dgm:clrData>
+  <dgm:layoutNode name="linear">
+    <dgm:varLst>
+      <dgm:animLvl val="lvl"/>
+      <dgm:resizeHandles val="exact"/>
+    </dgm:varLst>
+    <dgm:alg type="lin">
+      <dgm:param type="linDir" val="fromT"/>
+      <dgm:param type="vertAlign" val="mid"/>
+    </dgm:alg>
+    <dgm:shape xmlns:r="http://schemas.openxmlformats.org/officeDocument/2006/relationships" r:blip="">
+      <dgm:adjLst/>
+    </dgm:shape>
+    <dgm:presOf/>
+    <dgm:constrLst>
+      <dgm:constr type="w" for="ch" forName="parentText" refType="w"/>
+      <dgm:constr type="h" for="ch" forName="parentText" refType="primFontSz" refFor="ch" refForName="parentText" fact="0.52"/>
+      <dgm:constr type="w" for="ch" forName="childText" refType="w"/>
+      <dgm:constr type="h" for="ch" forName="childText" refType="primFontSz" refFor="ch" refForName="parentText" fact="0.46"/>
+      <dgm:constr type="h" for="ch" forName="parentText" op="equ"/>
+      <dgm:constr type="primFontSz" for="ch" forName="parentText" op="equ" val="65"/>
+      <dgm:constr type="primFontSz" for="ch" forName="childText" refType="primFontSz" refFor="ch" refForName="parentText" op="equ"/>
+      <dgm:constr type="h" for="ch" forName="spacer" refType="primFontSz" refFor="ch" refForName="parentText" fact="0.08"/>
+    </dgm:constrLst>
+    <dgm:ruleLst>
+      <dgm:rule type="primFontSz" for="ch" forName="parentText" val="5" fact="NaN" max="NaN"/>
+    </dgm:ruleLst>
+    <dgm:forEach name="Name0" axis="ch" ptType="node">
+      <dgm:layoutNode name="parentText" styleLbl="node1">
+        <dgm:varLst>
+          <dgm:chMax val="0"/>
+          <dgm:bulletEnabled val="1"/>
+        </dgm:varLst>
+        <dgm:alg type="tx">
+          <dgm:param type="parTxLTRAlign" val="l"/>
+          <dgm:param type="parTxRTLAlign" val="r"/>
+        </dgm:alg>
+        <dgm:shape xmlns:r="http://schemas.openxmlformats.org/officeDocument/2006/relationships" type="roundRect" r:blip="">
+          <dgm:adjLst/>
+        </dgm:shape>
+        <dgm:presOf axis="self"/>
+        <dgm:constrLst>
+          <dgm:constr type="tMarg" refType="primFontSz" fact="0.3"/>
+          <dgm:constr type="bMarg" refType="primFontSz" fact="0.3"/>
+          <dgm:constr type="lMarg" refType="primFontSz" fact="0.3"/>
+          <dgm:constr type="rMarg" refType="primFontSz" fact="0.3"/>
+        </dgm:constrLst>
+        <dgm:ruleLst>
+          <dgm:rule type="h" val="INF" fact="NaN" max="NaN"/>
+        </dgm:ruleLst>
+      </dgm:layoutNode>
+      <dgm:choose name="Name1">
+        <dgm:if name="Name2" axis="ch" ptType="node" func="cnt" op="gte" val="1">
+          <dgm:layoutNode name="childText" styleLbl="revTx">
+            <dgm:varLst>
+              <dgm:bulletEnabled val="1"/>
+            </dgm:varLst>
+            <dgm:alg type="tx">
+              <dgm:param type="stBulletLvl" val="1"/>
+              <dgm:param type="lnSpAfChP" val="20"/>
+            </dgm:alg>
+            <dgm:shape xmlns:r="http://schemas.openxmlformats.org/officeDocument/2006/relationships" type="rect" r:blip="">
+              <dgm:adjLst/>
+            </dgm:shape>
+            <dgm:presOf axis="des" ptType="node"/>
+            <dgm:constrLst>
+              <dgm:constr type="tMarg" refType="primFontSz" fact="0.1"/>
+              <dgm:constr type="bMarg" refType="primFontSz" fact="0.1"/>
+              <dgm:constr type="lMarg" refType="w" fact="0.09"/>
+            </dgm:constrLst>
+            <dgm:ruleLst>
+              <dgm:rule type="h" val="INF" fact="NaN" max="NaN"/>
+            </dgm:ruleLst>
+          </dgm:layoutNode>
+        </dgm:if>
+        <dgm:else name="Name3">
+          <dgm:choose name="Name4">
+            <dgm:if name="Name5" axis="par ch" ptType="doc node" func="cnt" op="gte" val="2">
+              <dgm:forEach name="Name6" axis="followSib" ptType="sibTrans" cnt="1">
+                <dgm:layoutNode name="spacer">
+                  <dgm:alg type="sp"/>
+                  <dgm:shape xmlns:r="http://schemas.openxmlformats.org/officeDocument/2006/relationships" r:blip="">
+                    <dgm:adjLst/>
+                  </dgm:shape>
+                  <dgm:presOf/>
+                  <dgm:constrLst/>
+                  <dgm:ruleLst/>
+                </dgm:layoutNode>
+              </dgm:forEach>
+            </dgm:if>
+            <dgm:else name="Name7"/>
+          </dgm:choose>
+        </dgm:else>
+      </dgm:choose>
+    </dgm:forEach>
+  </dgm:layoutNode>
+</dgm:layoutDef>
+</file>
+
+<file path=ppt/diagrams/layout3.xml><?xml version="1.0" encoding="utf-8"?>
+<dgm:layoutDef xmlns:dgm="http://schemas.openxmlformats.org/drawingml/2006/diagram" xmlns:a="http://schemas.openxmlformats.org/drawingml/2006/main" uniqueId="urn:microsoft.com/office/officeart/2005/8/layout/vList2">
+  <dgm:title val=""/>
+  <dgm:desc val=""/>
+  <dgm:catLst>
+    <dgm:cat type="list" pri="3000"/>
+    <dgm:cat type="convert" pri="1000"/>
+  </dgm:catLst>
+  <dgm:sampData>
+    <dgm:dataModel>
+      <dgm:ptLst>
+        <dgm:pt modelId="0" type="doc"/>
+        <dgm:pt modelId="1">
+          <dgm:prSet phldr="1"/>
+        </dgm:pt>
+        <dgm:pt modelId="11">
+          <dgm:prSet phldr="1"/>
+        </dgm:pt>
+        <dgm:pt modelId="2">
+          <dgm:prSet phldr="1"/>
+        </dgm:pt>
+        <dgm:pt modelId="21">
+          <dgm:prSet phldr="1"/>
+        </dgm:pt>
+      </dgm:ptLst>
+      <dgm:cxnLst>
+        <dgm:cxn modelId="4" srcId="0" destId="1" srcOrd="0" destOrd="0"/>
+        <dgm:cxn modelId="5" srcId="0" destId="2" srcOrd="1" destOrd="0"/>
+        <dgm:cxn modelId="12" srcId="1" destId="11" srcOrd="0" destOrd="0"/>
+        <dgm:cxn modelId="23" srcId="2" destId="21" srcOrd="0" destOrd="0"/>
+      </dgm:cxnLst>
+      <dgm:bg/>
+      <dgm:whole/>
+    </dgm:dataModel>
+  </dgm:sampData>
+  <dgm:styleData>
+    <dgm:dataModel>
+      <dgm:ptLst>
+        <dgm:pt modelId="0" type="doc"/>
+        <dgm:pt modelId="1"/>
+        <dgm:pt modelId="2"/>
+      </dgm:ptLst>
+      <dgm:cxnLst>
+        <dgm:cxn modelId="3" srcId="0" destId="1" srcOrd="0" destOrd="0"/>
+        <dgm:cxn modelId="4" srcId="0" destId="2" srcOrd="1" destOrd="0"/>
+      </dgm:cxnLst>
+      <dgm:bg/>
+      <dgm:whole/>
+    </dgm:dataModel>
+  </dgm:styleData>
+  <dgm:clrData>
+    <dgm:dataModel>
+      <dgm:ptLst>
+        <dgm:pt modelId="0" type="doc"/>
+        <dgm:pt modelId="1"/>
+        <dgm:pt modelId="2"/>
+        <dgm:pt modelId="3"/>
+        <dgm:pt modelId="4"/>
+      </dgm:ptLst>
+      <dgm:cxnLst>
+        <dgm:cxn modelId="5" srcId="0" destId="1" srcOrd="0" destOrd="0"/>
+        <dgm:cxn modelId="6" srcId="0" destId="2" srcOrd="1" destOrd="0"/>
+        <dgm:cxn modelId="7" srcId="0" destId="3" srcOrd="2" destOrd="0"/>
+        <dgm:cxn modelId="8" srcId="0" destId="4" srcOrd="3" destOrd="0"/>
+      </dgm:cxnLst>
+      <dgm:bg/>
+      <dgm:whole/>
+    </dgm:dataModel>
+  </dgm:clrData>
+  <dgm:layoutNode name="linear">
+    <dgm:varLst>
+      <dgm:animLvl val="lvl"/>
+      <dgm:resizeHandles val="exact"/>
+    </dgm:varLst>
+    <dgm:alg type="lin">
+      <dgm:param type="linDir" val="fromT"/>
+      <dgm:param type="vertAlign" val="mid"/>
+    </dgm:alg>
+    <dgm:shape xmlns:r="http://schemas.openxmlformats.org/officeDocument/2006/relationships" r:blip="">
+      <dgm:adjLst/>
+    </dgm:shape>
+    <dgm:presOf/>
+    <dgm:constrLst>
+      <dgm:constr type="w" for="ch" forName="parentText" refType="w"/>
+      <dgm:constr type="h" for="ch" forName="parentText" refType="primFontSz" refFor="ch" refForName="parentText" fact="0.52"/>
+      <dgm:constr type="w" for="ch" forName="childText" refType="w"/>
+      <dgm:constr type="h" for="ch" forName="childText" refType="primFontSz" refFor="ch" refForName="parentText" fact="0.46"/>
+      <dgm:constr type="h" for="ch" forName="parentText" op="equ"/>
+      <dgm:constr type="primFontSz" for="ch" forName="parentText" op="equ" val="65"/>
+      <dgm:constr type="primFontSz" for="ch" forName="childText" refType="primFontSz" refFor="ch" refForName="parentText" op="equ"/>
+      <dgm:constr type="h" for="ch" forName="spacer" refType="primFontSz" refFor="ch" refForName="parentText" fact="0.08"/>
+    </dgm:constrLst>
+    <dgm:ruleLst>
+      <dgm:rule type="primFontSz" for="ch" forName="parentText" val="5" fact="NaN" max="NaN"/>
+    </dgm:ruleLst>
+    <dgm:forEach name="Name0" axis="ch" ptType="node">
+      <dgm:layoutNode name="parentText" styleLbl="node1">
+        <dgm:varLst>
+          <dgm:chMax val="0"/>
+          <dgm:bulletEnabled val="1"/>
+        </dgm:varLst>
+        <dgm:alg type="tx">
+          <dgm:param type="parTxLTRAlign" val="l"/>
+          <dgm:param type="parTxRTLAlign" val="r"/>
+        </dgm:alg>
+        <dgm:shape xmlns:r="http://schemas.openxmlformats.org/officeDocument/2006/relationships" type="roundRect" r:blip="">
+          <dgm:adjLst/>
+        </dgm:shape>
+        <dgm:presOf axis="self"/>
+        <dgm:constrLst>
+          <dgm:constr type="tMarg" refType="primFontSz" fact="0.3"/>
+          <dgm:constr type="bMarg" refType="primFontSz" fact="0.3"/>
+          <dgm:constr type="lMarg" refType="primFontSz" fact="0.3"/>
+          <dgm:constr type="rMarg" refType="primFontSz" fact="0.3"/>
+        </dgm:constrLst>
+        <dgm:ruleLst>
+          <dgm:rule type="h" val="INF" fact="NaN" max="NaN"/>
+        </dgm:ruleLst>
+      </dgm:layoutNode>
+      <dgm:choose name="Name1">
+        <dgm:if name="Name2" axis="ch" ptType="node" func="cnt" op="gte" val="1">
+          <dgm:layoutNode name="childText" styleLbl="revTx">
+            <dgm:varLst>
+              <dgm:bulletEnabled val="1"/>
+            </dgm:varLst>
+            <dgm:alg type="tx">
+              <dgm:param type="stBulletLvl" val="1"/>
+              <dgm:param type="lnSpAfChP" val="20"/>
+            </dgm:alg>
+            <dgm:shape xmlns:r="http://schemas.openxmlformats.org/officeDocument/2006/relationships" type="rect" r:blip="">
+              <dgm:adjLst/>
+            </dgm:shape>
+            <dgm:presOf axis="des" ptType="node"/>
+            <dgm:constrLst>
+              <dgm:constr type="tMarg" refType="primFontSz" fact="0.1"/>
+              <dgm:constr type="bMarg" refType="primFontSz" fact="0.1"/>
+              <dgm:constr type="lMarg" refType="w" fact="0.09"/>
+            </dgm:constrLst>
+            <dgm:ruleLst>
+              <dgm:rule type="h" val="INF" fact="NaN" max="NaN"/>
+            </dgm:ruleLst>
+          </dgm:layoutNode>
+        </dgm:if>
+        <dgm:else name="Name3">
+          <dgm:choose name="Name4">
+            <dgm:if name="Name5" axis="par ch" ptType="doc node" func="cnt" op="gte" val="2">
+              <dgm:forEach name="Name6" axis="followSib" ptType="sibTrans" cnt="1">
+                <dgm:layoutNode name="spacer">
+                  <dgm:alg type="sp"/>
+                  <dgm:shape xmlns:r="http://schemas.openxmlformats.org/officeDocument/2006/relationships" r:blip="">
+                    <dgm:adjLst/>
+                  </dgm:shape>
+                  <dgm:presOf/>
+                  <dgm:constrLst/>
+                  <dgm:ruleLst/>
+                </dgm:layoutNode>
+              </dgm:forEach>
+            </dgm:if>
+            <dgm:else name="Name7"/>
+          </dgm:choose>
+        </dgm:else>
+      </dgm:choose>
     </dgm:forEach>
   </dgm:layoutNode>
 </dgm:layoutDef>
@@ -31062,7 +31052,7 @@
               <a:buChar char="•"/>
             </a:pPr>
             <a:r>
-              <a:rPr lang="en-US">
+              <a:rPr lang="en-US" dirty="0">
                 <a:solidFill>
                   <a:schemeClr val="tx1"/>
                 </a:solidFill>
@@ -31076,7 +31066,7 @@
               <a:buChar char="•"/>
             </a:pPr>
             <a:r>
-              <a:rPr lang="en-US">
+              <a:rPr lang="en-US" dirty="0">
                 <a:solidFill>
                   <a:schemeClr val="tx1"/>
                 </a:solidFill>
@@ -31090,7 +31080,7 @@
               <a:buChar char="•"/>
             </a:pPr>
             <a:r>
-              <a:rPr lang="en-US">
+              <a:rPr lang="en-US" dirty="0">
                 <a:solidFill>
                   <a:schemeClr val="tx1"/>
                 </a:solidFill>
@@ -31104,14 +31094,14 @@
               <a:buChar char="•"/>
             </a:pPr>
             <a:r>
-              <a:rPr lang="en-US">
+              <a:rPr lang="en-US" dirty="0">
                 <a:solidFill>
                   <a:schemeClr val="tx1"/>
                 </a:solidFill>
               </a:rPr>
               <a:t>Christoffer Brodin</a:t>
             </a:r>
-            <a:endParaRPr lang="en-SE">
+            <a:endParaRPr lang="en-SE" dirty="0">
               <a:solidFill>
                 <a:schemeClr val="tx1"/>
               </a:solidFill>
@@ -34046,6 +34036,452 @@
       </p:grpSpPr>
       <p:sp>
         <p:nvSpPr>
+          <p:cNvPr id="9" name="Rectangle 8">
+            <a:extLst>
+              <a:ext uri="{FF2B5EF4-FFF2-40B4-BE49-F238E27FC236}">
+                <a16:creationId xmlns:a16="http://schemas.microsoft.com/office/drawing/2014/main" id="{A3D9AEEE-1CCD-43C0-BA3E-16D60A6E23C0}"/>
+              </a:ext>
+              <a:ext uri="{C183D7F6-B498-43B3-948B-1728B52AA6E4}">
+                <adec:decorative xmlns:adec="http://schemas.microsoft.com/office/drawing/2017/decorative" val="1"/>
+              </a:ext>
+            </a:extLst>
+          </p:cNvPr>
+          <p:cNvSpPr>
+            <a:spLocks noGrp="1" noRot="1" noChangeAspect="1" noMove="1" noResize="1" noEditPoints="1" noAdjustHandles="1" noChangeArrowheads="1" noChangeShapeType="1" noTextEdit="1"/>
+          </p:cNvSpPr>
+          <p:nvPr>
+            <p:extLst>
+              <p:ext uri="{386F3935-93C4-4BCD-93E2-E3B085C9AB24}">
+                <p16:designElem xmlns:p16="http://schemas.microsoft.com/office/powerpoint/2015/main" val="1"/>
+              </p:ext>
+            </p:extLst>
+          </p:nvPr>
+        </p:nvSpPr>
+        <p:spPr>
+          <a:xfrm>
+            <a:off x="1" y="0"/>
+            <a:ext cx="4059079" cy="6858000"/>
+          </a:xfrm>
+          <a:prstGeom prst="rect">
+            <a:avLst/>
+          </a:prstGeom>
+          <a:solidFill>
+            <a:schemeClr val="tx2"/>
+          </a:solidFill>
+          <a:ln>
+            <a:noFill/>
+          </a:ln>
+        </p:spPr>
+        <p:style>
+          <a:lnRef idx="2">
+            <a:schemeClr val="accent1">
+              <a:shade val="50000"/>
+            </a:schemeClr>
+          </a:lnRef>
+          <a:fillRef idx="1">
+            <a:schemeClr val="accent1"/>
+          </a:fillRef>
+          <a:effectRef idx="0">
+            <a:schemeClr val="accent1"/>
+          </a:effectRef>
+          <a:fontRef idx="minor">
+            <a:schemeClr val="lt1"/>
+          </a:fontRef>
+        </p:style>
+        <p:txBody>
+          <a:bodyPr rtlCol="0" anchor="ctr"/>
+          <a:lstStyle/>
+          <a:p>
+            <a:pPr algn="ctr"/>
+            <a:endParaRPr lang="en-US"/>
+          </a:p>
+        </p:txBody>
+      </p:sp>
+      <p:sp>
+        <p:nvSpPr>
+          <p:cNvPr id="2" name="Title 1">
+            <a:extLst>
+              <a:ext uri="{FF2B5EF4-FFF2-40B4-BE49-F238E27FC236}">
+                <a16:creationId xmlns:a16="http://schemas.microsoft.com/office/drawing/2014/main" id="{37143FDA-740D-CFEA-9B55-0F4DAC56C2C7}"/>
+              </a:ext>
+            </a:extLst>
+          </p:cNvPr>
+          <p:cNvSpPr>
+            <a:spLocks noGrp="1"/>
+          </p:cNvSpPr>
+          <p:nvPr>
+            <p:ph type="title"/>
+          </p:nvPr>
+        </p:nvSpPr>
+        <p:spPr>
+          <a:xfrm>
+            <a:off x="1259893" y="3101093"/>
+            <a:ext cx="2454052" cy="3029344"/>
+          </a:xfrm>
+        </p:spPr>
+        <p:txBody>
+          <a:bodyPr>
+            <a:normAutofit/>
+          </a:bodyPr>
+          <a:lstStyle/>
+          <a:p>
+            <a:r>
+              <a:rPr lang="en-US" sz="3200">
+                <a:solidFill>
+                  <a:schemeClr val="bg1"/>
+                </a:solidFill>
+              </a:rPr>
+              <a:t>Project group:</a:t>
+            </a:r>
+            <a:endParaRPr lang="en-SE" sz="3200">
+              <a:solidFill>
+                <a:schemeClr val="bg1"/>
+              </a:solidFill>
+            </a:endParaRPr>
+          </a:p>
+        </p:txBody>
+      </p:sp>
+      <p:sp>
+        <p:nvSpPr>
+          <p:cNvPr id="11" name="Freeform 11">
+            <a:extLst>
+              <a:ext uri="{FF2B5EF4-FFF2-40B4-BE49-F238E27FC236}">
+                <a16:creationId xmlns:a16="http://schemas.microsoft.com/office/drawing/2014/main" id="{60F880A6-33D3-4EEC-A780-B73559B9F24C}"/>
+              </a:ext>
+              <a:ext uri="{C183D7F6-B498-43B3-948B-1728B52AA6E4}">
+                <adec:decorative xmlns:adec="http://schemas.microsoft.com/office/drawing/2017/decorative" val="1"/>
+              </a:ext>
+            </a:extLst>
+          </p:cNvPr>
+          <p:cNvSpPr>
+            <a:spLocks noGrp="1" noRot="1" noChangeAspect="1" noMove="1" noResize="1" noEditPoints="1" noAdjustHandles="1" noChangeArrowheads="1" noChangeShapeType="1" noTextEdit="1"/>
+          </p:cNvSpPr>
+          <p:nvPr>
+            <p:extLst>
+              <p:ext uri="{386F3935-93C4-4BCD-93E2-E3B085C9AB24}">
+                <p16:designElem xmlns:p16="http://schemas.microsoft.com/office/powerpoint/2015/main" val="1"/>
+              </p:ext>
+            </p:extLst>
+          </p:nvPr>
+        </p:nvSpPr>
+        <p:spPr bwMode="auto">
+          <a:xfrm flipV="1">
+            <a:off x="-159" y="3179901"/>
+            <a:ext cx="1098194" cy="514066"/>
+          </a:xfrm>
+          <a:custGeom>
+            <a:avLst/>
+            <a:gdLst>
+              <a:gd name="connsiteX0" fmla="*/ 10000 w 10044"/>
+              <a:gd name="connsiteY0" fmla="*/ 4701 h 9966"/>
+              <a:gd name="connsiteX1" fmla="*/ 8559 w 10044"/>
+              <a:gd name="connsiteY1" fmla="*/ 188 h 9966"/>
+              <a:gd name="connsiteX2" fmla="*/ 8527 w 10044"/>
+              <a:gd name="connsiteY2" fmla="*/ 94 h 9966"/>
+              <a:gd name="connsiteX3" fmla="*/ 8438 w 10044"/>
+              <a:gd name="connsiteY3" fmla="*/ 0 h 9966"/>
+              <a:gd name="connsiteX4" fmla="*/ 7867 w 10044"/>
+              <a:gd name="connsiteY4" fmla="*/ 0 h 9966"/>
+              <a:gd name="connsiteX5" fmla="*/ 0 w 10044"/>
+              <a:gd name="connsiteY5" fmla="*/ 70 h 9966"/>
+              <a:gd name="connsiteX6" fmla="*/ 3132 w 10044"/>
+              <a:gd name="connsiteY6" fmla="*/ 9763 h 9966"/>
+              <a:gd name="connsiteX7" fmla="*/ 7867 w 10044"/>
+              <a:gd name="connsiteY7" fmla="*/ 9966 h 9966"/>
+              <a:gd name="connsiteX8" fmla="*/ 8438 w 10044"/>
+              <a:gd name="connsiteY8" fmla="*/ 9966 h 9966"/>
+              <a:gd name="connsiteX9" fmla="*/ 8527 w 10044"/>
+              <a:gd name="connsiteY9" fmla="*/ 9872 h 9966"/>
+              <a:gd name="connsiteX10" fmla="*/ 8559 w 10044"/>
+              <a:gd name="connsiteY10" fmla="*/ 9778 h 9966"/>
+              <a:gd name="connsiteX11" fmla="*/ 10000 w 10044"/>
+              <a:gd name="connsiteY11" fmla="*/ 5265 h 9966"/>
+              <a:gd name="connsiteX12" fmla="*/ 10000 w 10044"/>
+              <a:gd name="connsiteY12" fmla="*/ 4701 h 9966"/>
+              <a:gd name="connsiteX0" fmla="*/ 6839 w 6883"/>
+              <a:gd name="connsiteY0" fmla="*/ 4885 h 10168"/>
+              <a:gd name="connsiteX1" fmla="*/ 5405 w 6883"/>
+              <a:gd name="connsiteY1" fmla="*/ 357 h 10168"/>
+              <a:gd name="connsiteX2" fmla="*/ 5373 w 6883"/>
+              <a:gd name="connsiteY2" fmla="*/ 262 h 10168"/>
+              <a:gd name="connsiteX3" fmla="*/ 5284 w 6883"/>
+              <a:gd name="connsiteY3" fmla="*/ 168 h 10168"/>
+              <a:gd name="connsiteX4" fmla="*/ 4716 w 6883"/>
+              <a:gd name="connsiteY4" fmla="*/ 168 h 10168"/>
+              <a:gd name="connsiteX5" fmla="*/ 50 w 6883"/>
+              <a:gd name="connsiteY5" fmla="*/ 0 h 10168"/>
+              <a:gd name="connsiteX6" fmla="*/ 1 w 6883"/>
+              <a:gd name="connsiteY6" fmla="*/ 9964 h 10168"/>
+              <a:gd name="connsiteX7" fmla="*/ 4716 w 6883"/>
+              <a:gd name="connsiteY7" fmla="*/ 10168 h 10168"/>
+              <a:gd name="connsiteX8" fmla="*/ 5284 w 6883"/>
+              <a:gd name="connsiteY8" fmla="*/ 10168 h 10168"/>
+              <a:gd name="connsiteX9" fmla="*/ 5373 w 6883"/>
+              <a:gd name="connsiteY9" fmla="*/ 10074 h 10168"/>
+              <a:gd name="connsiteX10" fmla="*/ 5405 w 6883"/>
+              <a:gd name="connsiteY10" fmla="*/ 9979 h 10168"/>
+              <a:gd name="connsiteX11" fmla="*/ 6839 w 6883"/>
+              <a:gd name="connsiteY11" fmla="*/ 5451 h 10168"/>
+              <a:gd name="connsiteX12" fmla="*/ 6839 w 6883"/>
+              <a:gd name="connsiteY12" fmla="*/ 4885 h 10168"/>
+            </a:gdLst>
+            <a:ahLst/>
+            <a:cxnLst>
+              <a:cxn ang="0">
+                <a:pos x="connsiteX0" y="connsiteY0"/>
+              </a:cxn>
+              <a:cxn ang="0">
+                <a:pos x="connsiteX1" y="connsiteY1"/>
+              </a:cxn>
+              <a:cxn ang="0">
+                <a:pos x="connsiteX2" y="connsiteY2"/>
+              </a:cxn>
+              <a:cxn ang="0">
+                <a:pos x="connsiteX3" y="connsiteY3"/>
+              </a:cxn>
+              <a:cxn ang="0">
+                <a:pos x="connsiteX4" y="connsiteY4"/>
+              </a:cxn>
+              <a:cxn ang="0">
+                <a:pos x="connsiteX5" y="connsiteY5"/>
+              </a:cxn>
+              <a:cxn ang="0">
+                <a:pos x="connsiteX6" y="connsiteY6"/>
+              </a:cxn>
+              <a:cxn ang="0">
+                <a:pos x="connsiteX7" y="connsiteY7"/>
+              </a:cxn>
+              <a:cxn ang="0">
+                <a:pos x="connsiteX8" y="connsiteY8"/>
+              </a:cxn>
+              <a:cxn ang="0">
+                <a:pos x="connsiteX9" y="connsiteY9"/>
+              </a:cxn>
+              <a:cxn ang="0">
+                <a:pos x="connsiteX10" y="connsiteY10"/>
+              </a:cxn>
+              <a:cxn ang="0">
+                <a:pos x="connsiteX11" y="connsiteY11"/>
+              </a:cxn>
+              <a:cxn ang="0">
+                <a:pos x="connsiteX12" y="connsiteY12"/>
+              </a:cxn>
+            </a:cxnLst>
+            <a:rect l="l" t="t" r="r" b="b"/>
+            <a:pathLst>
+              <a:path w="6883" h="10168">
+                <a:moveTo>
+                  <a:pt x="6839" y="4885"/>
+                </a:moveTo>
+                <a:lnTo>
+                  <a:pt x="5405" y="357"/>
+                </a:lnTo>
+                <a:cubicBezTo>
+                  <a:pt x="5395" y="325"/>
+                  <a:pt x="5383" y="294"/>
+                  <a:pt x="5373" y="262"/>
+                </a:cubicBezTo>
+                <a:cubicBezTo>
+                  <a:pt x="5344" y="168"/>
+                  <a:pt x="5314" y="168"/>
+                  <a:pt x="5284" y="168"/>
+                </a:cubicBezTo>
+                <a:lnTo>
+                  <a:pt x="4716" y="168"/>
+                </a:lnTo>
+                <a:lnTo>
+                  <a:pt x="50" y="0"/>
+                </a:lnTo>
+                <a:cubicBezTo>
+                  <a:pt x="59" y="3322"/>
+                  <a:pt x="-8" y="6643"/>
+                  <a:pt x="1" y="9964"/>
+                </a:cubicBezTo>
+                <a:lnTo>
+                  <a:pt x="4716" y="10168"/>
+                </a:lnTo>
+                <a:lnTo>
+                  <a:pt x="5284" y="10168"/>
+                </a:lnTo>
+                <a:cubicBezTo>
+                  <a:pt x="5314" y="10168"/>
+                  <a:pt x="5344" y="10074"/>
+                  <a:pt x="5373" y="10074"/>
+                </a:cubicBezTo>
+                <a:cubicBezTo>
+                  <a:pt x="5373" y="9979"/>
+                  <a:pt x="5405" y="9979"/>
+                  <a:pt x="5405" y="9979"/>
+                </a:cubicBezTo>
+                <a:lnTo>
+                  <a:pt x="6839" y="5451"/>
+                </a:lnTo>
+                <a:cubicBezTo>
+                  <a:pt x="6898" y="5262"/>
+                  <a:pt x="6898" y="5074"/>
+                  <a:pt x="6839" y="4885"/>
+                </a:cubicBezTo>
+                <a:close/>
+              </a:path>
+            </a:pathLst>
+          </a:custGeom>
+          <a:solidFill>
+            <a:schemeClr val="accent1"/>
+          </a:solidFill>
+          <a:ln>
+            <a:noFill/>
+          </a:ln>
+        </p:spPr>
+      </p:sp>
+      <p:sp useBgFill="1">
+        <p:nvSpPr>
+          <p:cNvPr id="13" name="Rectangle 12">
+            <a:extLst>
+              <a:ext uri="{FF2B5EF4-FFF2-40B4-BE49-F238E27FC236}">
+                <a16:creationId xmlns:a16="http://schemas.microsoft.com/office/drawing/2014/main" id="{2C6246ED-0535-4496-A8F6-1E80CC4EB853}"/>
+              </a:ext>
+              <a:ext uri="{C183D7F6-B498-43B3-948B-1728B52AA6E4}">
+                <adec:decorative xmlns:adec="http://schemas.microsoft.com/office/drawing/2017/decorative" val="1"/>
+              </a:ext>
+            </a:extLst>
+          </p:cNvPr>
+          <p:cNvSpPr>
+            <a:spLocks noGrp="1" noRot="1" noChangeAspect="1" noMove="1" noResize="1" noEditPoints="1" noAdjustHandles="1" noChangeArrowheads="1" noChangeShapeType="1" noTextEdit="1"/>
+          </p:cNvSpPr>
+          <p:nvPr>
+            <p:extLst>
+              <p:ext uri="{386F3935-93C4-4BCD-93E2-E3B085C9AB24}">
+                <p16:designElem xmlns:p16="http://schemas.microsoft.com/office/powerpoint/2015/main" val="1"/>
+              </p:ext>
+            </p:extLst>
+          </p:nvPr>
+        </p:nvSpPr>
+        <p:spPr>
+          <a:xfrm>
+            <a:off x="4795736" y="0"/>
+            <a:ext cx="7396264" cy="6858000"/>
+          </a:xfrm>
+          <a:prstGeom prst="rect">
+            <a:avLst/>
+          </a:prstGeom>
+          <a:ln>
+            <a:noFill/>
+          </a:ln>
+        </p:spPr>
+        <p:style>
+          <a:lnRef idx="2">
+            <a:schemeClr val="accent1">
+              <a:shade val="50000"/>
+            </a:schemeClr>
+          </a:lnRef>
+          <a:fillRef idx="1">
+            <a:schemeClr val="accent1"/>
+          </a:fillRef>
+          <a:effectRef idx="0">
+            <a:schemeClr val="accent1"/>
+          </a:effectRef>
+          <a:fontRef idx="minor">
+            <a:schemeClr val="lt1"/>
+          </a:fontRef>
+        </p:style>
+        <p:txBody>
+          <a:bodyPr rtlCol="0" anchor="ctr"/>
+          <a:lstStyle/>
+          <a:p>
+            <a:pPr algn="ctr"/>
+            <a:endParaRPr lang="en-US"/>
+          </a:p>
+        </p:txBody>
+      </p:sp>
+      <p:graphicFrame>
+        <p:nvGraphicFramePr>
+          <p:cNvPr id="5" name="Content Placeholder 2">
+            <a:extLst>
+              <a:ext uri="{FF2B5EF4-FFF2-40B4-BE49-F238E27FC236}">
+                <a16:creationId xmlns:a16="http://schemas.microsoft.com/office/drawing/2014/main" id="{56B10DBF-D1D6-C2CF-B6E0-C132D298ADBE}"/>
+              </a:ext>
+            </a:extLst>
+          </p:cNvPr>
+          <p:cNvGraphicFramePr>
+            <a:graphicFrameLocks noGrp="1"/>
+          </p:cNvGraphicFramePr>
+          <p:nvPr>
+            <p:ph idx="1"/>
+            <p:extLst>
+              <p:ext uri="{D42A27DB-BD31-4B8C-83A1-F6EECF244321}">
+                <p14:modId xmlns:p14="http://schemas.microsoft.com/office/powerpoint/2010/main" val="2207740379"/>
+              </p:ext>
+            </p:extLst>
+          </p:nvPr>
+        </p:nvGraphicFramePr>
+        <p:xfrm>
+          <a:off x="4713144" y="641551"/>
+          <a:ext cx="6832212" cy="5264779"/>
+        </p:xfrm>
+        <a:graphic>
+          <a:graphicData uri="http://schemas.openxmlformats.org/drawingml/2006/diagram">
+            <dgm:relIds xmlns:dgm="http://schemas.openxmlformats.org/drawingml/2006/diagram" xmlns:r="http://schemas.openxmlformats.org/officeDocument/2006/relationships" r:dm="rId2" r:lo="rId3" r:qs="rId4" r:cs="rId5"/>
+          </a:graphicData>
+        </a:graphic>
+      </p:graphicFrame>
+    </p:spTree>
+    <p:extLst>
+      <p:ext uri="{BB962C8B-B14F-4D97-AF65-F5344CB8AC3E}">
+        <p14:creationId xmlns:p14="http://schemas.microsoft.com/office/powerpoint/2010/main" val="818013907"/>
+      </p:ext>
+    </p:extLst>
+  </p:cSld>
+  <p:clrMapOvr>
+    <a:masterClrMapping/>
+  </p:clrMapOvr>
+</p:sld>
+</file>
+
+<file path=ppt/slides/slide3.xml><?xml version="1.0" encoding="utf-8"?>
+<p:sld xmlns:a="http://schemas.openxmlformats.org/drawingml/2006/main" xmlns:r="http://schemas.openxmlformats.org/officeDocument/2006/relationships" xmlns:p="http://schemas.openxmlformats.org/presentationml/2006/main">
+  <p:cSld>
+    <p:bg>
+      <p:bgPr>
+        <a:gradFill rotWithShape="1">
+          <a:gsLst>
+            <a:gs pos="0">
+              <a:schemeClr val="bg2">
+                <a:tint val="90000"/>
+                <a:satMod val="92000"/>
+                <a:lumMod val="120000"/>
+              </a:schemeClr>
+            </a:gs>
+            <a:gs pos="100000">
+              <a:schemeClr val="bg2">
+                <a:shade val="98000"/>
+                <a:satMod val="120000"/>
+                <a:lumMod val="98000"/>
+              </a:schemeClr>
+            </a:gs>
+          </a:gsLst>
+          <a:path path="circle">
+            <a:fillToRect l="50000" t="50000" r="100000" b="100000"/>
+          </a:path>
+        </a:gradFill>
+        <a:effectLst/>
+      </p:bgPr>
+    </p:bg>
+    <p:spTree>
+      <p:nvGrpSpPr>
+        <p:cNvPr id="1" name=""/>
+        <p:cNvGrpSpPr/>
+        <p:nvPr/>
+      </p:nvGrpSpPr>
+      <p:grpSpPr>
+        <a:xfrm>
+          <a:off x="0" y="0"/>
+          <a:ext cx="0" cy="0"/>
+          <a:chOff x="0" y="0"/>
+          <a:chExt cx="0" cy="0"/>
+        </a:xfrm>
+      </p:grpSpPr>
+      <p:sp>
+        <p:nvSpPr>
           <p:cNvPr id="15" name="Rectangle 8">
             <a:extLst>
               <a:ext uri="{FF2B5EF4-FFF2-40B4-BE49-F238E27FC236}">
@@ -34136,14 +34572,14 @@
           <a:lstStyle/>
           <a:p>
             <a:r>
-              <a:rPr lang="en-US" sz="3200">
+              <a:rPr lang="en-US" sz="3200" dirty="0">
                 <a:solidFill>
                   <a:schemeClr val="bg1"/>
                 </a:solidFill>
               </a:rPr>
-              <a:t>Project idea</a:t>
+              <a:t>Project</a:t>
             </a:r>
-            <a:endParaRPr lang="en-SE" sz="3200">
+            <a:endParaRPr lang="en-SE" sz="3200" dirty="0">
               <a:solidFill>
                 <a:schemeClr val="bg1"/>
               </a:solidFill>
@@ -34419,7 +34855,7 @@
             <p:ph idx="1"/>
             <p:extLst>
               <p:ext uri="{D42A27DB-BD31-4B8C-83A1-F6EECF244321}">
-                <p14:modId xmlns:p14="http://schemas.microsoft.com/office/powerpoint/2010/main" val="286245560"/>
+                <p14:modId xmlns:p14="http://schemas.microsoft.com/office/powerpoint/2010/main" val="906811651"/>
               </p:ext>
             </p:extLst>
           </p:nvPr>
@@ -34447,7 +34883,7 @@
 </p:sld>
 </file>
 
-<file path=ppt/slides/slide3.xml><?xml version="1.0" encoding="utf-8"?>
+<file path=ppt/slides/slide4.xml><?xml version="1.0" encoding="utf-8"?>
 <p:sld xmlns:a="http://schemas.openxmlformats.org/drawingml/2006/main" xmlns:r="http://schemas.openxmlformats.org/officeDocument/2006/relationships" xmlns:p="http://schemas.openxmlformats.org/presentationml/2006/main">
   <p:cSld>
     <p:bg>
@@ -34490,2186 +34926,12 @@
           <a:chExt cx="0" cy="0"/>
         </a:xfrm>
       </p:grpSpPr>
-      <p:grpSp>
-        <p:nvGrpSpPr>
-          <p:cNvPr id="10" name="Group 9">
+      <p:sp>
+        <p:nvSpPr>
+          <p:cNvPr id="23" name="Rectangle 22">
             <a:extLst>
               <a:ext uri="{FF2B5EF4-FFF2-40B4-BE49-F238E27FC236}">
-                <a16:creationId xmlns:a16="http://schemas.microsoft.com/office/drawing/2014/main" id="{166BF9EE-F7AC-4FA5-AC7E-001B3A642F75}"/>
-              </a:ext>
-              <a:ext uri="{C183D7F6-B498-43B3-948B-1728B52AA6E4}">
-                <adec:decorative xmlns:adec="http://schemas.microsoft.com/office/drawing/2017/decorative" val="1"/>
-              </a:ext>
-            </a:extLst>
-          </p:cNvPr>
-          <p:cNvGrpSpPr>
-            <a:grpSpLocks noGrp="1" noUngrp="1" noRot="1" noChangeAspect="1" noMove="1" noResize="1"/>
-          </p:cNvGrpSpPr>
-          <p:nvPr>
-            <p:extLst>
-              <p:ext uri="{386F3935-93C4-4BCD-93E2-E3B085C9AB24}">
-                <p16:designElem xmlns:p16="http://schemas.microsoft.com/office/powerpoint/2015/main" val="1"/>
-              </p:ext>
-            </p:extLst>
-          </p:nvPr>
-        </p:nvGrpSpPr>
-        <p:grpSpPr>
-          <a:xfrm>
-            <a:off x="9" y="228600"/>
-            <a:ext cx="2851523" cy="6638625"/>
-            <a:chOff x="2487613" y="285750"/>
-            <a:chExt cx="2428875" cy="5654676"/>
-          </a:xfrm>
-        </p:grpSpPr>
-        <p:sp>
-          <p:nvSpPr>
-            <p:cNvPr id="11" name="Freeform 11">
-              <a:extLst>
-                <a:ext uri="{FF2B5EF4-FFF2-40B4-BE49-F238E27FC236}">
-                  <a16:creationId xmlns:a16="http://schemas.microsoft.com/office/drawing/2014/main" id="{3B48D182-44E3-4D8B-ACEF-F1A900BE4430}"/>
-                </a:ext>
-                <a:ext uri="{C183D7F6-B498-43B3-948B-1728B52AA6E4}">
-                  <adec:decorative xmlns:adec="http://schemas.microsoft.com/office/drawing/2017/decorative" val="1"/>
-                </a:ext>
-              </a:extLst>
-            </p:cNvPr>
-            <p:cNvSpPr/>
-            <p:nvPr>
-              <p:extLst>
-                <p:ext uri="{386F3935-93C4-4BCD-93E2-E3B085C9AB24}">
-                  <p16:designElem xmlns:p16="http://schemas.microsoft.com/office/powerpoint/2015/main" val="1"/>
-                </p:ext>
-              </p:extLst>
-            </p:nvPr>
-          </p:nvSpPr>
-          <p:spPr bwMode="auto">
-            <a:xfrm>
-              <a:off x="2487613" y="2284413"/>
-              <a:ext cx="85725" cy="533400"/>
-            </a:xfrm>
-            <a:custGeom>
-              <a:avLst/>
-              <a:gdLst/>
-              <a:ahLst/>
-              <a:cxnLst/>
-              <a:rect l="0" t="0" r="r" b="b"/>
-              <a:pathLst>
-                <a:path w="22" h="136">
-                  <a:moveTo>
-                    <a:pt x="22" y="136"/>
-                  </a:moveTo>
-                  <a:cubicBezTo>
-                    <a:pt x="20" y="117"/>
-                    <a:pt x="19" y="99"/>
-                    <a:pt x="17" y="80"/>
-                  </a:cubicBezTo>
-                  <a:cubicBezTo>
-                    <a:pt x="11" y="54"/>
-                    <a:pt x="6" y="27"/>
-                    <a:pt x="0" y="0"/>
-                  </a:cubicBezTo>
-                  <a:cubicBezTo>
-                    <a:pt x="0" y="35"/>
-                    <a:pt x="0" y="35"/>
-                    <a:pt x="0" y="35"/>
-                  </a:cubicBezTo>
-                  <a:cubicBezTo>
-                    <a:pt x="6" y="64"/>
-                    <a:pt x="13" y="94"/>
-                    <a:pt x="20" y="124"/>
-                  </a:cubicBezTo>
-                  <a:cubicBezTo>
-                    <a:pt x="20" y="128"/>
-                    <a:pt x="21" y="132"/>
-                    <a:pt x="22" y="136"/>
-                  </a:cubicBezTo>
-                  <a:close/>
-                </a:path>
-              </a:pathLst>
-            </a:custGeom>
-            <a:solidFill>
-              <a:schemeClr val="tx2">
-                <a:alpha val="20000"/>
-              </a:schemeClr>
-            </a:solidFill>
-            <a:ln>
-              <a:noFill/>
-            </a:ln>
-          </p:spPr>
-        </p:sp>
-        <p:sp>
-          <p:nvSpPr>
-            <p:cNvPr id="12" name="Freeform 12">
-              <a:extLst>
-                <a:ext uri="{FF2B5EF4-FFF2-40B4-BE49-F238E27FC236}">
-                  <a16:creationId xmlns:a16="http://schemas.microsoft.com/office/drawing/2014/main" id="{355A535A-A489-477F-A314-593AA8CAFB21}"/>
-                </a:ext>
-                <a:ext uri="{C183D7F6-B498-43B3-948B-1728B52AA6E4}">
-                  <adec:decorative xmlns:adec="http://schemas.microsoft.com/office/drawing/2017/decorative" val="1"/>
-                </a:ext>
-              </a:extLst>
-            </p:cNvPr>
-            <p:cNvSpPr/>
-            <p:nvPr>
-              <p:extLst>
-                <p:ext uri="{386F3935-93C4-4BCD-93E2-E3B085C9AB24}">
-                  <p16:designElem xmlns:p16="http://schemas.microsoft.com/office/powerpoint/2015/main" val="1"/>
-                </p:ext>
-              </p:extLst>
-            </p:nvPr>
-          </p:nvSpPr>
-          <p:spPr bwMode="auto">
-            <a:xfrm>
-              <a:off x="2597151" y="2779713"/>
-              <a:ext cx="550863" cy="1978025"/>
-            </a:xfrm>
-            <a:custGeom>
-              <a:avLst/>
-              <a:gdLst/>
-              <a:ahLst/>
-              <a:cxnLst/>
-              <a:rect l="0" t="0" r="r" b="b"/>
-              <a:pathLst>
-                <a:path w="140" h="504">
-                  <a:moveTo>
-                    <a:pt x="86" y="350"/>
-                  </a:moveTo>
-                  <a:cubicBezTo>
-                    <a:pt x="103" y="402"/>
-                    <a:pt x="120" y="453"/>
-                    <a:pt x="139" y="504"/>
-                  </a:cubicBezTo>
-                  <a:cubicBezTo>
-                    <a:pt x="139" y="495"/>
-                    <a:pt x="139" y="487"/>
-                    <a:pt x="140" y="478"/>
-                  </a:cubicBezTo>
-                  <a:cubicBezTo>
-                    <a:pt x="124" y="435"/>
-                    <a:pt x="109" y="391"/>
-                    <a:pt x="95" y="347"/>
-                  </a:cubicBezTo>
-                  <a:cubicBezTo>
-                    <a:pt x="58" y="233"/>
-                    <a:pt x="27" y="117"/>
-                    <a:pt x="0" y="0"/>
-                  </a:cubicBezTo>
-                  <a:cubicBezTo>
-                    <a:pt x="2" y="20"/>
-                    <a:pt x="4" y="41"/>
-                    <a:pt x="6" y="61"/>
-                  </a:cubicBezTo>
-                  <a:cubicBezTo>
-                    <a:pt x="30" y="158"/>
-                    <a:pt x="56" y="255"/>
-                    <a:pt x="86" y="350"/>
-                  </a:cubicBezTo>
-                  <a:close/>
-                </a:path>
-              </a:pathLst>
-            </a:custGeom>
-            <a:solidFill>
-              <a:schemeClr val="tx2">
-                <a:alpha val="20000"/>
-              </a:schemeClr>
-            </a:solidFill>
-            <a:ln>
-              <a:noFill/>
-            </a:ln>
-          </p:spPr>
-        </p:sp>
-        <p:sp>
-          <p:nvSpPr>
-            <p:cNvPr id="13" name="Freeform 13">
-              <a:extLst>
-                <a:ext uri="{FF2B5EF4-FFF2-40B4-BE49-F238E27FC236}">
-                  <a16:creationId xmlns:a16="http://schemas.microsoft.com/office/drawing/2014/main" id="{954C2D4C-FD83-4EF4-9312-04442ABD66BF}"/>
-                </a:ext>
-                <a:ext uri="{C183D7F6-B498-43B3-948B-1728B52AA6E4}">
-                  <adec:decorative xmlns:adec="http://schemas.microsoft.com/office/drawing/2017/decorative" val="1"/>
-                </a:ext>
-              </a:extLst>
-            </p:cNvPr>
-            <p:cNvSpPr/>
-            <p:nvPr>
-              <p:extLst>
-                <p:ext uri="{386F3935-93C4-4BCD-93E2-E3B085C9AB24}">
-                  <p16:designElem xmlns:p16="http://schemas.microsoft.com/office/powerpoint/2015/main" val="1"/>
-                </p:ext>
-              </p:extLst>
-            </p:nvPr>
-          </p:nvSpPr>
-          <p:spPr bwMode="auto">
-            <a:xfrm>
-              <a:off x="3175001" y="4730750"/>
-              <a:ext cx="519113" cy="1209675"/>
-            </a:xfrm>
-            <a:custGeom>
-              <a:avLst/>
-              <a:gdLst/>
-              <a:ahLst/>
-              <a:cxnLst/>
-              <a:rect l="0" t="0" r="r" b="b"/>
-              <a:pathLst>
-                <a:path w="132" h="308">
-                  <a:moveTo>
-                    <a:pt x="8" y="22"/>
-                  </a:moveTo>
-                  <a:cubicBezTo>
-                    <a:pt x="5" y="15"/>
-                    <a:pt x="2" y="8"/>
-                    <a:pt x="0" y="0"/>
-                  </a:cubicBezTo>
-                  <a:cubicBezTo>
-                    <a:pt x="0" y="10"/>
-                    <a:pt x="0" y="19"/>
-                    <a:pt x="0" y="29"/>
-                  </a:cubicBezTo>
-                  <a:cubicBezTo>
-                    <a:pt x="21" y="85"/>
-                    <a:pt x="44" y="140"/>
-                    <a:pt x="68" y="194"/>
-                  </a:cubicBezTo>
-                  <a:cubicBezTo>
-                    <a:pt x="85" y="232"/>
-                    <a:pt x="104" y="270"/>
-                    <a:pt x="123" y="308"/>
-                  </a:cubicBezTo>
-                  <a:cubicBezTo>
-                    <a:pt x="132" y="308"/>
-                    <a:pt x="132" y="308"/>
-                    <a:pt x="132" y="308"/>
-                  </a:cubicBezTo>
-                  <a:cubicBezTo>
-                    <a:pt x="113" y="269"/>
-                    <a:pt x="94" y="230"/>
-                    <a:pt x="77" y="190"/>
-                  </a:cubicBezTo>
-                  <a:cubicBezTo>
-                    <a:pt x="52" y="135"/>
-                    <a:pt x="29" y="79"/>
-                    <a:pt x="8" y="22"/>
-                  </a:cubicBezTo>
-                  <a:close/>
-                </a:path>
-              </a:pathLst>
-            </a:custGeom>
-            <a:solidFill>
-              <a:schemeClr val="tx2">
-                <a:alpha val="20000"/>
-              </a:schemeClr>
-            </a:solidFill>
-            <a:ln>
-              <a:noFill/>
-            </a:ln>
-          </p:spPr>
-        </p:sp>
-        <p:sp>
-          <p:nvSpPr>
-            <p:cNvPr id="14" name="Freeform 14">
-              <a:extLst>
-                <a:ext uri="{FF2B5EF4-FFF2-40B4-BE49-F238E27FC236}">
-                  <a16:creationId xmlns:a16="http://schemas.microsoft.com/office/drawing/2014/main" id="{C20701C2-CD9A-4698-BC97-E1085820C2C9}"/>
-                </a:ext>
-                <a:ext uri="{C183D7F6-B498-43B3-948B-1728B52AA6E4}">
-                  <adec:decorative xmlns:adec="http://schemas.microsoft.com/office/drawing/2017/decorative" val="1"/>
-                </a:ext>
-              </a:extLst>
-            </p:cNvPr>
-            <p:cNvSpPr/>
-            <p:nvPr>
-              <p:extLst>
-                <p:ext uri="{386F3935-93C4-4BCD-93E2-E3B085C9AB24}">
-                  <p16:designElem xmlns:p16="http://schemas.microsoft.com/office/powerpoint/2015/main" val="1"/>
-                </p:ext>
-              </p:extLst>
-            </p:nvPr>
-          </p:nvSpPr>
-          <p:spPr bwMode="auto">
-            <a:xfrm>
-              <a:off x="3305176" y="5630863"/>
-              <a:ext cx="146050" cy="309563"/>
-            </a:xfrm>
-            <a:custGeom>
-              <a:avLst/>
-              <a:gdLst/>
-              <a:ahLst/>
-              <a:cxnLst/>
-              <a:rect l="0" t="0" r="r" b="b"/>
-              <a:pathLst>
-                <a:path w="37" h="79">
-                  <a:moveTo>
-                    <a:pt x="28" y="79"/>
-                  </a:moveTo>
-                  <a:cubicBezTo>
-                    <a:pt x="37" y="79"/>
-                    <a:pt x="37" y="79"/>
-                    <a:pt x="37" y="79"/>
-                  </a:cubicBezTo>
-                  <a:cubicBezTo>
-                    <a:pt x="24" y="53"/>
-                    <a:pt x="12" y="27"/>
-                    <a:pt x="0" y="0"/>
-                  </a:cubicBezTo>
-                  <a:cubicBezTo>
-                    <a:pt x="8" y="27"/>
-                    <a:pt x="17" y="53"/>
-                    <a:pt x="28" y="79"/>
-                  </a:cubicBezTo>
-                  <a:close/>
-                </a:path>
-              </a:pathLst>
-            </a:custGeom>
-            <a:solidFill>
-              <a:schemeClr val="tx2">
-                <a:alpha val="20000"/>
-              </a:schemeClr>
-            </a:solidFill>
-            <a:ln>
-              <a:noFill/>
-            </a:ln>
-          </p:spPr>
-        </p:sp>
-        <p:sp>
-          <p:nvSpPr>
-            <p:cNvPr id="15" name="Freeform 15">
-              <a:extLst>
-                <a:ext uri="{FF2B5EF4-FFF2-40B4-BE49-F238E27FC236}">
-                  <a16:creationId xmlns:a16="http://schemas.microsoft.com/office/drawing/2014/main" id="{62575C35-466F-42AE-87A1-D691849AB8CF}"/>
-                </a:ext>
-                <a:ext uri="{C183D7F6-B498-43B3-948B-1728B52AA6E4}">
-                  <adec:decorative xmlns:adec="http://schemas.microsoft.com/office/drawing/2017/decorative" val="1"/>
-                </a:ext>
-              </a:extLst>
-            </p:cNvPr>
-            <p:cNvSpPr/>
-            <p:nvPr>
-              <p:extLst>
-                <p:ext uri="{386F3935-93C4-4BCD-93E2-E3B085C9AB24}">
-                  <p16:designElem xmlns:p16="http://schemas.microsoft.com/office/powerpoint/2015/main" val="1"/>
-                </p:ext>
-              </p:extLst>
-            </p:nvPr>
-          </p:nvSpPr>
-          <p:spPr bwMode="auto">
-            <a:xfrm>
-              <a:off x="2573338" y="2817813"/>
-              <a:ext cx="700088" cy="2835275"/>
-            </a:xfrm>
-            <a:custGeom>
-              <a:avLst/>
-              <a:gdLst/>
-              <a:ahLst/>
-              <a:cxnLst/>
-              <a:rect l="0" t="0" r="r" b="b"/>
-              <a:pathLst>
-                <a:path w="178" h="722">
-                  <a:moveTo>
-                    <a:pt x="162" y="660"/>
-                  </a:moveTo>
-                  <a:cubicBezTo>
-                    <a:pt x="145" y="618"/>
-                    <a:pt x="130" y="576"/>
-                    <a:pt x="116" y="534"/>
-                  </a:cubicBezTo>
-                  <a:cubicBezTo>
-                    <a:pt x="84" y="437"/>
-                    <a:pt x="59" y="337"/>
-                    <a:pt x="40" y="236"/>
-                  </a:cubicBezTo>
-                  <a:cubicBezTo>
-                    <a:pt x="29" y="175"/>
-                    <a:pt x="20" y="113"/>
-                    <a:pt x="12" y="51"/>
-                  </a:cubicBezTo>
-                  <a:cubicBezTo>
-                    <a:pt x="8" y="34"/>
-                    <a:pt x="4" y="17"/>
-                    <a:pt x="0" y="0"/>
-                  </a:cubicBezTo>
-                  <a:cubicBezTo>
-                    <a:pt x="8" y="79"/>
-                    <a:pt x="19" y="159"/>
-                    <a:pt x="33" y="237"/>
-                  </a:cubicBezTo>
-                  <a:cubicBezTo>
-                    <a:pt x="51" y="339"/>
-                    <a:pt x="76" y="439"/>
-                    <a:pt x="107" y="537"/>
-                  </a:cubicBezTo>
-                  <a:cubicBezTo>
-                    <a:pt x="123" y="586"/>
-                    <a:pt x="141" y="634"/>
-                    <a:pt x="160" y="681"/>
-                  </a:cubicBezTo>
-                  <a:cubicBezTo>
-                    <a:pt x="166" y="695"/>
-                    <a:pt x="172" y="708"/>
-                    <a:pt x="178" y="722"/>
-                  </a:cubicBezTo>
-                  <a:cubicBezTo>
-                    <a:pt x="176" y="717"/>
-                    <a:pt x="175" y="713"/>
-                    <a:pt x="174" y="708"/>
-                  </a:cubicBezTo>
-                  <a:cubicBezTo>
-                    <a:pt x="169" y="692"/>
-                    <a:pt x="165" y="676"/>
-                    <a:pt x="162" y="660"/>
-                  </a:cubicBezTo>
-                  <a:close/>
-                </a:path>
-              </a:pathLst>
-            </a:custGeom>
-            <a:solidFill>
-              <a:schemeClr val="tx2">
-                <a:alpha val="20000"/>
-              </a:schemeClr>
-            </a:solidFill>
-            <a:ln>
-              <a:noFill/>
-            </a:ln>
-          </p:spPr>
-        </p:sp>
-        <p:sp>
-          <p:nvSpPr>
-            <p:cNvPr id="16" name="Freeform 16">
-              <a:extLst>
-                <a:ext uri="{FF2B5EF4-FFF2-40B4-BE49-F238E27FC236}">
-                  <a16:creationId xmlns:a16="http://schemas.microsoft.com/office/drawing/2014/main" id="{58236F37-6119-45AC-80A0-CD2C311B5051}"/>
-                </a:ext>
-                <a:ext uri="{C183D7F6-B498-43B3-948B-1728B52AA6E4}">
-                  <adec:decorative xmlns:adec="http://schemas.microsoft.com/office/drawing/2017/decorative" val="1"/>
-                </a:ext>
-              </a:extLst>
-            </p:cNvPr>
-            <p:cNvSpPr/>
-            <p:nvPr>
-              <p:extLst>
-                <p:ext uri="{386F3935-93C4-4BCD-93E2-E3B085C9AB24}">
-                  <p16:designElem xmlns:p16="http://schemas.microsoft.com/office/powerpoint/2015/main" val="1"/>
-                </p:ext>
-              </p:extLst>
-            </p:nvPr>
-          </p:nvSpPr>
-          <p:spPr bwMode="auto">
-            <a:xfrm>
-              <a:off x="2506663" y="285750"/>
-              <a:ext cx="90488" cy="2493963"/>
-            </a:xfrm>
-            <a:custGeom>
-              <a:avLst/>
-              <a:gdLst/>
-              <a:ahLst/>
-              <a:cxnLst/>
-              <a:rect l="0" t="0" r="r" b="b"/>
-              <a:pathLst>
-                <a:path w="23" h="635">
-                  <a:moveTo>
-                    <a:pt x="11" y="577"/>
-                  </a:moveTo>
-                  <a:cubicBezTo>
-                    <a:pt x="12" y="581"/>
-                    <a:pt x="12" y="585"/>
-                    <a:pt x="12" y="589"/>
-                  </a:cubicBezTo>
-                  <a:cubicBezTo>
-                    <a:pt x="15" y="603"/>
-                    <a:pt x="19" y="617"/>
-                    <a:pt x="22" y="632"/>
-                  </a:cubicBezTo>
-                  <a:cubicBezTo>
-                    <a:pt x="22" y="633"/>
-                    <a:pt x="22" y="634"/>
-                    <a:pt x="23" y="635"/>
-                  </a:cubicBezTo>
-                  <a:cubicBezTo>
-                    <a:pt x="21" y="615"/>
-                    <a:pt x="19" y="596"/>
-                    <a:pt x="17" y="576"/>
-                  </a:cubicBezTo>
-                  <a:cubicBezTo>
-                    <a:pt x="9" y="474"/>
-                    <a:pt x="5" y="372"/>
-                    <a:pt x="5" y="269"/>
-                  </a:cubicBezTo>
-                  <a:cubicBezTo>
-                    <a:pt x="6" y="179"/>
-                    <a:pt x="9" y="90"/>
-                    <a:pt x="15" y="0"/>
-                  </a:cubicBezTo>
-                  <a:cubicBezTo>
-                    <a:pt x="12" y="0"/>
-                    <a:pt x="12" y="0"/>
-                    <a:pt x="12" y="0"/>
-                  </a:cubicBezTo>
-                  <a:cubicBezTo>
-                    <a:pt x="5" y="89"/>
-                    <a:pt x="2" y="179"/>
-                    <a:pt x="1" y="269"/>
-                  </a:cubicBezTo>
-                  <a:cubicBezTo>
-                    <a:pt x="0" y="372"/>
-                    <a:pt x="3" y="474"/>
-                    <a:pt x="11" y="577"/>
-                  </a:cubicBezTo>
-                  <a:close/>
-                </a:path>
-              </a:pathLst>
-            </a:custGeom>
-            <a:solidFill>
-              <a:schemeClr val="tx2">
-                <a:alpha val="20000"/>
-              </a:schemeClr>
-            </a:solidFill>
-            <a:ln>
-              <a:noFill/>
-            </a:ln>
-          </p:spPr>
-        </p:sp>
-        <p:sp>
-          <p:nvSpPr>
-            <p:cNvPr id="17" name="Freeform 17">
-              <a:extLst>
-                <a:ext uri="{FF2B5EF4-FFF2-40B4-BE49-F238E27FC236}">
-                  <a16:creationId xmlns:a16="http://schemas.microsoft.com/office/drawing/2014/main" id="{F3FDD799-39FE-4D6F-9A64-2F472B215078}"/>
-                </a:ext>
-                <a:ext uri="{C183D7F6-B498-43B3-948B-1728B52AA6E4}">
-                  <adec:decorative xmlns:adec="http://schemas.microsoft.com/office/drawing/2017/decorative" val="1"/>
-                </a:ext>
-              </a:extLst>
-            </p:cNvPr>
-            <p:cNvSpPr/>
-            <p:nvPr>
-              <p:extLst>
-                <p:ext uri="{386F3935-93C4-4BCD-93E2-E3B085C9AB24}">
-                  <p16:designElem xmlns:p16="http://schemas.microsoft.com/office/powerpoint/2015/main" val="1"/>
-                </p:ext>
-              </p:extLst>
-            </p:nvPr>
-          </p:nvSpPr>
-          <p:spPr bwMode="auto">
-            <a:xfrm>
-              <a:off x="2554288" y="2598738"/>
-              <a:ext cx="66675" cy="420688"/>
-            </a:xfrm>
-            <a:custGeom>
-              <a:avLst/>
-              <a:gdLst/>
-              <a:ahLst/>
-              <a:cxnLst/>
-              <a:rect l="0" t="0" r="r" b="b"/>
-              <a:pathLst>
-                <a:path w="17" h="107">
-                  <a:moveTo>
-                    <a:pt x="0" y="0"/>
-                  </a:moveTo>
-                  <a:cubicBezTo>
-                    <a:pt x="2" y="19"/>
-                    <a:pt x="3" y="37"/>
-                    <a:pt x="5" y="56"/>
-                  </a:cubicBezTo>
-                  <a:cubicBezTo>
-                    <a:pt x="9" y="73"/>
-                    <a:pt x="13" y="90"/>
-                    <a:pt x="17" y="107"/>
-                  </a:cubicBezTo>
-                  <a:cubicBezTo>
-                    <a:pt x="15" y="87"/>
-                    <a:pt x="13" y="66"/>
-                    <a:pt x="11" y="46"/>
-                  </a:cubicBezTo>
-                  <a:cubicBezTo>
-                    <a:pt x="10" y="45"/>
-                    <a:pt x="10" y="44"/>
-                    <a:pt x="10" y="43"/>
-                  </a:cubicBezTo>
-                  <a:cubicBezTo>
-                    <a:pt x="7" y="28"/>
-                    <a:pt x="3" y="14"/>
-                    <a:pt x="0" y="0"/>
-                  </a:cubicBezTo>
-                  <a:close/>
-                </a:path>
-              </a:pathLst>
-            </a:custGeom>
-            <a:solidFill>
-              <a:schemeClr val="tx2">
-                <a:alpha val="20000"/>
-              </a:schemeClr>
-            </a:solidFill>
-            <a:ln>
-              <a:noFill/>
-            </a:ln>
-          </p:spPr>
-        </p:sp>
-        <p:sp>
-          <p:nvSpPr>
-            <p:cNvPr id="18" name="Freeform 18">
-              <a:extLst>
-                <a:ext uri="{FF2B5EF4-FFF2-40B4-BE49-F238E27FC236}">
-                  <a16:creationId xmlns:a16="http://schemas.microsoft.com/office/drawing/2014/main" id="{9820D241-1D49-442C-A95A-00BC1BF9E295}"/>
-                </a:ext>
-                <a:ext uri="{C183D7F6-B498-43B3-948B-1728B52AA6E4}">
-                  <adec:decorative xmlns:adec="http://schemas.microsoft.com/office/drawing/2017/decorative" val="1"/>
-                </a:ext>
-              </a:extLst>
-            </p:cNvPr>
-            <p:cNvSpPr/>
-            <p:nvPr>
-              <p:extLst>
-                <p:ext uri="{386F3935-93C4-4BCD-93E2-E3B085C9AB24}">
-                  <p16:designElem xmlns:p16="http://schemas.microsoft.com/office/powerpoint/2015/main" val="1"/>
-                </p:ext>
-              </p:extLst>
-            </p:nvPr>
-          </p:nvSpPr>
-          <p:spPr bwMode="auto">
-            <a:xfrm>
-              <a:off x="3143251" y="4757738"/>
-              <a:ext cx="161925" cy="873125"/>
-            </a:xfrm>
-            <a:custGeom>
-              <a:avLst/>
-              <a:gdLst/>
-              <a:ahLst/>
-              <a:cxnLst/>
-              <a:rect l="0" t="0" r="r" b="b"/>
-              <a:pathLst>
-                <a:path w="41" h="222">
-                  <a:moveTo>
-                    <a:pt x="0" y="0"/>
-                  </a:moveTo>
-                  <a:cubicBezTo>
-                    <a:pt x="0" y="31"/>
-                    <a:pt x="2" y="62"/>
-                    <a:pt x="5" y="93"/>
-                  </a:cubicBezTo>
-                  <a:cubicBezTo>
-                    <a:pt x="8" y="117"/>
-                    <a:pt x="12" y="142"/>
-                    <a:pt x="17" y="166"/>
-                  </a:cubicBezTo>
-                  <a:cubicBezTo>
-                    <a:pt x="19" y="172"/>
-                    <a:pt x="22" y="178"/>
-                    <a:pt x="24" y="184"/>
-                  </a:cubicBezTo>
-                  <a:cubicBezTo>
-                    <a:pt x="30" y="197"/>
-                    <a:pt x="35" y="209"/>
-                    <a:pt x="41" y="222"/>
-                  </a:cubicBezTo>
-                  <a:cubicBezTo>
-                    <a:pt x="40" y="219"/>
-                    <a:pt x="39" y="215"/>
-                    <a:pt x="38" y="212"/>
-                  </a:cubicBezTo>
-                  <a:cubicBezTo>
-                    <a:pt x="26" y="172"/>
-                    <a:pt x="18" y="132"/>
-                    <a:pt x="13" y="92"/>
-                  </a:cubicBezTo>
-                  <a:cubicBezTo>
-                    <a:pt x="11" y="68"/>
-                    <a:pt x="9" y="45"/>
-                    <a:pt x="8" y="22"/>
-                  </a:cubicBezTo>
-                  <a:cubicBezTo>
-                    <a:pt x="8" y="21"/>
-                    <a:pt x="7" y="20"/>
-                    <a:pt x="7" y="18"/>
-                  </a:cubicBezTo>
-                  <a:cubicBezTo>
-                    <a:pt x="5" y="12"/>
-                    <a:pt x="2" y="6"/>
-                    <a:pt x="0" y="0"/>
-                  </a:cubicBezTo>
-                  <a:close/>
-                </a:path>
-              </a:pathLst>
-            </a:custGeom>
-            <a:solidFill>
-              <a:schemeClr val="tx2">
-                <a:alpha val="20000"/>
-              </a:schemeClr>
-            </a:solidFill>
-            <a:ln>
-              <a:noFill/>
-            </a:ln>
-          </p:spPr>
-        </p:sp>
-        <p:sp>
-          <p:nvSpPr>
-            <p:cNvPr id="19" name="Freeform 19">
-              <a:extLst>
-                <a:ext uri="{FF2B5EF4-FFF2-40B4-BE49-F238E27FC236}">
-                  <a16:creationId xmlns:a16="http://schemas.microsoft.com/office/drawing/2014/main" id="{EBC2197C-B383-4866-8ABD-74222400BE8E}"/>
-                </a:ext>
-                <a:ext uri="{C183D7F6-B498-43B3-948B-1728B52AA6E4}">
-                  <adec:decorative xmlns:adec="http://schemas.microsoft.com/office/drawing/2017/decorative" val="1"/>
-                </a:ext>
-              </a:extLst>
-            </p:cNvPr>
-            <p:cNvSpPr/>
-            <p:nvPr>
-              <p:extLst>
-                <p:ext uri="{386F3935-93C4-4BCD-93E2-E3B085C9AB24}">
-                  <p16:designElem xmlns:p16="http://schemas.microsoft.com/office/powerpoint/2015/main" val="1"/>
-                </p:ext>
-              </p:extLst>
-            </p:nvPr>
-          </p:nvSpPr>
-          <p:spPr bwMode="auto">
-            <a:xfrm>
-              <a:off x="3148013" y="1282700"/>
-              <a:ext cx="1768475" cy="3448050"/>
-            </a:xfrm>
-            <a:custGeom>
-              <a:avLst/>
-              <a:gdLst/>
-              <a:ahLst/>
-              <a:cxnLst/>
-              <a:rect l="0" t="0" r="r" b="b"/>
-              <a:pathLst>
-                <a:path w="450" h="878">
-                  <a:moveTo>
-                    <a:pt x="7" y="854"/>
-                  </a:moveTo>
-                  <a:cubicBezTo>
-                    <a:pt x="10" y="772"/>
-                    <a:pt x="26" y="691"/>
-                    <a:pt x="50" y="613"/>
-                  </a:cubicBezTo>
-                  <a:cubicBezTo>
-                    <a:pt x="75" y="535"/>
-                    <a:pt x="109" y="460"/>
-                    <a:pt x="149" y="388"/>
-                  </a:cubicBezTo>
-                  <a:cubicBezTo>
-                    <a:pt x="189" y="316"/>
-                    <a:pt x="235" y="248"/>
-                    <a:pt x="285" y="183"/>
-                  </a:cubicBezTo>
-                  <a:cubicBezTo>
-                    <a:pt x="310" y="151"/>
-                    <a:pt x="337" y="119"/>
-                    <a:pt x="364" y="89"/>
-                  </a:cubicBezTo>
-                  <a:cubicBezTo>
-                    <a:pt x="378" y="74"/>
-                    <a:pt x="392" y="58"/>
-                    <a:pt x="406" y="44"/>
-                  </a:cubicBezTo>
-                  <a:cubicBezTo>
-                    <a:pt x="421" y="29"/>
-                    <a:pt x="435" y="15"/>
-                    <a:pt x="450" y="1"/>
-                  </a:cubicBezTo>
-                  <a:cubicBezTo>
-                    <a:pt x="450" y="0"/>
-                    <a:pt x="450" y="0"/>
-                    <a:pt x="450" y="0"/>
-                  </a:cubicBezTo>
-                  <a:cubicBezTo>
-                    <a:pt x="434" y="14"/>
-                    <a:pt x="420" y="28"/>
-                    <a:pt x="405" y="43"/>
-                  </a:cubicBezTo>
-                  <a:cubicBezTo>
-                    <a:pt x="391" y="57"/>
-                    <a:pt x="377" y="72"/>
-                    <a:pt x="363" y="88"/>
-                  </a:cubicBezTo>
-                  <a:cubicBezTo>
-                    <a:pt x="335" y="118"/>
-                    <a:pt x="308" y="149"/>
-                    <a:pt x="283" y="181"/>
-                  </a:cubicBezTo>
-                  <a:cubicBezTo>
-                    <a:pt x="232" y="246"/>
-                    <a:pt x="185" y="314"/>
-                    <a:pt x="145" y="386"/>
-                  </a:cubicBezTo>
-                  <a:cubicBezTo>
-                    <a:pt x="104" y="457"/>
-                    <a:pt x="70" y="533"/>
-                    <a:pt x="45" y="611"/>
-                  </a:cubicBezTo>
-                  <a:cubicBezTo>
-                    <a:pt x="19" y="690"/>
-                    <a:pt x="3" y="771"/>
-                    <a:pt x="0" y="854"/>
-                  </a:cubicBezTo>
-                  <a:cubicBezTo>
-                    <a:pt x="0" y="856"/>
-                    <a:pt x="0" y="857"/>
-                    <a:pt x="0" y="859"/>
-                  </a:cubicBezTo>
-                  <a:cubicBezTo>
-                    <a:pt x="2" y="865"/>
-                    <a:pt x="4" y="872"/>
-                    <a:pt x="7" y="878"/>
-                  </a:cubicBezTo>
-                  <a:cubicBezTo>
-                    <a:pt x="7" y="870"/>
-                    <a:pt x="7" y="862"/>
-                    <a:pt x="7" y="854"/>
-                  </a:cubicBezTo>
-                  <a:close/>
-                </a:path>
-              </a:pathLst>
-            </a:custGeom>
-            <a:solidFill>
-              <a:schemeClr val="tx2">
-                <a:alpha val="20000"/>
-              </a:schemeClr>
-            </a:solidFill>
-            <a:ln>
-              <a:noFill/>
-            </a:ln>
-          </p:spPr>
-        </p:sp>
-        <p:sp>
-          <p:nvSpPr>
-            <p:cNvPr id="20" name="Freeform 20">
-              <a:extLst>
-                <a:ext uri="{FF2B5EF4-FFF2-40B4-BE49-F238E27FC236}">
-                  <a16:creationId xmlns:a16="http://schemas.microsoft.com/office/drawing/2014/main" id="{404B06AA-FC93-4471-9DE4-56A401E70A50}"/>
-                </a:ext>
-                <a:ext uri="{C183D7F6-B498-43B3-948B-1728B52AA6E4}">
-                  <adec:decorative xmlns:adec="http://schemas.microsoft.com/office/drawing/2017/decorative" val="1"/>
-                </a:ext>
-              </a:extLst>
-            </p:cNvPr>
-            <p:cNvSpPr/>
-            <p:nvPr>
-              <p:extLst>
-                <p:ext uri="{386F3935-93C4-4BCD-93E2-E3B085C9AB24}">
-                  <p16:designElem xmlns:p16="http://schemas.microsoft.com/office/powerpoint/2015/main" val="1"/>
-                </p:ext>
-              </p:extLst>
-            </p:nvPr>
-          </p:nvSpPr>
-          <p:spPr bwMode="auto">
-            <a:xfrm>
-              <a:off x="3273426" y="5653088"/>
-              <a:ext cx="138113" cy="287338"/>
-            </a:xfrm>
-            <a:custGeom>
-              <a:avLst/>
-              <a:gdLst/>
-              <a:ahLst/>
-              <a:cxnLst/>
-              <a:rect l="0" t="0" r="r" b="b"/>
-              <a:pathLst>
-                <a:path w="35" h="73">
-                  <a:moveTo>
-                    <a:pt x="0" y="0"/>
-                  </a:moveTo>
-                  <a:cubicBezTo>
-                    <a:pt x="7" y="24"/>
-                    <a:pt x="16" y="49"/>
-                    <a:pt x="26" y="73"/>
-                  </a:cubicBezTo>
-                  <a:cubicBezTo>
-                    <a:pt x="35" y="73"/>
-                    <a:pt x="35" y="73"/>
-                    <a:pt x="35" y="73"/>
-                  </a:cubicBezTo>
-                  <a:cubicBezTo>
-                    <a:pt x="23" y="49"/>
-                    <a:pt x="11" y="24"/>
-                    <a:pt x="0" y="0"/>
-                  </a:cubicBezTo>
-                  <a:close/>
-                </a:path>
-              </a:pathLst>
-            </a:custGeom>
-            <a:solidFill>
-              <a:schemeClr val="tx2">
-                <a:alpha val="20000"/>
-              </a:schemeClr>
-            </a:solidFill>
-            <a:ln>
-              <a:noFill/>
-            </a:ln>
-          </p:spPr>
-        </p:sp>
-        <p:sp>
-          <p:nvSpPr>
-            <p:cNvPr id="21" name="Freeform 21">
-              <a:extLst>
-                <a:ext uri="{FF2B5EF4-FFF2-40B4-BE49-F238E27FC236}">
-                  <a16:creationId xmlns:a16="http://schemas.microsoft.com/office/drawing/2014/main" id="{E580600C-013F-4FAF-8FB7-4CC0FA80A92B}"/>
-                </a:ext>
-                <a:ext uri="{C183D7F6-B498-43B3-948B-1728B52AA6E4}">
-                  <adec:decorative xmlns:adec="http://schemas.microsoft.com/office/drawing/2017/decorative" val="1"/>
-                </a:ext>
-              </a:extLst>
-            </p:cNvPr>
-            <p:cNvSpPr/>
-            <p:nvPr>
-              <p:extLst>
-                <p:ext uri="{386F3935-93C4-4BCD-93E2-E3B085C9AB24}">
-                  <p16:designElem xmlns:p16="http://schemas.microsoft.com/office/powerpoint/2015/main" val="1"/>
-                </p:ext>
-              </p:extLst>
-            </p:nvPr>
-          </p:nvSpPr>
-          <p:spPr bwMode="auto">
-            <a:xfrm>
-              <a:off x="3143251" y="4656138"/>
-              <a:ext cx="31750" cy="188913"/>
-            </a:xfrm>
-            <a:custGeom>
-              <a:avLst/>
-              <a:gdLst/>
-              <a:ahLst/>
-              <a:cxnLst/>
-              <a:rect l="0" t="0" r="r" b="b"/>
-              <a:pathLst>
-                <a:path w="8" h="48">
-                  <a:moveTo>
-                    <a:pt x="7" y="44"/>
-                  </a:moveTo>
-                  <a:cubicBezTo>
-                    <a:pt x="7" y="46"/>
-                    <a:pt x="8" y="47"/>
-                    <a:pt x="8" y="48"/>
-                  </a:cubicBezTo>
-                  <a:cubicBezTo>
-                    <a:pt x="8" y="38"/>
-                    <a:pt x="8" y="29"/>
-                    <a:pt x="8" y="19"/>
-                  </a:cubicBezTo>
-                  <a:cubicBezTo>
-                    <a:pt x="5" y="13"/>
-                    <a:pt x="3" y="6"/>
-                    <a:pt x="1" y="0"/>
-                  </a:cubicBezTo>
-                  <a:cubicBezTo>
-                    <a:pt x="0" y="9"/>
-                    <a:pt x="0" y="17"/>
-                    <a:pt x="0" y="26"/>
-                  </a:cubicBezTo>
-                  <a:cubicBezTo>
-                    <a:pt x="2" y="32"/>
-                    <a:pt x="5" y="38"/>
-                    <a:pt x="7" y="44"/>
-                  </a:cubicBezTo>
-                  <a:close/>
-                </a:path>
-              </a:pathLst>
-            </a:custGeom>
-            <a:solidFill>
-              <a:schemeClr val="tx2">
-                <a:alpha val="20000"/>
-              </a:schemeClr>
-            </a:solidFill>
-            <a:ln>
-              <a:noFill/>
-            </a:ln>
-          </p:spPr>
-        </p:sp>
-        <p:sp>
-          <p:nvSpPr>
-            <p:cNvPr id="22" name="Freeform 22">
-              <a:extLst>
-                <a:ext uri="{FF2B5EF4-FFF2-40B4-BE49-F238E27FC236}">
-                  <a16:creationId xmlns:a16="http://schemas.microsoft.com/office/drawing/2014/main" id="{9BFCF199-64B2-4AEE-88C4-E954ABF36278}"/>
-                </a:ext>
-                <a:ext uri="{C183D7F6-B498-43B3-948B-1728B52AA6E4}">
-                  <adec:decorative xmlns:adec="http://schemas.microsoft.com/office/drawing/2017/decorative" val="1"/>
-                </a:ext>
-              </a:extLst>
-            </p:cNvPr>
-            <p:cNvSpPr/>
-            <p:nvPr>
-              <p:extLst>
-                <p:ext uri="{386F3935-93C4-4BCD-93E2-E3B085C9AB24}">
-                  <p16:designElem xmlns:p16="http://schemas.microsoft.com/office/powerpoint/2015/main" val="1"/>
-                </p:ext>
-              </p:extLst>
-            </p:nvPr>
-          </p:nvSpPr>
-          <p:spPr bwMode="auto">
-            <a:xfrm>
-              <a:off x="3211513" y="5410200"/>
-              <a:ext cx="203200" cy="530225"/>
-            </a:xfrm>
-            <a:custGeom>
-              <a:avLst/>
-              <a:gdLst/>
-              <a:ahLst/>
-              <a:cxnLst/>
-              <a:rect l="0" t="0" r="r" b="b"/>
-              <a:pathLst>
-                <a:path w="52" h="135">
-                  <a:moveTo>
-                    <a:pt x="7" y="18"/>
-                  </a:moveTo>
-                  <a:cubicBezTo>
-                    <a:pt x="5" y="12"/>
-                    <a:pt x="2" y="6"/>
-                    <a:pt x="0" y="0"/>
-                  </a:cubicBezTo>
-                  <a:cubicBezTo>
-                    <a:pt x="3" y="16"/>
-                    <a:pt x="7" y="32"/>
-                    <a:pt x="12" y="48"/>
-                  </a:cubicBezTo>
-                  <a:cubicBezTo>
-                    <a:pt x="13" y="53"/>
-                    <a:pt x="14" y="57"/>
-                    <a:pt x="16" y="62"/>
-                  </a:cubicBezTo>
-                  <a:cubicBezTo>
-                    <a:pt x="27" y="86"/>
-                    <a:pt x="39" y="111"/>
-                    <a:pt x="51" y="135"/>
-                  </a:cubicBezTo>
-                  <a:cubicBezTo>
-                    <a:pt x="52" y="135"/>
-                    <a:pt x="52" y="135"/>
-                    <a:pt x="52" y="135"/>
-                  </a:cubicBezTo>
-                  <a:cubicBezTo>
-                    <a:pt x="41" y="109"/>
-                    <a:pt x="32" y="83"/>
-                    <a:pt x="24" y="56"/>
-                  </a:cubicBezTo>
-                  <a:cubicBezTo>
-                    <a:pt x="18" y="43"/>
-                    <a:pt x="13" y="31"/>
-                    <a:pt x="7" y="18"/>
-                  </a:cubicBezTo>
-                  <a:close/>
-                </a:path>
-              </a:pathLst>
-            </a:custGeom>
-            <a:solidFill>
-              <a:schemeClr val="tx2">
-                <a:alpha val="20000"/>
-              </a:schemeClr>
-            </a:solidFill>
-            <a:ln>
-              <a:noFill/>
-            </a:ln>
-          </p:spPr>
-        </p:sp>
-      </p:grpSp>
-      <p:grpSp>
-        <p:nvGrpSpPr>
-          <p:cNvPr id="24" name="Group 23">
-            <a:extLst>
-              <a:ext uri="{FF2B5EF4-FFF2-40B4-BE49-F238E27FC236}">
-                <a16:creationId xmlns:a16="http://schemas.microsoft.com/office/drawing/2014/main" id="{E312DBA5-56D8-42B2-BA94-28168C2A6703}"/>
-              </a:ext>
-              <a:ext uri="{C183D7F6-B498-43B3-948B-1728B52AA6E4}">
-                <adec:decorative xmlns:adec="http://schemas.microsoft.com/office/drawing/2017/decorative" val="1"/>
-              </a:ext>
-            </a:extLst>
-          </p:cNvPr>
-          <p:cNvGrpSpPr>
-            <a:grpSpLocks noGrp="1" noUngrp="1" noRot="1" noChangeAspect="1" noMove="1" noResize="1"/>
-          </p:cNvGrpSpPr>
-          <p:nvPr>
-            <p:extLst>
-              <p:ext uri="{386F3935-93C4-4BCD-93E2-E3B085C9AB24}">
-                <p16:designElem xmlns:p16="http://schemas.microsoft.com/office/powerpoint/2015/main" val="1"/>
-              </p:ext>
-            </p:extLst>
-          </p:nvPr>
-        </p:nvGrpSpPr>
-        <p:grpSpPr>
-          <a:xfrm>
-            <a:off x="27224" y="-786"/>
-            <a:ext cx="2356675" cy="6854040"/>
-            <a:chOff x="6627813" y="194833"/>
-            <a:chExt cx="1952625" cy="5678918"/>
-          </a:xfrm>
-        </p:grpSpPr>
-        <p:sp>
-          <p:nvSpPr>
-            <p:cNvPr id="25" name="Freeform 27">
-              <a:extLst>
-                <a:ext uri="{FF2B5EF4-FFF2-40B4-BE49-F238E27FC236}">
-                  <a16:creationId xmlns:a16="http://schemas.microsoft.com/office/drawing/2014/main" id="{7AD46C74-3117-46B0-B267-0F61B57CACE3}"/>
-                </a:ext>
-                <a:ext uri="{C183D7F6-B498-43B3-948B-1728B52AA6E4}">
-                  <adec:decorative xmlns:adec="http://schemas.microsoft.com/office/drawing/2017/decorative" val="1"/>
-                </a:ext>
-              </a:extLst>
-            </p:cNvPr>
-            <p:cNvSpPr/>
-            <p:nvPr>
-              <p:extLst>
-                <p:ext uri="{386F3935-93C4-4BCD-93E2-E3B085C9AB24}">
-                  <p16:designElem xmlns:p16="http://schemas.microsoft.com/office/powerpoint/2015/main" val="1"/>
-                </p:ext>
-              </p:extLst>
-            </p:nvPr>
-          </p:nvSpPr>
-          <p:spPr bwMode="auto">
-            <a:xfrm>
-              <a:off x="6627813" y="194833"/>
-              <a:ext cx="409575" cy="3646488"/>
-            </a:xfrm>
-            <a:custGeom>
-              <a:avLst/>
-              <a:gdLst/>
-              <a:ahLst/>
-              <a:cxnLst/>
-              <a:rect l="0" t="0" r="r" b="b"/>
-              <a:pathLst>
-                <a:path w="103" h="920">
-                  <a:moveTo>
-                    <a:pt x="7" y="210"/>
-                  </a:moveTo>
-                  <a:cubicBezTo>
-                    <a:pt x="11" y="288"/>
-                    <a:pt x="17" y="367"/>
-                    <a:pt x="26" y="445"/>
-                  </a:cubicBezTo>
-                  <a:cubicBezTo>
-                    <a:pt x="34" y="523"/>
-                    <a:pt x="44" y="601"/>
-                    <a:pt x="57" y="679"/>
-                  </a:cubicBezTo>
-                  <a:cubicBezTo>
-                    <a:pt x="69" y="757"/>
-                    <a:pt x="84" y="834"/>
-                    <a:pt x="101" y="911"/>
-                  </a:cubicBezTo>
-                  <a:cubicBezTo>
-                    <a:pt x="102" y="914"/>
-                    <a:pt x="103" y="917"/>
-                    <a:pt x="103" y="920"/>
-                  </a:cubicBezTo>
-                  <a:cubicBezTo>
-                    <a:pt x="102" y="905"/>
-                    <a:pt x="100" y="889"/>
-                    <a:pt x="99" y="874"/>
-                  </a:cubicBezTo>
-                  <a:cubicBezTo>
-                    <a:pt x="99" y="871"/>
-                    <a:pt x="99" y="868"/>
-                    <a:pt x="99" y="866"/>
-                  </a:cubicBezTo>
-                  <a:cubicBezTo>
-                    <a:pt x="85" y="803"/>
-                    <a:pt x="73" y="741"/>
-                    <a:pt x="63" y="678"/>
-                  </a:cubicBezTo>
-                  <a:cubicBezTo>
-                    <a:pt x="50" y="600"/>
-                    <a:pt x="39" y="523"/>
-                    <a:pt x="30" y="444"/>
-                  </a:cubicBezTo>
-                  <a:cubicBezTo>
-                    <a:pt x="21" y="366"/>
-                    <a:pt x="14" y="288"/>
-                    <a:pt x="9" y="209"/>
-                  </a:cubicBezTo>
-                  <a:cubicBezTo>
-                    <a:pt x="7" y="170"/>
-                    <a:pt x="5" y="131"/>
-                    <a:pt x="3" y="92"/>
-                  </a:cubicBezTo>
-                  <a:cubicBezTo>
-                    <a:pt x="2" y="61"/>
-                    <a:pt x="1" y="31"/>
-                    <a:pt x="1" y="0"/>
-                  </a:cubicBezTo>
-                  <a:cubicBezTo>
-                    <a:pt x="0" y="0"/>
-                    <a:pt x="0" y="0"/>
-                    <a:pt x="0" y="0"/>
-                  </a:cubicBezTo>
-                  <a:cubicBezTo>
-                    <a:pt x="0" y="31"/>
-                    <a:pt x="1" y="61"/>
-                    <a:pt x="1" y="92"/>
-                  </a:cubicBezTo>
-                  <a:cubicBezTo>
-                    <a:pt x="3" y="131"/>
-                    <a:pt x="4" y="170"/>
-                    <a:pt x="7" y="210"/>
-                  </a:cubicBezTo>
-                  <a:close/>
-                </a:path>
-              </a:pathLst>
-            </a:custGeom>
-            <a:solidFill>
-              <a:schemeClr val="tx2"/>
-            </a:solidFill>
-            <a:ln>
-              <a:noFill/>
-            </a:ln>
-          </p:spPr>
-        </p:sp>
-        <p:sp>
-          <p:nvSpPr>
-            <p:cNvPr id="26" name="Freeform 28">
-              <a:extLst>
-                <a:ext uri="{FF2B5EF4-FFF2-40B4-BE49-F238E27FC236}">
-                  <a16:creationId xmlns:a16="http://schemas.microsoft.com/office/drawing/2014/main" id="{8C13B810-9664-45D8-8510-D6ED0ADD7217}"/>
-                </a:ext>
-                <a:ext uri="{C183D7F6-B498-43B3-948B-1728B52AA6E4}">
-                  <adec:decorative xmlns:adec="http://schemas.microsoft.com/office/drawing/2017/decorative" val="1"/>
-                </a:ext>
-              </a:extLst>
-            </p:cNvPr>
-            <p:cNvSpPr/>
-            <p:nvPr>
-              <p:extLst>
-                <p:ext uri="{386F3935-93C4-4BCD-93E2-E3B085C9AB24}">
-                  <p16:designElem xmlns:p16="http://schemas.microsoft.com/office/powerpoint/2015/main" val="1"/>
-                </p:ext>
-              </p:extLst>
-            </p:nvPr>
-          </p:nvSpPr>
-          <p:spPr bwMode="auto">
-            <a:xfrm>
-              <a:off x="7061201" y="3771900"/>
-              <a:ext cx="350838" cy="1309688"/>
-            </a:xfrm>
-            <a:custGeom>
-              <a:avLst/>
-              <a:gdLst/>
-              <a:ahLst/>
-              <a:cxnLst/>
-              <a:rect l="0" t="0" r="r" b="b"/>
-              <a:pathLst>
-                <a:path w="88" h="330">
-                  <a:moveTo>
-                    <a:pt x="53" y="229"/>
-                  </a:moveTo>
-                  <a:cubicBezTo>
-                    <a:pt x="64" y="263"/>
-                    <a:pt x="75" y="297"/>
-                    <a:pt x="88" y="330"/>
-                  </a:cubicBezTo>
-                  <a:cubicBezTo>
-                    <a:pt x="88" y="323"/>
-                    <a:pt x="88" y="315"/>
-                    <a:pt x="88" y="308"/>
-                  </a:cubicBezTo>
-                  <a:cubicBezTo>
-                    <a:pt x="88" y="307"/>
-                    <a:pt x="88" y="305"/>
-                    <a:pt x="88" y="304"/>
-                  </a:cubicBezTo>
-                  <a:cubicBezTo>
-                    <a:pt x="79" y="278"/>
-                    <a:pt x="70" y="252"/>
-                    <a:pt x="62" y="226"/>
-                  </a:cubicBezTo>
-                  <a:cubicBezTo>
-                    <a:pt x="38" y="152"/>
-                    <a:pt x="17" y="76"/>
-                    <a:pt x="0" y="0"/>
-                  </a:cubicBezTo>
-                  <a:cubicBezTo>
-                    <a:pt x="2" y="21"/>
-                    <a:pt x="4" y="42"/>
-                    <a:pt x="7" y="63"/>
-                  </a:cubicBezTo>
-                  <a:cubicBezTo>
-                    <a:pt x="21" y="119"/>
-                    <a:pt x="36" y="174"/>
-                    <a:pt x="53" y="229"/>
-                  </a:cubicBezTo>
-                  <a:close/>
-                </a:path>
-              </a:pathLst>
-            </a:custGeom>
-            <a:solidFill>
-              <a:schemeClr val="tx2"/>
-            </a:solidFill>
-            <a:ln>
-              <a:noFill/>
-            </a:ln>
-          </p:spPr>
-        </p:sp>
-        <p:sp>
-          <p:nvSpPr>
-            <p:cNvPr id="27" name="Freeform 29">
-              <a:extLst>
-                <a:ext uri="{FF2B5EF4-FFF2-40B4-BE49-F238E27FC236}">
-                  <a16:creationId xmlns:a16="http://schemas.microsoft.com/office/drawing/2014/main" id="{10306E52-A922-4458-BCCE-C3C840CC7556}"/>
-                </a:ext>
-                <a:ext uri="{C183D7F6-B498-43B3-948B-1728B52AA6E4}">
-                  <adec:decorative xmlns:adec="http://schemas.microsoft.com/office/drawing/2017/decorative" val="1"/>
-                </a:ext>
-              </a:extLst>
-            </p:cNvPr>
-            <p:cNvSpPr/>
-            <p:nvPr>
-              <p:extLst>
-                <p:ext uri="{386F3935-93C4-4BCD-93E2-E3B085C9AB24}">
-                  <p16:designElem xmlns:p16="http://schemas.microsoft.com/office/powerpoint/2015/main" val="1"/>
-                </p:ext>
-              </p:extLst>
-            </p:nvPr>
-          </p:nvSpPr>
-          <p:spPr bwMode="auto">
-            <a:xfrm>
-              <a:off x="7439026" y="5053013"/>
-              <a:ext cx="357188" cy="820738"/>
-            </a:xfrm>
-            <a:custGeom>
-              <a:avLst/>
-              <a:gdLst/>
-              <a:ahLst/>
-              <a:cxnLst/>
-              <a:rect l="0" t="0" r="r" b="b"/>
-              <a:pathLst>
-                <a:path w="90" h="207">
-                  <a:moveTo>
-                    <a:pt x="6" y="15"/>
-                  </a:moveTo>
-                  <a:cubicBezTo>
-                    <a:pt x="4" y="10"/>
-                    <a:pt x="2" y="5"/>
-                    <a:pt x="0" y="0"/>
-                  </a:cubicBezTo>
-                  <a:cubicBezTo>
-                    <a:pt x="0" y="9"/>
-                    <a:pt x="0" y="19"/>
-                    <a:pt x="1" y="29"/>
-                  </a:cubicBezTo>
-                  <a:cubicBezTo>
-                    <a:pt x="14" y="62"/>
-                    <a:pt x="27" y="95"/>
-                    <a:pt x="42" y="127"/>
-                  </a:cubicBezTo>
-                  <a:cubicBezTo>
-                    <a:pt x="54" y="154"/>
-                    <a:pt x="67" y="181"/>
-                    <a:pt x="80" y="207"/>
-                  </a:cubicBezTo>
-                  <a:cubicBezTo>
-                    <a:pt x="90" y="207"/>
-                    <a:pt x="90" y="207"/>
-                    <a:pt x="90" y="207"/>
-                  </a:cubicBezTo>
-                  <a:cubicBezTo>
-                    <a:pt x="76" y="180"/>
-                    <a:pt x="63" y="152"/>
-                    <a:pt x="50" y="123"/>
-                  </a:cubicBezTo>
-                  <a:cubicBezTo>
-                    <a:pt x="34" y="88"/>
-                    <a:pt x="20" y="51"/>
-                    <a:pt x="6" y="15"/>
-                  </a:cubicBezTo>
-                  <a:close/>
-                </a:path>
-              </a:pathLst>
-            </a:custGeom>
-            <a:solidFill>
-              <a:schemeClr val="tx2"/>
-            </a:solidFill>
-            <a:ln>
-              <a:noFill/>
-            </a:ln>
-          </p:spPr>
-        </p:sp>
-        <p:sp>
-          <p:nvSpPr>
-            <p:cNvPr id="28" name="Freeform 30">
-              <a:extLst>
-                <a:ext uri="{FF2B5EF4-FFF2-40B4-BE49-F238E27FC236}">
-                  <a16:creationId xmlns:a16="http://schemas.microsoft.com/office/drawing/2014/main" id="{CB578819-B7E7-4250-932F-52AE2A2A9A57}"/>
-                </a:ext>
-                <a:ext uri="{C183D7F6-B498-43B3-948B-1728B52AA6E4}">
-                  <adec:decorative xmlns:adec="http://schemas.microsoft.com/office/drawing/2017/decorative" val="1"/>
-                </a:ext>
-              </a:extLst>
-            </p:cNvPr>
-            <p:cNvSpPr/>
-            <p:nvPr>
-              <p:extLst>
-                <p:ext uri="{386F3935-93C4-4BCD-93E2-E3B085C9AB24}">
-                  <p16:designElem xmlns:p16="http://schemas.microsoft.com/office/powerpoint/2015/main" val="1"/>
-                </p:ext>
-              </p:extLst>
-            </p:nvPr>
-          </p:nvSpPr>
-          <p:spPr bwMode="auto">
-            <a:xfrm>
-              <a:off x="7037388" y="3811588"/>
-              <a:ext cx="457200" cy="1852613"/>
-            </a:xfrm>
-            <a:custGeom>
-              <a:avLst/>
-              <a:gdLst/>
-              <a:ahLst/>
-              <a:cxnLst/>
-              <a:rect l="0" t="0" r="r" b="b"/>
-              <a:pathLst>
-                <a:path w="115" h="467">
-                  <a:moveTo>
-                    <a:pt x="101" y="409"/>
-                  </a:moveTo>
-                  <a:cubicBezTo>
-                    <a:pt x="93" y="388"/>
-                    <a:pt x="85" y="366"/>
-                    <a:pt x="78" y="344"/>
-                  </a:cubicBezTo>
-                  <a:cubicBezTo>
-                    <a:pt x="57" y="281"/>
-                    <a:pt x="41" y="216"/>
-                    <a:pt x="29" y="151"/>
-                  </a:cubicBezTo>
-                  <a:cubicBezTo>
-                    <a:pt x="22" y="119"/>
-                    <a:pt x="17" y="86"/>
-                    <a:pt x="13" y="53"/>
-                  </a:cubicBezTo>
-                  <a:cubicBezTo>
-                    <a:pt x="9" y="35"/>
-                    <a:pt x="4" y="18"/>
-                    <a:pt x="0" y="0"/>
-                  </a:cubicBezTo>
-                  <a:cubicBezTo>
-                    <a:pt x="5" y="51"/>
-                    <a:pt x="12" y="102"/>
-                    <a:pt x="21" y="152"/>
-                  </a:cubicBezTo>
-                  <a:cubicBezTo>
-                    <a:pt x="33" y="218"/>
-                    <a:pt x="49" y="283"/>
-                    <a:pt x="69" y="347"/>
-                  </a:cubicBezTo>
-                  <a:cubicBezTo>
-                    <a:pt x="79" y="378"/>
-                    <a:pt x="90" y="410"/>
-                    <a:pt x="103" y="441"/>
-                  </a:cubicBezTo>
-                  <a:cubicBezTo>
-                    <a:pt x="107" y="449"/>
-                    <a:pt x="111" y="458"/>
-                    <a:pt x="115" y="467"/>
-                  </a:cubicBezTo>
-                  <a:cubicBezTo>
-                    <a:pt x="114" y="464"/>
-                    <a:pt x="113" y="461"/>
-                    <a:pt x="112" y="458"/>
-                  </a:cubicBezTo>
-                  <a:cubicBezTo>
-                    <a:pt x="108" y="442"/>
-                    <a:pt x="104" y="425"/>
-                    <a:pt x="101" y="409"/>
-                  </a:cubicBezTo>
-                  <a:close/>
-                </a:path>
-              </a:pathLst>
-            </a:custGeom>
-            <a:solidFill>
-              <a:schemeClr val="tx2"/>
-            </a:solidFill>
-            <a:ln>
-              <a:noFill/>
-            </a:ln>
-          </p:spPr>
-        </p:sp>
-        <p:sp>
-          <p:nvSpPr>
-            <p:cNvPr id="29" name="Freeform 31">
-              <a:extLst>
-                <a:ext uri="{FF2B5EF4-FFF2-40B4-BE49-F238E27FC236}">
-                  <a16:creationId xmlns:a16="http://schemas.microsoft.com/office/drawing/2014/main" id="{454B9C91-B623-424A-B16E-F764F189D300}"/>
-                </a:ext>
-                <a:ext uri="{C183D7F6-B498-43B3-948B-1728B52AA6E4}">
-                  <adec:decorative xmlns:adec="http://schemas.microsoft.com/office/drawing/2017/decorative" val="1"/>
-                </a:ext>
-              </a:extLst>
-            </p:cNvPr>
-            <p:cNvSpPr/>
-            <p:nvPr>
-              <p:extLst>
-                <p:ext uri="{386F3935-93C4-4BCD-93E2-E3B085C9AB24}">
-                  <p16:designElem xmlns:p16="http://schemas.microsoft.com/office/powerpoint/2015/main" val="1"/>
-                </p:ext>
-              </p:extLst>
-            </p:nvPr>
-          </p:nvSpPr>
-          <p:spPr bwMode="auto">
-            <a:xfrm>
-              <a:off x="6992938" y="1263650"/>
-              <a:ext cx="144463" cy="2508250"/>
-            </a:xfrm>
-            <a:custGeom>
-              <a:avLst/>
-              <a:gdLst/>
-              <a:ahLst/>
-              <a:cxnLst/>
-              <a:rect l="0" t="0" r="r" b="b"/>
-              <a:pathLst>
-                <a:path w="36" h="633">
-                  <a:moveTo>
-                    <a:pt x="17" y="633"/>
-                  </a:moveTo>
-                  <a:cubicBezTo>
-                    <a:pt x="15" y="621"/>
-                    <a:pt x="14" y="609"/>
-                    <a:pt x="13" y="597"/>
-                  </a:cubicBezTo>
-                  <a:cubicBezTo>
-                    <a:pt x="8" y="530"/>
-                    <a:pt x="5" y="464"/>
-                    <a:pt x="5" y="398"/>
-                  </a:cubicBezTo>
-                  <a:cubicBezTo>
-                    <a:pt x="5" y="331"/>
-                    <a:pt x="8" y="265"/>
-                    <a:pt x="13" y="198"/>
-                  </a:cubicBezTo>
-                  <a:cubicBezTo>
-                    <a:pt x="15" y="165"/>
-                    <a:pt x="18" y="132"/>
-                    <a:pt x="22" y="99"/>
-                  </a:cubicBezTo>
-                  <a:cubicBezTo>
-                    <a:pt x="26" y="66"/>
-                    <a:pt x="30" y="33"/>
-                    <a:pt x="36" y="0"/>
-                  </a:cubicBezTo>
-                  <a:cubicBezTo>
-                    <a:pt x="35" y="0"/>
-                    <a:pt x="35" y="0"/>
-                    <a:pt x="35" y="0"/>
-                  </a:cubicBezTo>
-                  <a:cubicBezTo>
-                    <a:pt x="29" y="33"/>
-                    <a:pt x="24" y="66"/>
-                    <a:pt x="20" y="99"/>
-                  </a:cubicBezTo>
-                  <a:cubicBezTo>
-                    <a:pt x="16" y="132"/>
-                    <a:pt x="13" y="165"/>
-                    <a:pt x="10" y="198"/>
-                  </a:cubicBezTo>
-                  <a:cubicBezTo>
-                    <a:pt x="4" y="264"/>
-                    <a:pt x="1" y="331"/>
-                    <a:pt x="1" y="398"/>
-                  </a:cubicBezTo>
-                  <a:cubicBezTo>
-                    <a:pt x="0" y="461"/>
-                    <a:pt x="2" y="525"/>
-                    <a:pt x="7" y="589"/>
-                  </a:cubicBezTo>
-                  <a:cubicBezTo>
-                    <a:pt x="10" y="603"/>
-                    <a:pt x="13" y="618"/>
-                    <a:pt x="16" y="632"/>
-                  </a:cubicBezTo>
-                  <a:cubicBezTo>
-                    <a:pt x="16" y="632"/>
-                    <a:pt x="17" y="633"/>
-                    <a:pt x="17" y="633"/>
-                  </a:cubicBezTo>
-                  <a:close/>
-                </a:path>
-              </a:pathLst>
-            </a:custGeom>
-            <a:solidFill>
-              <a:schemeClr val="tx2"/>
-            </a:solidFill>
-            <a:ln>
-              <a:noFill/>
-            </a:ln>
-          </p:spPr>
-        </p:sp>
-        <p:sp>
-          <p:nvSpPr>
-            <p:cNvPr id="30" name="Freeform 32">
-              <a:extLst>
-                <a:ext uri="{FF2B5EF4-FFF2-40B4-BE49-F238E27FC236}">
-                  <a16:creationId xmlns:a16="http://schemas.microsoft.com/office/drawing/2014/main" id="{EFD03C4A-8484-41E6-B458-032F1DCA70AA}"/>
-                </a:ext>
-                <a:ext uri="{C183D7F6-B498-43B3-948B-1728B52AA6E4}">
-                  <adec:decorative xmlns:adec="http://schemas.microsoft.com/office/drawing/2017/decorative" val="1"/>
-                </a:ext>
-              </a:extLst>
-            </p:cNvPr>
-            <p:cNvSpPr/>
-            <p:nvPr>
-              <p:extLst>
-                <p:ext uri="{386F3935-93C4-4BCD-93E2-E3B085C9AB24}">
-                  <p16:designElem xmlns:p16="http://schemas.microsoft.com/office/powerpoint/2015/main" val="1"/>
-                </p:ext>
-              </p:extLst>
-            </p:nvPr>
-          </p:nvSpPr>
-          <p:spPr bwMode="auto">
-            <a:xfrm>
-              <a:off x="7526338" y="5640388"/>
-              <a:ext cx="111125" cy="233363"/>
-            </a:xfrm>
-            <a:custGeom>
-              <a:avLst/>
-              <a:gdLst/>
-              <a:ahLst/>
-              <a:cxnLst/>
-              <a:rect l="0" t="0" r="r" b="b"/>
-              <a:pathLst>
-                <a:path w="28" h="59">
-                  <a:moveTo>
-                    <a:pt x="22" y="59"/>
-                  </a:moveTo>
-                  <a:cubicBezTo>
-                    <a:pt x="28" y="59"/>
-                    <a:pt x="28" y="59"/>
-                    <a:pt x="28" y="59"/>
-                  </a:cubicBezTo>
-                  <a:cubicBezTo>
-                    <a:pt x="18" y="40"/>
-                    <a:pt x="9" y="20"/>
-                    <a:pt x="0" y="0"/>
-                  </a:cubicBezTo>
-                  <a:cubicBezTo>
-                    <a:pt x="6" y="20"/>
-                    <a:pt x="13" y="40"/>
-                    <a:pt x="22" y="59"/>
-                  </a:cubicBezTo>
-                  <a:close/>
-                </a:path>
-              </a:pathLst>
-            </a:custGeom>
-            <a:solidFill>
-              <a:schemeClr val="tx2"/>
-            </a:solidFill>
-            <a:ln>
-              <a:noFill/>
-            </a:ln>
-          </p:spPr>
-        </p:sp>
-        <p:sp>
-          <p:nvSpPr>
-            <p:cNvPr id="31" name="Freeform 33">
-              <a:extLst>
-                <a:ext uri="{FF2B5EF4-FFF2-40B4-BE49-F238E27FC236}">
-                  <a16:creationId xmlns:a16="http://schemas.microsoft.com/office/drawing/2014/main" id="{DDC2F3C3-1D4E-4913-9C5C-F9A65B47E5CA}"/>
-                </a:ext>
-                <a:ext uri="{C183D7F6-B498-43B3-948B-1728B52AA6E4}">
-                  <adec:decorative xmlns:adec="http://schemas.microsoft.com/office/drawing/2017/decorative" val="1"/>
-                </a:ext>
-              </a:extLst>
-            </p:cNvPr>
-            <p:cNvSpPr/>
-            <p:nvPr>
-              <p:extLst>
-                <p:ext uri="{386F3935-93C4-4BCD-93E2-E3B085C9AB24}">
-                  <p16:designElem xmlns:p16="http://schemas.microsoft.com/office/powerpoint/2015/main" val="1"/>
-                </p:ext>
-              </p:extLst>
-            </p:nvPr>
-          </p:nvSpPr>
-          <p:spPr bwMode="auto">
-            <a:xfrm>
-              <a:off x="7021513" y="3598863"/>
-              <a:ext cx="68263" cy="423863"/>
-            </a:xfrm>
-            <a:custGeom>
-              <a:avLst/>
-              <a:gdLst/>
-              <a:ahLst/>
-              <a:cxnLst/>
-              <a:rect l="0" t="0" r="r" b="b"/>
-              <a:pathLst>
-                <a:path w="17" h="107">
-                  <a:moveTo>
-                    <a:pt x="4" y="54"/>
-                  </a:moveTo>
-                  <a:cubicBezTo>
-                    <a:pt x="8" y="72"/>
-                    <a:pt x="13" y="89"/>
-                    <a:pt x="17" y="107"/>
-                  </a:cubicBezTo>
-                  <a:cubicBezTo>
-                    <a:pt x="14" y="86"/>
-                    <a:pt x="12" y="65"/>
-                    <a:pt x="10" y="44"/>
-                  </a:cubicBezTo>
-                  <a:cubicBezTo>
-                    <a:pt x="10" y="44"/>
-                    <a:pt x="9" y="43"/>
-                    <a:pt x="9" y="43"/>
-                  </a:cubicBezTo>
-                  <a:cubicBezTo>
-                    <a:pt x="6" y="29"/>
-                    <a:pt x="3" y="14"/>
-                    <a:pt x="0" y="0"/>
-                  </a:cubicBezTo>
-                  <a:cubicBezTo>
-                    <a:pt x="0" y="2"/>
-                    <a:pt x="0" y="5"/>
-                    <a:pt x="0" y="8"/>
-                  </a:cubicBezTo>
-                  <a:cubicBezTo>
-                    <a:pt x="1" y="23"/>
-                    <a:pt x="3" y="39"/>
-                    <a:pt x="4" y="54"/>
-                  </a:cubicBezTo>
-                  <a:close/>
-                </a:path>
-              </a:pathLst>
-            </a:custGeom>
-            <a:solidFill>
-              <a:schemeClr val="tx2"/>
-            </a:solidFill>
-            <a:ln>
-              <a:noFill/>
-            </a:ln>
-          </p:spPr>
-        </p:sp>
-        <p:sp>
-          <p:nvSpPr>
-            <p:cNvPr id="32" name="Freeform 34">
-              <a:extLst>
-                <a:ext uri="{FF2B5EF4-FFF2-40B4-BE49-F238E27FC236}">
-                  <a16:creationId xmlns:a16="http://schemas.microsoft.com/office/drawing/2014/main" id="{1E15BCA2-2420-4C53-ADE9-40FBAC238443}"/>
-                </a:ext>
-                <a:ext uri="{C183D7F6-B498-43B3-948B-1728B52AA6E4}">
-                  <adec:decorative xmlns:adec="http://schemas.microsoft.com/office/drawing/2017/decorative" val="1"/>
-                </a:ext>
-              </a:extLst>
-            </p:cNvPr>
-            <p:cNvSpPr/>
-            <p:nvPr>
-              <p:extLst>
-                <p:ext uri="{386F3935-93C4-4BCD-93E2-E3B085C9AB24}">
-                  <p16:designElem xmlns:p16="http://schemas.microsoft.com/office/powerpoint/2015/main" val="1"/>
-                </p:ext>
-              </p:extLst>
-            </p:nvPr>
-          </p:nvSpPr>
-          <p:spPr bwMode="auto">
-            <a:xfrm>
-              <a:off x="7412038" y="2801938"/>
-              <a:ext cx="1168400" cy="2251075"/>
-            </a:xfrm>
-            <a:custGeom>
-              <a:avLst/>
-              <a:gdLst/>
-              <a:ahLst/>
-              <a:cxnLst/>
-              <a:rect l="0" t="0" r="r" b="b"/>
-              <a:pathLst>
-                <a:path w="294" h="568">
-                  <a:moveTo>
-                    <a:pt x="8" y="553"/>
-                  </a:moveTo>
-                  <a:cubicBezTo>
-                    <a:pt x="9" y="501"/>
-                    <a:pt x="19" y="448"/>
-                    <a:pt x="35" y="397"/>
-                  </a:cubicBezTo>
-                  <a:cubicBezTo>
-                    <a:pt x="51" y="347"/>
-                    <a:pt x="73" y="298"/>
-                    <a:pt x="99" y="252"/>
-                  </a:cubicBezTo>
-                  <a:cubicBezTo>
-                    <a:pt x="124" y="205"/>
-                    <a:pt x="154" y="161"/>
-                    <a:pt x="187" y="119"/>
-                  </a:cubicBezTo>
-                  <a:cubicBezTo>
-                    <a:pt x="203" y="98"/>
-                    <a:pt x="220" y="77"/>
-                    <a:pt x="238" y="58"/>
-                  </a:cubicBezTo>
-                  <a:cubicBezTo>
-                    <a:pt x="247" y="48"/>
-                    <a:pt x="256" y="38"/>
-                    <a:pt x="265" y="28"/>
-                  </a:cubicBezTo>
-                  <a:cubicBezTo>
-                    <a:pt x="274" y="19"/>
-                    <a:pt x="284" y="9"/>
-                    <a:pt x="294" y="0"/>
-                  </a:cubicBezTo>
-                  <a:cubicBezTo>
-                    <a:pt x="293" y="0"/>
-                    <a:pt x="293" y="0"/>
-                    <a:pt x="293" y="0"/>
-                  </a:cubicBezTo>
-                  <a:cubicBezTo>
-                    <a:pt x="283" y="9"/>
-                    <a:pt x="273" y="18"/>
-                    <a:pt x="264" y="27"/>
-                  </a:cubicBezTo>
-                  <a:cubicBezTo>
-                    <a:pt x="255" y="37"/>
-                    <a:pt x="246" y="47"/>
-                    <a:pt x="237" y="56"/>
-                  </a:cubicBezTo>
-                  <a:cubicBezTo>
-                    <a:pt x="218" y="76"/>
-                    <a:pt x="201" y="96"/>
-                    <a:pt x="185" y="117"/>
-                  </a:cubicBezTo>
-                  <a:cubicBezTo>
-                    <a:pt x="151" y="159"/>
-                    <a:pt x="121" y="203"/>
-                    <a:pt x="95" y="249"/>
-                  </a:cubicBezTo>
-                  <a:cubicBezTo>
-                    <a:pt x="68" y="296"/>
-                    <a:pt x="46" y="345"/>
-                    <a:pt x="30" y="396"/>
-                  </a:cubicBezTo>
-                  <a:cubicBezTo>
-                    <a:pt x="13" y="445"/>
-                    <a:pt x="3" y="497"/>
-                    <a:pt x="0" y="549"/>
-                  </a:cubicBezTo>
-                  <a:cubicBezTo>
-                    <a:pt x="3" y="555"/>
-                    <a:pt x="5" y="561"/>
-                    <a:pt x="7" y="568"/>
-                  </a:cubicBezTo>
-                  <a:cubicBezTo>
-                    <a:pt x="7" y="563"/>
-                    <a:pt x="7" y="558"/>
-                    <a:pt x="8" y="553"/>
-                  </a:cubicBezTo>
-                  <a:close/>
-                </a:path>
-              </a:pathLst>
-            </a:custGeom>
-            <a:solidFill>
-              <a:schemeClr val="tx2"/>
-            </a:solidFill>
-            <a:ln>
-              <a:noFill/>
-            </a:ln>
-          </p:spPr>
-        </p:sp>
-        <p:sp>
-          <p:nvSpPr>
-            <p:cNvPr id="33" name="Freeform 35">
-              <a:extLst>
-                <a:ext uri="{FF2B5EF4-FFF2-40B4-BE49-F238E27FC236}">
-                  <a16:creationId xmlns:a16="http://schemas.microsoft.com/office/drawing/2014/main" id="{73D5FBF4-7129-4C51-B603-E3BC3341951B}"/>
-                </a:ext>
-                <a:ext uri="{C183D7F6-B498-43B3-948B-1728B52AA6E4}">
-                  <adec:decorative xmlns:adec="http://schemas.microsoft.com/office/drawing/2017/decorative" val="1"/>
-                </a:ext>
-              </a:extLst>
-            </p:cNvPr>
-            <p:cNvSpPr/>
-            <p:nvPr>
-              <p:extLst>
-                <p:ext uri="{386F3935-93C4-4BCD-93E2-E3B085C9AB24}">
-                  <p16:designElem xmlns:p16="http://schemas.microsoft.com/office/powerpoint/2015/main" val="1"/>
-                </p:ext>
-              </p:extLst>
-            </p:nvPr>
-          </p:nvSpPr>
-          <p:spPr bwMode="auto">
-            <a:xfrm>
-              <a:off x="7494588" y="5664200"/>
-              <a:ext cx="100013" cy="209550"/>
-            </a:xfrm>
-            <a:custGeom>
-              <a:avLst/>
-              <a:gdLst/>
-              <a:ahLst/>
-              <a:cxnLst/>
-              <a:rect l="0" t="0" r="r" b="b"/>
-              <a:pathLst>
-                <a:path w="25" h="53">
-                  <a:moveTo>
-                    <a:pt x="0" y="0"/>
-                  </a:moveTo>
-                  <a:cubicBezTo>
-                    <a:pt x="5" y="18"/>
-                    <a:pt x="12" y="36"/>
-                    <a:pt x="19" y="53"/>
-                  </a:cubicBezTo>
-                  <a:cubicBezTo>
-                    <a:pt x="25" y="53"/>
-                    <a:pt x="25" y="53"/>
-                    <a:pt x="25" y="53"/>
-                  </a:cubicBezTo>
-                  <a:cubicBezTo>
-                    <a:pt x="16" y="36"/>
-                    <a:pt x="8" y="18"/>
-                    <a:pt x="0" y="0"/>
-                  </a:cubicBezTo>
-                  <a:close/>
-                </a:path>
-              </a:pathLst>
-            </a:custGeom>
-            <a:solidFill>
-              <a:schemeClr val="tx2"/>
-            </a:solidFill>
-            <a:ln>
-              <a:noFill/>
-            </a:ln>
-          </p:spPr>
-        </p:sp>
-        <p:sp>
-          <p:nvSpPr>
-            <p:cNvPr id="34" name="Freeform 36">
-              <a:extLst>
-                <a:ext uri="{FF2B5EF4-FFF2-40B4-BE49-F238E27FC236}">
-                  <a16:creationId xmlns:a16="http://schemas.microsoft.com/office/drawing/2014/main" id="{0165B164-CE2A-494C-88FC-507232B37C08}"/>
-                </a:ext>
-                <a:ext uri="{C183D7F6-B498-43B3-948B-1728B52AA6E4}">
-                  <adec:decorative xmlns:adec="http://schemas.microsoft.com/office/drawing/2017/decorative" val="1"/>
-                </a:ext>
-              </a:extLst>
-            </p:cNvPr>
-            <p:cNvSpPr/>
-            <p:nvPr>
-              <p:extLst>
-                <p:ext uri="{386F3935-93C4-4BCD-93E2-E3B085C9AB24}">
-                  <p16:designElem xmlns:p16="http://schemas.microsoft.com/office/powerpoint/2015/main" val="1"/>
-                </p:ext>
-              </p:extLst>
-            </p:nvPr>
-          </p:nvSpPr>
-          <p:spPr bwMode="auto">
-            <a:xfrm>
-              <a:off x="7412038" y="5081588"/>
-              <a:ext cx="114300" cy="558800"/>
-            </a:xfrm>
-            <a:custGeom>
-              <a:avLst/>
-              <a:gdLst/>
-              <a:ahLst/>
-              <a:cxnLst/>
-              <a:rect l="0" t="0" r="r" b="b"/>
-              <a:pathLst>
-                <a:path w="29" h="141">
-                  <a:moveTo>
-                    <a:pt x="0" y="0"/>
-                  </a:moveTo>
-                  <a:cubicBezTo>
-                    <a:pt x="0" y="30"/>
-                    <a:pt x="2" y="60"/>
-                    <a:pt x="7" y="89"/>
-                  </a:cubicBezTo>
-                  <a:cubicBezTo>
-                    <a:pt x="11" y="98"/>
-                    <a:pt x="14" y="108"/>
-                    <a:pt x="18" y="117"/>
-                  </a:cubicBezTo>
-                  <a:cubicBezTo>
-                    <a:pt x="22" y="125"/>
-                    <a:pt x="25" y="133"/>
-                    <a:pt x="29" y="141"/>
-                  </a:cubicBezTo>
-                  <a:cubicBezTo>
-                    <a:pt x="28" y="139"/>
-                    <a:pt x="28" y="137"/>
-                    <a:pt x="27" y="135"/>
-                  </a:cubicBezTo>
-                  <a:cubicBezTo>
-                    <a:pt x="16" y="98"/>
-                    <a:pt x="10" y="60"/>
-                    <a:pt x="8" y="22"/>
-                  </a:cubicBezTo>
-                  <a:cubicBezTo>
-                    <a:pt x="7" y="18"/>
-                    <a:pt x="5" y="15"/>
-                    <a:pt x="4" y="11"/>
-                  </a:cubicBezTo>
-                  <a:cubicBezTo>
-                    <a:pt x="2" y="7"/>
-                    <a:pt x="1" y="3"/>
-                    <a:pt x="0" y="0"/>
-                  </a:cubicBezTo>
-                  <a:close/>
-                </a:path>
-              </a:pathLst>
-            </a:custGeom>
-            <a:solidFill>
-              <a:schemeClr val="tx2"/>
-            </a:solidFill>
-            <a:ln>
-              <a:noFill/>
-            </a:ln>
-          </p:spPr>
-        </p:sp>
-        <p:sp>
-          <p:nvSpPr>
-            <p:cNvPr id="35" name="Freeform 37">
-              <a:extLst>
-                <a:ext uri="{FF2B5EF4-FFF2-40B4-BE49-F238E27FC236}">
-                  <a16:creationId xmlns:a16="http://schemas.microsoft.com/office/drawing/2014/main" id="{87F127E5-B10B-4D18-BCF0-E7C3C7F401EC}"/>
-                </a:ext>
-                <a:ext uri="{C183D7F6-B498-43B3-948B-1728B52AA6E4}">
-                  <adec:decorative xmlns:adec="http://schemas.microsoft.com/office/drawing/2017/decorative" val="1"/>
-                </a:ext>
-              </a:extLst>
-            </p:cNvPr>
-            <p:cNvSpPr/>
-            <p:nvPr>
-              <p:extLst>
-                <p:ext uri="{386F3935-93C4-4BCD-93E2-E3B085C9AB24}">
-                  <p16:designElem xmlns:p16="http://schemas.microsoft.com/office/powerpoint/2015/main" val="1"/>
-                </p:ext>
-              </p:extLst>
-            </p:nvPr>
-          </p:nvSpPr>
-          <p:spPr bwMode="auto">
-            <a:xfrm>
-              <a:off x="7412038" y="4978400"/>
-              <a:ext cx="31750" cy="188913"/>
-            </a:xfrm>
-            <a:custGeom>
-              <a:avLst/>
-              <a:gdLst/>
-              <a:ahLst/>
-              <a:cxnLst/>
-              <a:rect l="0" t="0" r="r" b="b"/>
-              <a:pathLst>
-                <a:path w="8" h="48">
-                  <a:moveTo>
-                    <a:pt x="0" y="26"/>
-                  </a:moveTo>
-                  <a:cubicBezTo>
-                    <a:pt x="1" y="29"/>
-                    <a:pt x="2" y="33"/>
-                    <a:pt x="4" y="37"/>
-                  </a:cubicBezTo>
-                  <a:cubicBezTo>
-                    <a:pt x="5" y="41"/>
-                    <a:pt x="7" y="44"/>
-                    <a:pt x="8" y="48"/>
-                  </a:cubicBezTo>
-                  <a:cubicBezTo>
-                    <a:pt x="7" y="38"/>
-                    <a:pt x="7" y="28"/>
-                    <a:pt x="7" y="19"/>
-                  </a:cubicBezTo>
-                  <a:cubicBezTo>
-                    <a:pt x="5" y="12"/>
-                    <a:pt x="3" y="6"/>
-                    <a:pt x="0" y="0"/>
-                  </a:cubicBezTo>
-                  <a:cubicBezTo>
-                    <a:pt x="0" y="1"/>
-                    <a:pt x="0" y="3"/>
-                    <a:pt x="0" y="4"/>
-                  </a:cubicBezTo>
-                  <a:cubicBezTo>
-                    <a:pt x="0" y="11"/>
-                    <a:pt x="0" y="19"/>
-                    <a:pt x="0" y="26"/>
-                  </a:cubicBezTo>
-                  <a:close/>
-                </a:path>
-              </a:pathLst>
-            </a:custGeom>
-            <a:solidFill>
-              <a:schemeClr val="tx2"/>
-            </a:solidFill>
-            <a:ln>
-              <a:noFill/>
-            </a:ln>
-          </p:spPr>
-        </p:sp>
-        <p:sp>
-          <p:nvSpPr>
-            <p:cNvPr id="36" name="Freeform 38">
-              <a:extLst>
-                <a:ext uri="{FF2B5EF4-FFF2-40B4-BE49-F238E27FC236}">
-                  <a16:creationId xmlns:a16="http://schemas.microsoft.com/office/drawing/2014/main" id="{FC692D59-F28D-4E42-B435-225F2C6CFA31}"/>
-                </a:ext>
-                <a:ext uri="{C183D7F6-B498-43B3-948B-1728B52AA6E4}">
-                  <adec:decorative xmlns:adec="http://schemas.microsoft.com/office/drawing/2017/decorative" val="1"/>
-                </a:ext>
-              </a:extLst>
-            </p:cNvPr>
-            <p:cNvSpPr/>
-            <p:nvPr>
-              <p:extLst>
-                <p:ext uri="{386F3935-93C4-4BCD-93E2-E3B085C9AB24}">
-                  <p16:designElem xmlns:p16="http://schemas.microsoft.com/office/powerpoint/2015/main" val="1"/>
-                </p:ext>
-              </p:extLst>
-            </p:nvPr>
-          </p:nvSpPr>
-          <p:spPr bwMode="auto">
-            <a:xfrm>
-              <a:off x="7439026" y="5434013"/>
-              <a:ext cx="174625" cy="439738"/>
-            </a:xfrm>
-            <a:custGeom>
-              <a:avLst/>
-              <a:gdLst/>
-              <a:ahLst/>
-              <a:cxnLst/>
-              <a:rect l="0" t="0" r="r" b="b"/>
-              <a:pathLst>
-                <a:path w="44" h="111">
-                  <a:moveTo>
-                    <a:pt x="11" y="28"/>
-                  </a:moveTo>
-                  <a:cubicBezTo>
-                    <a:pt x="7" y="19"/>
-                    <a:pt x="4" y="9"/>
-                    <a:pt x="0" y="0"/>
-                  </a:cubicBezTo>
-                  <a:cubicBezTo>
-                    <a:pt x="3" y="16"/>
-                    <a:pt x="7" y="33"/>
-                    <a:pt x="11" y="49"/>
-                  </a:cubicBezTo>
-                  <a:cubicBezTo>
-                    <a:pt x="12" y="52"/>
-                    <a:pt x="13" y="55"/>
-                    <a:pt x="14" y="58"/>
-                  </a:cubicBezTo>
-                  <a:cubicBezTo>
-                    <a:pt x="22" y="76"/>
-                    <a:pt x="30" y="94"/>
-                    <a:pt x="39" y="111"/>
-                  </a:cubicBezTo>
-                  <a:cubicBezTo>
-                    <a:pt x="44" y="111"/>
-                    <a:pt x="44" y="111"/>
-                    <a:pt x="44" y="111"/>
-                  </a:cubicBezTo>
-                  <a:cubicBezTo>
-                    <a:pt x="35" y="92"/>
-                    <a:pt x="28" y="72"/>
-                    <a:pt x="22" y="52"/>
-                  </a:cubicBezTo>
-                  <a:cubicBezTo>
-                    <a:pt x="18" y="44"/>
-                    <a:pt x="15" y="36"/>
-                    <a:pt x="11" y="28"/>
-                  </a:cubicBezTo>
-                  <a:close/>
-                </a:path>
-              </a:pathLst>
-            </a:custGeom>
-            <a:solidFill>
-              <a:schemeClr val="tx2"/>
-            </a:solidFill>
-            <a:ln>
-              <a:noFill/>
-            </a:ln>
-          </p:spPr>
-        </p:sp>
-      </p:grpSp>
-      <p:sp>
-        <p:nvSpPr>
-          <p:cNvPr id="38" name="Rectangle 37">
-            <a:extLst>
-              <a:ext uri="{FF2B5EF4-FFF2-40B4-BE49-F238E27FC236}">
-                <a16:creationId xmlns:a16="http://schemas.microsoft.com/office/drawing/2014/main" id="{1996130F-9AB5-4DE9-8574-3AF891C5C172}"/>
+                <a16:creationId xmlns:a16="http://schemas.microsoft.com/office/drawing/2014/main" id="{A3D9AEEE-1CCD-43C0-BA3E-16D60A6E23C0}"/>
               </a:ext>
               <a:ext uri="{C183D7F6-B498-43B3-948B-1728B52AA6E4}">
                 <adec:decorative xmlns:adec="http://schemas.microsoft.com/office/drawing/2017/decorative" val="1"/>
@@ -36689,8 +34951,8 @@
         </p:nvSpPr>
         <p:spPr>
           <a:xfrm>
-            <a:off x="0" y="0"/>
-            <a:ext cx="182880" cy="6858000"/>
+            <a:off x="1" y="0"/>
+            <a:ext cx="4059079" cy="6858000"/>
           </a:xfrm>
           <a:prstGeom prst="rect">
             <a:avLst/>
@@ -36701,29 +34963,99 @@
           <a:ln>
             <a:noFill/>
           </a:ln>
-          <a:effectLst/>
         </p:spPr>
         <p:style>
-          <a:lnRef idx="1">
-            <a:schemeClr val="accent1"/>
+          <a:lnRef idx="2">
+            <a:schemeClr val="accent1">
+              <a:shade val="50000"/>
+            </a:schemeClr>
           </a:lnRef>
-          <a:fillRef idx="3">
+          <a:fillRef idx="1">
             <a:schemeClr val="accent1"/>
           </a:fillRef>
-          <a:effectRef idx="2">
+          <a:effectRef idx="0">
             <a:schemeClr val="accent1"/>
           </a:effectRef>
           <a:fontRef idx="minor">
             <a:schemeClr val="lt1"/>
           </a:fontRef>
         </p:style>
+        <p:txBody>
+          <a:bodyPr rtlCol="0" anchor="ctr"/>
+          <a:lstStyle/>
+          <a:p>
+            <a:pPr algn="ctr"/>
+            <a:endParaRPr lang="en-US"/>
+          </a:p>
+        </p:txBody>
       </p:sp>
       <p:sp>
         <p:nvSpPr>
-          <p:cNvPr id="40" name="Freeform 6">
+          <p:cNvPr id="2" name="Title 1">
             <a:extLst>
               <a:ext uri="{FF2B5EF4-FFF2-40B4-BE49-F238E27FC236}">
-                <a16:creationId xmlns:a16="http://schemas.microsoft.com/office/drawing/2014/main" id="{3623DEAC-F39C-45D6-86DC-1033F6429528}"/>
+                <a16:creationId xmlns:a16="http://schemas.microsoft.com/office/drawing/2014/main" id="{CBDA16AB-112F-AB94-B1FF-524DE7366D8A}"/>
+              </a:ext>
+            </a:extLst>
+          </p:cNvPr>
+          <p:cNvSpPr>
+            <a:spLocks noGrp="1"/>
+          </p:cNvSpPr>
+          <p:nvPr>
+            <p:ph type="title"/>
+          </p:nvPr>
+        </p:nvSpPr>
+        <p:spPr>
+          <a:xfrm>
+            <a:off x="1259893" y="3101093"/>
+            <a:ext cx="2454052" cy="3029344"/>
+          </a:xfrm>
+        </p:spPr>
+        <p:txBody>
+          <a:bodyPr>
+            <a:normAutofit/>
+          </a:bodyPr>
+          <a:lstStyle/>
+          <a:p>
+            <a:r>
+              <a:rPr lang="en-US" sz="3200" dirty="0">
+                <a:solidFill>
+                  <a:srgbClr val="FEFFFF"/>
+                </a:solidFill>
+              </a:rPr>
+              <a:t>Demonstration: </a:t>
+            </a:r>
+            <a:r>
+              <a:rPr lang="en-US" sz="3200" dirty="0">
+                <a:solidFill>
+                  <a:srgbClr val="FEFFFF"/>
+                </a:solidFill>
+                <a:hlinkClick r:id="rId2"/>
+              </a:rPr>
+              <a:t>Dash</a:t>
+            </a:r>
+            <a:r>
+              <a:rPr lang="en-US" sz="3200" dirty="0">
+                <a:solidFill>
+                  <a:srgbClr val="FEFFFF"/>
+                </a:solidFill>
+              </a:rPr>
+              <a:t> / Code</a:t>
+            </a:r>
+            <a:endParaRPr lang="en-SE" sz="3200" dirty="0">
+              <a:solidFill>
+                <a:schemeClr val="bg1"/>
+              </a:solidFill>
+            </a:endParaRPr>
+          </a:p>
+        </p:txBody>
+      </p:sp>
+      <p:sp>
+        <p:nvSpPr>
+          <p:cNvPr id="25" name="Freeform 11">
+            <a:extLst>
+              <a:ext uri="{FF2B5EF4-FFF2-40B4-BE49-F238E27FC236}">
+                <a16:creationId xmlns:a16="http://schemas.microsoft.com/office/drawing/2014/main" id="{60F880A6-33D3-4EEC-A780-B73559B9F24C}"/>
               </a:ext>
               <a:ext uri="{C183D7F6-B498-43B3-948B-1728B52AA6E4}">
                 <adec:decorative xmlns:adec="http://schemas.microsoft.com/office/drawing/2017/decorative" val="1"/>
@@ -36742,69 +35074,162 @@
           </p:nvPr>
         </p:nvSpPr>
         <p:spPr bwMode="auto">
-          <a:xfrm>
-            <a:off x="0" y="4323810"/>
-            <a:ext cx="1744652" cy="778589"/>
+          <a:xfrm flipV="1">
+            <a:off x="-159" y="3179901"/>
+            <a:ext cx="1098194" cy="514066"/>
           </a:xfrm>
           <a:custGeom>
             <a:avLst/>
-            <a:gdLst/>
+            <a:gdLst>
+              <a:gd name="connsiteX0" fmla="*/ 10000 w 10044"/>
+              <a:gd name="connsiteY0" fmla="*/ 4701 h 9966"/>
+              <a:gd name="connsiteX1" fmla="*/ 8559 w 10044"/>
+              <a:gd name="connsiteY1" fmla="*/ 188 h 9966"/>
+              <a:gd name="connsiteX2" fmla="*/ 8527 w 10044"/>
+              <a:gd name="connsiteY2" fmla="*/ 94 h 9966"/>
+              <a:gd name="connsiteX3" fmla="*/ 8438 w 10044"/>
+              <a:gd name="connsiteY3" fmla="*/ 0 h 9966"/>
+              <a:gd name="connsiteX4" fmla="*/ 7867 w 10044"/>
+              <a:gd name="connsiteY4" fmla="*/ 0 h 9966"/>
+              <a:gd name="connsiteX5" fmla="*/ 0 w 10044"/>
+              <a:gd name="connsiteY5" fmla="*/ 70 h 9966"/>
+              <a:gd name="connsiteX6" fmla="*/ 3132 w 10044"/>
+              <a:gd name="connsiteY6" fmla="*/ 9763 h 9966"/>
+              <a:gd name="connsiteX7" fmla="*/ 7867 w 10044"/>
+              <a:gd name="connsiteY7" fmla="*/ 9966 h 9966"/>
+              <a:gd name="connsiteX8" fmla="*/ 8438 w 10044"/>
+              <a:gd name="connsiteY8" fmla="*/ 9966 h 9966"/>
+              <a:gd name="connsiteX9" fmla="*/ 8527 w 10044"/>
+              <a:gd name="connsiteY9" fmla="*/ 9872 h 9966"/>
+              <a:gd name="connsiteX10" fmla="*/ 8559 w 10044"/>
+              <a:gd name="connsiteY10" fmla="*/ 9778 h 9966"/>
+              <a:gd name="connsiteX11" fmla="*/ 10000 w 10044"/>
+              <a:gd name="connsiteY11" fmla="*/ 5265 h 9966"/>
+              <a:gd name="connsiteX12" fmla="*/ 10000 w 10044"/>
+              <a:gd name="connsiteY12" fmla="*/ 4701 h 9966"/>
+              <a:gd name="connsiteX0" fmla="*/ 6839 w 6883"/>
+              <a:gd name="connsiteY0" fmla="*/ 4885 h 10168"/>
+              <a:gd name="connsiteX1" fmla="*/ 5405 w 6883"/>
+              <a:gd name="connsiteY1" fmla="*/ 357 h 10168"/>
+              <a:gd name="connsiteX2" fmla="*/ 5373 w 6883"/>
+              <a:gd name="connsiteY2" fmla="*/ 262 h 10168"/>
+              <a:gd name="connsiteX3" fmla="*/ 5284 w 6883"/>
+              <a:gd name="connsiteY3" fmla="*/ 168 h 10168"/>
+              <a:gd name="connsiteX4" fmla="*/ 4716 w 6883"/>
+              <a:gd name="connsiteY4" fmla="*/ 168 h 10168"/>
+              <a:gd name="connsiteX5" fmla="*/ 50 w 6883"/>
+              <a:gd name="connsiteY5" fmla="*/ 0 h 10168"/>
+              <a:gd name="connsiteX6" fmla="*/ 1 w 6883"/>
+              <a:gd name="connsiteY6" fmla="*/ 9964 h 10168"/>
+              <a:gd name="connsiteX7" fmla="*/ 4716 w 6883"/>
+              <a:gd name="connsiteY7" fmla="*/ 10168 h 10168"/>
+              <a:gd name="connsiteX8" fmla="*/ 5284 w 6883"/>
+              <a:gd name="connsiteY8" fmla="*/ 10168 h 10168"/>
+              <a:gd name="connsiteX9" fmla="*/ 5373 w 6883"/>
+              <a:gd name="connsiteY9" fmla="*/ 10074 h 10168"/>
+              <a:gd name="connsiteX10" fmla="*/ 5405 w 6883"/>
+              <a:gd name="connsiteY10" fmla="*/ 9979 h 10168"/>
+              <a:gd name="connsiteX11" fmla="*/ 6839 w 6883"/>
+              <a:gd name="connsiteY11" fmla="*/ 5451 h 10168"/>
+              <a:gd name="connsiteX12" fmla="*/ 6839 w 6883"/>
+              <a:gd name="connsiteY12" fmla="*/ 4885 h 10168"/>
+            </a:gdLst>
             <a:ahLst/>
-            <a:cxnLst/>
-            <a:rect l="0" t="0" r="r" b="b"/>
+            <a:cxnLst>
+              <a:cxn ang="0">
+                <a:pos x="connsiteX0" y="connsiteY0"/>
+              </a:cxn>
+              <a:cxn ang="0">
+                <a:pos x="connsiteX1" y="connsiteY1"/>
+              </a:cxn>
+              <a:cxn ang="0">
+                <a:pos x="connsiteX2" y="connsiteY2"/>
+              </a:cxn>
+              <a:cxn ang="0">
+                <a:pos x="connsiteX3" y="connsiteY3"/>
+              </a:cxn>
+              <a:cxn ang="0">
+                <a:pos x="connsiteX4" y="connsiteY4"/>
+              </a:cxn>
+              <a:cxn ang="0">
+                <a:pos x="connsiteX5" y="connsiteY5"/>
+              </a:cxn>
+              <a:cxn ang="0">
+                <a:pos x="connsiteX6" y="connsiteY6"/>
+              </a:cxn>
+              <a:cxn ang="0">
+                <a:pos x="connsiteX7" y="connsiteY7"/>
+              </a:cxn>
+              <a:cxn ang="0">
+                <a:pos x="connsiteX8" y="connsiteY8"/>
+              </a:cxn>
+              <a:cxn ang="0">
+                <a:pos x="connsiteX9" y="connsiteY9"/>
+              </a:cxn>
+              <a:cxn ang="0">
+                <a:pos x="connsiteX10" y="connsiteY10"/>
+              </a:cxn>
+              <a:cxn ang="0">
+                <a:pos x="connsiteX11" y="connsiteY11"/>
+              </a:cxn>
+              <a:cxn ang="0">
+                <a:pos x="connsiteX12" y="connsiteY12"/>
+              </a:cxn>
+            </a:cxnLst>
+            <a:rect l="l" t="t" r="r" b="b"/>
             <a:pathLst>
-              <a:path w="372" h="166">
+              <a:path w="6883" h="10168">
                 <a:moveTo>
-                  <a:pt x="287" y="166"/>
+                  <a:pt x="6839" y="4885"/>
                 </a:moveTo>
+                <a:lnTo>
+                  <a:pt x="5405" y="357"/>
+                </a:lnTo>
                 <a:cubicBezTo>
-                  <a:pt x="290" y="166"/>
-                  <a:pt x="292" y="165"/>
-                  <a:pt x="293" y="164"/>
+                  <a:pt x="5395" y="325"/>
+                  <a:pt x="5383" y="294"/>
+                  <a:pt x="5373" y="262"/>
                 </a:cubicBezTo>
                 <a:cubicBezTo>
-                  <a:pt x="293" y="163"/>
-                  <a:pt x="294" y="163"/>
-                  <a:pt x="294" y="163"/>
+                  <a:pt x="5344" y="168"/>
+                  <a:pt x="5314" y="168"/>
+                  <a:pt x="5284" y="168"/>
+                </a:cubicBezTo>
+                <a:lnTo>
+                  <a:pt x="4716" y="168"/>
+                </a:lnTo>
+                <a:lnTo>
+                  <a:pt x="50" y="0"/>
+                </a:lnTo>
+                <a:cubicBezTo>
+                  <a:pt x="59" y="3322"/>
+                  <a:pt x="-8" y="6643"/>
+                  <a:pt x="1" y="9964"/>
+                </a:cubicBezTo>
+                <a:lnTo>
+                  <a:pt x="4716" y="10168"/>
+                </a:lnTo>
+                <a:lnTo>
+                  <a:pt x="5284" y="10168"/>
+                </a:lnTo>
+                <a:cubicBezTo>
+                  <a:pt x="5314" y="10168"/>
+                  <a:pt x="5344" y="10074"/>
+                  <a:pt x="5373" y="10074"/>
                 </a:cubicBezTo>
                 <a:cubicBezTo>
-                  <a:pt x="370" y="87"/>
-                  <a:pt x="370" y="87"/>
-                  <a:pt x="370" y="87"/>
-                </a:cubicBezTo>
-                <a:cubicBezTo>
-                  <a:pt x="372" y="85"/>
-                  <a:pt x="372" y="81"/>
-                  <a:pt x="370" y="78"/>
-                </a:cubicBezTo>
-                <a:cubicBezTo>
-                  <a:pt x="294" y="3"/>
-                  <a:pt x="294" y="3"/>
-                  <a:pt x="294" y="3"/>
-                </a:cubicBezTo>
-                <a:cubicBezTo>
-                  <a:pt x="294" y="2"/>
-                  <a:pt x="293" y="2"/>
-                  <a:pt x="293" y="2"/>
-                </a:cubicBezTo>
-                <a:cubicBezTo>
-                  <a:pt x="292" y="1"/>
-                  <a:pt x="290" y="0"/>
-                  <a:pt x="287" y="0"/>
-                </a:cubicBezTo>
-                <a:cubicBezTo>
-                  <a:pt x="0" y="0"/>
-                  <a:pt x="0" y="0"/>
-                  <a:pt x="0" y="0"/>
-                </a:cubicBezTo>
-                <a:cubicBezTo>
-                  <a:pt x="0" y="166"/>
-                  <a:pt x="0" y="166"/>
-                  <a:pt x="0" y="166"/>
+                  <a:pt x="5373" y="9979"/>
+                  <a:pt x="5405" y="9979"/>
+                  <a:pt x="5405" y="9979"/>
                 </a:cubicBezTo>
                 <a:lnTo>
-                  <a:pt x="287" y="166"/>
+                  <a:pt x="6839" y="5451"/>
                 </a:lnTo>
+                <a:cubicBezTo>
+                  <a:pt x="6898" y="5262"/>
+                  <a:pt x="6898" y="5074"/>
+                  <a:pt x="6839" y="4885"/>
+                </a:cubicBezTo>
                 <a:close/>
               </a:path>
             </a:pathLst>
@@ -36819,10 +35244,10 @@
       </p:sp>
       <p:sp useBgFill="1">
         <p:nvSpPr>
-          <p:cNvPr id="42" name="Rectangle 41">
+          <p:cNvPr id="27" name="Rectangle 26">
             <a:extLst>
               <a:ext uri="{FF2B5EF4-FFF2-40B4-BE49-F238E27FC236}">
-                <a16:creationId xmlns:a16="http://schemas.microsoft.com/office/drawing/2014/main" id="{A692209D-B607-46C3-8560-07AF72291659}"/>
+                <a16:creationId xmlns:a16="http://schemas.microsoft.com/office/drawing/2014/main" id="{2C6246ED-0535-4496-A8F6-1E80CC4EB853}"/>
               </a:ext>
               <a:ext uri="{C183D7F6-B498-43B3-948B-1728B52AA6E4}">
                 <adec:decorative xmlns:adec="http://schemas.microsoft.com/office/drawing/2017/decorative" val="1"/>
@@ -36842,8 +35267,8 @@
         </p:nvSpPr>
         <p:spPr>
           <a:xfrm>
-            <a:off x="0" y="-786"/>
-            <a:ext cx="12192000" cy="6854038"/>
+            <a:off x="4795736" y="0"/>
+            <a:ext cx="7396264" cy="6858000"/>
           </a:xfrm>
           <a:prstGeom prst="rect">
             <a:avLst/>
@@ -36877,374 +35302,12 @@
           </a:p>
         </p:txBody>
       </p:sp>
-      <p:sp>
-        <p:nvSpPr>
-          <p:cNvPr id="44" name="Rectangle 43">
-            <a:extLst>
-              <a:ext uri="{FF2B5EF4-FFF2-40B4-BE49-F238E27FC236}">
-                <a16:creationId xmlns:a16="http://schemas.microsoft.com/office/drawing/2014/main" id="{94874638-CF15-4908-BC4B-4908744D0BAF}"/>
-              </a:ext>
-              <a:ext uri="{C183D7F6-B498-43B3-948B-1728B52AA6E4}">
-                <adec:decorative xmlns:adec="http://schemas.microsoft.com/office/drawing/2017/decorative" val="1"/>
-              </a:ext>
-            </a:extLst>
-          </p:cNvPr>
-          <p:cNvSpPr>
-            <a:spLocks noGrp="1" noRot="1" noChangeAspect="1" noMove="1" noResize="1" noEditPoints="1" noAdjustHandles="1" noChangeArrowheads="1" noChangeShapeType="1" noTextEdit="1"/>
-          </p:cNvSpPr>
-          <p:nvPr>
-            <p:extLst>
-              <p:ext uri="{386F3935-93C4-4BCD-93E2-E3B085C9AB24}">
-                <p16:designElem xmlns:p16="http://schemas.microsoft.com/office/powerpoint/2015/main" val="1"/>
-              </p:ext>
-            </p:extLst>
-          </p:nvPr>
-        </p:nvSpPr>
-        <p:spPr bwMode="white">
-          <a:xfrm>
-            <a:off x="-1" y="0"/>
-            <a:ext cx="4639734" cy="6858000"/>
-          </a:xfrm>
-          <a:prstGeom prst="rect">
-            <a:avLst/>
-          </a:prstGeom>
-          <a:solidFill>
-            <a:schemeClr val="tx2">
-              <a:lumMod val="50000"/>
-              <a:alpha val="90000"/>
-            </a:schemeClr>
-          </a:solidFill>
-          <a:ln>
-            <a:noFill/>
-          </a:ln>
-          <a:effectLst/>
-        </p:spPr>
-        <p:style>
-          <a:lnRef idx="1">
-            <a:schemeClr val="accent1"/>
-          </a:lnRef>
-          <a:fillRef idx="3">
-            <a:schemeClr val="accent1"/>
-          </a:fillRef>
-          <a:effectRef idx="2">
-            <a:schemeClr val="accent1"/>
-          </a:effectRef>
-          <a:fontRef idx="minor">
-            <a:schemeClr val="lt1"/>
-          </a:fontRef>
-        </p:style>
-      </p:sp>
-      <p:sp>
-        <p:nvSpPr>
-          <p:cNvPr id="2" name="Title 1">
-            <a:extLst>
-              <a:ext uri="{FF2B5EF4-FFF2-40B4-BE49-F238E27FC236}">
-                <a16:creationId xmlns:a16="http://schemas.microsoft.com/office/drawing/2014/main" id="{5A791183-00C2-F32B-D85F-BA0EDD454243}"/>
-              </a:ext>
-            </a:extLst>
-          </p:cNvPr>
-          <p:cNvSpPr>
-            <a:spLocks noGrp="1"/>
-          </p:cNvSpPr>
-          <p:nvPr>
-            <p:ph type="title"/>
-          </p:nvPr>
-        </p:nvSpPr>
-        <p:spPr>
-          <a:xfrm>
-            <a:off x="540279" y="967417"/>
-            <a:ext cx="3778870" cy="3943250"/>
-          </a:xfrm>
-        </p:spPr>
-        <p:txBody>
-          <a:bodyPr vert="horz" lIns="91440" tIns="45720" rIns="91440" bIns="45720" rtlCol="0" anchor="b">
-            <a:normAutofit/>
-          </a:bodyPr>
-          <a:lstStyle/>
-          <a:p>
-            <a:r>
-              <a:rPr lang="en-US" sz="3700">
-                <a:solidFill>
-                  <a:srgbClr val="FEFFFF"/>
-                </a:solidFill>
-              </a:rPr>
-              <a:t>Demonstration: </a:t>
-            </a:r>
-            <a:r>
-              <a:rPr lang="en-US" sz="3700">
-                <a:solidFill>
-                  <a:srgbClr val="FEFFFF"/>
-                </a:solidFill>
-                <a:hlinkClick r:id="rId2"/>
-              </a:rPr>
-              <a:t>Dash</a:t>
-            </a:r>
-            <a:r>
-              <a:rPr lang="en-US" sz="3700">
-                <a:solidFill>
-                  <a:srgbClr val="FEFFFF"/>
-                </a:solidFill>
-              </a:rPr>
-              <a:t> / Code</a:t>
-            </a:r>
-          </a:p>
-        </p:txBody>
-      </p:sp>
-      <p:sp>
-        <p:nvSpPr>
-          <p:cNvPr id="46" name="Freeform 5">
-            <a:extLst>
-              <a:ext uri="{FF2B5EF4-FFF2-40B4-BE49-F238E27FC236}">
-                <a16:creationId xmlns:a16="http://schemas.microsoft.com/office/drawing/2014/main" id="{5F1B8348-CD6E-4561-A704-C232D9A2676D}"/>
-              </a:ext>
-              <a:ext uri="{C183D7F6-B498-43B3-948B-1728B52AA6E4}">
-                <adec:decorative xmlns:adec="http://schemas.microsoft.com/office/drawing/2017/decorative" val="1"/>
-              </a:ext>
-            </a:extLst>
-          </p:cNvPr>
-          <p:cNvSpPr>
-            <a:spLocks noGrp="1" noRot="1" noChangeAspect="1" noMove="1" noResize="1" noEditPoints="1" noAdjustHandles="1" noChangeArrowheads="1" noChangeShapeType="1" noTextEdit="1"/>
-          </p:cNvSpPr>
-          <p:nvPr>
-            <p:extLst>
-              <p:ext uri="{386F3935-93C4-4BCD-93E2-E3B085C9AB24}">
-                <p16:designElem xmlns:p16="http://schemas.microsoft.com/office/powerpoint/2015/main" val="1"/>
-              </p:ext>
-            </p:extLst>
-          </p:nvPr>
-        </p:nvSpPr>
-        <p:spPr bwMode="grayWhite">
-          <a:xfrm>
-            <a:off x="0" y="5033007"/>
-            <a:ext cx="5404022" cy="857047"/>
-          </a:xfrm>
-          <a:custGeom>
-            <a:avLst/>
-            <a:gdLst>
-              <a:gd name="T0" fmla="*/ 1114 w 1117"/>
-              <a:gd name="T1" fmla="*/ 77 h 163"/>
-              <a:gd name="T2" fmla="*/ 1040 w 1117"/>
-              <a:gd name="T3" fmla="*/ 3 h 163"/>
-              <a:gd name="T4" fmla="*/ 1039 w 1117"/>
-              <a:gd name="T5" fmla="*/ 2 h 163"/>
-              <a:gd name="T6" fmla="*/ 1034 w 1117"/>
-              <a:gd name="T7" fmla="*/ 0 h 163"/>
-              <a:gd name="T8" fmla="*/ 578 w 1117"/>
-              <a:gd name="T9" fmla="*/ 0 h 163"/>
-              <a:gd name="T10" fmla="*/ 562 w 1117"/>
-              <a:gd name="T11" fmla="*/ 0 h 163"/>
-              <a:gd name="T12" fmla="*/ 440 w 1117"/>
-              <a:gd name="T13" fmla="*/ 0 h 163"/>
-              <a:gd name="T14" fmla="*/ 106 w 1117"/>
-              <a:gd name="T15" fmla="*/ 0 h 163"/>
-              <a:gd name="T16" fmla="*/ 0 w 1117"/>
-              <a:gd name="T17" fmla="*/ 0 h 163"/>
-              <a:gd name="T18" fmla="*/ 0 w 1117"/>
-              <a:gd name="T19" fmla="*/ 163 h 163"/>
-              <a:gd name="T20" fmla="*/ 106 w 1117"/>
-              <a:gd name="T21" fmla="*/ 163 h 163"/>
-              <a:gd name="T22" fmla="*/ 440 w 1117"/>
-              <a:gd name="T23" fmla="*/ 163 h 163"/>
-              <a:gd name="T24" fmla="*/ 562 w 1117"/>
-              <a:gd name="T25" fmla="*/ 163 h 163"/>
-              <a:gd name="T26" fmla="*/ 578 w 1117"/>
-              <a:gd name="T27" fmla="*/ 163 h 163"/>
-              <a:gd name="T28" fmla="*/ 1034 w 1117"/>
-              <a:gd name="T29" fmla="*/ 163 h 163"/>
-              <a:gd name="T30" fmla="*/ 1039 w 1117"/>
-              <a:gd name="T31" fmla="*/ 161 h 163"/>
-              <a:gd name="T32" fmla="*/ 1040 w 1117"/>
-              <a:gd name="T33" fmla="*/ 160 h 163"/>
-              <a:gd name="T34" fmla="*/ 1114 w 1117"/>
-              <a:gd name="T35" fmla="*/ 86 h 163"/>
-              <a:gd name="T36" fmla="*/ 1114 w 1117"/>
-              <a:gd name="T37" fmla="*/ 77 h 163"/>
-            </a:gdLst>
-            <a:ahLst/>
-            <a:cxnLst>
-              <a:cxn ang="0">
-                <a:pos x="T0" y="T1"/>
-              </a:cxn>
-              <a:cxn ang="0">
-                <a:pos x="T2" y="T3"/>
-              </a:cxn>
-              <a:cxn ang="0">
-                <a:pos x="T4" y="T5"/>
-              </a:cxn>
-              <a:cxn ang="0">
-                <a:pos x="T6" y="T7"/>
-              </a:cxn>
-              <a:cxn ang="0">
-                <a:pos x="T8" y="T9"/>
-              </a:cxn>
-              <a:cxn ang="0">
-                <a:pos x="T10" y="T11"/>
-              </a:cxn>
-              <a:cxn ang="0">
-                <a:pos x="T12" y="T13"/>
-              </a:cxn>
-              <a:cxn ang="0">
-                <a:pos x="T14" y="T15"/>
-              </a:cxn>
-              <a:cxn ang="0">
-                <a:pos x="T16" y="T17"/>
-              </a:cxn>
-              <a:cxn ang="0">
-                <a:pos x="T18" y="T19"/>
-              </a:cxn>
-              <a:cxn ang="0">
-                <a:pos x="T20" y="T21"/>
-              </a:cxn>
-              <a:cxn ang="0">
-                <a:pos x="T22" y="T23"/>
-              </a:cxn>
-              <a:cxn ang="0">
-                <a:pos x="T24" y="T25"/>
-              </a:cxn>
-              <a:cxn ang="0">
-                <a:pos x="T26" y="T27"/>
-              </a:cxn>
-              <a:cxn ang="0">
-                <a:pos x="T28" y="T29"/>
-              </a:cxn>
-              <a:cxn ang="0">
-                <a:pos x="T30" y="T31"/>
-              </a:cxn>
-              <a:cxn ang="0">
-                <a:pos x="T32" y="T33"/>
-              </a:cxn>
-              <a:cxn ang="0">
-                <a:pos x="T34" y="T35"/>
-              </a:cxn>
-              <a:cxn ang="0">
-                <a:pos x="T36" y="T37"/>
-              </a:cxn>
-            </a:cxnLst>
-            <a:rect l="0" t="0" r="r" b="b"/>
-            <a:pathLst>
-              <a:path w="1117" h="163">
-                <a:moveTo>
-                  <a:pt x="1114" y="77"/>
-                </a:moveTo>
-                <a:cubicBezTo>
-                  <a:pt x="1040" y="3"/>
-                  <a:pt x="1040" y="3"/>
-                  <a:pt x="1040" y="3"/>
-                </a:cubicBezTo>
-                <a:cubicBezTo>
-                  <a:pt x="1040" y="2"/>
-                  <a:pt x="1039" y="2"/>
-                  <a:pt x="1039" y="2"/>
-                </a:cubicBezTo>
-                <a:cubicBezTo>
-                  <a:pt x="1038" y="1"/>
-                  <a:pt x="1036" y="0"/>
-                  <a:pt x="1034" y="0"/>
-                </a:cubicBezTo>
-                <a:cubicBezTo>
-                  <a:pt x="578" y="0"/>
-                  <a:pt x="578" y="0"/>
-                  <a:pt x="578" y="0"/>
-                </a:cubicBezTo>
-                <a:cubicBezTo>
-                  <a:pt x="562" y="0"/>
-                  <a:pt x="562" y="0"/>
-                  <a:pt x="562" y="0"/>
-                </a:cubicBezTo>
-                <a:cubicBezTo>
-                  <a:pt x="440" y="0"/>
-                  <a:pt x="440" y="0"/>
-                  <a:pt x="440" y="0"/>
-                </a:cubicBezTo>
-                <a:cubicBezTo>
-                  <a:pt x="106" y="0"/>
-                  <a:pt x="106" y="0"/>
-                  <a:pt x="106" y="0"/>
-                </a:cubicBezTo>
-                <a:cubicBezTo>
-                  <a:pt x="0" y="0"/>
-                  <a:pt x="0" y="0"/>
-                  <a:pt x="0" y="0"/>
-                </a:cubicBezTo>
-                <a:cubicBezTo>
-                  <a:pt x="0" y="163"/>
-                  <a:pt x="0" y="163"/>
-                  <a:pt x="0" y="163"/>
-                </a:cubicBezTo>
-                <a:cubicBezTo>
-                  <a:pt x="106" y="163"/>
-                  <a:pt x="106" y="163"/>
-                  <a:pt x="106" y="163"/>
-                </a:cubicBezTo>
-                <a:cubicBezTo>
-                  <a:pt x="440" y="163"/>
-                  <a:pt x="440" y="163"/>
-                  <a:pt x="440" y="163"/>
-                </a:cubicBezTo>
-                <a:cubicBezTo>
-                  <a:pt x="562" y="163"/>
-                  <a:pt x="562" y="163"/>
-                  <a:pt x="562" y="163"/>
-                </a:cubicBezTo>
-                <a:cubicBezTo>
-                  <a:pt x="578" y="163"/>
-                  <a:pt x="578" y="163"/>
-                  <a:pt x="578" y="163"/>
-                </a:cubicBezTo>
-                <a:cubicBezTo>
-                  <a:pt x="1034" y="163"/>
-                  <a:pt x="1034" y="163"/>
-                  <a:pt x="1034" y="163"/>
-                </a:cubicBezTo>
-                <a:cubicBezTo>
-                  <a:pt x="1036" y="163"/>
-                  <a:pt x="1038" y="162"/>
-                  <a:pt x="1039" y="161"/>
-                </a:cubicBezTo>
-                <a:cubicBezTo>
-                  <a:pt x="1039" y="160"/>
-                  <a:pt x="1040" y="160"/>
-                  <a:pt x="1040" y="160"/>
-                </a:cubicBezTo>
-                <a:cubicBezTo>
-                  <a:pt x="1114" y="86"/>
-                  <a:pt x="1114" y="86"/>
-                  <a:pt x="1114" y="86"/>
-                </a:cubicBezTo>
-                <a:cubicBezTo>
-                  <a:pt x="1117" y="83"/>
-                  <a:pt x="1117" y="79"/>
-                  <a:pt x="1114" y="77"/>
-                </a:cubicBezTo>
-                <a:close/>
-              </a:path>
-            </a:pathLst>
-          </a:custGeom>
-          <a:solidFill>
-            <a:schemeClr val="accent1"/>
-          </a:solidFill>
-          <a:ln>
-            <a:noFill/>
-          </a:ln>
-        </p:spPr>
-        <p:txBody>
-          <a:bodyPr vert="horz" wrap="square" lIns="91440" tIns="45720" rIns="91440" bIns="45720" numCol="1" anchor="t" anchorCtr="0" compatLnSpc="1">
-            <a:prstTxWarp prst="textNoShape">
-              <a:avLst/>
-            </a:prstTxWarp>
-          </a:bodyPr>
-          <a:lstStyle/>
-          <a:p>
-            <a:endParaRPr lang="en-US"/>
-          </a:p>
-        </p:txBody>
-      </p:sp>
       <p:pic>
         <p:nvPicPr>
           <p:cNvPr id="5" name="Picture 4">
             <a:extLst>
               <a:ext uri="{FF2B5EF4-FFF2-40B4-BE49-F238E27FC236}">
-                <a16:creationId xmlns:a16="http://schemas.microsoft.com/office/drawing/2014/main" id="{CB978E46-8667-B4E2-E949-8EA44B8DC95E}"/>
+                <a16:creationId xmlns:a16="http://schemas.microsoft.com/office/drawing/2014/main" id="{49C81E49-5CE9-A86F-A8D0-58891999B4B6}"/>
               </a:ext>
             </a:extLst>
           </p:cNvPr>
@@ -37261,8 +35324,8 @@
         </p:blipFill>
         <p:spPr>
           <a:xfrm>
-            <a:off x="5587994" y="1726399"/>
-            <a:ext cx="5640502" cy="3412503"/>
+            <a:off x="4784783" y="1021376"/>
+            <a:ext cx="7135620" cy="4317050"/>
           </a:xfrm>
           <a:prstGeom prst="rect">
             <a:avLst/>
@@ -37272,7 +35335,7 @@
     </p:spTree>
     <p:extLst>
       <p:ext uri="{BB962C8B-B14F-4D97-AF65-F5344CB8AC3E}">
-        <p14:creationId xmlns:p14="http://schemas.microsoft.com/office/powerpoint/2010/main" val="2690921514"/>
+        <p14:creationId xmlns:p14="http://schemas.microsoft.com/office/powerpoint/2010/main" val="3188067460"/>
       </p:ext>
     </p:extLst>
   </p:cSld>
@@ -37282,7 +35345,7 @@
 </p:sld>
 </file>
 
-<file path=ppt/slides/slide4.xml><?xml version="1.0" encoding="utf-8"?>
+<file path=ppt/slides/slide5.xml><?xml version="1.0" encoding="utf-8"?>
 <p:sld xmlns:a="http://schemas.openxmlformats.org/drawingml/2006/main" xmlns:r="http://schemas.openxmlformats.org/officeDocument/2006/relationships" xmlns:p="http://schemas.openxmlformats.org/presentationml/2006/main">
   <p:cSld>
     <p:bg>
@@ -37711,452 +35774,6 @@
     <p:extLst>
       <p:ext uri="{BB962C8B-B14F-4D97-AF65-F5344CB8AC3E}">
         <p14:creationId xmlns:p14="http://schemas.microsoft.com/office/powerpoint/2010/main" val="3798099090"/>
-      </p:ext>
-    </p:extLst>
-  </p:cSld>
-  <p:clrMapOvr>
-    <a:masterClrMapping/>
-  </p:clrMapOvr>
-</p:sld>
-</file>
-
-<file path=ppt/slides/slide5.xml><?xml version="1.0" encoding="utf-8"?>
-<p:sld xmlns:a="http://schemas.openxmlformats.org/drawingml/2006/main" xmlns:r="http://schemas.openxmlformats.org/officeDocument/2006/relationships" xmlns:p="http://schemas.openxmlformats.org/presentationml/2006/main">
-  <p:cSld>
-    <p:bg>
-      <p:bgPr>
-        <a:gradFill rotWithShape="1">
-          <a:gsLst>
-            <a:gs pos="0">
-              <a:schemeClr val="bg2">
-                <a:tint val="90000"/>
-                <a:satMod val="92000"/>
-                <a:lumMod val="120000"/>
-              </a:schemeClr>
-            </a:gs>
-            <a:gs pos="100000">
-              <a:schemeClr val="bg2">
-                <a:shade val="98000"/>
-                <a:satMod val="120000"/>
-                <a:lumMod val="98000"/>
-              </a:schemeClr>
-            </a:gs>
-          </a:gsLst>
-          <a:path path="circle">
-            <a:fillToRect l="50000" t="50000" r="100000" b="100000"/>
-          </a:path>
-        </a:gradFill>
-        <a:effectLst/>
-      </p:bgPr>
-    </p:bg>
-    <p:spTree>
-      <p:nvGrpSpPr>
-        <p:cNvPr id="1" name=""/>
-        <p:cNvGrpSpPr/>
-        <p:nvPr/>
-      </p:nvGrpSpPr>
-      <p:grpSpPr>
-        <a:xfrm>
-          <a:off x="0" y="0"/>
-          <a:ext cx="0" cy="0"/>
-          <a:chOff x="0" y="0"/>
-          <a:chExt cx="0" cy="0"/>
-        </a:xfrm>
-      </p:grpSpPr>
-      <p:sp>
-        <p:nvSpPr>
-          <p:cNvPr id="9" name="Rectangle 8">
-            <a:extLst>
-              <a:ext uri="{FF2B5EF4-FFF2-40B4-BE49-F238E27FC236}">
-                <a16:creationId xmlns:a16="http://schemas.microsoft.com/office/drawing/2014/main" id="{A3D9AEEE-1CCD-43C0-BA3E-16D60A6E23C0}"/>
-              </a:ext>
-              <a:ext uri="{C183D7F6-B498-43B3-948B-1728B52AA6E4}">
-                <adec:decorative xmlns:adec="http://schemas.microsoft.com/office/drawing/2017/decorative" val="1"/>
-              </a:ext>
-            </a:extLst>
-          </p:cNvPr>
-          <p:cNvSpPr>
-            <a:spLocks noGrp="1" noRot="1" noChangeAspect="1" noMove="1" noResize="1" noEditPoints="1" noAdjustHandles="1" noChangeArrowheads="1" noChangeShapeType="1" noTextEdit="1"/>
-          </p:cNvSpPr>
-          <p:nvPr>
-            <p:extLst>
-              <p:ext uri="{386F3935-93C4-4BCD-93E2-E3B085C9AB24}">
-                <p16:designElem xmlns:p16="http://schemas.microsoft.com/office/powerpoint/2015/main" val="1"/>
-              </p:ext>
-            </p:extLst>
-          </p:nvPr>
-        </p:nvSpPr>
-        <p:spPr>
-          <a:xfrm>
-            <a:off x="1" y="0"/>
-            <a:ext cx="4059079" cy="6858000"/>
-          </a:xfrm>
-          <a:prstGeom prst="rect">
-            <a:avLst/>
-          </a:prstGeom>
-          <a:solidFill>
-            <a:schemeClr val="tx2"/>
-          </a:solidFill>
-          <a:ln>
-            <a:noFill/>
-          </a:ln>
-        </p:spPr>
-        <p:style>
-          <a:lnRef idx="2">
-            <a:schemeClr val="accent1">
-              <a:shade val="50000"/>
-            </a:schemeClr>
-          </a:lnRef>
-          <a:fillRef idx="1">
-            <a:schemeClr val="accent1"/>
-          </a:fillRef>
-          <a:effectRef idx="0">
-            <a:schemeClr val="accent1"/>
-          </a:effectRef>
-          <a:fontRef idx="minor">
-            <a:schemeClr val="lt1"/>
-          </a:fontRef>
-        </p:style>
-        <p:txBody>
-          <a:bodyPr rtlCol="0" anchor="ctr"/>
-          <a:lstStyle/>
-          <a:p>
-            <a:pPr algn="ctr"/>
-            <a:endParaRPr lang="en-US"/>
-          </a:p>
-        </p:txBody>
-      </p:sp>
-      <p:sp>
-        <p:nvSpPr>
-          <p:cNvPr id="2" name="Title 1">
-            <a:extLst>
-              <a:ext uri="{FF2B5EF4-FFF2-40B4-BE49-F238E27FC236}">
-                <a16:creationId xmlns:a16="http://schemas.microsoft.com/office/drawing/2014/main" id="{37143FDA-740D-CFEA-9B55-0F4DAC56C2C7}"/>
-              </a:ext>
-            </a:extLst>
-          </p:cNvPr>
-          <p:cNvSpPr>
-            <a:spLocks noGrp="1"/>
-          </p:cNvSpPr>
-          <p:nvPr>
-            <p:ph type="title"/>
-          </p:nvPr>
-        </p:nvSpPr>
-        <p:spPr>
-          <a:xfrm>
-            <a:off x="1259893" y="3101093"/>
-            <a:ext cx="2454052" cy="3029344"/>
-          </a:xfrm>
-        </p:spPr>
-        <p:txBody>
-          <a:bodyPr>
-            <a:normAutofit/>
-          </a:bodyPr>
-          <a:lstStyle/>
-          <a:p>
-            <a:r>
-              <a:rPr lang="en-US" sz="3200">
-                <a:solidFill>
-                  <a:schemeClr val="bg1"/>
-                </a:solidFill>
-              </a:rPr>
-              <a:t>Project group:</a:t>
-            </a:r>
-            <a:endParaRPr lang="en-SE" sz="3200">
-              <a:solidFill>
-                <a:schemeClr val="bg1"/>
-              </a:solidFill>
-            </a:endParaRPr>
-          </a:p>
-        </p:txBody>
-      </p:sp>
-      <p:sp>
-        <p:nvSpPr>
-          <p:cNvPr id="11" name="Freeform 11">
-            <a:extLst>
-              <a:ext uri="{FF2B5EF4-FFF2-40B4-BE49-F238E27FC236}">
-                <a16:creationId xmlns:a16="http://schemas.microsoft.com/office/drawing/2014/main" id="{60F880A6-33D3-4EEC-A780-B73559B9F24C}"/>
-              </a:ext>
-              <a:ext uri="{C183D7F6-B498-43B3-948B-1728B52AA6E4}">
-                <adec:decorative xmlns:adec="http://schemas.microsoft.com/office/drawing/2017/decorative" val="1"/>
-              </a:ext>
-            </a:extLst>
-          </p:cNvPr>
-          <p:cNvSpPr>
-            <a:spLocks noGrp="1" noRot="1" noChangeAspect="1" noMove="1" noResize="1" noEditPoints="1" noAdjustHandles="1" noChangeArrowheads="1" noChangeShapeType="1" noTextEdit="1"/>
-          </p:cNvSpPr>
-          <p:nvPr>
-            <p:extLst>
-              <p:ext uri="{386F3935-93C4-4BCD-93E2-E3B085C9AB24}">
-                <p16:designElem xmlns:p16="http://schemas.microsoft.com/office/powerpoint/2015/main" val="1"/>
-              </p:ext>
-            </p:extLst>
-          </p:nvPr>
-        </p:nvSpPr>
-        <p:spPr bwMode="auto">
-          <a:xfrm flipV="1">
-            <a:off x="-159" y="3179901"/>
-            <a:ext cx="1098194" cy="514066"/>
-          </a:xfrm>
-          <a:custGeom>
-            <a:avLst/>
-            <a:gdLst>
-              <a:gd name="connsiteX0" fmla="*/ 10000 w 10044"/>
-              <a:gd name="connsiteY0" fmla="*/ 4701 h 9966"/>
-              <a:gd name="connsiteX1" fmla="*/ 8559 w 10044"/>
-              <a:gd name="connsiteY1" fmla="*/ 188 h 9966"/>
-              <a:gd name="connsiteX2" fmla="*/ 8527 w 10044"/>
-              <a:gd name="connsiteY2" fmla="*/ 94 h 9966"/>
-              <a:gd name="connsiteX3" fmla="*/ 8438 w 10044"/>
-              <a:gd name="connsiteY3" fmla="*/ 0 h 9966"/>
-              <a:gd name="connsiteX4" fmla="*/ 7867 w 10044"/>
-              <a:gd name="connsiteY4" fmla="*/ 0 h 9966"/>
-              <a:gd name="connsiteX5" fmla="*/ 0 w 10044"/>
-              <a:gd name="connsiteY5" fmla="*/ 70 h 9966"/>
-              <a:gd name="connsiteX6" fmla="*/ 3132 w 10044"/>
-              <a:gd name="connsiteY6" fmla="*/ 9763 h 9966"/>
-              <a:gd name="connsiteX7" fmla="*/ 7867 w 10044"/>
-              <a:gd name="connsiteY7" fmla="*/ 9966 h 9966"/>
-              <a:gd name="connsiteX8" fmla="*/ 8438 w 10044"/>
-              <a:gd name="connsiteY8" fmla="*/ 9966 h 9966"/>
-              <a:gd name="connsiteX9" fmla="*/ 8527 w 10044"/>
-              <a:gd name="connsiteY9" fmla="*/ 9872 h 9966"/>
-              <a:gd name="connsiteX10" fmla="*/ 8559 w 10044"/>
-              <a:gd name="connsiteY10" fmla="*/ 9778 h 9966"/>
-              <a:gd name="connsiteX11" fmla="*/ 10000 w 10044"/>
-              <a:gd name="connsiteY11" fmla="*/ 5265 h 9966"/>
-              <a:gd name="connsiteX12" fmla="*/ 10000 w 10044"/>
-              <a:gd name="connsiteY12" fmla="*/ 4701 h 9966"/>
-              <a:gd name="connsiteX0" fmla="*/ 6839 w 6883"/>
-              <a:gd name="connsiteY0" fmla="*/ 4885 h 10168"/>
-              <a:gd name="connsiteX1" fmla="*/ 5405 w 6883"/>
-              <a:gd name="connsiteY1" fmla="*/ 357 h 10168"/>
-              <a:gd name="connsiteX2" fmla="*/ 5373 w 6883"/>
-              <a:gd name="connsiteY2" fmla="*/ 262 h 10168"/>
-              <a:gd name="connsiteX3" fmla="*/ 5284 w 6883"/>
-              <a:gd name="connsiteY3" fmla="*/ 168 h 10168"/>
-              <a:gd name="connsiteX4" fmla="*/ 4716 w 6883"/>
-              <a:gd name="connsiteY4" fmla="*/ 168 h 10168"/>
-              <a:gd name="connsiteX5" fmla="*/ 50 w 6883"/>
-              <a:gd name="connsiteY5" fmla="*/ 0 h 10168"/>
-              <a:gd name="connsiteX6" fmla="*/ 1 w 6883"/>
-              <a:gd name="connsiteY6" fmla="*/ 9964 h 10168"/>
-              <a:gd name="connsiteX7" fmla="*/ 4716 w 6883"/>
-              <a:gd name="connsiteY7" fmla="*/ 10168 h 10168"/>
-              <a:gd name="connsiteX8" fmla="*/ 5284 w 6883"/>
-              <a:gd name="connsiteY8" fmla="*/ 10168 h 10168"/>
-              <a:gd name="connsiteX9" fmla="*/ 5373 w 6883"/>
-              <a:gd name="connsiteY9" fmla="*/ 10074 h 10168"/>
-              <a:gd name="connsiteX10" fmla="*/ 5405 w 6883"/>
-              <a:gd name="connsiteY10" fmla="*/ 9979 h 10168"/>
-              <a:gd name="connsiteX11" fmla="*/ 6839 w 6883"/>
-              <a:gd name="connsiteY11" fmla="*/ 5451 h 10168"/>
-              <a:gd name="connsiteX12" fmla="*/ 6839 w 6883"/>
-              <a:gd name="connsiteY12" fmla="*/ 4885 h 10168"/>
-            </a:gdLst>
-            <a:ahLst/>
-            <a:cxnLst>
-              <a:cxn ang="0">
-                <a:pos x="connsiteX0" y="connsiteY0"/>
-              </a:cxn>
-              <a:cxn ang="0">
-                <a:pos x="connsiteX1" y="connsiteY1"/>
-              </a:cxn>
-              <a:cxn ang="0">
-                <a:pos x="connsiteX2" y="connsiteY2"/>
-              </a:cxn>
-              <a:cxn ang="0">
-                <a:pos x="connsiteX3" y="connsiteY3"/>
-              </a:cxn>
-              <a:cxn ang="0">
-                <a:pos x="connsiteX4" y="connsiteY4"/>
-              </a:cxn>
-              <a:cxn ang="0">
-                <a:pos x="connsiteX5" y="connsiteY5"/>
-              </a:cxn>
-              <a:cxn ang="0">
-                <a:pos x="connsiteX6" y="connsiteY6"/>
-              </a:cxn>
-              <a:cxn ang="0">
-                <a:pos x="connsiteX7" y="connsiteY7"/>
-              </a:cxn>
-              <a:cxn ang="0">
-                <a:pos x="connsiteX8" y="connsiteY8"/>
-              </a:cxn>
-              <a:cxn ang="0">
-                <a:pos x="connsiteX9" y="connsiteY9"/>
-              </a:cxn>
-              <a:cxn ang="0">
-                <a:pos x="connsiteX10" y="connsiteY10"/>
-              </a:cxn>
-              <a:cxn ang="0">
-                <a:pos x="connsiteX11" y="connsiteY11"/>
-              </a:cxn>
-              <a:cxn ang="0">
-                <a:pos x="connsiteX12" y="connsiteY12"/>
-              </a:cxn>
-            </a:cxnLst>
-            <a:rect l="l" t="t" r="r" b="b"/>
-            <a:pathLst>
-              <a:path w="6883" h="10168">
-                <a:moveTo>
-                  <a:pt x="6839" y="4885"/>
-                </a:moveTo>
-                <a:lnTo>
-                  <a:pt x="5405" y="357"/>
-                </a:lnTo>
-                <a:cubicBezTo>
-                  <a:pt x="5395" y="325"/>
-                  <a:pt x="5383" y="294"/>
-                  <a:pt x="5373" y="262"/>
-                </a:cubicBezTo>
-                <a:cubicBezTo>
-                  <a:pt x="5344" y="168"/>
-                  <a:pt x="5314" y="168"/>
-                  <a:pt x="5284" y="168"/>
-                </a:cubicBezTo>
-                <a:lnTo>
-                  <a:pt x="4716" y="168"/>
-                </a:lnTo>
-                <a:lnTo>
-                  <a:pt x="50" y="0"/>
-                </a:lnTo>
-                <a:cubicBezTo>
-                  <a:pt x="59" y="3322"/>
-                  <a:pt x="-8" y="6643"/>
-                  <a:pt x="1" y="9964"/>
-                </a:cubicBezTo>
-                <a:lnTo>
-                  <a:pt x="4716" y="10168"/>
-                </a:lnTo>
-                <a:lnTo>
-                  <a:pt x="5284" y="10168"/>
-                </a:lnTo>
-                <a:cubicBezTo>
-                  <a:pt x="5314" y="10168"/>
-                  <a:pt x="5344" y="10074"/>
-                  <a:pt x="5373" y="10074"/>
-                </a:cubicBezTo>
-                <a:cubicBezTo>
-                  <a:pt x="5373" y="9979"/>
-                  <a:pt x="5405" y="9979"/>
-                  <a:pt x="5405" y="9979"/>
-                </a:cubicBezTo>
-                <a:lnTo>
-                  <a:pt x="6839" y="5451"/>
-                </a:lnTo>
-                <a:cubicBezTo>
-                  <a:pt x="6898" y="5262"/>
-                  <a:pt x="6898" y="5074"/>
-                  <a:pt x="6839" y="4885"/>
-                </a:cubicBezTo>
-                <a:close/>
-              </a:path>
-            </a:pathLst>
-          </a:custGeom>
-          <a:solidFill>
-            <a:schemeClr val="accent1"/>
-          </a:solidFill>
-          <a:ln>
-            <a:noFill/>
-          </a:ln>
-        </p:spPr>
-      </p:sp>
-      <p:sp useBgFill="1">
-        <p:nvSpPr>
-          <p:cNvPr id="13" name="Rectangle 12">
-            <a:extLst>
-              <a:ext uri="{FF2B5EF4-FFF2-40B4-BE49-F238E27FC236}">
-                <a16:creationId xmlns:a16="http://schemas.microsoft.com/office/drawing/2014/main" id="{2C6246ED-0535-4496-A8F6-1E80CC4EB853}"/>
-              </a:ext>
-              <a:ext uri="{C183D7F6-B498-43B3-948B-1728B52AA6E4}">
-                <adec:decorative xmlns:adec="http://schemas.microsoft.com/office/drawing/2017/decorative" val="1"/>
-              </a:ext>
-            </a:extLst>
-          </p:cNvPr>
-          <p:cNvSpPr>
-            <a:spLocks noGrp="1" noRot="1" noChangeAspect="1" noMove="1" noResize="1" noEditPoints="1" noAdjustHandles="1" noChangeArrowheads="1" noChangeShapeType="1" noTextEdit="1"/>
-          </p:cNvSpPr>
-          <p:nvPr>
-            <p:extLst>
-              <p:ext uri="{386F3935-93C4-4BCD-93E2-E3B085C9AB24}">
-                <p16:designElem xmlns:p16="http://schemas.microsoft.com/office/powerpoint/2015/main" val="1"/>
-              </p:ext>
-            </p:extLst>
-          </p:nvPr>
-        </p:nvSpPr>
-        <p:spPr>
-          <a:xfrm>
-            <a:off x="4795736" y="0"/>
-            <a:ext cx="7396264" cy="6858000"/>
-          </a:xfrm>
-          <a:prstGeom prst="rect">
-            <a:avLst/>
-          </a:prstGeom>
-          <a:ln>
-            <a:noFill/>
-          </a:ln>
-        </p:spPr>
-        <p:style>
-          <a:lnRef idx="2">
-            <a:schemeClr val="accent1">
-              <a:shade val="50000"/>
-            </a:schemeClr>
-          </a:lnRef>
-          <a:fillRef idx="1">
-            <a:schemeClr val="accent1"/>
-          </a:fillRef>
-          <a:effectRef idx="0">
-            <a:schemeClr val="accent1"/>
-          </a:effectRef>
-          <a:fontRef idx="minor">
-            <a:schemeClr val="lt1"/>
-          </a:fontRef>
-        </p:style>
-        <p:txBody>
-          <a:bodyPr rtlCol="0" anchor="ctr"/>
-          <a:lstStyle/>
-          <a:p>
-            <a:pPr algn="ctr"/>
-            <a:endParaRPr lang="en-US"/>
-          </a:p>
-        </p:txBody>
-      </p:sp>
-      <p:graphicFrame>
-        <p:nvGraphicFramePr>
-          <p:cNvPr id="5" name="Content Placeholder 2">
-            <a:extLst>
-              <a:ext uri="{FF2B5EF4-FFF2-40B4-BE49-F238E27FC236}">
-                <a16:creationId xmlns:a16="http://schemas.microsoft.com/office/drawing/2014/main" id="{56B10DBF-D1D6-C2CF-B6E0-C132D298ADBE}"/>
-              </a:ext>
-            </a:extLst>
-          </p:cNvPr>
-          <p:cNvGraphicFramePr>
-            <a:graphicFrameLocks noGrp="1"/>
-          </p:cNvGraphicFramePr>
-          <p:nvPr>
-            <p:ph idx="1"/>
-            <p:extLst>
-              <p:ext uri="{D42A27DB-BD31-4B8C-83A1-F6EECF244321}">
-                <p14:modId xmlns:p14="http://schemas.microsoft.com/office/powerpoint/2010/main" val="2207740379"/>
-              </p:ext>
-            </p:extLst>
-          </p:nvPr>
-        </p:nvGraphicFramePr>
-        <p:xfrm>
-          <a:off x="4713144" y="641551"/>
-          <a:ext cx="6832212" cy="5264779"/>
-        </p:xfrm>
-        <a:graphic>
-          <a:graphicData uri="http://schemas.openxmlformats.org/drawingml/2006/diagram">
-            <dgm:relIds xmlns:dgm="http://schemas.openxmlformats.org/drawingml/2006/diagram" xmlns:r="http://schemas.openxmlformats.org/officeDocument/2006/relationships" r:dm="rId2" r:lo="rId3" r:qs="rId4" r:cs="rId5"/>
-          </a:graphicData>
-        </a:graphic>
-      </p:graphicFrame>
-    </p:spTree>
-    <p:extLst>
-      <p:ext uri="{BB962C8B-B14F-4D97-AF65-F5344CB8AC3E}">
-        <p14:creationId xmlns:p14="http://schemas.microsoft.com/office/powerpoint/2010/main" val="818013907"/>
       </p:ext>
     </p:extLst>
   </p:cSld>

--- a/Presentation1.pptx
+++ b/Presentation1.pptx
@@ -6036,8 +6036,12 @@
         <a:lstStyle/>
         <a:p>
           <a:r>
+            <a:rPr lang="en-US" dirty="0" err="1"/>
+            <a:t>Thriveni</a:t>
+          </a:r>
+          <a:r>
             <a:rPr lang="en-US" dirty="0"/>
-            <a:t>Thriveni, Group </a:t>
+            <a:t>        Group </a:t>
           </a:r>
           <a:r>
             <a:rPr lang="en-US" b="0" i="0" dirty="0"/>
@@ -6078,7 +6082,7 @@
         <a:p>
           <a:r>
             <a:rPr lang="en-US" dirty="0"/>
-            <a:t>Yuko, Scrum-master</a:t>
+            <a:t>Yuko             Scrum-master</a:t>
           </a:r>
         </a:p>
       </dgm:t>
@@ -6114,7 +6118,7 @@
         <a:p>
           <a:r>
             <a:rPr lang="en-US" dirty="0"/>
-            <a:t>Sajjad, Testing</a:t>
+            <a:t>Sajjad            Testing</a:t>
           </a:r>
         </a:p>
       </dgm:t>
@@ -6150,7 +6154,7 @@
         <a:p>
           <a:r>
             <a:rPr lang="en-US" dirty="0"/>
-            <a:t>Christoffer, Git-manager</a:t>
+            <a:t>Christoffer      Git-manager</a:t>
           </a:r>
         </a:p>
       </dgm:t>
@@ -6253,31 +6257,31 @@
     </dgm:pt>
   </dgm:ptLst>
   <dgm:cxnLst>
-    <dgm:cxn modelId="{A181D409-153B-43DA-BF9A-06C72244ACBA}" type="presOf" srcId="{834353C5-3239-4B7D-A086-7F19F0DFC080}" destId="{BF5D8A9F-2B38-42AB-804D-6A8835590707}" srcOrd="0" destOrd="0" presId="urn:microsoft.com/office/officeart/2008/layout/LinedList"/>
     <dgm:cxn modelId="{51AEAF17-2F59-4918-929B-6BCC4273F000}" srcId="{B146344E-1570-40B5-BEA2-A8480FBADBC1}" destId="{88FDA324-9D6B-45EF-8389-0742C6151C60}" srcOrd="3" destOrd="0" parTransId="{D9AEBD9E-8E69-4991-9308-CAC7512EB72D}" sibTransId="{0F738428-6E02-47A5-98F7-A27CEE5E287C}"/>
-    <dgm:cxn modelId="{E8D93DA0-5787-49FF-8131-9BA0BE4B4437}" type="presOf" srcId="{B146344E-1570-40B5-BEA2-A8480FBADBC1}" destId="{05973344-1CFC-45DA-B83B-8D42420759B6}" srcOrd="0" destOrd="0" presId="urn:microsoft.com/office/officeart/2008/layout/LinedList"/>
-    <dgm:cxn modelId="{688521A4-C0A6-43D1-B57E-A763B31DC6D3}" type="presOf" srcId="{7A10FF40-4F3B-4AEF-8944-00FE8F56602C}" destId="{49D21892-ED8D-4A53-9EB6-0D1A9C51E471}" srcOrd="0" destOrd="0" presId="urn:microsoft.com/office/officeart/2008/layout/LinedList"/>
+    <dgm:cxn modelId="{112E7926-7A25-47DB-BC4F-D70D928986E1}" type="presOf" srcId="{B146344E-1570-40B5-BEA2-A8480FBADBC1}" destId="{05973344-1CFC-45DA-B83B-8D42420759B6}" srcOrd="0" destOrd="0" presId="urn:microsoft.com/office/officeart/2008/layout/LinedList"/>
+    <dgm:cxn modelId="{8A60E02F-9AE1-4FF6-812C-C625E26B94F3}" type="presOf" srcId="{7A10FF40-4F3B-4AEF-8944-00FE8F56602C}" destId="{49D21892-ED8D-4A53-9EB6-0D1A9C51E471}" srcOrd="0" destOrd="0" presId="urn:microsoft.com/office/officeart/2008/layout/LinedList"/>
+    <dgm:cxn modelId="{B07F9981-66C1-4E4C-AD22-16982F2D5BF8}" type="presOf" srcId="{14849D29-002F-464A-BE34-AE20CBD9E7C9}" destId="{589C182F-4397-4494-BF2D-C65B4A751C93}" srcOrd="0" destOrd="0" presId="urn:microsoft.com/office/officeart/2008/layout/LinedList"/>
+    <dgm:cxn modelId="{8139448F-DDDA-4CF3-939B-7E690365FEEC}" type="presOf" srcId="{834353C5-3239-4B7D-A086-7F19F0DFC080}" destId="{BF5D8A9F-2B38-42AB-804D-6A8835590707}" srcOrd="0" destOrd="0" presId="urn:microsoft.com/office/officeart/2008/layout/LinedList"/>
     <dgm:cxn modelId="{2C53C4A5-238D-4E17-A685-11D3B34E3D43}" srcId="{B146344E-1570-40B5-BEA2-A8480FBADBC1}" destId="{834353C5-3239-4B7D-A086-7F19F0DFC080}" srcOrd="0" destOrd="0" parTransId="{05BD62EF-DFC6-4D13-B62D-3E8F903772F4}" sibTransId="{9D0A1CC6-0B1F-4207-BFCE-8FFB76BF3C7D}"/>
     <dgm:cxn modelId="{F74AE3B6-02A2-43DF-9071-5DF828B5059C}" srcId="{B146344E-1570-40B5-BEA2-A8480FBADBC1}" destId="{14849D29-002F-464A-BE34-AE20CBD9E7C9}" srcOrd="1" destOrd="0" parTransId="{D454ACEC-CE12-4CD2-8BB8-C4F41803830F}" sibTransId="{4FAB9FCB-5EE6-4DB8-BA99-672364DFFF7C}"/>
-    <dgm:cxn modelId="{6537EED1-7232-4E50-957E-25BB9B686B09}" type="presOf" srcId="{14849D29-002F-464A-BE34-AE20CBD9E7C9}" destId="{589C182F-4397-4494-BF2D-C65B4A751C93}" srcOrd="0" destOrd="0" presId="urn:microsoft.com/office/officeart/2008/layout/LinedList"/>
+    <dgm:cxn modelId="{5CF342CE-0564-43AE-98D3-9B84EAA9156F}" type="presOf" srcId="{88FDA324-9D6B-45EF-8389-0742C6151C60}" destId="{6CF7FF08-B842-4814-8489-42F30030A20A}" srcOrd="0" destOrd="0" presId="urn:microsoft.com/office/officeart/2008/layout/LinedList"/>
     <dgm:cxn modelId="{C8E0E3E4-5328-4D6D-A57E-5A6BF623EA8C}" srcId="{B146344E-1570-40B5-BEA2-A8480FBADBC1}" destId="{7A10FF40-4F3B-4AEF-8944-00FE8F56602C}" srcOrd="2" destOrd="0" parTransId="{8C2C1FBB-F5BD-409C-9E0A-5EEA512F83B2}" sibTransId="{BCB22C31-382A-4E13-9649-C5D1498CDAFE}"/>
-    <dgm:cxn modelId="{A94997E6-7FE9-4D6F-99D3-1C0263F3B16F}" type="presOf" srcId="{88FDA324-9D6B-45EF-8389-0742C6151C60}" destId="{6CF7FF08-B842-4814-8489-42F30030A20A}" srcOrd="0" destOrd="0" presId="urn:microsoft.com/office/officeart/2008/layout/LinedList"/>
-    <dgm:cxn modelId="{1254E8E0-6EF8-456A-8987-81932AA2A925}" type="presParOf" srcId="{05973344-1CFC-45DA-B83B-8D42420759B6}" destId="{137A0A74-B9D6-478A-AFD2-F1FC7174AD09}" srcOrd="0" destOrd="0" presId="urn:microsoft.com/office/officeart/2008/layout/LinedList"/>
-    <dgm:cxn modelId="{061A3F8C-8A02-4872-9C0D-F10CF4D18B6B}" type="presParOf" srcId="{05973344-1CFC-45DA-B83B-8D42420759B6}" destId="{815F75AF-33BA-4E7D-A368-D052A391E93E}" srcOrd="1" destOrd="0" presId="urn:microsoft.com/office/officeart/2008/layout/LinedList"/>
-    <dgm:cxn modelId="{94E43277-5E52-4F27-89B0-C4F41D7DC67C}" type="presParOf" srcId="{815F75AF-33BA-4E7D-A368-D052A391E93E}" destId="{BF5D8A9F-2B38-42AB-804D-6A8835590707}" srcOrd="0" destOrd="0" presId="urn:microsoft.com/office/officeart/2008/layout/LinedList"/>
-    <dgm:cxn modelId="{C5970FF1-FA46-4EC9-8028-EC75A81CA2A0}" type="presParOf" srcId="{815F75AF-33BA-4E7D-A368-D052A391E93E}" destId="{82628EE7-9B5B-45BF-AFA0-71B5E5F5BBDA}" srcOrd="1" destOrd="0" presId="urn:microsoft.com/office/officeart/2008/layout/LinedList"/>
-    <dgm:cxn modelId="{2BCFB8CB-903F-4B0D-9E40-AD695816229E}" type="presParOf" srcId="{05973344-1CFC-45DA-B83B-8D42420759B6}" destId="{44FD8FD6-6EEF-438B-B362-D99A9DF1622F}" srcOrd="2" destOrd="0" presId="urn:microsoft.com/office/officeart/2008/layout/LinedList"/>
-    <dgm:cxn modelId="{BBA0F646-D48B-4FA0-840C-E565CE93F65F}" type="presParOf" srcId="{05973344-1CFC-45DA-B83B-8D42420759B6}" destId="{20D8091D-68C0-4879-B2F6-32E90CE82055}" srcOrd="3" destOrd="0" presId="urn:microsoft.com/office/officeart/2008/layout/LinedList"/>
-    <dgm:cxn modelId="{91CC2DCE-C007-4F9F-9ABD-C7520492A216}" type="presParOf" srcId="{20D8091D-68C0-4879-B2F6-32E90CE82055}" destId="{589C182F-4397-4494-BF2D-C65B4A751C93}" srcOrd="0" destOrd="0" presId="urn:microsoft.com/office/officeart/2008/layout/LinedList"/>
-    <dgm:cxn modelId="{AEECEEEB-1511-4275-B99D-BFDB4129EC3F}" type="presParOf" srcId="{20D8091D-68C0-4879-B2F6-32E90CE82055}" destId="{581B4B23-42A5-4877-8851-9D88771AE6F8}" srcOrd="1" destOrd="0" presId="urn:microsoft.com/office/officeart/2008/layout/LinedList"/>
-    <dgm:cxn modelId="{03B2C7A1-76B2-4EE0-8162-64E58AC8B058}" type="presParOf" srcId="{05973344-1CFC-45DA-B83B-8D42420759B6}" destId="{9BC830A9-6B26-47C8-9FBF-868EAEC0EB99}" srcOrd="4" destOrd="0" presId="urn:microsoft.com/office/officeart/2008/layout/LinedList"/>
-    <dgm:cxn modelId="{73C7FDC2-1D06-4D98-89A9-B336CAC40D6D}" type="presParOf" srcId="{05973344-1CFC-45DA-B83B-8D42420759B6}" destId="{A1B9E72A-8162-4DEA-A4A3-8BD84B4C3C4D}" srcOrd="5" destOrd="0" presId="urn:microsoft.com/office/officeart/2008/layout/LinedList"/>
-    <dgm:cxn modelId="{350BEC08-3F30-49A6-865B-F26130845BF1}" type="presParOf" srcId="{A1B9E72A-8162-4DEA-A4A3-8BD84B4C3C4D}" destId="{49D21892-ED8D-4A53-9EB6-0D1A9C51E471}" srcOrd="0" destOrd="0" presId="urn:microsoft.com/office/officeart/2008/layout/LinedList"/>
-    <dgm:cxn modelId="{18B9F108-C8D3-41D8-BAE5-5D8795B8C1B9}" type="presParOf" srcId="{A1B9E72A-8162-4DEA-A4A3-8BD84B4C3C4D}" destId="{141C60FE-87A3-4C8D-9133-3C743ADE65B8}" srcOrd="1" destOrd="0" presId="urn:microsoft.com/office/officeart/2008/layout/LinedList"/>
-    <dgm:cxn modelId="{DCCDBE55-DB85-411D-B027-9EFB9A9C59BD}" type="presParOf" srcId="{05973344-1CFC-45DA-B83B-8D42420759B6}" destId="{6F9A782B-22FD-438A-88F9-43A3D8AC0505}" srcOrd="6" destOrd="0" presId="urn:microsoft.com/office/officeart/2008/layout/LinedList"/>
-    <dgm:cxn modelId="{0A080377-4EC1-49A8-99C4-D87C95714F93}" type="presParOf" srcId="{05973344-1CFC-45DA-B83B-8D42420759B6}" destId="{63837AB4-D6B8-4FAB-B993-2C867A5A3422}" srcOrd="7" destOrd="0" presId="urn:microsoft.com/office/officeart/2008/layout/LinedList"/>
-    <dgm:cxn modelId="{6ADDDADD-E406-4D49-94DD-7F23145A5BD1}" type="presParOf" srcId="{63837AB4-D6B8-4FAB-B993-2C867A5A3422}" destId="{6CF7FF08-B842-4814-8489-42F30030A20A}" srcOrd="0" destOrd="0" presId="urn:microsoft.com/office/officeart/2008/layout/LinedList"/>
-    <dgm:cxn modelId="{FABF10BB-CFA3-47B6-9188-AF5E11E7AAF2}" type="presParOf" srcId="{63837AB4-D6B8-4FAB-B993-2C867A5A3422}" destId="{00B9C600-0065-4BD3-8639-41A2C493A399}" srcOrd="1" destOrd="0" presId="urn:microsoft.com/office/officeart/2008/layout/LinedList"/>
+    <dgm:cxn modelId="{66E19465-7908-4F6E-897B-701DB0ED38B2}" type="presParOf" srcId="{05973344-1CFC-45DA-B83B-8D42420759B6}" destId="{137A0A74-B9D6-478A-AFD2-F1FC7174AD09}" srcOrd="0" destOrd="0" presId="urn:microsoft.com/office/officeart/2008/layout/LinedList"/>
+    <dgm:cxn modelId="{C87A8E66-51D0-4617-9695-F321B84D3C82}" type="presParOf" srcId="{05973344-1CFC-45DA-B83B-8D42420759B6}" destId="{815F75AF-33BA-4E7D-A368-D052A391E93E}" srcOrd="1" destOrd="0" presId="urn:microsoft.com/office/officeart/2008/layout/LinedList"/>
+    <dgm:cxn modelId="{76FBD906-F810-4709-94BD-217A6542061A}" type="presParOf" srcId="{815F75AF-33BA-4E7D-A368-D052A391E93E}" destId="{BF5D8A9F-2B38-42AB-804D-6A8835590707}" srcOrd="0" destOrd="0" presId="urn:microsoft.com/office/officeart/2008/layout/LinedList"/>
+    <dgm:cxn modelId="{8C4A2BC0-77DB-46A6-B72A-97579F3E5446}" type="presParOf" srcId="{815F75AF-33BA-4E7D-A368-D052A391E93E}" destId="{82628EE7-9B5B-45BF-AFA0-71B5E5F5BBDA}" srcOrd="1" destOrd="0" presId="urn:microsoft.com/office/officeart/2008/layout/LinedList"/>
+    <dgm:cxn modelId="{C1640699-4E2B-4083-8D0D-11FC8EBB9D1C}" type="presParOf" srcId="{05973344-1CFC-45DA-B83B-8D42420759B6}" destId="{44FD8FD6-6EEF-438B-B362-D99A9DF1622F}" srcOrd="2" destOrd="0" presId="urn:microsoft.com/office/officeart/2008/layout/LinedList"/>
+    <dgm:cxn modelId="{3245F492-073C-42FC-81F7-394D3DF3BE05}" type="presParOf" srcId="{05973344-1CFC-45DA-B83B-8D42420759B6}" destId="{20D8091D-68C0-4879-B2F6-32E90CE82055}" srcOrd="3" destOrd="0" presId="urn:microsoft.com/office/officeart/2008/layout/LinedList"/>
+    <dgm:cxn modelId="{92A834C0-0FA6-48F9-AD8C-F9E4BCAB6885}" type="presParOf" srcId="{20D8091D-68C0-4879-B2F6-32E90CE82055}" destId="{589C182F-4397-4494-BF2D-C65B4A751C93}" srcOrd="0" destOrd="0" presId="urn:microsoft.com/office/officeart/2008/layout/LinedList"/>
+    <dgm:cxn modelId="{DABC79B3-276A-404F-97B8-B0A267F33D7F}" type="presParOf" srcId="{20D8091D-68C0-4879-B2F6-32E90CE82055}" destId="{581B4B23-42A5-4877-8851-9D88771AE6F8}" srcOrd="1" destOrd="0" presId="urn:microsoft.com/office/officeart/2008/layout/LinedList"/>
+    <dgm:cxn modelId="{394F0C1B-F930-4403-AE7C-5AED297B96A4}" type="presParOf" srcId="{05973344-1CFC-45DA-B83B-8D42420759B6}" destId="{9BC830A9-6B26-47C8-9FBF-868EAEC0EB99}" srcOrd="4" destOrd="0" presId="urn:microsoft.com/office/officeart/2008/layout/LinedList"/>
+    <dgm:cxn modelId="{FD2A6214-B747-4953-87DD-AF109D371E25}" type="presParOf" srcId="{05973344-1CFC-45DA-B83B-8D42420759B6}" destId="{A1B9E72A-8162-4DEA-A4A3-8BD84B4C3C4D}" srcOrd="5" destOrd="0" presId="urn:microsoft.com/office/officeart/2008/layout/LinedList"/>
+    <dgm:cxn modelId="{FC82231C-2DD3-48D6-93DA-DBFA63068601}" type="presParOf" srcId="{A1B9E72A-8162-4DEA-A4A3-8BD84B4C3C4D}" destId="{49D21892-ED8D-4A53-9EB6-0D1A9C51E471}" srcOrd="0" destOrd="0" presId="urn:microsoft.com/office/officeart/2008/layout/LinedList"/>
+    <dgm:cxn modelId="{5CCFFF98-5893-43A0-B1B5-4ED6F817E12E}" type="presParOf" srcId="{A1B9E72A-8162-4DEA-A4A3-8BD84B4C3C4D}" destId="{141C60FE-87A3-4C8D-9133-3C743ADE65B8}" srcOrd="1" destOrd="0" presId="urn:microsoft.com/office/officeart/2008/layout/LinedList"/>
+    <dgm:cxn modelId="{BB125CC6-E64F-4E78-8C33-2F5D74FD44D2}" type="presParOf" srcId="{05973344-1CFC-45DA-B83B-8D42420759B6}" destId="{6F9A782B-22FD-438A-88F9-43A3D8AC0505}" srcOrd="6" destOrd="0" presId="urn:microsoft.com/office/officeart/2008/layout/LinedList"/>
+    <dgm:cxn modelId="{B2D7B84F-7FE2-43D3-BEF5-ACA09200BFB5}" type="presParOf" srcId="{05973344-1CFC-45DA-B83B-8D42420759B6}" destId="{63837AB4-D6B8-4FAB-B993-2C867A5A3422}" srcOrd="7" destOrd="0" presId="urn:microsoft.com/office/officeart/2008/layout/LinedList"/>
+    <dgm:cxn modelId="{2B42E47F-D924-4CF4-8DFD-40310A43089A}" type="presParOf" srcId="{63837AB4-D6B8-4FAB-B993-2C867A5A3422}" destId="{6CF7FF08-B842-4814-8489-42F30030A20A}" srcOrd="0" destOrd="0" presId="urn:microsoft.com/office/officeart/2008/layout/LinedList"/>
+    <dgm:cxn modelId="{7B55A296-82B2-4C39-A48C-1A73D0115220}" type="presParOf" srcId="{63837AB4-D6B8-4FAB-B993-2C867A5A3422}" destId="{00B9C600-0065-4BD3-8639-41A2C493A399}" srcOrd="1" destOrd="0" presId="urn:microsoft.com/office/officeart/2008/layout/LinedList"/>
   </dgm:cxnLst>
   <dgm:bg/>
   <dgm:whole/>
@@ -6348,10 +6352,10 @@
         <a:lstStyle/>
         <a:p>
           <a:r>
-            <a:rPr lang="en-US" b="0" i="0"/>
+            <a:rPr lang="en-US" b="0" i="0" dirty="0"/>
             <a:t>Purpose</a:t>
           </a:r>
-          <a:endParaRPr lang="en-US"/>
+          <a:endParaRPr lang="en-US" dirty="0"/>
         </a:p>
       </dgm:t>
     </dgm:pt>
@@ -6385,10 +6389,10 @@
         <a:lstStyle/>
         <a:p>
           <a:r>
-            <a:rPr lang="en-US" b="0" i="0"/>
+            <a:rPr lang="en-US" b="0" i="0" dirty="0"/>
             <a:t>Accomplishment</a:t>
           </a:r>
-          <a:endParaRPr lang="en-US"/>
+          <a:endParaRPr lang="en-US" dirty="0"/>
         </a:p>
       </dgm:t>
     </dgm:pt>
@@ -6404,43 +6408,6 @@
       </dgm:t>
     </dgm:pt>
     <dgm:pt modelId="{1E7769D7-52C7-449C-82D1-AC97C2028564}" type="sibTrans" cxnId="{9E77039B-4219-438D-8F61-5C761EFD49A2}">
-      <dgm:prSet/>
-      <dgm:spPr/>
-      <dgm:t>
-        <a:bodyPr/>
-        <a:lstStyle/>
-        <a:p>
-          <a:endParaRPr lang="en-US"/>
-        </a:p>
-      </dgm:t>
-    </dgm:pt>
-    <dgm:pt modelId="{F866385F-EC58-4A60-82F4-9FC61044BF2E}">
-      <dgm:prSet/>
-      <dgm:spPr/>
-      <dgm:t>
-        <a:bodyPr/>
-        <a:lstStyle/>
-        <a:p>
-          <a:r>
-            <a:rPr lang="en-US" b="0" i="0"/>
-            <a:t>Technology - Python, SQL, Database, Power Bi, Dash, Machine Learning, Linear Regression, ETL, Git, API</a:t>
-          </a:r>
-          <a:endParaRPr lang="en-US"/>
-        </a:p>
-      </dgm:t>
-    </dgm:pt>
-    <dgm:pt modelId="{8C6F52D9-F28F-40B1-82A0-8BE8B250802F}" type="parTrans" cxnId="{B718D02B-97D9-41BF-AC43-6FB1C90C41C2}">
-      <dgm:prSet/>
-      <dgm:spPr/>
-      <dgm:t>
-        <a:bodyPr/>
-        <a:lstStyle/>
-        <a:p>
-          <a:endParaRPr lang="en-US"/>
-        </a:p>
-      </dgm:t>
-    </dgm:pt>
-    <dgm:pt modelId="{748CC70C-D147-4FE2-ADDE-ACABD049EDE0}" type="sibTrans" cxnId="{B718D02B-97D9-41BF-AC43-6FB1C90C41C2}">
       <dgm:prSet/>
       <dgm:spPr/>
       <dgm:t>
@@ -6543,6 +6510,43 @@
         </a:p>
       </dgm:t>
     </dgm:pt>
+    <dgm:pt modelId="{2A25EF76-F148-49AA-82F7-9334D298F40F}">
+      <dgm:prSet/>
+      <dgm:spPr/>
+      <dgm:t>
+        <a:bodyPr/>
+        <a:lstStyle/>
+        <a:p>
+          <a:r>
+            <a:rPr lang="en-US" b="0" i="0" dirty="0"/>
+            <a:t>Technology - Python, SQL, Database, Power Bi, Dash, Machine Learning, Linear Regression, ETL, Git, API</a:t>
+          </a:r>
+          <a:endParaRPr lang="en-US" dirty="0"/>
+        </a:p>
+      </dgm:t>
+    </dgm:pt>
+    <dgm:pt modelId="{1163DFD2-80ED-4030-B40B-BADE4E386715}" type="parTrans" cxnId="{42C377D9-B79B-4988-B166-97384047D380}">
+      <dgm:prSet/>
+      <dgm:spPr/>
+      <dgm:t>
+        <a:bodyPr/>
+        <a:lstStyle/>
+        <a:p>
+          <a:endParaRPr lang="en-SE"/>
+        </a:p>
+      </dgm:t>
+    </dgm:pt>
+    <dgm:pt modelId="{8F4A7358-5694-41D5-B650-9E4366323C55}" type="sibTrans" cxnId="{42C377D9-B79B-4988-B166-97384047D380}">
+      <dgm:prSet/>
+      <dgm:spPr/>
+      <dgm:t>
+        <a:bodyPr/>
+        <a:lstStyle/>
+        <a:p>
+          <a:endParaRPr lang="en-SE"/>
+        </a:p>
+      </dgm:t>
+    </dgm:pt>
     <dgm:pt modelId="{C87AAA3A-E234-4682-A9EC-0725657F4BAD}" type="pres">
       <dgm:prSet presAssocID="{66F21CE7-2DBC-4995-AF37-C23F5D74D6FA}" presName="linear" presStyleCnt="0">
         <dgm:presLayoutVars>
@@ -6591,8 +6595,21 @@
       <dgm:prSet presAssocID="{A5FA531F-F0BB-4F7A-B593-3DE179D9D3BF}" presName="spacer" presStyleCnt="0"/>
       <dgm:spPr/>
     </dgm:pt>
+    <dgm:pt modelId="{367A6FA0-13C2-4667-994A-E786D7C8C717}" type="pres">
+      <dgm:prSet presAssocID="{2A25EF76-F148-49AA-82F7-9334D298F40F}" presName="parentText" presStyleLbl="node1" presStyleIdx="3" presStyleCnt="6">
+        <dgm:presLayoutVars>
+          <dgm:chMax val="0"/>
+          <dgm:bulletEnabled val="1"/>
+        </dgm:presLayoutVars>
+      </dgm:prSet>
+      <dgm:spPr/>
+    </dgm:pt>
+    <dgm:pt modelId="{60413692-BCCC-4EFD-BF19-F148B3826458}" type="pres">
+      <dgm:prSet presAssocID="{8F4A7358-5694-41D5-B650-9E4366323C55}" presName="spacer" presStyleCnt="0"/>
+      <dgm:spPr/>
+    </dgm:pt>
     <dgm:pt modelId="{188BA2A7-7016-4A81-8277-EFB9C3F32592}" type="pres">
-      <dgm:prSet presAssocID="{7C48F3CB-C343-45F3-B9E9-3111DB0CF821}" presName="parentText" presStyleLbl="node1" presStyleIdx="3" presStyleCnt="6">
+      <dgm:prSet presAssocID="{7C48F3CB-C343-45F3-B9E9-3111DB0CF821}" presName="parentText" presStyleLbl="node1" presStyleIdx="4" presStyleCnt="6">
         <dgm:presLayoutVars>
           <dgm:chMax val="0"/>
           <dgm:bulletEnabled val="1"/>
@@ -6602,19 +6619,6 @@
     </dgm:pt>
     <dgm:pt modelId="{473DDE2D-4D38-4DD1-B3E5-AB85F80535EC}" type="pres">
       <dgm:prSet presAssocID="{1E7769D7-52C7-449C-82D1-AC97C2028564}" presName="spacer" presStyleCnt="0"/>
-      <dgm:spPr/>
-    </dgm:pt>
-    <dgm:pt modelId="{F726F82C-B1D9-4AE6-A3FC-34731162ED9C}" type="pres">
-      <dgm:prSet presAssocID="{F866385F-EC58-4A60-82F4-9FC61044BF2E}" presName="parentText" presStyleLbl="node1" presStyleIdx="4" presStyleCnt="6">
-        <dgm:presLayoutVars>
-          <dgm:chMax val="0"/>
-          <dgm:bulletEnabled val="1"/>
-        </dgm:presLayoutVars>
-      </dgm:prSet>
-      <dgm:spPr/>
-    </dgm:pt>
-    <dgm:pt modelId="{2E02C1E6-E2E5-4F9E-831E-B35909208719}" type="pres">
-      <dgm:prSet presAssocID="{748CC70C-D147-4FE2-ADDE-ACABD049EDE0}" presName="spacer" presStyleCnt="0"/>
       <dgm:spPr/>
     </dgm:pt>
     <dgm:pt modelId="{10FCD63C-672C-49A8-B3B3-7D017B0DE3C8}" type="pres">
@@ -6629,15 +6633,15 @@
   </dgm:ptLst>
   <dgm:cxnLst>
     <dgm:cxn modelId="{BF946023-4ADE-43D1-8E25-A6A92B4FA928}" type="presOf" srcId="{A27217DE-B52B-44C1-9202-B99FD226FA1B}" destId="{583CF9A3-09CF-41DA-B790-F3639A53A16F}" srcOrd="0" destOrd="0" presId="urn:microsoft.com/office/officeart/2005/8/layout/vList2"/>
-    <dgm:cxn modelId="{B718D02B-97D9-41BF-AC43-6FB1C90C41C2}" srcId="{66F21CE7-2DBC-4995-AF37-C23F5D74D6FA}" destId="{F866385F-EC58-4A60-82F4-9FC61044BF2E}" srcOrd="4" destOrd="0" parTransId="{8C6F52D9-F28F-40B1-82A0-8BE8B250802F}" sibTransId="{748CC70C-D147-4FE2-ADDE-ACABD049EDE0}"/>
     <dgm:cxn modelId="{DE35092D-527E-4949-A62A-10B21DE7DC00}" type="presOf" srcId="{32A75D09-3EAC-44D4-9015-A246299D8215}" destId="{25A2134C-F266-43ED-8B61-15777F4AB977}" srcOrd="0" destOrd="0" presId="urn:microsoft.com/office/officeart/2005/8/layout/vList2"/>
-    <dgm:cxn modelId="{B9671565-29FB-4138-9A4C-F88EC57249A7}" type="presOf" srcId="{F866385F-EC58-4A60-82F4-9FC61044BF2E}" destId="{F726F82C-B1D9-4AE6-A3FC-34731162ED9C}" srcOrd="0" destOrd="0" presId="urn:microsoft.com/office/officeart/2005/8/layout/vList2"/>
     <dgm:cxn modelId="{FCFD5948-BD49-43CF-A601-4A639DF891A7}" type="presOf" srcId="{8E9F767F-6A72-4256-BEEE-A5A9E8389FB3}" destId="{2EA7A9BD-1934-44F3-A8A6-457CBE931C5E}" srcOrd="0" destOrd="0" presId="urn:microsoft.com/office/officeart/2005/8/layout/vList2"/>
     <dgm:cxn modelId="{D93F2650-9F46-4873-B99B-1272EFEFAE38}" srcId="{66F21CE7-2DBC-4995-AF37-C23F5D74D6FA}" destId="{32A75D09-3EAC-44D4-9015-A246299D8215}" srcOrd="2" destOrd="0" parTransId="{43F9A9B0-DEA1-4E6C-9883-8CFA1E7481B3}" sibTransId="{A5FA531F-F0BB-4F7A-B593-3DE179D9D3BF}"/>
     <dgm:cxn modelId="{B9F81274-4012-488E-9442-CEDA2BDE5D8E}" type="presOf" srcId="{7C48F3CB-C343-45F3-B9E9-3111DB0CF821}" destId="{188BA2A7-7016-4A81-8277-EFB9C3F32592}" srcOrd="0" destOrd="0" presId="urn:microsoft.com/office/officeart/2005/8/layout/vList2"/>
     <dgm:cxn modelId="{3F3C4582-9BF9-497C-A1ED-CE337F215A50}" type="presOf" srcId="{BB54A24A-1A5A-4E57-A379-68384192E4DE}" destId="{10FCD63C-672C-49A8-B3B3-7D017B0DE3C8}" srcOrd="0" destOrd="0" presId="urn:microsoft.com/office/officeart/2005/8/layout/vList2"/>
-    <dgm:cxn modelId="{9E77039B-4219-438D-8F61-5C761EFD49A2}" srcId="{66F21CE7-2DBC-4995-AF37-C23F5D74D6FA}" destId="{7C48F3CB-C343-45F3-B9E9-3111DB0CF821}" srcOrd="3" destOrd="0" parTransId="{5C7F13AE-A8F1-48CC-9ED4-F30794C2EB95}" sibTransId="{1E7769D7-52C7-449C-82D1-AC97C2028564}"/>
+    <dgm:cxn modelId="{5A76F088-8DB1-472D-8CB6-46581F6D7173}" type="presOf" srcId="{2A25EF76-F148-49AA-82F7-9334D298F40F}" destId="{367A6FA0-13C2-4667-994A-E786D7C8C717}" srcOrd="0" destOrd="0" presId="urn:microsoft.com/office/officeart/2005/8/layout/vList2"/>
+    <dgm:cxn modelId="{9E77039B-4219-438D-8F61-5C761EFD49A2}" srcId="{66F21CE7-2DBC-4995-AF37-C23F5D74D6FA}" destId="{7C48F3CB-C343-45F3-B9E9-3111DB0CF821}" srcOrd="4" destOrd="0" parTransId="{5C7F13AE-A8F1-48CC-9ED4-F30794C2EB95}" sibTransId="{1E7769D7-52C7-449C-82D1-AC97C2028564}"/>
     <dgm:cxn modelId="{032B1FD7-0305-4299-80BA-DE0741639FEE}" srcId="{66F21CE7-2DBC-4995-AF37-C23F5D74D6FA}" destId="{A27217DE-B52B-44C1-9202-B99FD226FA1B}" srcOrd="1" destOrd="0" parTransId="{29A09FEA-B003-46A5-B0DC-14523B26FA0F}" sibTransId="{280D8B71-07D6-4636-A6E8-2A1EF8BFBC98}"/>
+    <dgm:cxn modelId="{42C377D9-B79B-4988-B166-97384047D380}" srcId="{66F21CE7-2DBC-4995-AF37-C23F5D74D6FA}" destId="{2A25EF76-F148-49AA-82F7-9334D298F40F}" srcOrd="3" destOrd="0" parTransId="{1163DFD2-80ED-4030-B40B-BADE4E386715}" sibTransId="{8F4A7358-5694-41D5-B650-9E4366323C55}"/>
     <dgm:cxn modelId="{BCC7F7E1-8CB0-4966-B83E-637309C5CBBE}" srcId="{66F21CE7-2DBC-4995-AF37-C23F5D74D6FA}" destId="{8E9F767F-6A72-4256-BEEE-A5A9E8389FB3}" srcOrd="0" destOrd="0" parTransId="{7F861975-9B78-4A80-A04C-EC3AD38CE152}" sibTransId="{3950A648-763C-4A0E-9533-0CDD8DDEF658}"/>
     <dgm:cxn modelId="{26A9DCE3-750C-466B-A8A5-30D5344B11ED}" type="presOf" srcId="{66F21CE7-2DBC-4995-AF37-C23F5D74D6FA}" destId="{C87AAA3A-E234-4682-A9EC-0725657F4BAD}" srcOrd="0" destOrd="0" presId="urn:microsoft.com/office/officeart/2005/8/layout/vList2"/>
     <dgm:cxn modelId="{9AD71DF0-1D8F-4770-85F2-6C46A8CEBBAE}" srcId="{66F21CE7-2DBC-4995-AF37-C23F5D74D6FA}" destId="{BB54A24A-1A5A-4E57-A379-68384192E4DE}" srcOrd="5" destOrd="0" parTransId="{BE8141D0-B382-46BE-A711-2C9B5AC61AA6}" sibTransId="{43B9654F-6125-4A64-A6C6-D6E7BADD69CE}"/>
@@ -6647,10 +6651,10 @@
     <dgm:cxn modelId="{050F9DE0-FBD2-4102-AB15-7586D5B9E175}" type="presParOf" srcId="{C87AAA3A-E234-4682-A9EC-0725657F4BAD}" destId="{12845CA1-9EC5-40BB-807A-C44B92766783}" srcOrd="3" destOrd="0" presId="urn:microsoft.com/office/officeart/2005/8/layout/vList2"/>
     <dgm:cxn modelId="{F547FF81-1063-4AA7-B94C-4A241022D20C}" type="presParOf" srcId="{C87AAA3A-E234-4682-A9EC-0725657F4BAD}" destId="{25A2134C-F266-43ED-8B61-15777F4AB977}" srcOrd="4" destOrd="0" presId="urn:microsoft.com/office/officeart/2005/8/layout/vList2"/>
     <dgm:cxn modelId="{685B9D3C-8368-4509-9D51-78C9640BDDB3}" type="presParOf" srcId="{C87AAA3A-E234-4682-A9EC-0725657F4BAD}" destId="{C4193132-9F5C-46F2-B094-6C849D7EEC7D}" srcOrd="5" destOrd="0" presId="urn:microsoft.com/office/officeart/2005/8/layout/vList2"/>
-    <dgm:cxn modelId="{22808BCC-BAFB-4102-90D1-1AEAF02E4580}" type="presParOf" srcId="{C87AAA3A-E234-4682-A9EC-0725657F4BAD}" destId="{188BA2A7-7016-4A81-8277-EFB9C3F32592}" srcOrd="6" destOrd="0" presId="urn:microsoft.com/office/officeart/2005/8/layout/vList2"/>
-    <dgm:cxn modelId="{B54A163C-14B1-4B5B-B5FF-46EDED1C5D7B}" type="presParOf" srcId="{C87AAA3A-E234-4682-A9EC-0725657F4BAD}" destId="{473DDE2D-4D38-4DD1-B3E5-AB85F80535EC}" srcOrd="7" destOrd="0" presId="urn:microsoft.com/office/officeart/2005/8/layout/vList2"/>
-    <dgm:cxn modelId="{5FC73CA5-4FBA-41FF-94A1-29457CF884C8}" type="presParOf" srcId="{C87AAA3A-E234-4682-A9EC-0725657F4BAD}" destId="{F726F82C-B1D9-4AE6-A3FC-34731162ED9C}" srcOrd="8" destOrd="0" presId="urn:microsoft.com/office/officeart/2005/8/layout/vList2"/>
-    <dgm:cxn modelId="{94BBF361-00C6-4023-90BA-39C37AB6AD01}" type="presParOf" srcId="{C87AAA3A-E234-4682-A9EC-0725657F4BAD}" destId="{2E02C1E6-E2E5-4F9E-831E-B35909208719}" srcOrd="9" destOrd="0" presId="urn:microsoft.com/office/officeart/2005/8/layout/vList2"/>
+    <dgm:cxn modelId="{B464831F-22F5-4E68-9AB4-646E5367ABFA}" type="presParOf" srcId="{C87AAA3A-E234-4682-A9EC-0725657F4BAD}" destId="{367A6FA0-13C2-4667-994A-E786D7C8C717}" srcOrd="6" destOrd="0" presId="urn:microsoft.com/office/officeart/2005/8/layout/vList2"/>
+    <dgm:cxn modelId="{D0D5C515-EE34-4177-B648-6A3A433B8A5F}" type="presParOf" srcId="{C87AAA3A-E234-4682-A9EC-0725657F4BAD}" destId="{60413692-BCCC-4EFD-BF19-F148B3826458}" srcOrd="7" destOrd="0" presId="urn:microsoft.com/office/officeart/2005/8/layout/vList2"/>
+    <dgm:cxn modelId="{22808BCC-BAFB-4102-90D1-1AEAF02E4580}" type="presParOf" srcId="{C87AAA3A-E234-4682-A9EC-0725657F4BAD}" destId="{188BA2A7-7016-4A81-8277-EFB9C3F32592}" srcOrd="8" destOrd="0" presId="urn:microsoft.com/office/officeart/2005/8/layout/vList2"/>
+    <dgm:cxn modelId="{B54A163C-14B1-4B5B-B5FF-46EDED1C5D7B}" type="presParOf" srcId="{C87AAA3A-E234-4682-A9EC-0725657F4BAD}" destId="{473DDE2D-4D38-4DD1-B3E5-AB85F80535EC}" srcOrd="9" destOrd="0" presId="urn:microsoft.com/office/officeart/2005/8/layout/vList2"/>
     <dgm:cxn modelId="{7526FD5B-E782-4916-B859-9FFE9C752E5F}" type="presParOf" srcId="{C87AAA3A-E234-4682-A9EC-0725657F4BAD}" destId="{10FCD63C-672C-49A8-B3B3-7D017B0DE3C8}" srcOrd="10" destOrd="0" presId="urn:microsoft.com/office/officeart/2005/8/layout/vList2"/>
   </dgm:cxnLst>
   <dgm:bg/>
@@ -8691,7 +8695,7 @@
       <dsp:spPr>
         <a:xfrm>
           <a:off x="0" y="0"/>
-          <a:ext cx="6832212" cy="0"/>
+          <a:ext cx="7320705" cy="0"/>
         </a:xfrm>
         <a:prstGeom prst="line">
           <a:avLst/>
@@ -8763,7 +8767,7 @@
       <dsp:spPr>
         <a:xfrm>
           <a:off x="0" y="0"/>
-          <a:ext cx="6832212" cy="1316194"/>
+          <a:ext cx="7320705" cy="1327668"/>
         </a:xfrm>
         <a:prstGeom prst="rect">
           <a:avLst/>
@@ -8787,12 +8791,12 @@
         <a:fontRef idx="minor"/>
       </dsp:style>
       <dsp:txBody>
-        <a:bodyPr spcFirstLastPara="0" vert="horz" wrap="square" lIns="160020" tIns="160020" rIns="160020" bIns="160020" numCol="1" spcCol="1270" anchor="t" anchorCtr="0">
+        <a:bodyPr spcFirstLastPara="0" vert="horz" wrap="square" lIns="152400" tIns="152400" rIns="152400" bIns="152400" numCol="1" spcCol="1270" anchor="t" anchorCtr="0">
           <a:noAutofit/>
         </a:bodyPr>
         <a:lstStyle/>
         <a:p>
-          <a:pPr marL="0" lvl="0" indent="0" algn="l" defTabSz="1866900">
+          <a:pPr marL="0" lvl="0" indent="0" algn="l" defTabSz="1778000">
             <a:lnSpc>
               <a:spcPct val="90000"/>
             </a:lnSpc>
@@ -8805,19 +8809,23 @@
             <a:buNone/>
           </a:pPr>
           <a:r>
-            <a:rPr lang="en-US" sz="4200" kern="1200" dirty="0"/>
-            <a:t>Thriveni, Group </a:t>
+            <a:rPr lang="en-US" sz="4000" kern="1200" dirty="0" err="1"/>
+            <a:t>Thriveni</a:t>
           </a:r>
           <a:r>
-            <a:rPr lang="en-US" sz="4200" b="0" i="0" kern="1200" dirty="0"/>
+            <a:rPr lang="en-US" sz="4000" kern="1200" dirty="0"/>
+            <a:t>        Group </a:t>
+          </a:r>
+          <a:r>
+            <a:rPr lang="en-US" sz="4000" b="0" i="0" kern="1200" dirty="0"/>
             <a:t>manager</a:t>
           </a:r>
-          <a:endParaRPr lang="en-US" sz="4200" kern="1200" dirty="0"/>
+          <a:endParaRPr lang="en-US" sz="4000" kern="1200" dirty="0"/>
         </a:p>
       </dsp:txBody>
       <dsp:txXfrm>
         <a:off x="0" y="0"/>
-        <a:ext cx="6832212" cy="1316194"/>
+        <a:ext cx="7320705" cy="1327668"/>
       </dsp:txXfrm>
     </dsp:sp>
     <dsp:sp modelId="{44FD8FD6-6EEF-438B-B362-D99A9DF1622F}">
@@ -8827,8 +8835,8 @@
       </dsp:nvSpPr>
       <dsp:spPr>
         <a:xfrm>
-          <a:off x="0" y="1316194"/>
-          <a:ext cx="6832212" cy="0"/>
+          <a:off x="0" y="1327668"/>
+          <a:ext cx="7320705" cy="0"/>
         </a:xfrm>
         <a:prstGeom prst="line">
           <a:avLst/>
@@ -8899,8 +8907,8 @@
       </dsp:nvSpPr>
       <dsp:spPr>
         <a:xfrm>
-          <a:off x="0" y="1316194"/>
-          <a:ext cx="6832212" cy="1316194"/>
+          <a:off x="0" y="1327668"/>
+          <a:ext cx="7320705" cy="1327668"/>
         </a:xfrm>
         <a:prstGeom prst="rect">
           <a:avLst/>
@@ -8924,12 +8932,12 @@
         <a:fontRef idx="minor"/>
       </dsp:style>
       <dsp:txBody>
-        <a:bodyPr spcFirstLastPara="0" vert="horz" wrap="square" lIns="160020" tIns="160020" rIns="160020" bIns="160020" numCol="1" spcCol="1270" anchor="t" anchorCtr="0">
+        <a:bodyPr spcFirstLastPara="0" vert="horz" wrap="square" lIns="152400" tIns="152400" rIns="152400" bIns="152400" numCol="1" spcCol="1270" anchor="t" anchorCtr="0">
           <a:noAutofit/>
         </a:bodyPr>
         <a:lstStyle/>
         <a:p>
-          <a:pPr marL="0" lvl="0" indent="0" algn="l" defTabSz="1866900">
+          <a:pPr marL="0" lvl="0" indent="0" algn="l" defTabSz="1778000">
             <a:lnSpc>
               <a:spcPct val="90000"/>
             </a:lnSpc>
@@ -8942,14 +8950,14 @@
             <a:buNone/>
           </a:pPr>
           <a:r>
-            <a:rPr lang="en-US" sz="4200" kern="1200" dirty="0"/>
-            <a:t>Yuko, Scrum-master</a:t>
+            <a:rPr lang="en-US" sz="4000" kern="1200" dirty="0"/>
+            <a:t>Yuko             Scrum-master</a:t>
           </a:r>
         </a:p>
       </dsp:txBody>
       <dsp:txXfrm>
-        <a:off x="0" y="1316194"/>
-        <a:ext cx="6832212" cy="1316194"/>
+        <a:off x="0" y="1327668"/>
+        <a:ext cx="7320705" cy="1327668"/>
       </dsp:txXfrm>
     </dsp:sp>
     <dsp:sp modelId="{9BC830A9-6B26-47C8-9FBF-868EAEC0EB99}">
@@ -8959,8 +8967,8 @@
       </dsp:nvSpPr>
       <dsp:spPr>
         <a:xfrm>
-          <a:off x="0" y="2632389"/>
-          <a:ext cx="6832212" cy="0"/>
+          <a:off x="0" y="2655337"/>
+          <a:ext cx="7320705" cy="0"/>
         </a:xfrm>
         <a:prstGeom prst="line">
           <a:avLst/>
@@ -9031,8 +9039,8 @@
       </dsp:nvSpPr>
       <dsp:spPr>
         <a:xfrm>
-          <a:off x="0" y="2632389"/>
-          <a:ext cx="6832212" cy="1316194"/>
+          <a:off x="0" y="2655337"/>
+          <a:ext cx="7320705" cy="1327668"/>
         </a:xfrm>
         <a:prstGeom prst="rect">
           <a:avLst/>
@@ -9056,12 +9064,12 @@
         <a:fontRef idx="minor"/>
       </dsp:style>
       <dsp:txBody>
-        <a:bodyPr spcFirstLastPara="0" vert="horz" wrap="square" lIns="160020" tIns="160020" rIns="160020" bIns="160020" numCol="1" spcCol="1270" anchor="t" anchorCtr="0">
+        <a:bodyPr spcFirstLastPara="0" vert="horz" wrap="square" lIns="152400" tIns="152400" rIns="152400" bIns="152400" numCol="1" spcCol="1270" anchor="t" anchorCtr="0">
           <a:noAutofit/>
         </a:bodyPr>
         <a:lstStyle/>
         <a:p>
-          <a:pPr marL="0" lvl="0" indent="0" algn="l" defTabSz="1866900">
+          <a:pPr marL="0" lvl="0" indent="0" algn="l" defTabSz="1778000">
             <a:lnSpc>
               <a:spcPct val="90000"/>
             </a:lnSpc>
@@ -9074,14 +9082,14 @@
             <a:buNone/>
           </a:pPr>
           <a:r>
-            <a:rPr lang="en-US" sz="4200" kern="1200" dirty="0"/>
-            <a:t>Sajjad, Testing</a:t>
+            <a:rPr lang="en-US" sz="4000" kern="1200" dirty="0"/>
+            <a:t>Sajjad            Testing</a:t>
           </a:r>
         </a:p>
       </dsp:txBody>
       <dsp:txXfrm>
-        <a:off x="0" y="2632389"/>
-        <a:ext cx="6832212" cy="1316194"/>
+        <a:off x="0" y="2655337"/>
+        <a:ext cx="7320705" cy="1327668"/>
       </dsp:txXfrm>
     </dsp:sp>
     <dsp:sp modelId="{6F9A782B-22FD-438A-88F9-43A3D8AC0505}">
@@ -9091,8 +9099,8 @@
       </dsp:nvSpPr>
       <dsp:spPr>
         <a:xfrm>
-          <a:off x="0" y="3948584"/>
-          <a:ext cx="6832212" cy="0"/>
+          <a:off x="0" y="3983006"/>
+          <a:ext cx="7320705" cy="0"/>
         </a:xfrm>
         <a:prstGeom prst="line">
           <a:avLst/>
@@ -9163,8 +9171,8 @@
       </dsp:nvSpPr>
       <dsp:spPr>
         <a:xfrm>
-          <a:off x="0" y="3948584"/>
-          <a:ext cx="6832212" cy="1316194"/>
+          <a:off x="0" y="3983006"/>
+          <a:ext cx="7320705" cy="1327668"/>
         </a:xfrm>
         <a:prstGeom prst="rect">
           <a:avLst/>
@@ -9188,12 +9196,12 @@
         <a:fontRef idx="minor"/>
       </dsp:style>
       <dsp:txBody>
-        <a:bodyPr spcFirstLastPara="0" vert="horz" wrap="square" lIns="160020" tIns="160020" rIns="160020" bIns="160020" numCol="1" spcCol="1270" anchor="t" anchorCtr="0">
+        <a:bodyPr spcFirstLastPara="0" vert="horz" wrap="square" lIns="152400" tIns="152400" rIns="152400" bIns="152400" numCol="1" spcCol="1270" anchor="t" anchorCtr="0">
           <a:noAutofit/>
         </a:bodyPr>
         <a:lstStyle/>
         <a:p>
-          <a:pPr marL="0" lvl="0" indent="0" algn="l" defTabSz="1866900">
+          <a:pPr marL="0" lvl="0" indent="0" algn="l" defTabSz="1778000">
             <a:lnSpc>
               <a:spcPct val="90000"/>
             </a:lnSpc>
@@ -9206,14 +9214,14 @@
             <a:buNone/>
           </a:pPr>
           <a:r>
-            <a:rPr lang="en-US" sz="4200" kern="1200" dirty="0"/>
-            <a:t>Christoffer, Git-manager</a:t>
+            <a:rPr lang="en-US" sz="4000" kern="1200" dirty="0"/>
+            <a:t>Christoffer      Git-manager</a:t>
           </a:r>
         </a:p>
       </dsp:txBody>
       <dsp:txXfrm>
-        <a:off x="0" y="3948584"/>
-        <a:ext cx="6832212" cy="1316194"/>
+        <a:off x="0" y="3983006"/>
+        <a:ext cx="7320705" cy="1327668"/>
       </dsp:txXfrm>
     </dsp:sp>
   </dsp:spTree>
@@ -9515,10 +9523,10 @@
             <a:buNone/>
           </a:pPr>
           <a:r>
-            <a:rPr lang="en-US" sz="2000" b="0" i="0" kern="1200"/>
+            <a:rPr lang="en-US" sz="2000" b="0" i="0" kern="1200" dirty="0"/>
             <a:t>Purpose</a:t>
           </a:r>
-          <a:endParaRPr lang="en-US" sz="2000" kern="1200"/>
+          <a:endParaRPr lang="en-US" sz="2000" kern="1200" dirty="0"/>
         </a:p>
       </dsp:txBody>
       <dsp:txXfrm>
@@ -9526,7 +9534,7 @@
         <a:ext cx="6754644" cy="716935"/>
       </dsp:txXfrm>
     </dsp:sp>
-    <dsp:sp modelId="{188BA2A7-7016-4A81-8277-EFB9C3F32592}">
+    <dsp:sp modelId="{367A6FA0-13C2-4667-994A-E786D7C8C717}">
       <dsp:nvSpPr>
         <dsp:cNvPr id="0" name=""/>
         <dsp:cNvSpPr/>
@@ -9608,10 +9616,10 @@
             <a:buNone/>
           </a:pPr>
           <a:r>
-            <a:rPr lang="en-US" sz="2000" b="0" i="0" kern="1200"/>
-            <a:t>Accomplishment</a:t>
+            <a:rPr lang="en-US" sz="2000" b="0" i="0" kern="1200" dirty="0"/>
+            <a:t>Technology - Python, SQL, Database, Power Bi, Dash, Machine Learning, Linear Regression, ETL, Git, API</a:t>
           </a:r>
-          <a:endParaRPr lang="en-US" sz="2000" kern="1200"/>
+          <a:endParaRPr lang="en-US" sz="2000" kern="1200" dirty="0"/>
         </a:p>
       </dsp:txBody>
       <dsp:txXfrm>
@@ -9619,7 +9627,7 @@
         <a:ext cx="6754644" cy="716935"/>
       </dsp:txXfrm>
     </dsp:sp>
-    <dsp:sp modelId="{F726F82C-B1D9-4AE6-A3FC-34731162ED9C}">
+    <dsp:sp modelId="{188BA2A7-7016-4A81-8277-EFB9C3F32592}">
       <dsp:nvSpPr>
         <dsp:cNvPr id="0" name=""/>
         <dsp:cNvSpPr/>
@@ -9701,10 +9709,10 @@
             <a:buNone/>
           </a:pPr>
           <a:r>
-            <a:rPr lang="en-US" sz="2000" b="0" i="0" kern="1200"/>
-            <a:t>Technology - Python, SQL, Database, Power Bi, Dash, Machine Learning, Linear Regression, ETL, Git, API</a:t>
+            <a:rPr lang="en-US" sz="2000" b="0" i="0" kern="1200" dirty="0"/>
+            <a:t>Accomplishment</a:t>
           </a:r>
-          <a:endParaRPr lang="en-US" sz="2000" kern="1200"/>
+          <a:endParaRPr lang="en-US" sz="2000" kern="1200" dirty="0"/>
         </a:p>
       </dsp:txBody>
       <dsp:txXfrm>
@@ -22167,7 +22175,7 @@
           <a:p>
             <a:fld id="{DF96D516-803A-4DB7-B704-28470E3DC6FA}" type="datetimeFigureOut">
               <a:rPr lang="en-SE" smtClean="0"/>
-              <a:t>2022-08-30</a:t>
+              <a:t>2022-08-31</a:t>
             </a:fld>
             <a:endParaRPr lang="en-SE"/>
           </a:p>
@@ -22505,7 +22513,7 @@
           <a:p>
             <a:fld id="{DF96D516-803A-4DB7-B704-28470E3DC6FA}" type="datetimeFigureOut">
               <a:rPr lang="en-SE" smtClean="0"/>
-              <a:t>2022-08-30</a:t>
+              <a:t>2022-08-31</a:t>
             </a:fld>
             <a:endParaRPr lang="en-SE"/>
           </a:p>
@@ -22906,7 +22914,7 @@
           <a:p>
             <a:fld id="{DF96D516-803A-4DB7-B704-28470E3DC6FA}" type="datetimeFigureOut">
               <a:rPr lang="en-SE" smtClean="0"/>
-              <a:t>2022-08-30</a:t>
+              <a:t>2022-08-31</a:t>
             </a:fld>
             <a:endParaRPr lang="en-SE"/>
           </a:p>
@@ -23242,7 +23250,7 @@
           <a:p>
             <a:fld id="{DF96D516-803A-4DB7-B704-28470E3DC6FA}" type="datetimeFigureOut">
               <a:rPr lang="en-SE" smtClean="0"/>
-              <a:t>2022-08-30</a:t>
+              <a:t>2022-08-31</a:t>
             </a:fld>
             <a:endParaRPr lang="en-SE"/>
           </a:p>
@@ -23562,7 +23570,7 @@
           <a:p>
             <a:fld id="{DF96D516-803A-4DB7-B704-28470E3DC6FA}" type="datetimeFigureOut">
               <a:rPr lang="en-SE" smtClean="0"/>
-              <a:t>2022-08-30</a:t>
+              <a:t>2022-08-31</a:t>
             </a:fld>
             <a:endParaRPr lang="en-SE"/>
           </a:p>
@@ -23958,7 +23966,7 @@
           <a:p>
             <a:fld id="{DF96D516-803A-4DB7-B704-28470E3DC6FA}" type="datetimeFigureOut">
               <a:rPr lang="en-SE" smtClean="0"/>
-              <a:t>2022-08-30</a:t>
+              <a:t>2022-08-31</a:t>
             </a:fld>
             <a:endParaRPr lang="en-SE"/>
           </a:p>
@@ -24215,7 +24223,7 @@
           <a:p>
             <a:fld id="{DF96D516-803A-4DB7-B704-28470E3DC6FA}" type="datetimeFigureOut">
               <a:rPr lang="en-SE" smtClean="0"/>
-              <a:t>2022-08-30</a:t>
+              <a:t>2022-08-31</a:t>
             </a:fld>
             <a:endParaRPr lang="en-SE"/>
           </a:p>
@@ -24477,7 +24485,7 @@
           <a:p>
             <a:fld id="{DF96D516-803A-4DB7-B704-28470E3DC6FA}" type="datetimeFigureOut">
               <a:rPr lang="en-SE" smtClean="0"/>
-              <a:t>2022-08-30</a:t>
+              <a:t>2022-08-31</a:t>
             </a:fld>
             <a:endParaRPr lang="en-SE"/>
           </a:p>
@@ -24739,7 +24747,7 @@
           <a:p>
             <a:fld id="{DF96D516-803A-4DB7-B704-28470E3DC6FA}" type="datetimeFigureOut">
               <a:rPr lang="en-SE" smtClean="0"/>
-              <a:t>2022-08-30</a:t>
+              <a:t>2022-08-31</a:t>
             </a:fld>
             <a:endParaRPr lang="en-SE"/>
           </a:p>
@@ -25068,7 +25076,7 @@
           <a:p>
             <a:fld id="{DF96D516-803A-4DB7-B704-28470E3DC6FA}" type="datetimeFigureOut">
               <a:rPr lang="en-SE" smtClean="0"/>
-              <a:t>2022-08-30</a:t>
+              <a:t>2022-08-31</a:t>
             </a:fld>
             <a:endParaRPr lang="en-SE"/>
           </a:p>
@@ -25391,7 +25399,7 @@
           <a:p>
             <a:fld id="{DF96D516-803A-4DB7-B704-28470E3DC6FA}" type="datetimeFigureOut">
               <a:rPr lang="en-SE" smtClean="0"/>
-              <a:t>2022-08-30</a:t>
+              <a:t>2022-08-31</a:t>
             </a:fld>
             <a:endParaRPr lang="en-SE"/>
           </a:p>
@@ -25848,7 +25856,7 @@
           <a:p>
             <a:fld id="{DF96D516-803A-4DB7-B704-28470E3DC6FA}" type="datetimeFigureOut">
               <a:rPr lang="en-SE" smtClean="0"/>
-              <a:t>2022-08-30</a:t>
+              <a:t>2022-08-31</a:t>
             </a:fld>
             <a:endParaRPr lang="en-SE"/>
           </a:p>
@@ -26053,7 +26061,7 @@
           <a:p>
             <a:fld id="{DF96D516-803A-4DB7-B704-28470E3DC6FA}" type="datetimeFigureOut">
               <a:rPr lang="en-SE" smtClean="0"/>
-              <a:t>2022-08-30</a:t>
+              <a:t>2022-08-31</a:t>
             </a:fld>
             <a:endParaRPr lang="en-SE"/>
           </a:p>
@@ -26230,7 +26238,7 @@
           <a:p>
             <a:fld id="{DF96D516-803A-4DB7-B704-28470E3DC6FA}" type="datetimeFigureOut">
               <a:rPr lang="en-SE" smtClean="0"/>
-              <a:t>2022-08-30</a:t>
+              <a:t>2022-08-31</a:t>
             </a:fld>
             <a:endParaRPr lang="en-SE"/>
           </a:p>
@@ -26563,7 +26571,7 @@
           <a:p>
             <a:fld id="{DF96D516-803A-4DB7-B704-28470E3DC6FA}" type="datetimeFigureOut">
               <a:rPr lang="en-SE" smtClean="0"/>
-              <a:t>2022-08-30</a:t>
+              <a:t>2022-08-31</a:t>
             </a:fld>
             <a:endParaRPr lang="en-SE"/>
           </a:p>
@@ -26908,7 +26916,7 @@
           <a:p>
             <a:fld id="{DF96D516-803A-4DB7-B704-28470E3DC6FA}" type="datetimeFigureOut">
               <a:rPr lang="en-SE" smtClean="0"/>
-              <a:t>2022-08-30</a:t>
+              <a:t>2022-08-31</a:t>
             </a:fld>
             <a:endParaRPr lang="en-SE"/>
           </a:p>
@@ -29025,7 +29033,7 @@
           <a:p>
             <a:fld id="{DF96D516-803A-4DB7-B704-28470E3DC6FA}" type="datetimeFigureOut">
               <a:rPr lang="en-SE" smtClean="0"/>
-              <a:t>2022-08-30</a:t>
+              <a:t>2022-08-31</a:t>
             </a:fld>
             <a:endParaRPr lang="en-SE"/>
           </a:p>
@@ -34409,14 +34417,14 @@
             <p:ph idx="1"/>
             <p:extLst>
               <p:ext uri="{D42A27DB-BD31-4B8C-83A1-F6EECF244321}">
-                <p14:modId xmlns:p14="http://schemas.microsoft.com/office/powerpoint/2010/main" val="2207740379"/>
+                <p14:modId xmlns:p14="http://schemas.microsoft.com/office/powerpoint/2010/main" val="3028639314"/>
               </p:ext>
             </p:extLst>
           </p:nvPr>
         </p:nvGraphicFramePr>
         <p:xfrm>
-          <a:off x="4713144" y="641551"/>
-          <a:ext cx="6832212" cy="5264779"/>
+          <a:off x="4713143" y="641551"/>
+          <a:ext cx="7320705" cy="5310675"/>
         </p:xfrm>
         <a:graphic>
           <a:graphicData uri="http://schemas.openxmlformats.org/drawingml/2006/diagram">
@@ -34424,6 +34432,190 @@
           </a:graphicData>
         </a:graphic>
       </p:graphicFrame>
+      <p:sp>
+        <p:nvSpPr>
+          <p:cNvPr id="3" name="Arrow: Right 2">
+            <a:extLst>
+              <a:ext uri="{FF2B5EF4-FFF2-40B4-BE49-F238E27FC236}">
+                <a16:creationId xmlns:a16="http://schemas.microsoft.com/office/drawing/2014/main" id="{0B788AD3-C741-FA7C-F2AF-77D397C98180}"/>
+              </a:ext>
+            </a:extLst>
+          </p:cNvPr>
+          <p:cNvSpPr/>
+          <p:nvPr/>
+        </p:nvSpPr>
+        <p:spPr>
+          <a:xfrm>
+            <a:off x="7009511" y="924680"/>
+            <a:ext cx="458368" cy="255484"/>
+          </a:xfrm>
+          <a:prstGeom prst="rightArrow">
+            <a:avLst/>
+          </a:prstGeom>
+        </p:spPr>
+        <p:style>
+          <a:lnRef idx="2">
+            <a:schemeClr val="accent1">
+              <a:shade val="50000"/>
+            </a:schemeClr>
+          </a:lnRef>
+          <a:fillRef idx="1">
+            <a:schemeClr val="accent1"/>
+          </a:fillRef>
+          <a:effectRef idx="0">
+            <a:schemeClr val="accent1"/>
+          </a:effectRef>
+          <a:fontRef idx="minor">
+            <a:schemeClr val="lt1"/>
+          </a:fontRef>
+        </p:style>
+        <p:txBody>
+          <a:bodyPr rtlCol="0" anchor="ctr"/>
+          <a:lstStyle/>
+          <a:p>
+            <a:pPr algn="ctr"/>
+            <a:endParaRPr lang="en-SE"/>
+          </a:p>
+        </p:txBody>
+      </p:sp>
+      <p:sp>
+        <p:nvSpPr>
+          <p:cNvPr id="6" name="Arrow: Right 5">
+            <a:extLst>
+              <a:ext uri="{FF2B5EF4-FFF2-40B4-BE49-F238E27FC236}">
+                <a16:creationId xmlns:a16="http://schemas.microsoft.com/office/drawing/2014/main" id="{ADC14BA2-06BD-9F07-1899-CB9191AB88F4}"/>
+              </a:ext>
+            </a:extLst>
+          </p:cNvPr>
+          <p:cNvSpPr/>
+          <p:nvPr/>
+        </p:nvSpPr>
+        <p:spPr>
+          <a:xfrm>
+            <a:off x="7009511" y="2302031"/>
+            <a:ext cx="458368" cy="255484"/>
+          </a:xfrm>
+          <a:prstGeom prst="rightArrow">
+            <a:avLst/>
+          </a:prstGeom>
+        </p:spPr>
+        <p:style>
+          <a:lnRef idx="2">
+            <a:schemeClr val="accent1">
+              <a:shade val="50000"/>
+            </a:schemeClr>
+          </a:lnRef>
+          <a:fillRef idx="1">
+            <a:schemeClr val="accent1"/>
+          </a:fillRef>
+          <a:effectRef idx="0">
+            <a:schemeClr val="accent1"/>
+          </a:effectRef>
+          <a:fontRef idx="minor">
+            <a:schemeClr val="lt1"/>
+          </a:fontRef>
+        </p:style>
+        <p:txBody>
+          <a:bodyPr rtlCol="0" anchor="ctr"/>
+          <a:lstStyle/>
+          <a:p>
+            <a:pPr algn="ctr"/>
+            <a:endParaRPr lang="en-SE"/>
+          </a:p>
+        </p:txBody>
+      </p:sp>
+      <p:sp>
+        <p:nvSpPr>
+          <p:cNvPr id="8" name="Arrow: Right 7">
+            <a:extLst>
+              <a:ext uri="{FF2B5EF4-FFF2-40B4-BE49-F238E27FC236}">
+                <a16:creationId xmlns:a16="http://schemas.microsoft.com/office/drawing/2014/main" id="{432AD057-B237-C7B8-EA03-4CC7A9392E0C}"/>
+              </a:ext>
+            </a:extLst>
+          </p:cNvPr>
+          <p:cNvSpPr/>
+          <p:nvPr/>
+        </p:nvSpPr>
+        <p:spPr>
+          <a:xfrm>
+            <a:off x="7009511" y="3693967"/>
+            <a:ext cx="458368" cy="255484"/>
+          </a:xfrm>
+          <a:prstGeom prst="rightArrow">
+            <a:avLst/>
+          </a:prstGeom>
+        </p:spPr>
+        <p:style>
+          <a:lnRef idx="2">
+            <a:schemeClr val="accent1">
+              <a:shade val="50000"/>
+            </a:schemeClr>
+          </a:lnRef>
+          <a:fillRef idx="1">
+            <a:schemeClr val="accent1"/>
+          </a:fillRef>
+          <a:effectRef idx="0">
+            <a:schemeClr val="accent1"/>
+          </a:effectRef>
+          <a:fontRef idx="minor">
+            <a:schemeClr val="lt1"/>
+          </a:fontRef>
+        </p:style>
+        <p:txBody>
+          <a:bodyPr rtlCol="0" anchor="ctr"/>
+          <a:lstStyle/>
+          <a:p>
+            <a:pPr algn="ctr"/>
+            <a:endParaRPr lang="en-SE"/>
+          </a:p>
+        </p:txBody>
+      </p:sp>
+      <p:sp>
+        <p:nvSpPr>
+          <p:cNvPr id="12" name="Arrow: Right 11">
+            <a:extLst>
+              <a:ext uri="{FF2B5EF4-FFF2-40B4-BE49-F238E27FC236}">
+                <a16:creationId xmlns:a16="http://schemas.microsoft.com/office/drawing/2014/main" id="{684759CD-61B5-C2FA-F158-9CCD34AF3FB7}"/>
+              </a:ext>
+            </a:extLst>
+          </p:cNvPr>
+          <p:cNvSpPr/>
+          <p:nvPr/>
+        </p:nvSpPr>
+        <p:spPr>
+          <a:xfrm>
+            <a:off x="7558726" y="4941714"/>
+            <a:ext cx="458368" cy="255484"/>
+          </a:xfrm>
+          <a:prstGeom prst="rightArrow">
+            <a:avLst/>
+          </a:prstGeom>
+        </p:spPr>
+        <p:style>
+          <a:lnRef idx="2">
+            <a:schemeClr val="accent1">
+              <a:shade val="50000"/>
+            </a:schemeClr>
+          </a:lnRef>
+          <a:fillRef idx="1">
+            <a:schemeClr val="accent1"/>
+          </a:fillRef>
+          <a:effectRef idx="0">
+            <a:schemeClr val="accent1"/>
+          </a:effectRef>
+          <a:fontRef idx="minor">
+            <a:schemeClr val="lt1"/>
+          </a:fontRef>
+        </p:style>
+        <p:txBody>
+          <a:bodyPr rtlCol="0" anchor="ctr"/>
+          <a:lstStyle/>
+          <a:p>
+            <a:pPr algn="ctr"/>
+            <a:endParaRPr lang="en-SE"/>
+          </a:p>
+        </p:txBody>
+      </p:sp>
     </p:spTree>
     <p:extLst>
       <p:ext uri="{BB962C8B-B14F-4D97-AF65-F5344CB8AC3E}">
@@ -34855,7 +35047,7 @@
             <p:ph idx="1"/>
             <p:extLst>
               <p:ext uri="{D42A27DB-BD31-4B8C-83A1-F6EECF244321}">
-                <p14:modId xmlns:p14="http://schemas.microsoft.com/office/powerpoint/2010/main" val="906811651"/>
+                <p14:modId xmlns:p14="http://schemas.microsoft.com/office/powerpoint/2010/main" val="1225189938"/>
               </p:ext>
             </p:extLst>
           </p:nvPr>
@@ -35324,8 +35516,8 @@
         </p:blipFill>
         <p:spPr>
           <a:xfrm>
-            <a:off x="4784783" y="1021376"/>
-            <a:ext cx="7135620" cy="4317050"/>
+            <a:off x="5529440" y="97899"/>
+            <a:ext cx="5094218" cy="3082002"/>
           </a:xfrm>
           <a:prstGeom prst="rect">
             <a:avLst/>

--- a/Presentation1.pptx
+++ b/Presentation1.pptx
@@ -6519,7 +6519,7 @@
         <a:p>
           <a:r>
             <a:rPr lang="en-US" b="0" i="0" dirty="0"/>
-            <a:t>Technology - Python, SQL, Database, Power Bi, Dash, Machine Learning, Linear Regression, ETL, Git, API</a:t>
+            <a:t>Technologies - Python, SQL, Database, Power Bi, Dash, Machine Learning, Linear Regression, ETL, Git, API</a:t>
           </a:r>
           <a:endParaRPr lang="en-US" dirty="0"/>
         </a:p>
@@ -6671,43 +6671,7 @@
 <dgm:dataModel xmlns:dgm="http://schemas.openxmlformats.org/drawingml/2006/diagram" xmlns:a="http://schemas.openxmlformats.org/drawingml/2006/main">
   <dgm:ptLst>
     <dgm:pt modelId="{C8092609-F8EA-4E4A-8350-8B8B44869798}" type="doc">
-      <dgm:prSet loTypeId="urn:microsoft.com/office/officeart/2005/8/layout/vList2" loCatId="list" qsTypeId="urn:microsoft.com/office/officeart/2005/8/quickstyle/simple4" qsCatId="simple" csTypeId="urn:microsoft.com/office/officeart/2005/8/colors/colorful5" csCatId="colorful"/>
-      <dgm:spPr/>
-      <dgm:t>
-        <a:bodyPr/>
-        <a:lstStyle/>
-        <a:p>
-          <a:endParaRPr lang="en-US"/>
-        </a:p>
-      </dgm:t>
-    </dgm:pt>
-    <dgm:pt modelId="{1EBFCD4E-44F6-4442-80E6-D7FE1E34857D}">
-      <dgm:prSet/>
-      <dgm:spPr/>
-      <dgm:t>
-        <a:bodyPr/>
-        <a:lstStyle/>
-        <a:p>
-          <a:r>
-            <a:rPr lang="en-US"/>
-            <a:t>Energy consumption analyzes </a:t>
-          </a:r>
-        </a:p>
-      </dgm:t>
-    </dgm:pt>
-    <dgm:pt modelId="{9F2B0586-9AC2-4647-8C7D-405A0603124B}" type="parTrans" cxnId="{B73FA32C-98E3-4D87-8E41-A9740EA4A832}">
-      <dgm:prSet/>
-      <dgm:spPr/>
-      <dgm:t>
-        <a:bodyPr/>
-        <a:lstStyle/>
-        <a:p>
-          <a:endParaRPr lang="en-US"/>
-        </a:p>
-      </dgm:t>
-    </dgm:pt>
-    <dgm:pt modelId="{55ECAD25-23C5-43E7-A2FF-6803A5F736A4}" type="sibTrans" cxnId="{B73FA32C-98E3-4D87-8E41-A9740EA4A832}">
-      <dgm:prSet/>
+      <dgm:prSet loTypeId="urn:microsoft.com/office/officeart/2005/8/layout/vList2" loCatId="list" qsTypeId="urn:microsoft.com/office/officeart/2005/8/quickstyle/simple4" qsCatId="simple" csTypeId="urn:microsoft.com/office/officeart/2005/8/colors/colorful5" csCatId="colorful" phldr="1"/>
       <dgm:spPr/>
       <dgm:t>
         <a:bodyPr/>
@@ -6725,7 +6689,7 @@
         <a:lstStyle/>
         <a:p>
           <a:r>
-            <a:rPr lang="en-US"/>
+            <a:rPr lang="en-US" dirty="0"/>
             <a:t>Electricity source distribution</a:t>
           </a:r>
         </a:p>
@@ -6753,6 +6717,42 @@
         </a:p>
       </dgm:t>
     </dgm:pt>
+    <dgm:pt modelId="{61C165FE-CD54-476E-ABD1-6DDB98C9FD09}">
+      <dgm:prSet/>
+      <dgm:spPr/>
+      <dgm:t>
+        <a:bodyPr/>
+        <a:lstStyle/>
+        <a:p>
+          <a:r>
+            <a:rPr lang="en-US" dirty="0"/>
+            <a:t>Energy consumption analyzes </a:t>
+          </a:r>
+        </a:p>
+      </dgm:t>
+    </dgm:pt>
+    <dgm:pt modelId="{19BFB3C9-3342-48C9-B9C2-653972EAE6B0}" type="parTrans" cxnId="{EA1D6DC5-5E3D-4F7E-8BD8-87C58E116ADE}">
+      <dgm:prSet/>
+      <dgm:spPr/>
+      <dgm:t>
+        <a:bodyPr/>
+        <a:lstStyle/>
+        <a:p>
+          <a:endParaRPr lang="en-SE"/>
+        </a:p>
+      </dgm:t>
+    </dgm:pt>
+    <dgm:pt modelId="{45F5DCBA-6471-4436-AFD1-822E8E813EFA}" type="sibTrans" cxnId="{EA1D6DC5-5E3D-4F7E-8BD8-87C58E116ADE}">
+      <dgm:prSet/>
+      <dgm:spPr/>
+      <dgm:t>
+        <a:bodyPr/>
+        <a:lstStyle/>
+        <a:p>
+          <a:endParaRPr lang="en-SE"/>
+        </a:p>
+      </dgm:t>
+    </dgm:pt>
     <dgm:pt modelId="{D8DDCC30-1C5E-46F5-9E4A-D2EA31455D02}" type="pres">
       <dgm:prSet presAssocID="{C8092609-F8EA-4E4A-8350-8B8B44869798}" presName="linear" presStyleCnt="0">
         <dgm:presLayoutVars>
@@ -6762,8 +6762,8 @@
       </dgm:prSet>
       <dgm:spPr/>
     </dgm:pt>
-    <dgm:pt modelId="{7EC72881-6CAF-4A4D-9EED-D6AF75BB1D44}" type="pres">
-      <dgm:prSet presAssocID="{1EBFCD4E-44F6-4442-80E6-D7FE1E34857D}" presName="parentText" presStyleLbl="node1" presStyleIdx="0" presStyleCnt="2">
+    <dgm:pt modelId="{CC96F631-FDA7-4E62-9D8D-39059F8CD6AA}" type="pres">
+      <dgm:prSet presAssocID="{867402EA-0F55-4C5C-AA32-6CA21EDC204F}" presName="parentText" presStyleLbl="node1" presStyleIdx="0" presStyleCnt="2">
         <dgm:presLayoutVars>
           <dgm:chMax val="0"/>
           <dgm:bulletEnabled val="1"/>
@@ -6771,12 +6771,12 @@
       </dgm:prSet>
       <dgm:spPr/>
     </dgm:pt>
-    <dgm:pt modelId="{F77AA73C-D12B-461F-A181-17A777C46998}" type="pres">
-      <dgm:prSet presAssocID="{55ECAD25-23C5-43E7-A2FF-6803A5F736A4}" presName="spacer" presStyleCnt="0"/>
+    <dgm:pt modelId="{AAE12332-284D-4517-B4CB-960A1FB81D19}" type="pres">
+      <dgm:prSet presAssocID="{26C818E0-1ABF-4319-9F44-509615EA4147}" presName="spacer" presStyleCnt="0"/>
       <dgm:spPr/>
     </dgm:pt>
-    <dgm:pt modelId="{CC96F631-FDA7-4E62-9D8D-39059F8CD6AA}" type="pres">
-      <dgm:prSet presAssocID="{867402EA-0F55-4C5C-AA32-6CA21EDC204F}" presName="parentText" presStyleLbl="node1" presStyleIdx="1" presStyleCnt="2">
+    <dgm:pt modelId="{CB559BCD-2021-47EE-9D26-43F55BE5BE53}" type="pres">
+      <dgm:prSet presAssocID="{61C165FE-CD54-476E-ABD1-6DDB98C9FD09}" presName="parentText" presStyleLbl="node1" presStyleIdx="1" presStyleCnt="2">
         <dgm:presLayoutVars>
           <dgm:chMax val="0"/>
           <dgm:bulletEnabled val="1"/>
@@ -6786,14 +6786,14 @@
     </dgm:pt>
   </dgm:ptLst>
   <dgm:cxnLst>
-    <dgm:cxn modelId="{B73FA32C-98E3-4D87-8E41-A9740EA4A832}" srcId="{C8092609-F8EA-4E4A-8350-8B8B44869798}" destId="{1EBFCD4E-44F6-4442-80E6-D7FE1E34857D}" srcOrd="0" destOrd="0" parTransId="{9F2B0586-9AC2-4647-8C7D-405A0603124B}" sibTransId="{55ECAD25-23C5-43E7-A2FF-6803A5F736A4}"/>
-    <dgm:cxn modelId="{510C485B-785C-4C6C-B7E5-CBF6A91A893C}" srcId="{C8092609-F8EA-4E4A-8350-8B8B44869798}" destId="{867402EA-0F55-4C5C-AA32-6CA21EDC204F}" srcOrd="1" destOrd="0" parTransId="{CC525E2F-700B-4BCC-B969-7FBD5CC2F5AE}" sibTransId="{26C818E0-1ABF-4319-9F44-509615EA4147}"/>
-    <dgm:cxn modelId="{9DDC2266-461F-4766-A2AE-B483E799AB16}" type="presOf" srcId="{1EBFCD4E-44F6-4442-80E6-D7FE1E34857D}" destId="{7EC72881-6CAF-4A4D-9EED-D6AF75BB1D44}" srcOrd="0" destOrd="0" presId="urn:microsoft.com/office/officeart/2005/8/layout/vList2"/>
+    <dgm:cxn modelId="{62ADA53B-AF52-43FA-9CFC-89EB3B3A3E9A}" type="presOf" srcId="{61C165FE-CD54-476E-ABD1-6DDB98C9FD09}" destId="{CB559BCD-2021-47EE-9D26-43F55BE5BE53}" srcOrd="0" destOrd="0" presId="urn:microsoft.com/office/officeart/2005/8/layout/vList2"/>
+    <dgm:cxn modelId="{510C485B-785C-4C6C-B7E5-CBF6A91A893C}" srcId="{C8092609-F8EA-4E4A-8350-8B8B44869798}" destId="{867402EA-0F55-4C5C-AA32-6CA21EDC204F}" srcOrd="0" destOrd="0" parTransId="{CC525E2F-700B-4BCC-B969-7FBD5CC2F5AE}" sibTransId="{26C818E0-1ABF-4319-9F44-509615EA4147}"/>
     <dgm:cxn modelId="{0925A278-EF01-4F9F-8E89-078A1F5D6CF8}" type="presOf" srcId="{C8092609-F8EA-4E4A-8350-8B8B44869798}" destId="{D8DDCC30-1C5E-46F5-9E4A-D2EA31455D02}" srcOrd="0" destOrd="0" presId="urn:microsoft.com/office/officeart/2005/8/layout/vList2"/>
     <dgm:cxn modelId="{E1D95D8D-B780-4DC4-9CC9-C4F4D9FE5B1B}" type="presOf" srcId="{867402EA-0F55-4C5C-AA32-6CA21EDC204F}" destId="{CC96F631-FDA7-4E62-9D8D-39059F8CD6AA}" srcOrd="0" destOrd="0" presId="urn:microsoft.com/office/officeart/2005/8/layout/vList2"/>
-    <dgm:cxn modelId="{C8F63BEE-8B82-43E1-8007-E2BCCC45AB7A}" type="presParOf" srcId="{D8DDCC30-1C5E-46F5-9E4A-D2EA31455D02}" destId="{7EC72881-6CAF-4A4D-9EED-D6AF75BB1D44}" srcOrd="0" destOrd="0" presId="urn:microsoft.com/office/officeart/2005/8/layout/vList2"/>
-    <dgm:cxn modelId="{449E6BEB-B8B7-469A-9711-19D885823D8B}" type="presParOf" srcId="{D8DDCC30-1C5E-46F5-9E4A-D2EA31455D02}" destId="{F77AA73C-D12B-461F-A181-17A777C46998}" srcOrd="1" destOrd="0" presId="urn:microsoft.com/office/officeart/2005/8/layout/vList2"/>
-    <dgm:cxn modelId="{3DBAA903-3F71-4AE8-B14E-EA3BDFBFD6ED}" type="presParOf" srcId="{D8DDCC30-1C5E-46F5-9E4A-D2EA31455D02}" destId="{CC96F631-FDA7-4E62-9D8D-39059F8CD6AA}" srcOrd="2" destOrd="0" presId="urn:microsoft.com/office/officeart/2005/8/layout/vList2"/>
+    <dgm:cxn modelId="{EA1D6DC5-5E3D-4F7E-8BD8-87C58E116ADE}" srcId="{C8092609-F8EA-4E4A-8350-8B8B44869798}" destId="{61C165FE-CD54-476E-ABD1-6DDB98C9FD09}" srcOrd="1" destOrd="0" parTransId="{19BFB3C9-3342-48C9-B9C2-653972EAE6B0}" sibTransId="{45F5DCBA-6471-4436-AFD1-822E8E813EFA}"/>
+    <dgm:cxn modelId="{3DBAA903-3F71-4AE8-B14E-EA3BDFBFD6ED}" type="presParOf" srcId="{D8DDCC30-1C5E-46F5-9E4A-D2EA31455D02}" destId="{CC96F631-FDA7-4E62-9D8D-39059F8CD6AA}" srcOrd="0" destOrd="0" presId="urn:microsoft.com/office/officeart/2005/8/layout/vList2"/>
+    <dgm:cxn modelId="{C87624F4-6CD7-468B-B197-6DDFDE814E95}" type="presParOf" srcId="{D8DDCC30-1C5E-46F5-9E4A-D2EA31455D02}" destId="{AAE12332-284D-4517-B4CB-960A1FB81D19}" srcOrd="1" destOrd="0" presId="urn:microsoft.com/office/officeart/2005/8/layout/vList2"/>
+    <dgm:cxn modelId="{A22A1742-6D11-42DE-AC2B-BB547E74CD48}" type="presParOf" srcId="{D8DDCC30-1C5E-46F5-9E4A-D2EA31455D02}" destId="{CB559BCD-2021-47EE-9D26-43F55BE5BE53}" srcOrd="2" destOrd="0" presId="urn:microsoft.com/office/officeart/2005/8/layout/vList2"/>
   </dgm:cxnLst>
   <dgm:bg/>
   <dgm:whole/>
@@ -9243,8 +9243,8 @@
       </dsp:nvSpPr>
       <dsp:spPr>
         <a:xfrm>
-          <a:off x="0" y="104880"/>
-          <a:ext cx="6832212" cy="794503"/>
+          <a:off x="0" y="231255"/>
+          <a:ext cx="6832212" cy="754777"/>
         </a:xfrm>
         <a:prstGeom prst="roundRect">
           <a:avLst/>
@@ -9300,12 +9300,12 @@
         </a:fontRef>
       </dsp:style>
       <dsp:txBody>
-        <a:bodyPr spcFirstLastPara="0" vert="horz" wrap="square" lIns="76200" tIns="76200" rIns="76200" bIns="76200" numCol="1" spcCol="1270" anchor="ctr" anchorCtr="0">
+        <a:bodyPr spcFirstLastPara="0" vert="horz" wrap="square" lIns="72390" tIns="72390" rIns="72390" bIns="72390" numCol="1" spcCol="1270" anchor="ctr" anchorCtr="0">
           <a:noAutofit/>
         </a:bodyPr>
         <a:lstStyle/>
         <a:p>
-          <a:pPr marL="0" lvl="0" indent="0" algn="l" defTabSz="889000">
+          <a:pPr marL="0" lvl="0" indent="0" algn="l" defTabSz="844550">
             <a:lnSpc>
               <a:spcPct val="90000"/>
             </a:lnSpc>
@@ -9318,15 +9318,15 @@
             <a:buNone/>
           </a:pPr>
           <a:r>
-            <a:rPr lang="en-US" sz="2000" b="0" i="0" kern="1200" dirty="0"/>
+            <a:rPr lang="en-US" sz="1900" b="0" i="0" kern="1200" dirty="0"/>
             <a:t>Project idea</a:t>
           </a:r>
-          <a:endParaRPr lang="en-US" sz="2000" kern="1200" dirty="0"/>
+          <a:endParaRPr lang="en-US" sz="1900" kern="1200" dirty="0"/>
         </a:p>
       </dsp:txBody>
       <dsp:txXfrm>
-        <a:off x="38784" y="143664"/>
-        <a:ext cx="6754644" cy="716935"/>
+        <a:off x="36845" y="268100"/>
+        <a:ext cx="6758522" cy="681087"/>
       </dsp:txXfrm>
     </dsp:sp>
     <dsp:sp modelId="{583CF9A3-09CF-41DA-B790-F3639A53A16F}">
@@ -9336,8 +9336,8 @@
       </dsp:nvSpPr>
       <dsp:spPr>
         <a:xfrm>
-          <a:off x="0" y="931104"/>
-          <a:ext cx="6832212" cy="794503"/>
+          <a:off x="0" y="1016168"/>
+          <a:ext cx="6832212" cy="754777"/>
         </a:xfrm>
         <a:prstGeom prst="roundRect">
           <a:avLst/>
@@ -9393,12 +9393,12 @@
         </a:fontRef>
       </dsp:style>
       <dsp:txBody>
-        <a:bodyPr spcFirstLastPara="0" vert="horz" wrap="square" lIns="76200" tIns="76200" rIns="76200" bIns="76200" numCol="1" spcCol="1270" anchor="ctr" anchorCtr="0">
+        <a:bodyPr spcFirstLastPara="0" vert="horz" wrap="square" lIns="72390" tIns="72390" rIns="72390" bIns="72390" numCol="1" spcCol="1270" anchor="ctr" anchorCtr="0">
           <a:noAutofit/>
         </a:bodyPr>
         <a:lstStyle/>
         <a:p>
-          <a:pPr marL="0" lvl="0" indent="0" algn="l" defTabSz="889000">
+          <a:pPr marL="0" lvl="0" indent="0" algn="l" defTabSz="844550">
             <a:lnSpc>
               <a:spcPct val="90000"/>
             </a:lnSpc>
@@ -9411,11 +9411,11 @@
             <a:buNone/>
           </a:pPr>
           <a:r>
-            <a:rPr lang="en-US" sz="2000" b="0" i="0" kern="1200" dirty="0"/>
+            <a:rPr lang="en-US" sz="1900" b="0" i="0" kern="1200" dirty="0"/>
             <a:t>Dataset - World Energy Consumption from </a:t>
           </a:r>
           <a:r>
-            <a:rPr lang="en-US" sz="2000" b="0" i="0" kern="1200" dirty="0">
+            <a:rPr lang="en-US" sz="1900" b="0" i="0" kern="1200" dirty="0">
               <a:solidFill>
                 <a:schemeClr val="tx1"/>
               </a:solidFill>
@@ -9429,7 +9429,7 @@
             </a:rPr>
             <a:t>Kaggle</a:t>
           </a:r>
-          <a:endParaRPr lang="en-US" sz="2000" kern="1200" dirty="0">
+          <a:endParaRPr lang="en-US" sz="1900" kern="1200" dirty="0">
             <a:solidFill>
               <a:schemeClr val="tx1"/>
             </a:solidFill>
@@ -9437,8 +9437,8 @@
         </a:p>
       </dsp:txBody>
       <dsp:txXfrm>
-        <a:off x="38784" y="969888"/>
-        <a:ext cx="6754644" cy="716935"/>
+        <a:off x="36845" y="1053013"/>
+        <a:ext cx="6758522" cy="681087"/>
       </dsp:txXfrm>
     </dsp:sp>
     <dsp:sp modelId="{25A2134C-F266-43ED-8B61-15777F4AB977}">
@@ -9448,8 +9448,8 @@
       </dsp:nvSpPr>
       <dsp:spPr>
         <a:xfrm>
-          <a:off x="0" y="1809086"/>
-          <a:ext cx="6832212" cy="794503"/>
+          <a:off x="0" y="1850251"/>
+          <a:ext cx="6832212" cy="754777"/>
         </a:xfrm>
         <a:prstGeom prst="roundRect">
           <a:avLst/>
@@ -9505,12 +9505,12 @@
         </a:fontRef>
       </dsp:style>
       <dsp:txBody>
-        <a:bodyPr spcFirstLastPara="0" vert="horz" wrap="square" lIns="76200" tIns="76200" rIns="76200" bIns="76200" numCol="1" spcCol="1270" anchor="ctr" anchorCtr="0">
+        <a:bodyPr spcFirstLastPara="0" vert="horz" wrap="square" lIns="72390" tIns="72390" rIns="72390" bIns="72390" numCol="1" spcCol="1270" anchor="ctr" anchorCtr="0">
           <a:noAutofit/>
         </a:bodyPr>
         <a:lstStyle/>
         <a:p>
-          <a:pPr marL="0" lvl="0" indent="0" algn="l" defTabSz="889000">
+          <a:pPr marL="0" lvl="0" indent="0" algn="l" defTabSz="844550">
             <a:lnSpc>
               <a:spcPct val="90000"/>
             </a:lnSpc>
@@ -9523,15 +9523,15 @@
             <a:buNone/>
           </a:pPr>
           <a:r>
-            <a:rPr lang="en-US" sz="2000" b="0" i="0" kern="1200" dirty="0"/>
+            <a:rPr lang="en-US" sz="1900" b="0" i="0" kern="1200" dirty="0"/>
             <a:t>Purpose</a:t>
           </a:r>
-          <a:endParaRPr lang="en-US" sz="2000" kern="1200" dirty="0"/>
+          <a:endParaRPr lang="en-US" sz="1900" kern="1200" dirty="0"/>
         </a:p>
       </dsp:txBody>
       <dsp:txXfrm>
-        <a:off x="38784" y="1847870"/>
-        <a:ext cx="6754644" cy="716935"/>
+        <a:off x="36845" y="1887096"/>
+        <a:ext cx="6758522" cy="681087"/>
       </dsp:txXfrm>
     </dsp:sp>
     <dsp:sp modelId="{367A6FA0-13C2-4667-994A-E786D7C8C717}">
@@ -9541,8 +9541,8 @@
       </dsp:nvSpPr>
       <dsp:spPr>
         <a:xfrm>
-          <a:off x="0" y="2661189"/>
-          <a:ext cx="6832212" cy="794503"/>
+          <a:off x="0" y="2659749"/>
+          <a:ext cx="6832212" cy="754777"/>
         </a:xfrm>
         <a:prstGeom prst="roundRect">
           <a:avLst/>
@@ -9598,12 +9598,12 @@
         </a:fontRef>
       </dsp:style>
       <dsp:txBody>
-        <a:bodyPr spcFirstLastPara="0" vert="horz" wrap="square" lIns="76200" tIns="76200" rIns="76200" bIns="76200" numCol="1" spcCol="1270" anchor="ctr" anchorCtr="0">
+        <a:bodyPr spcFirstLastPara="0" vert="horz" wrap="square" lIns="72390" tIns="72390" rIns="72390" bIns="72390" numCol="1" spcCol="1270" anchor="ctr" anchorCtr="0">
           <a:noAutofit/>
         </a:bodyPr>
         <a:lstStyle/>
         <a:p>
-          <a:pPr marL="0" lvl="0" indent="0" algn="l" defTabSz="889000">
+          <a:pPr marL="0" lvl="0" indent="0" algn="l" defTabSz="844550">
             <a:lnSpc>
               <a:spcPct val="90000"/>
             </a:lnSpc>
@@ -9616,15 +9616,15 @@
             <a:buNone/>
           </a:pPr>
           <a:r>
-            <a:rPr lang="en-US" sz="2000" b="0" i="0" kern="1200" dirty="0"/>
-            <a:t>Technology - Python, SQL, Database, Power Bi, Dash, Machine Learning, Linear Regression, ETL, Git, API</a:t>
+            <a:rPr lang="en-US" sz="1900" b="0" i="0" kern="1200" dirty="0"/>
+            <a:t>Technologies - Python, SQL, Database, Power Bi, Dash, Machine Learning, Linear Regression, ETL, Git, API</a:t>
           </a:r>
-          <a:endParaRPr lang="en-US" sz="2000" kern="1200" dirty="0"/>
+          <a:endParaRPr lang="en-US" sz="1900" kern="1200" dirty="0"/>
         </a:p>
       </dsp:txBody>
       <dsp:txXfrm>
-        <a:off x="38784" y="2699973"/>
-        <a:ext cx="6754644" cy="716935"/>
+        <a:off x="36845" y="2696594"/>
+        <a:ext cx="6758522" cy="681087"/>
       </dsp:txXfrm>
     </dsp:sp>
     <dsp:sp modelId="{188BA2A7-7016-4A81-8277-EFB9C3F32592}">
@@ -9634,8 +9634,8 @@
       </dsp:nvSpPr>
       <dsp:spPr>
         <a:xfrm>
-          <a:off x="0" y="3513292"/>
-          <a:ext cx="6832212" cy="794503"/>
+          <a:off x="0" y="3469247"/>
+          <a:ext cx="6832212" cy="754777"/>
         </a:xfrm>
         <a:prstGeom prst="roundRect">
           <a:avLst/>
@@ -9691,12 +9691,12 @@
         </a:fontRef>
       </dsp:style>
       <dsp:txBody>
-        <a:bodyPr spcFirstLastPara="0" vert="horz" wrap="square" lIns="76200" tIns="76200" rIns="76200" bIns="76200" numCol="1" spcCol="1270" anchor="ctr" anchorCtr="0">
+        <a:bodyPr spcFirstLastPara="0" vert="horz" wrap="square" lIns="72390" tIns="72390" rIns="72390" bIns="72390" numCol="1" spcCol="1270" anchor="ctr" anchorCtr="0">
           <a:noAutofit/>
         </a:bodyPr>
         <a:lstStyle/>
         <a:p>
-          <a:pPr marL="0" lvl="0" indent="0" algn="l" defTabSz="889000">
+          <a:pPr marL="0" lvl="0" indent="0" algn="l" defTabSz="844550">
             <a:lnSpc>
               <a:spcPct val="90000"/>
             </a:lnSpc>
@@ -9709,15 +9709,15 @@
             <a:buNone/>
           </a:pPr>
           <a:r>
-            <a:rPr lang="en-US" sz="2000" b="0" i="0" kern="1200" dirty="0"/>
+            <a:rPr lang="en-US" sz="1900" b="0" i="0" kern="1200" dirty="0"/>
             <a:t>Accomplishment</a:t>
           </a:r>
-          <a:endParaRPr lang="en-US" sz="2000" kern="1200" dirty="0"/>
+          <a:endParaRPr lang="en-US" sz="1900" kern="1200" dirty="0"/>
         </a:p>
       </dsp:txBody>
       <dsp:txXfrm>
-        <a:off x="38784" y="3552076"/>
-        <a:ext cx="6754644" cy="716935"/>
+        <a:off x="36845" y="3506092"/>
+        <a:ext cx="6758522" cy="681087"/>
       </dsp:txXfrm>
     </dsp:sp>
     <dsp:sp modelId="{10FCD63C-672C-49A8-B3B3-7D017B0DE3C8}">
@@ -9727,8 +9727,8 @@
       </dsp:nvSpPr>
       <dsp:spPr>
         <a:xfrm>
-          <a:off x="0" y="4365395"/>
-          <a:ext cx="6832212" cy="794503"/>
+          <a:off x="0" y="4278745"/>
+          <a:ext cx="6832212" cy="754777"/>
         </a:xfrm>
         <a:prstGeom prst="roundRect">
           <a:avLst/>
@@ -9784,12 +9784,12 @@
         </a:fontRef>
       </dsp:style>
       <dsp:txBody>
-        <a:bodyPr spcFirstLastPara="0" vert="horz" wrap="square" lIns="76200" tIns="76200" rIns="76200" bIns="76200" numCol="1" spcCol="1270" anchor="ctr" anchorCtr="0">
+        <a:bodyPr spcFirstLastPara="0" vert="horz" wrap="square" lIns="72390" tIns="72390" rIns="72390" bIns="72390" numCol="1" spcCol="1270" anchor="ctr" anchorCtr="0">
           <a:noAutofit/>
         </a:bodyPr>
         <a:lstStyle/>
         <a:p>
-          <a:pPr marL="0" lvl="0" indent="0" algn="l" defTabSz="889000">
+          <a:pPr marL="0" lvl="0" indent="0" algn="l" defTabSz="844550">
             <a:lnSpc>
               <a:spcPct val="90000"/>
             </a:lnSpc>
@@ -9802,14 +9802,14 @@
             <a:buNone/>
           </a:pPr>
           <a:r>
-            <a:rPr lang="en-US" sz="2000" b="0" i="0" kern="1200" dirty="0"/>
+            <a:rPr lang="en-US" sz="1900" b="0" i="0" kern="1200" dirty="0"/>
             <a:t>Usage</a:t>
           </a:r>
         </a:p>
       </dsp:txBody>
       <dsp:txXfrm>
-        <a:off x="38784" y="4404179"/>
-        <a:ext cx="6754644" cy="716935"/>
+        <a:off x="36845" y="4315590"/>
+        <a:ext cx="6758522" cy="681087"/>
       </dsp:txXfrm>
     </dsp:sp>
   </dsp:spTree>
@@ -9824,7 +9824,7 @@
       <dsp:cNvGrpSpPr/>
     </dsp:nvGrpSpPr>
     <dsp:grpSpPr/>
-    <dsp:sp modelId="{7EC72881-6CAF-4A4D-9EED-D6AF75BB1D44}">
+    <dsp:sp modelId="{CC96F631-FDA7-4E62-9D8D-39059F8CD6AA}">
       <dsp:nvSpPr>
         <dsp:cNvPr id="0" name=""/>
         <dsp:cNvSpPr/>
@@ -9906,8 +9906,8 @@
             <a:buNone/>
           </a:pPr>
           <a:r>
-            <a:rPr lang="en-US" sz="4900" kern="1200"/>
-            <a:t>Energy consumption analyzes </a:t>
+            <a:rPr lang="en-US" sz="4900" kern="1200" dirty="0"/>
+            <a:t>Electricity source distribution</a:t>
           </a:r>
         </a:p>
       </dsp:txBody>
@@ -9916,7 +9916,7 @@
         <a:ext cx="6641906" cy="1758914"/>
       </dsp:txXfrm>
     </dsp:sp>
-    <dsp:sp modelId="{CC96F631-FDA7-4E62-9D8D-39059F8CD6AA}">
+    <dsp:sp modelId="{CB559BCD-2021-47EE-9D26-43F55BE5BE53}">
       <dsp:nvSpPr>
         <dsp:cNvPr id="0" name=""/>
         <dsp:cNvSpPr/>
@@ -9998,8 +9998,8 @@
             <a:buNone/>
           </a:pPr>
           <a:r>
-            <a:rPr lang="en-US" sz="4900" kern="1200"/>
-            <a:t>Electricity source distribution</a:t>
+            <a:rPr lang="en-US" sz="4900" kern="1200" dirty="0"/>
+            <a:t>Energy consumption analyzes </a:t>
           </a:r>
         </a:p>
       </dsp:txBody>
@@ -22175,7 +22175,7 @@
           <a:p>
             <a:fld id="{DF96D516-803A-4DB7-B704-28470E3DC6FA}" type="datetimeFigureOut">
               <a:rPr lang="en-SE" smtClean="0"/>
-              <a:t>2022-08-31</a:t>
+              <a:t>2022-09-01</a:t>
             </a:fld>
             <a:endParaRPr lang="en-SE"/>
           </a:p>
@@ -22513,7 +22513,7 @@
           <a:p>
             <a:fld id="{DF96D516-803A-4DB7-B704-28470E3DC6FA}" type="datetimeFigureOut">
               <a:rPr lang="en-SE" smtClean="0"/>
-              <a:t>2022-08-31</a:t>
+              <a:t>2022-09-01</a:t>
             </a:fld>
             <a:endParaRPr lang="en-SE"/>
           </a:p>
@@ -22914,7 +22914,7 @@
           <a:p>
             <a:fld id="{DF96D516-803A-4DB7-B704-28470E3DC6FA}" type="datetimeFigureOut">
               <a:rPr lang="en-SE" smtClean="0"/>
-              <a:t>2022-08-31</a:t>
+              <a:t>2022-09-01</a:t>
             </a:fld>
             <a:endParaRPr lang="en-SE"/>
           </a:p>
@@ -23250,7 +23250,7 @@
           <a:p>
             <a:fld id="{DF96D516-803A-4DB7-B704-28470E3DC6FA}" type="datetimeFigureOut">
               <a:rPr lang="en-SE" smtClean="0"/>
-              <a:t>2022-08-31</a:t>
+              <a:t>2022-09-01</a:t>
             </a:fld>
             <a:endParaRPr lang="en-SE"/>
           </a:p>
@@ -23570,7 +23570,7 @@
           <a:p>
             <a:fld id="{DF96D516-803A-4DB7-B704-28470E3DC6FA}" type="datetimeFigureOut">
               <a:rPr lang="en-SE" smtClean="0"/>
-              <a:t>2022-08-31</a:t>
+              <a:t>2022-09-01</a:t>
             </a:fld>
             <a:endParaRPr lang="en-SE"/>
           </a:p>
@@ -23966,7 +23966,7 @@
           <a:p>
             <a:fld id="{DF96D516-803A-4DB7-B704-28470E3DC6FA}" type="datetimeFigureOut">
               <a:rPr lang="en-SE" smtClean="0"/>
-              <a:t>2022-08-31</a:t>
+              <a:t>2022-09-01</a:t>
             </a:fld>
             <a:endParaRPr lang="en-SE"/>
           </a:p>
@@ -24223,7 +24223,7 @@
           <a:p>
             <a:fld id="{DF96D516-803A-4DB7-B704-28470E3DC6FA}" type="datetimeFigureOut">
               <a:rPr lang="en-SE" smtClean="0"/>
-              <a:t>2022-08-31</a:t>
+              <a:t>2022-09-01</a:t>
             </a:fld>
             <a:endParaRPr lang="en-SE"/>
           </a:p>
@@ -24485,7 +24485,7 @@
           <a:p>
             <a:fld id="{DF96D516-803A-4DB7-B704-28470E3DC6FA}" type="datetimeFigureOut">
               <a:rPr lang="en-SE" smtClean="0"/>
-              <a:t>2022-08-31</a:t>
+              <a:t>2022-09-01</a:t>
             </a:fld>
             <a:endParaRPr lang="en-SE"/>
           </a:p>
@@ -24747,7 +24747,7 @@
           <a:p>
             <a:fld id="{DF96D516-803A-4DB7-B704-28470E3DC6FA}" type="datetimeFigureOut">
               <a:rPr lang="en-SE" smtClean="0"/>
-              <a:t>2022-08-31</a:t>
+              <a:t>2022-09-01</a:t>
             </a:fld>
             <a:endParaRPr lang="en-SE"/>
           </a:p>
@@ -25076,7 +25076,7 @@
           <a:p>
             <a:fld id="{DF96D516-803A-4DB7-B704-28470E3DC6FA}" type="datetimeFigureOut">
               <a:rPr lang="en-SE" smtClean="0"/>
-              <a:t>2022-08-31</a:t>
+              <a:t>2022-09-01</a:t>
             </a:fld>
             <a:endParaRPr lang="en-SE"/>
           </a:p>
@@ -25399,7 +25399,7 @@
           <a:p>
             <a:fld id="{DF96D516-803A-4DB7-B704-28470E3DC6FA}" type="datetimeFigureOut">
               <a:rPr lang="en-SE" smtClean="0"/>
-              <a:t>2022-08-31</a:t>
+              <a:t>2022-09-01</a:t>
             </a:fld>
             <a:endParaRPr lang="en-SE"/>
           </a:p>
@@ -25856,7 +25856,7 @@
           <a:p>
             <a:fld id="{DF96D516-803A-4DB7-B704-28470E3DC6FA}" type="datetimeFigureOut">
               <a:rPr lang="en-SE" smtClean="0"/>
-              <a:t>2022-08-31</a:t>
+              <a:t>2022-09-01</a:t>
             </a:fld>
             <a:endParaRPr lang="en-SE"/>
           </a:p>
@@ -26061,7 +26061,7 @@
           <a:p>
             <a:fld id="{DF96D516-803A-4DB7-B704-28470E3DC6FA}" type="datetimeFigureOut">
               <a:rPr lang="en-SE" smtClean="0"/>
-              <a:t>2022-08-31</a:t>
+              <a:t>2022-09-01</a:t>
             </a:fld>
             <a:endParaRPr lang="en-SE"/>
           </a:p>
@@ -26238,7 +26238,7 @@
           <a:p>
             <a:fld id="{DF96D516-803A-4DB7-B704-28470E3DC6FA}" type="datetimeFigureOut">
               <a:rPr lang="en-SE" smtClean="0"/>
-              <a:t>2022-08-31</a:t>
+              <a:t>2022-09-01</a:t>
             </a:fld>
             <a:endParaRPr lang="en-SE"/>
           </a:p>
@@ -26571,7 +26571,7 @@
           <a:p>
             <a:fld id="{DF96D516-803A-4DB7-B704-28470E3DC6FA}" type="datetimeFigureOut">
               <a:rPr lang="en-SE" smtClean="0"/>
-              <a:t>2022-08-31</a:t>
+              <a:t>2022-09-01</a:t>
             </a:fld>
             <a:endParaRPr lang="en-SE"/>
           </a:p>
@@ -26916,7 +26916,7 @@
           <a:p>
             <a:fld id="{DF96D516-803A-4DB7-B704-28470E3DC6FA}" type="datetimeFigureOut">
               <a:rPr lang="en-SE" smtClean="0"/>
-              <a:t>2022-08-31</a:t>
+              <a:t>2022-09-01</a:t>
             </a:fld>
             <a:endParaRPr lang="en-SE"/>
           </a:p>
@@ -29033,7 +29033,7 @@
           <a:p>
             <a:fld id="{DF96D516-803A-4DB7-B704-28470E3DC6FA}" type="datetimeFigureOut">
               <a:rPr lang="en-SE" smtClean="0"/>
-              <a:t>2022-08-31</a:t>
+              <a:t>2022-09-01</a:t>
             </a:fld>
             <a:endParaRPr lang="en-SE"/>
           </a:p>
@@ -35047,7 +35047,7 @@
             <p:ph idx="1"/>
             <p:extLst>
               <p:ext uri="{D42A27DB-BD31-4B8C-83A1-F6EECF244321}">
-                <p14:modId xmlns:p14="http://schemas.microsoft.com/office/powerpoint/2010/main" val="1225189938"/>
+                <p14:modId xmlns:p14="http://schemas.microsoft.com/office/powerpoint/2010/main" val="2866420110"/>
               </p:ext>
             </p:extLst>
           </p:nvPr>
@@ -35516,8 +35516,8 @@
         </p:blipFill>
         <p:spPr>
           <a:xfrm>
-            <a:off x="5529440" y="97899"/>
-            <a:ext cx="5094218" cy="3082002"/>
+            <a:off x="4268663" y="1181582"/>
+            <a:ext cx="7728518" cy="4675754"/>
           </a:xfrm>
           <a:prstGeom prst="rect">
             <a:avLst/>
@@ -35947,7 +35947,7 @@
           <p:nvPr>
             <p:extLst>
               <p:ext uri="{D42A27DB-BD31-4B8C-83A1-F6EECF244321}">
-                <p14:modId xmlns:p14="http://schemas.microsoft.com/office/powerpoint/2010/main" val="2288173338"/>
+                <p14:modId xmlns:p14="http://schemas.microsoft.com/office/powerpoint/2010/main" val="3185957018"/>
               </p:ext>
             </p:extLst>
           </p:nvPr>

--- a/Presentation1.pptx
+++ b/Presentation1.pptx
@@ -12,8 +12,8 @@
     <p:sldId id="258" r:id="rId6"/>
     <p:sldId id="263" r:id="rId7"/>
     <p:sldId id="264" r:id="rId8"/>
-    <p:sldId id="266" r:id="rId9"/>
-    <p:sldId id="262" r:id="rId10"/>
+    <p:sldId id="262" r:id="rId9"/>
+    <p:sldId id="266" r:id="rId10"/>
     <p:sldId id="265" r:id="rId11"/>
   </p:sldIdLst>
   <p:sldSz cx="12192000" cy="6858000"/>
@@ -6935,8 +6935,8 @@
         <a:lstStyle/>
         <a:p>
           <a:r>
-            <a:rPr lang="en-US"/>
-            <a:t>Make sure everyone is equally active and participating on developing an ongoing product</a:t>
+            <a:rPr lang="en-US" dirty="0"/>
+            <a:t>Equal participation</a:t>
           </a:r>
         </a:p>
       </dgm:t>
@@ -6971,13 +6971,13 @@
         <a:lstStyle/>
         <a:p>
           <a:r>
-            <a:rPr lang="en-US"/>
+            <a:rPr lang="en-US" dirty="0"/>
             <a:t>End of the day meeting</a:t>
           </a:r>
         </a:p>
       </dgm:t>
     </dgm:pt>
-    <dgm:pt modelId="{87D433DD-70DB-4C08-9958-2D26270938A9}" type="parTrans" cxnId="{DC5CA890-8279-4702-9AB2-E4E8C44F9D85}">
+    <dgm:pt modelId="{6C858270-A444-453D-A056-FE45A16558C5}" type="sibTrans" cxnId="{DC5CA890-8279-4702-9AB2-E4E8C44F9D85}">
       <dgm:prSet/>
       <dgm:spPr/>
       <dgm:t>
@@ -6988,7 +6988,7 @@
         </a:p>
       </dgm:t>
     </dgm:pt>
-    <dgm:pt modelId="{6C858270-A444-453D-A056-FE45A16558C5}" type="sibTrans" cxnId="{DC5CA890-8279-4702-9AB2-E4E8C44F9D85}">
+    <dgm:pt modelId="{87D433DD-70DB-4C08-9958-2D26270938A9}" type="parTrans" cxnId="{DC5CA890-8279-4702-9AB2-E4E8C44F9D85}">
       <dgm:prSet/>
       <dgm:spPr/>
       <dgm:t>
@@ -7648,426 +7648,6 @@
 <file path=ppt/diagrams/data6.xml><?xml version="1.0" encoding="utf-8"?>
 <dgm:dataModel xmlns:dgm="http://schemas.openxmlformats.org/drawingml/2006/diagram" xmlns:a="http://schemas.openxmlformats.org/drawingml/2006/main">
   <dgm:ptLst>
-    <dgm:pt modelId="{686F7436-B044-4200-BBF8-39ED58D5C00A}" type="doc">
-      <dgm:prSet loTypeId="urn:microsoft.com/office/officeart/2018/2/layout/IconVerticalSolidList" loCatId="icon" qsTypeId="urn:microsoft.com/office/officeart/2005/8/quickstyle/simple1" qsCatId="simple" csTypeId="urn:microsoft.com/office/officeart/2018/5/colors/Iconchunking_neutralbg_colorful1" csCatId="colorful" phldr="1"/>
-      <dgm:spPr/>
-      <dgm:t>
-        <a:bodyPr/>
-        <a:lstStyle/>
-        <a:p>
-          <a:endParaRPr lang="en-US"/>
-        </a:p>
-      </dgm:t>
-    </dgm:pt>
-    <dgm:pt modelId="{52114E57-039A-4D3E-A981-EE46F8E513B2}">
-      <dgm:prSet/>
-      <dgm:spPr/>
-      <dgm:t>
-        <a:bodyPr/>
-        <a:lstStyle/>
-        <a:p>
-          <a:r>
-            <a:rPr lang="en-US"/>
-            <a:t>Regression</a:t>
-          </a:r>
-        </a:p>
-      </dgm:t>
-    </dgm:pt>
-    <dgm:pt modelId="{9BE6CA25-9A39-4B35-A1F9-618C8226CCCF}" type="parTrans" cxnId="{89591AB4-FA73-4632-A91A-373C165677F0}">
-      <dgm:prSet/>
-      <dgm:spPr/>
-      <dgm:t>
-        <a:bodyPr/>
-        <a:lstStyle/>
-        <a:p>
-          <a:endParaRPr lang="en-US"/>
-        </a:p>
-      </dgm:t>
-    </dgm:pt>
-    <dgm:pt modelId="{3EBC70EE-9F5D-406F-8333-5EF620856BB1}" type="sibTrans" cxnId="{89591AB4-FA73-4632-A91A-373C165677F0}">
-      <dgm:prSet/>
-      <dgm:spPr/>
-      <dgm:t>
-        <a:bodyPr/>
-        <a:lstStyle/>
-        <a:p>
-          <a:endParaRPr lang="en-US"/>
-        </a:p>
-      </dgm:t>
-    </dgm:pt>
-    <dgm:pt modelId="{84A835E7-9E50-4395-8517-67E82C3D1D01}">
-      <dgm:prSet/>
-      <dgm:spPr/>
-      <dgm:t>
-        <a:bodyPr/>
-        <a:lstStyle/>
-        <a:p>
-          <a:r>
-            <a:rPr lang="en-US"/>
-            <a:t>Dash in combination with Machine learning</a:t>
-          </a:r>
-        </a:p>
-      </dgm:t>
-    </dgm:pt>
-    <dgm:pt modelId="{A9F0A68B-9A5C-46B7-BD0C-93252F2619BD}" type="parTrans" cxnId="{268E30E1-C677-4935-9B7E-90F87BA4EDA0}">
-      <dgm:prSet/>
-      <dgm:spPr/>
-      <dgm:t>
-        <a:bodyPr/>
-        <a:lstStyle/>
-        <a:p>
-          <a:endParaRPr lang="en-US"/>
-        </a:p>
-      </dgm:t>
-    </dgm:pt>
-    <dgm:pt modelId="{2370889C-974C-4C39-B992-C3107CEDF848}" type="sibTrans" cxnId="{268E30E1-C677-4935-9B7E-90F87BA4EDA0}">
-      <dgm:prSet/>
-      <dgm:spPr/>
-      <dgm:t>
-        <a:bodyPr/>
-        <a:lstStyle/>
-        <a:p>
-          <a:endParaRPr lang="en-US"/>
-        </a:p>
-      </dgm:t>
-    </dgm:pt>
-    <dgm:pt modelId="{213BA9CE-CEB0-41CD-9825-FBDDCE7A3664}">
-      <dgm:prSet/>
-      <dgm:spPr/>
-      <dgm:t>
-        <a:bodyPr/>
-        <a:lstStyle/>
-        <a:p>
-          <a:r>
-            <a:rPr lang="en-US"/>
-            <a:t>Power Bi, connecting to Database</a:t>
-          </a:r>
-        </a:p>
-      </dgm:t>
-    </dgm:pt>
-    <dgm:pt modelId="{DE7232DA-33CB-4937-BBD3-D6859EDDF9DE}" type="parTrans" cxnId="{2B1E3FF2-4057-41CB-A346-D439E8555265}">
-      <dgm:prSet/>
-      <dgm:spPr/>
-      <dgm:t>
-        <a:bodyPr/>
-        <a:lstStyle/>
-        <a:p>
-          <a:endParaRPr lang="en-US"/>
-        </a:p>
-      </dgm:t>
-    </dgm:pt>
-    <dgm:pt modelId="{68139FCC-5EE2-4580-87AF-C70E89AA1A87}" type="sibTrans" cxnId="{2B1E3FF2-4057-41CB-A346-D439E8555265}">
-      <dgm:prSet/>
-      <dgm:spPr/>
-      <dgm:t>
-        <a:bodyPr/>
-        <a:lstStyle/>
-        <a:p>
-          <a:endParaRPr lang="en-US"/>
-        </a:p>
-      </dgm:t>
-    </dgm:pt>
-    <dgm:pt modelId="{A7D40C22-7B75-4F6E-B253-6F404B3509CC}">
-      <dgm:prSet/>
-      <dgm:spPr/>
-      <dgm:t>
-        <a:bodyPr/>
-        <a:lstStyle/>
-        <a:p>
-          <a:r>
-            <a:rPr lang="en-US"/>
-            <a:t>Agile</a:t>
-          </a:r>
-        </a:p>
-      </dgm:t>
-    </dgm:pt>
-    <dgm:pt modelId="{CFE7D50E-2AC4-4F20-8E46-5F37D46FC310}" type="parTrans" cxnId="{FB221DBE-6C22-4DFD-9E1C-278799653256}">
-      <dgm:prSet/>
-      <dgm:spPr/>
-      <dgm:t>
-        <a:bodyPr/>
-        <a:lstStyle/>
-        <a:p>
-          <a:endParaRPr lang="en-US"/>
-        </a:p>
-      </dgm:t>
-    </dgm:pt>
-    <dgm:pt modelId="{FC6A3B75-5B2D-4890-B86C-A530B655F6E8}" type="sibTrans" cxnId="{FB221DBE-6C22-4DFD-9E1C-278799653256}">
-      <dgm:prSet/>
-      <dgm:spPr/>
-      <dgm:t>
-        <a:bodyPr/>
-        <a:lstStyle/>
-        <a:p>
-          <a:endParaRPr lang="en-US"/>
-        </a:p>
-      </dgm:t>
-    </dgm:pt>
-    <dgm:pt modelId="{7FE00BC8-7828-44D0-92C3-044999C2CD2B}" type="pres">
-      <dgm:prSet presAssocID="{686F7436-B044-4200-BBF8-39ED58D5C00A}" presName="root" presStyleCnt="0">
-        <dgm:presLayoutVars>
-          <dgm:dir/>
-          <dgm:resizeHandles val="exact"/>
-        </dgm:presLayoutVars>
-      </dgm:prSet>
-      <dgm:spPr/>
-    </dgm:pt>
-    <dgm:pt modelId="{7B533159-CBEB-4196-AAEF-863C06120F18}" type="pres">
-      <dgm:prSet presAssocID="{52114E57-039A-4D3E-A981-EE46F8E513B2}" presName="compNode" presStyleCnt="0"/>
-      <dgm:spPr/>
-    </dgm:pt>
-    <dgm:pt modelId="{66D8800E-EC43-4E5B-918E-60944829D333}" type="pres">
-      <dgm:prSet presAssocID="{52114E57-039A-4D3E-A981-EE46F8E513B2}" presName="bgRect" presStyleLbl="bgShp" presStyleIdx="0" presStyleCnt="4"/>
-      <dgm:spPr/>
-    </dgm:pt>
-    <dgm:pt modelId="{34AB24DE-9BFE-423D-AF7C-6EF9FF1E7C8C}" type="pres">
-      <dgm:prSet presAssocID="{52114E57-039A-4D3E-A981-EE46F8E513B2}" presName="iconRect" presStyleLbl="node1" presStyleIdx="0" presStyleCnt="4"/>
-      <dgm:spPr>
-        <a:blipFill>
-          <a:blip xmlns:r="http://schemas.openxmlformats.org/officeDocument/2006/relationships" r:embed="rId1">
-            <a:extLst>
-              <a:ext uri="{28A0092B-C50C-407E-A947-70E740481C1C}">
-                <a14:useLocalDpi xmlns:a14="http://schemas.microsoft.com/office/drawing/2010/main" val="0"/>
-              </a:ext>
-              <a:ext uri="{96DAC541-7B7A-43D3-8B79-37D633B846F1}">
-                <asvg:svgBlip xmlns:asvg="http://schemas.microsoft.com/office/drawing/2016/SVG/main" r:embed="rId2"/>
-              </a:ext>
-            </a:extLst>
-          </a:blip>
-          <a:stretch>
-            <a:fillRect/>
-          </a:stretch>
-        </a:blipFill>
-        <a:ln>
-          <a:noFill/>
-        </a:ln>
-      </dgm:spPr>
-      <dgm:extLst>
-        <a:ext uri="{E40237B7-FDA0-4F09-8148-C483321AD2D9}">
-          <dgm14:cNvPr xmlns:dgm14="http://schemas.microsoft.com/office/drawing/2010/diagram" id="0" name="" descr="Bar chart"/>
-        </a:ext>
-      </dgm:extLst>
-    </dgm:pt>
-    <dgm:pt modelId="{4D3249A6-FFAB-4DD5-8AC4-00D895307AA1}" type="pres">
-      <dgm:prSet presAssocID="{52114E57-039A-4D3E-A981-EE46F8E513B2}" presName="spaceRect" presStyleCnt="0"/>
-      <dgm:spPr/>
-    </dgm:pt>
-    <dgm:pt modelId="{2D450C91-741A-4B81-8216-6F5A1CECD2B2}" type="pres">
-      <dgm:prSet presAssocID="{52114E57-039A-4D3E-A981-EE46F8E513B2}" presName="parTx" presStyleLbl="revTx" presStyleIdx="0" presStyleCnt="4">
-        <dgm:presLayoutVars>
-          <dgm:chMax val="0"/>
-          <dgm:chPref val="0"/>
-        </dgm:presLayoutVars>
-      </dgm:prSet>
-      <dgm:spPr/>
-    </dgm:pt>
-    <dgm:pt modelId="{5B702E63-7C46-4B43-B49D-2C72B2E5D7EE}" type="pres">
-      <dgm:prSet presAssocID="{3EBC70EE-9F5D-406F-8333-5EF620856BB1}" presName="sibTrans" presStyleCnt="0"/>
-      <dgm:spPr/>
-    </dgm:pt>
-    <dgm:pt modelId="{98A5F073-9312-4F04-817F-B30163D3C77E}" type="pres">
-      <dgm:prSet presAssocID="{84A835E7-9E50-4395-8517-67E82C3D1D01}" presName="compNode" presStyleCnt="0"/>
-      <dgm:spPr/>
-    </dgm:pt>
-    <dgm:pt modelId="{E0CF4E21-9C94-46DC-BE98-B75CB7F5B9FE}" type="pres">
-      <dgm:prSet presAssocID="{84A835E7-9E50-4395-8517-67E82C3D1D01}" presName="bgRect" presStyleLbl="bgShp" presStyleIdx="1" presStyleCnt="4"/>
-      <dgm:spPr/>
-    </dgm:pt>
-    <dgm:pt modelId="{27733933-57D8-49CF-B1C9-56074DA81894}" type="pres">
-      <dgm:prSet presAssocID="{84A835E7-9E50-4395-8517-67E82C3D1D01}" presName="iconRect" presStyleLbl="node1" presStyleIdx="1" presStyleCnt="4"/>
-      <dgm:spPr>
-        <a:blipFill>
-          <a:blip xmlns:r="http://schemas.openxmlformats.org/officeDocument/2006/relationships" r:embed="rId3">
-            <a:extLst>
-              <a:ext uri="{28A0092B-C50C-407E-A947-70E740481C1C}">
-                <a14:useLocalDpi xmlns:a14="http://schemas.microsoft.com/office/drawing/2010/main" val="0"/>
-              </a:ext>
-              <a:ext uri="{96DAC541-7B7A-43D3-8B79-37D633B846F1}">
-                <asvg:svgBlip xmlns:asvg="http://schemas.microsoft.com/office/drawing/2016/SVG/main" r:embed="rId4"/>
-              </a:ext>
-            </a:extLst>
-          </a:blip>
-          <a:stretch>
-            <a:fillRect/>
-          </a:stretch>
-        </a:blipFill>
-        <a:ln>
-          <a:noFill/>
-        </a:ln>
-      </dgm:spPr>
-      <dgm:extLst>
-        <a:ext uri="{E40237B7-FDA0-4F09-8148-C483321AD2D9}">
-          <dgm14:cNvPr xmlns:dgm14="http://schemas.microsoft.com/office/drawing/2010/diagram" id="0" name="" descr="Head with Gears"/>
-        </a:ext>
-      </dgm:extLst>
-    </dgm:pt>
-    <dgm:pt modelId="{45D07ED2-A589-4FE2-A8BA-2C5B0AEB5852}" type="pres">
-      <dgm:prSet presAssocID="{84A835E7-9E50-4395-8517-67E82C3D1D01}" presName="spaceRect" presStyleCnt="0"/>
-      <dgm:spPr/>
-    </dgm:pt>
-    <dgm:pt modelId="{50ACFF23-BE3C-48F6-BD7C-15459EF18535}" type="pres">
-      <dgm:prSet presAssocID="{84A835E7-9E50-4395-8517-67E82C3D1D01}" presName="parTx" presStyleLbl="revTx" presStyleIdx="1" presStyleCnt="4">
-        <dgm:presLayoutVars>
-          <dgm:chMax val="0"/>
-          <dgm:chPref val="0"/>
-        </dgm:presLayoutVars>
-      </dgm:prSet>
-      <dgm:spPr/>
-    </dgm:pt>
-    <dgm:pt modelId="{2525BD80-CA21-4B77-AE58-4E13F242F334}" type="pres">
-      <dgm:prSet presAssocID="{2370889C-974C-4C39-B992-C3107CEDF848}" presName="sibTrans" presStyleCnt="0"/>
-      <dgm:spPr/>
-    </dgm:pt>
-    <dgm:pt modelId="{3F22F86F-ECF7-4895-9300-26C9319F2CC3}" type="pres">
-      <dgm:prSet presAssocID="{213BA9CE-CEB0-41CD-9825-FBDDCE7A3664}" presName="compNode" presStyleCnt="0"/>
-      <dgm:spPr/>
-    </dgm:pt>
-    <dgm:pt modelId="{DCBC50CD-DD53-41E8-A6AE-33D8C01F664F}" type="pres">
-      <dgm:prSet presAssocID="{213BA9CE-CEB0-41CD-9825-FBDDCE7A3664}" presName="bgRect" presStyleLbl="bgShp" presStyleIdx="2" presStyleCnt="4"/>
-      <dgm:spPr/>
-    </dgm:pt>
-    <dgm:pt modelId="{891E3FFE-B18B-48FF-86DD-C40D60A213C3}" type="pres">
-      <dgm:prSet presAssocID="{213BA9CE-CEB0-41CD-9825-FBDDCE7A3664}" presName="iconRect" presStyleLbl="node1" presStyleIdx="2" presStyleCnt="4"/>
-      <dgm:spPr>
-        <a:blipFill>
-          <a:blip xmlns:r="http://schemas.openxmlformats.org/officeDocument/2006/relationships" r:embed="rId5">
-            <a:extLst>
-              <a:ext uri="{28A0092B-C50C-407E-A947-70E740481C1C}">
-                <a14:useLocalDpi xmlns:a14="http://schemas.microsoft.com/office/drawing/2010/main" val="0"/>
-              </a:ext>
-              <a:ext uri="{96DAC541-7B7A-43D3-8B79-37D633B846F1}">
-                <asvg:svgBlip xmlns:asvg="http://schemas.microsoft.com/office/drawing/2016/SVG/main" r:embed="rId6"/>
-              </a:ext>
-            </a:extLst>
-          </a:blip>
-          <a:stretch>
-            <a:fillRect/>
-          </a:stretch>
-        </a:blipFill>
-        <a:ln>
-          <a:noFill/>
-        </a:ln>
-      </dgm:spPr>
-      <dgm:extLst>
-        <a:ext uri="{E40237B7-FDA0-4F09-8148-C483321AD2D9}">
-          <dgm14:cNvPr xmlns:dgm14="http://schemas.microsoft.com/office/drawing/2010/diagram" id="0" name="" descr="Database"/>
-        </a:ext>
-      </dgm:extLst>
-    </dgm:pt>
-    <dgm:pt modelId="{D36A9F0E-8D9D-41AC-B539-94CF7A311256}" type="pres">
-      <dgm:prSet presAssocID="{213BA9CE-CEB0-41CD-9825-FBDDCE7A3664}" presName="spaceRect" presStyleCnt="0"/>
-      <dgm:spPr/>
-    </dgm:pt>
-    <dgm:pt modelId="{DBA92242-D1D4-4FBA-85A6-D5A1866F35D6}" type="pres">
-      <dgm:prSet presAssocID="{213BA9CE-CEB0-41CD-9825-FBDDCE7A3664}" presName="parTx" presStyleLbl="revTx" presStyleIdx="2" presStyleCnt="4">
-        <dgm:presLayoutVars>
-          <dgm:chMax val="0"/>
-          <dgm:chPref val="0"/>
-        </dgm:presLayoutVars>
-      </dgm:prSet>
-      <dgm:spPr/>
-    </dgm:pt>
-    <dgm:pt modelId="{0A95863B-ED53-4B72-8C74-E23C37BE9092}" type="pres">
-      <dgm:prSet presAssocID="{68139FCC-5EE2-4580-87AF-C70E89AA1A87}" presName="sibTrans" presStyleCnt="0"/>
-      <dgm:spPr/>
-    </dgm:pt>
-    <dgm:pt modelId="{3B1762BD-1773-493A-9963-04A2443C6B87}" type="pres">
-      <dgm:prSet presAssocID="{A7D40C22-7B75-4F6E-B253-6F404B3509CC}" presName="compNode" presStyleCnt="0"/>
-      <dgm:spPr/>
-    </dgm:pt>
-    <dgm:pt modelId="{66A0C9D9-64EE-4B5F-A9C6-71F1127D6D73}" type="pres">
-      <dgm:prSet presAssocID="{A7D40C22-7B75-4F6E-B253-6F404B3509CC}" presName="bgRect" presStyleLbl="bgShp" presStyleIdx="3" presStyleCnt="4"/>
-      <dgm:spPr/>
-    </dgm:pt>
-    <dgm:pt modelId="{8C0E268F-40B3-4F29-8426-31F692098C85}" type="pres">
-      <dgm:prSet presAssocID="{A7D40C22-7B75-4F6E-B253-6F404B3509CC}" presName="iconRect" presStyleLbl="node1" presStyleIdx="3" presStyleCnt="4"/>
-      <dgm:spPr>
-        <a:blipFill>
-          <a:blip xmlns:r="http://schemas.openxmlformats.org/officeDocument/2006/relationships" r:embed="rId7">
-            <a:extLst>
-              <a:ext uri="{28A0092B-C50C-407E-A947-70E740481C1C}">
-                <a14:useLocalDpi xmlns:a14="http://schemas.microsoft.com/office/drawing/2010/main" val="0"/>
-              </a:ext>
-              <a:ext uri="{96DAC541-7B7A-43D3-8B79-37D633B846F1}">
-                <asvg:svgBlip xmlns:asvg="http://schemas.microsoft.com/office/drawing/2016/SVG/main" r:embed="rId8"/>
-              </a:ext>
-            </a:extLst>
-          </a:blip>
-          <a:stretch>
-            <a:fillRect/>
-          </a:stretch>
-        </a:blipFill>
-        <a:ln>
-          <a:noFill/>
-        </a:ln>
-      </dgm:spPr>
-      <dgm:extLst>
-        <a:ext uri="{E40237B7-FDA0-4F09-8148-C483321AD2D9}">
-          <dgm14:cNvPr xmlns:dgm14="http://schemas.microsoft.com/office/drawing/2010/diagram" id="0" name="" descr="Run"/>
-        </a:ext>
-      </dgm:extLst>
-    </dgm:pt>
-    <dgm:pt modelId="{4F1268CF-1D85-41C6-BA3D-65C003B50535}" type="pres">
-      <dgm:prSet presAssocID="{A7D40C22-7B75-4F6E-B253-6F404B3509CC}" presName="spaceRect" presStyleCnt="0"/>
-      <dgm:spPr/>
-    </dgm:pt>
-    <dgm:pt modelId="{DAB7F312-6A98-4C2F-8CE4-14946D3B37C8}" type="pres">
-      <dgm:prSet presAssocID="{A7D40C22-7B75-4F6E-B253-6F404B3509CC}" presName="parTx" presStyleLbl="revTx" presStyleIdx="3" presStyleCnt="4">
-        <dgm:presLayoutVars>
-          <dgm:chMax val="0"/>
-          <dgm:chPref val="0"/>
-        </dgm:presLayoutVars>
-      </dgm:prSet>
-      <dgm:spPr/>
-    </dgm:pt>
-  </dgm:ptLst>
-  <dgm:cxnLst>
-    <dgm:cxn modelId="{5F31D00B-94B6-4E61-905D-B100C456D861}" type="presOf" srcId="{52114E57-039A-4D3E-A981-EE46F8E513B2}" destId="{2D450C91-741A-4B81-8216-6F5A1CECD2B2}" srcOrd="0" destOrd="0" presId="urn:microsoft.com/office/officeart/2018/2/layout/IconVerticalSolidList"/>
-    <dgm:cxn modelId="{CADF4A2C-8793-4930-807F-A448351A8CBF}" type="presOf" srcId="{84A835E7-9E50-4395-8517-67E82C3D1D01}" destId="{50ACFF23-BE3C-48F6-BD7C-15459EF18535}" srcOrd="0" destOrd="0" presId="urn:microsoft.com/office/officeart/2018/2/layout/IconVerticalSolidList"/>
-    <dgm:cxn modelId="{A136F164-317E-41B8-91D6-C6AFC5717C36}" type="presOf" srcId="{686F7436-B044-4200-BBF8-39ED58D5C00A}" destId="{7FE00BC8-7828-44D0-92C3-044999C2CD2B}" srcOrd="0" destOrd="0" presId="urn:microsoft.com/office/officeart/2018/2/layout/IconVerticalSolidList"/>
-    <dgm:cxn modelId="{420F849A-298E-4DC5-98D8-5DC8577B1CD9}" type="presOf" srcId="{A7D40C22-7B75-4F6E-B253-6F404B3509CC}" destId="{DAB7F312-6A98-4C2F-8CE4-14946D3B37C8}" srcOrd="0" destOrd="0" presId="urn:microsoft.com/office/officeart/2018/2/layout/IconVerticalSolidList"/>
-    <dgm:cxn modelId="{A118F4A6-B776-4FAE-A2AF-1966DECC67AC}" type="presOf" srcId="{213BA9CE-CEB0-41CD-9825-FBDDCE7A3664}" destId="{DBA92242-D1D4-4FBA-85A6-D5A1866F35D6}" srcOrd="0" destOrd="0" presId="urn:microsoft.com/office/officeart/2018/2/layout/IconVerticalSolidList"/>
-    <dgm:cxn modelId="{89591AB4-FA73-4632-A91A-373C165677F0}" srcId="{686F7436-B044-4200-BBF8-39ED58D5C00A}" destId="{52114E57-039A-4D3E-A981-EE46F8E513B2}" srcOrd="0" destOrd="0" parTransId="{9BE6CA25-9A39-4B35-A1F9-618C8226CCCF}" sibTransId="{3EBC70EE-9F5D-406F-8333-5EF620856BB1}"/>
-    <dgm:cxn modelId="{FB221DBE-6C22-4DFD-9E1C-278799653256}" srcId="{686F7436-B044-4200-BBF8-39ED58D5C00A}" destId="{A7D40C22-7B75-4F6E-B253-6F404B3509CC}" srcOrd="3" destOrd="0" parTransId="{CFE7D50E-2AC4-4F20-8E46-5F37D46FC310}" sibTransId="{FC6A3B75-5B2D-4890-B86C-A530B655F6E8}"/>
-    <dgm:cxn modelId="{268E30E1-C677-4935-9B7E-90F87BA4EDA0}" srcId="{686F7436-B044-4200-BBF8-39ED58D5C00A}" destId="{84A835E7-9E50-4395-8517-67E82C3D1D01}" srcOrd="1" destOrd="0" parTransId="{A9F0A68B-9A5C-46B7-BD0C-93252F2619BD}" sibTransId="{2370889C-974C-4C39-B992-C3107CEDF848}"/>
-    <dgm:cxn modelId="{2B1E3FF2-4057-41CB-A346-D439E8555265}" srcId="{686F7436-B044-4200-BBF8-39ED58D5C00A}" destId="{213BA9CE-CEB0-41CD-9825-FBDDCE7A3664}" srcOrd="2" destOrd="0" parTransId="{DE7232DA-33CB-4937-BBD3-D6859EDDF9DE}" sibTransId="{68139FCC-5EE2-4580-87AF-C70E89AA1A87}"/>
-    <dgm:cxn modelId="{259C7BCE-21A0-4F02-AACC-34B46436AD34}" type="presParOf" srcId="{7FE00BC8-7828-44D0-92C3-044999C2CD2B}" destId="{7B533159-CBEB-4196-AAEF-863C06120F18}" srcOrd="0" destOrd="0" presId="urn:microsoft.com/office/officeart/2018/2/layout/IconVerticalSolidList"/>
-    <dgm:cxn modelId="{5C5F4B4A-BB3D-4019-880C-CB89D1CECAC3}" type="presParOf" srcId="{7B533159-CBEB-4196-AAEF-863C06120F18}" destId="{66D8800E-EC43-4E5B-918E-60944829D333}" srcOrd="0" destOrd="0" presId="urn:microsoft.com/office/officeart/2018/2/layout/IconVerticalSolidList"/>
-    <dgm:cxn modelId="{09397DCF-E083-4E3B-A68D-88A71AF86459}" type="presParOf" srcId="{7B533159-CBEB-4196-AAEF-863C06120F18}" destId="{34AB24DE-9BFE-423D-AF7C-6EF9FF1E7C8C}" srcOrd="1" destOrd="0" presId="urn:microsoft.com/office/officeart/2018/2/layout/IconVerticalSolidList"/>
-    <dgm:cxn modelId="{2310B6C4-209A-4E75-8C3C-D4CEA229D1D2}" type="presParOf" srcId="{7B533159-CBEB-4196-AAEF-863C06120F18}" destId="{4D3249A6-FFAB-4DD5-8AC4-00D895307AA1}" srcOrd="2" destOrd="0" presId="urn:microsoft.com/office/officeart/2018/2/layout/IconVerticalSolidList"/>
-    <dgm:cxn modelId="{3103FB97-F451-4687-BE39-4594605D84CC}" type="presParOf" srcId="{7B533159-CBEB-4196-AAEF-863C06120F18}" destId="{2D450C91-741A-4B81-8216-6F5A1CECD2B2}" srcOrd="3" destOrd="0" presId="urn:microsoft.com/office/officeart/2018/2/layout/IconVerticalSolidList"/>
-    <dgm:cxn modelId="{EA3E0289-01E3-4354-8698-D255ADCC736B}" type="presParOf" srcId="{7FE00BC8-7828-44D0-92C3-044999C2CD2B}" destId="{5B702E63-7C46-4B43-B49D-2C72B2E5D7EE}" srcOrd="1" destOrd="0" presId="urn:microsoft.com/office/officeart/2018/2/layout/IconVerticalSolidList"/>
-    <dgm:cxn modelId="{CE608BA8-BFCD-41E8-BD42-0A929EE5925F}" type="presParOf" srcId="{7FE00BC8-7828-44D0-92C3-044999C2CD2B}" destId="{98A5F073-9312-4F04-817F-B30163D3C77E}" srcOrd="2" destOrd="0" presId="urn:microsoft.com/office/officeart/2018/2/layout/IconVerticalSolidList"/>
-    <dgm:cxn modelId="{D8FAFBAA-C465-42DD-B17C-F667609709C9}" type="presParOf" srcId="{98A5F073-9312-4F04-817F-B30163D3C77E}" destId="{E0CF4E21-9C94-46DC-BE98-B75CB7F5B9FE}" srcOrd="0" destOrd="0" presId="urn:microsoft.com/office/officeart/2018/2/layout/IconVerticalSolidList"/>
-    <dgm:cxn modelId="{E6F630A3-F1BC-47A1-8DE1-52E807DCF853}" type="presParOf" srcId="{98A5F073-9312-4F04-817F-B30163D3C77E}" destId="{27733933-57D8-49CF-B1C9-56074DA81894}" srcOrd="1" destOrd="0" presId="urn:microsoft.com/office/officeart/2018/2/layout/IconVerticalSolidList"/>
-    <dgm:cxn modelId="{0D93EEC9-C38F-4225-B55F-11628746AC20}" type="presParOf" srcId="{98A5F073-9312-4F04-817F-B30163D3C77E}" destId="{45D07ED2-A589-4FE2-A8BA-2C5B0AEB5852}" srcOrd="2" destOrd="0" presId="urn:microsoft.com/office/officeart/2018/2/layout/IconVerticalSolidList"/>
-    <dgm:cxn modelId="{6FE56BB4-CA0C-46C1-A361-2491AAD27589}" type="presParOf" srcId="{98A5F073-9312-4F04-817F-B30163D3C77E}" destId="{50ACFF23-BE3C-48F6-BD7C-15459EF18535}" srcOrd="3" destOrd="0" presId="urn:microsoft.com/office/officeart/2018/2/layout/IconVerticalSolidList"/>
-    <dgm:cxn modelId="{3B7FF6B9-FA9C-429C-AE36-7E074B105FF3}" type="presParOf" srcId="{7FE00BC8-7828-44D0-92C3-044999C2CD2B}" destId="{2525BD80-CA21-4B77-AE58-4E13F242F334}" srcOrd="3" destOrd="0" presId="urn:microsoft.com/office/officeart/2018/2/layout/IconVerticalSolidList"/>
-    <dgm:cxn modelId="{A3CE5503-0C00-4A98-8395-B58DCC26CC2B}" type="presParOf" srcId="{7FE00BC8-7828-44D0-92C3-044999C2CD2B}" destId="{3F22F86F-ECF7-4895-9300-26C9319F2CC3}" srcOrd="4" destOrd="0" presId="urn:microsoft.com/office/officeart/2018/2/layout/IconVerticalSolidList"/>
-    <dgm:cxn modelId="{9A74EA45-3F5E-4973-A516-40977409DBCC}" type="presParOf" srcId="{3F22F86F-ECF7-4895-9300-26C9319F2CC3}" destId="{DCBC50CD-DD53-41E8-A6AE-33D8C01F664F}" srcOrd="0" destOrd="0" presId="urn:microsoft.com/office/officeart/2018/2/layout/IconVerticalSolidList"/>
-    <dgm:cxn modelId="{E5495A11-0B2C-477F-B254-19B0E98E5652}" type="presParOf" srcId="{3F22F86F-ECF7-4895-9300-26C9319F2CC3}" destId="{891E3FFE-B18B-48FF-86DD-C40D60A213C3}" srcOrd="1" destOrd="0" presId="urn:microsoft.com/office/officeart/2018/2/layout/IconVerticalSolidList"/>
-    <dgm:cxn modelId="{70319C3D-75CE-4A54-8E3A-241A34F20293}" type="presParOf" srcId="{3F22F86F-ECF7-4895-9300-26C9319F2CC3}" destId="{D36A9F0E-8D9D-41AC-B539-94CF7A311256}" srcOrd="2" destOrd="0" presId="urn:microsoft.com/office/officeart/2018/2/layout/IconVerticalSolidList"/>
-    <dgm:cxn modelId="{D7C3CE27-546A-44D0-ADB5-738684BD7A88}" type="presParOf" srcId="{3F22F86F-ECF7-4895-9300-26C9319F2CC3}" destId="{DBA92242-D1D4-4FBA-85A6-D5A1866F35D6}" srcOrd="3" destOrd="0" presId="urn:microsoft.com/office/officeart/2018/2/layout/IconVerticalSolidList"/>
-    <dgm:cxn modelId="{6FFA7D38-15B5-40F8-BC7B-391E6E32C678}" type="presParOf" srcId="{7FE00BC8-7828-44D0-92C3-044999C2CD2B}" destId="{0A95863B-ED53-4B72-8C74-E23C37BE9092}" srcOrd="5" destOrd="0" presId="urn:microsoft.com/office/officeart/2018/2/layout/IconVerticalSolidList"/>
-    <dgm:cxn modelId="{B064581B-E725-4FB2-BA00-070DEA72F99C}" type="presParOf" srcId="{7FE00BC8-7828-44D0-92C3-044999C2CD2B}" destId="{3B1762BD-1773-493A-9963-04A2443C6B87}" srcOrd="6" destOrd="0" presId="urn:microsoft.com/office/officeart/2018/2/layout/IconVerticalSolidList"/>
-    <dgm:cxn modelId="{CF1B9B6A-CB3F-4944-BAA5-F33BC26C14A4}" type="presParOf" srcId="{3B1762BD-1773-493A-9963-04A2443C6B87}" destId="{66A0C9D9-64EE-4B5F-A9C6-71F1127D6D73}" srcOrd="0" destOrd="0" presId="urn:microsoft.com/office/officeart/2018/2/layout/IconVerticalSolidList"/>
-    <dgm:cxn modelId="{7CA89816-A372-47E4-9A2B-CFCE5E700001}" type="presParOf" srcId="{3B1762BD-1773-493A-9963-04A2443C6B87}" destId="{8C0E268F-40B3-4F29-8426-31F692098C85}" srcOrd="1" destOrd="0" presId="urn:microsoft.com/office/officeart/2018/2/layout/IconVerticalSolidList"/>
-    <dgm:cxn modelId="{2E93FF73-3C0F-4840-AFA2-F27CC0F3D3CF}" type="presParOf" srcId="{3B1762BD-1773-493A-9963-04A2443C6B87}" destId="{4F1268CF-1D85-41C6-BA3D-65C003B50535}" srcOrd="2" destOrd="0" presId="urn:microsoft.com/office/officeart/2018/2/layout/IconVerticalSolidList"/>
-    <dgm:cxn modelId="{98AE609D-9885-48D9-9B7C-A5B9785D2110}" type="presParOf" srcId="{3B1762BD-1773-493A-9963-04A2443C6B87}" destId="{DAB7F312-6A98-4C2F-8CE4-14946D3B37C8}" srcOrd="3" destOrd="0" presId="urn:microsoft.com/office/officeart/2018/2/layout/IconVerticalSolidList"/>
-  </dgm:cxnLst>
-  <dgm:bg/>
-  <dgm:whole/>
-  <dgm:extLst>
-    <a:ext uri="http://schemas.microsoft.com/office/drawing/2008/diagram">
-      <dsp:dataModelExt xmlns:dsp="http://schemas.microsoft.com/office/drawing/2008/diagram" relId="rId6" minVer="http://schemas.openxmlformats.org/drawingml/2006/diagram"/>
-    </a:ext>
-  </dgm:extLst>
-</dgm:dataModel>
-</file>
-
-<file path=ppt/diagrams/data7.xml><?xml version="1.0" encoding="utf-8"?>
-<dgm:dataModel xmlns:dgm="http://schemas.openxmlformats.org/drawingml/2006/diagram" xmlns:a="http://schemas.openxmlformats.org/drawingml/2006/main">
-  <dgm:ptLst>
     <dgm:pt modelId="{0B9671B2-714E-49EF-95E2-598556409324}" type="doc">
       <dgm:prSet loTypeId="urn:microsoft.com/office/officeart/2018/2/layout/IconVerticalSolidList" loCatId="icon" qsTypeId="urn:microsoft.com/office/officeart/2005/8/quickstyle/simple1" qsCatId="simple" csTypeId="urn:microsoft.com/office/officeart/2018/5/colors/Iconchunking_neutralbg_colorful1" csCatId="colorful" phldr="1"/>
       <dgm:spPr/>
@@ -8668,6 +8248,426 @@
     <dgm:cxn modelId="{3B148F49-FA88-47A3-B9C9-ABE9E79F67D4}" type="presParOf" srcId="{C975C6BD-AA87-4BB0-AA99-1DB010B45EC9}" destId="{BFB08A9E-2A3E-45A2-8B49-59A8D49A2D11}" srcOrd="1" destOrd="0" presId="urn:microsoft.com/office/officeart/2018/2/layout/IconVerticalSolidList"/>
     <dgm:cxn modelId="{F4E4AEE4-9B99-4F49-8B5E-62FA77AED05C}" type="presParOf" srcId="{C975C6BD-AA87-4BB0-AA99-1DB010B45EC9}" destId="{54CA7BED-B5DB-493E-801C-223D93E098CC}" srcOrd="2" destOrd="0" presId="urn:microsoft.com/office/officeart/2018/2/layout/IconVerticalSolidList"/>
     <dgm:cxn modelId="{E28A2428-550A-45A3-BFCA-DB7E2010499B}" type="presParOf" srcId="{C975C6BD-AA87-4BB0-AA99-1DB010B45EC9}" destId="{44DAE73F-106C-4C3E-BE7A-C134C716E48E}" srcOrd="3" destOrd="0" presId="urn:microsoft.com/office/officeart/2018/2/layout/IconVerticalSolidList"/>
+  </dgm:cxnLst>
+  <dgm:bg/>
+  <dgm:whole/>
+  <dgm:extLst>
+    <a:ext uri="http://schemas.microsoft.com/office/drawing/2008/diagram">
+      <dsp:dataModelExt xmlns:dsp="http://schemas.microsoft.com/office/drawing/2008/diagram" relId="rId6" minVer="http://schemas.openxmlformats.org/drawingml/2006/diagram"/>
+    </a:ext>
+  </dgm:extLst>
+</dgm:dataModel>
+</file>
+
+<file path=ppt/diagrams/data7.xml><?xml version="1.0" encoding="utf-8"?>
+<dgm:dataModel xmlns:dgm="http://schemas.openxmlformats.org/drawingml/2006/diagram" xmlns:a="http://schemas.openxmlformats.org/drawingml/2006/main">
+  <dgm:ptLst>
+    <dgm:pt modelId="{686F7436-B044-4200-BBF8-39ED58D5C00A}" type="doc">
+      <dgm:prSet loTypeId="urn:microsoft.com/office/officeart/2018/2/layout/IconVerticalSolidList" loCatId="icon" qsTypeId="urn:microsoft.com/office/officeart/2005/8/quickstyle/simple1" qsCatId="simple" csTypeId="urn:microsoft.com/office/officeart/2018/5/colors/Iconchunking_neutralbg_colorful1" csCatId="colorful" phldr="1"/>
+      <dgm:spPr/>
+      <dgm:t>
+        <a:bodyPr/>
+        <a:lstStyle/>
+        <a:p>
+          <a:endParaRPr lang="en-US"/>
+        </a:p>
+      </dgm:t>
+    </dgm:pt>
+    <dgm:pt modelId="{52114E57-039A-4D3E-A981-EE46F8E513B2}">
+      <dgm:prSet/>
+      <dgm:spPr/>
+      <dgm:t>
+        <a:bodyPr/>
+        <a:lstStyle/>
+        <a:p>
+          <a:r>
+            <a:rPr lang="en-US"/>
+            <a:t>Regression</a:t>
+          </a:r>
+        </a:p>
+      </dgm:t>
+    </dgm:pt>
+    <dgm:pt modelId="{9BE6CA25-9A39-4B35-A1F9-618C8226CCCF}" type="parTrans" cxnId="{89591AB4-FA73-4632-A91A-373C165677F0}">
+      <dgm:prSet/>
+      <dgm:spPr/>
+      <dgm:t>
+        <a:bodyPr/>
+        <a:lstStyle/>
+        <a:p>
+          <a:endParaRPr lang="en-US"/>
+        </a:p>
+      </dgm:t>
+    </dgm:pt>
+    <dgm:pt modelId="{3EBC70EE-9F5D-406F-8333-5EF620856BB1}" type="sibTrans" cxnId="{89591AB4-FA73-4632-A91A-373C165677F0}">
+      <dgm:prSet/>
+      <dgm:spPr/>
+      <dgm:t>
+        <a:bodyPr/>
+        <a:lstStyle/>
+        <a:p>
+          <a:endParaRPr lang="en-US"/>
+        </a:p>
+      </dgm:t>
+    </dgm:pt>
+    <dgm:pt modelId="{84A835E7-9E50-4395-8517-67E82C3D1D01}">
+      <dgm:prSet/>
+      <dgm:spPr/>
+      <dgm:t>
+        <a:bodyPr/>
+        <a:lstStyle/>
+        <a:p>
+          <a:r>
+            <a:rPr lang="en-US"/>
+            <a:t>Dash in combination with Machine learning</a:t>
+          </a:r>
+        </a:p>
+      </dgm:t>
+    </dgm:pt>
+    <dgm:pt modelId="{A9F0A68B-9A5C-46B7-BD0C-93252F2619BD}" type="parTrans" cxnId="{268E30E1-C677-4935-9B7E-90F87BA4EDA0}">
+      <dgm:prSet/>
+      <dgm:spPr/>
+      <dgm:t>
+        <a:bodyPr/>
+        <a:lstStyle/>
+        <a:p>
+          <a:endParaRPr lang="en-US"/>
+        </a:p>
+      </dgm:t>
+    </dgm:pt>
+    <dgm:pt modelId="{2370889C-974C-4C39-B992-C3107CEDF848}" type="sibTrans" cxnId="{268E30E1-C677-4935-9B7E-90F87BA4EDA0}">
+      <dgm:prSet/>
+      <dgm:spPr/>
+      <dgm:t>
+        <a:bodyPr/>
+        <a:lstStyle/>
+        <a:p>
+          <a:endParaRPr lang="en-US"/>
+        </a:p>
+      </dgm:t>
+    </dgm:pt>
+    <dgm:pt modelId="{213BA9CE-CEB0-41CD-9825-FBDDCE7A3664}">
+      <dgm:prSet/>
+      <dgm:spPr/>
+      <dgm:t>
+        <a:bodyPr/>
+        <a:lstStyle/>
+        <a:p>
+          <a:r>
+            <a:rPr lang="en-US"/>
+            <a:t>Power Bi, connecting to Database</a:t>
+          </a:r>
+        </a:p>
+      </dgm:t>
+    </dgm:pt>
+    <dgm:pt modelId="{DE7232DA-33CB-4937-BBD3-D6859EDDF9DE}" type="parTrans" cxnId="{2B1E3FF2-4057-41CB-A346-D439E8555265}">
+      <dgm:prSet/>
+      <dgm:spPr/>
+      <dgm:t>
+        <a:bodyPr/>
+        <a:lstStyle/>
+        <a:p>
+          <a:endParaRPr lang="en-US"/>
+        </a:p>
+      </dgm:t>
+    </dgm:pt>
+    <dgm:pt modelId="{68139FCC-5EE2-4580-87AF-C70E89AA1A87}" type="sibTrans" cxnId="{2B1E3FF2-4057-41CB-A346-D439E8555265}">
+      <dgm:prSet/>
+      <dgm:spPr/>
+      <dgm:t>
+        <a:bodyPr/>
+        <a:lstStyle/>
+        <a:p>
+          <a:endParaRPr lang="en-US"/>
+        </a:p>
+      </dgm:t>
+    </dgm:pt>
+    <dgm:pt modelId="{A7D40C22-7B75-4F6E-B253-6F404B3509CC}">
+      <dgm:prSet/>
+      <dgm:spPr/>
+      <dgm:t>
+        <a:bodyPr/>
+        <a:lstStyle/>
+        <a:p>
+          <a:r>
+            <a:rPr lang="en-US"/>
+            <a:t>Agile</a:t>
+          </a:r>
+        </a:p>
+      </dgm:t>
+    </dgm:pt>
+    <dgm:pt modelId="{CFE7D50E-2AC4-4F20-8E46-5F37D46FC310}" type="parTrans" cxnId="{FB221DBE-6C22-4DFD-9E1C-278799653256}">
+      <dgm:prSet/>
+      <dgm:spPr/>
+      <dgm:t>
+        <a:bodyPr/>
+        <a:lstStyle/>
+        <a:p>
+          <a:endParaRPr lang="en-US"/>
+        </a:p>
+      </dgm:t>
+    </dgm:pt>
+    <dgm:pt modelId="{FC6A3B75-5B2D-4890-B86C-A530B655F6E8}" type="sibTrans" cxnId="{FB221DBE-6C22-4DFD-9E1C-278799653256}">
+      <dgm:prSet/>
+      <dgm:spPr/>
+      <dgm:t>
+        <a:bodyPr/>
+        <a:lstStyle/>
+        <a:p>
+          <a:endParaRPr lang="en-US"/>
+        </a:p>
+      </dgm:t>
+    </dgm:pt>
+    <dgm:pt modelId="{7FE00BC8-7828-44D0-92C3-044999C2CD2B}" type="pres">
+      <dgm:prSet presAssocID="{686F7436-B044-4200-BBF8-39ED58D5C00A}" presName="root" presStyleCnt="0">
+        <dgm:presLayoutVars>
+          <dgm:dir/>
+          <dgm:resizeHandles val="exact"/>
+        </dgm:presLayoutVars>
+      </dgm:prSet>
+      <dgm:spPr/>
+    </dgm:pt>
+    <dgm:pt modelId="{7B533159-CBEB-4196-AAEF-863C06120F18}" type="pres">
+      <dgm:prSet presAssocID="{52114E57-039A-4D3E-A981-EE46F8E513B2}" presName="compNode" presStyleCnt="0"/>
+      <dgm:spPr/>
+    </dgm:pt>
+    <dgm:pt modelId="{66D8800E-EC43-4E5B-918E-60944829D333}" type="pres">
+      <dgm:prSet presAssocID="{52114E57-039A-4D3E-A981-EE46F8E513B2}" presName="bgRect" presStyleLbl="bgShp" presStyleIdx="0" presStyleCnt="4"/>
+      <dgm:spPr/>
+    </dgm:pt>
+    <dgm:pt modelId="{34AB24DE-9BFE-423D-AF7C-6EF9FF1E7C8C}" type="pres">
+      <dgm:prSet presAssocID="{52114E57-039A-4D3E-A981-EE46F8E513B2}" presName="iconRect" presStyleLbl="node1" presStyleIdx="0" presStyleCnt="4"/>
+      <dgm:spPr>
+        <a:blipFill>
+          <a:blip xmlns:r="http://schemas.openxmlformats.org/officeDocument/2006/relationships" r:embed="rId1">
+            <a:extLst>
+              <a:ext uri="{28A0092B-C50C-407E-A947-70E740481C1C}">
+                <a14:useLocalDpi xmlns:a14="http://schemas.microsoft.com/office/drawing/2010/main" val="0"/>
+              </a:ext>
+              <a:ext uri="{96DAC541-7B7A-43D3-8B79-37D633B846F1}">
+                <asvg:svgBlip xmlns:asvg="http://schemas.microsoft.com/office/drawing/2016/SVG/main" r:embed="rId2"/>
+              </a:ext>
+            </a:extLst>
+          </a:blip>
+          <a:stretch>
+            <a:fillRect/>
+          </a:stretch>
+        </a:blipFill>
+        <a:ln>
+          <a:noFill/>
+        </a:ln>
+      </dgm:spPr>
+      <dgm:extLst>
+        <a:ext uri="{E40237B7-FDA0-4F09-8148-C483321AD2D9}">
+          <dgm14:cNvPr xmlns:dgm14="http://schemas.microsoft.com/office/drawing/2010/diagram" id="0" name="" descr="Bar chart"/>
+        </a:ext>
+      </dgm:extLst>
+    </dgm:pt>
+    <dgm:pt modelId="{4D3249A6-FFAB-4DD5-8AC4-00D895307AA1}" type="pres">
+      <dgm:prSet presAssocID="{52114E57-039A-4D3E-A981-EE46F8E513B2}" presName="spaceRect" presStyleCnt="0"/>
+      <dgm:spPr/>
+    </dgm:pt>
+    <dgm:pt modelId="{2D450C91-741A-4B81-8216-6F5A1CECD2B2}" type="pres">
+      <dgm:prSet presAssocID="{52114E57-039A-4D3E-A981-EE46F8E513B2}" presName="parTx" presStyleLbl="revTx" presStyleIdx="0" presStyleCnt="4">
+        <dgm:presLayoutVars>
+          <dgm:chMax val="0"/>
+          <dgm:chPref val="0"/>
+        </dgm:presLayoutVars>
+      </dgm:prSet>
+      <dgm:spPr/>
+    </dgm:pt>
+    <dgm:pt modelId="{5B702E63-7C46-4B43-B49D-2C72B2E5D7EE}" type="pres">
+      <dgm:prSet presAssocID="{3EBC70EE-9F5D-406F-8333-5EF620856BB1}" presName="sibTrans" presStyleCnt="0"/>
+      <dgm:spPr/>
+    </dgm:pt>
+    <dgm:pt modelId="{98A5F073-9312-4F04-817F-B30163D3C77E}" type="pres">
+      <dgm:prSet presAssocID="{84A835E7-9E50-4395-8517-67E82C3D1D01}" presName="compNode" presStyleCnt="0"/>
+      <dgm:spPr/>
+    </dgm:pt>
+    <dgm:pt modelId="{E0CF4E21-9C94-46DC-BE98-B75CB7F5B9FE}" type="pres">
+      <dgm:prSet presAssocID="{84A835E7-9E50-4395-8517-67E82C3D1D01}" presName="bgRect" presStyleLbl="bgShp" presStyleIdx="1" presStyleCnt="4"/>
+      <dgm:spPr/>
+    </dgm:pt>
+    <dgm:pt modelId="{27733933-57D8-49CF-B1C9-56074DA81894}" type="pres">
+      <dgm:prSet presAssocID="{84A835E7-9E50-4395-8517-67E82C3D1D01}" presName="iconRect" presStyleLbl="node1" presStyleIdx="1" presStyleCnt="4"/>
+      <dgm:spPr>
+        <a:blipFill>
+          <a:blip xmlns:r="http://schemas.openxmlformats.org/officeDocument/2006/relationships" r:embed="rId3">
+            <a:extLst>
+              <a:ext uri="{28A0092B-C50C-407E-A947-70E740481C1C}">
+                <a14:useLocalDpi xmlns:a14="http://schemas.microsoft.com/office/drawing/2010/main" val="0"/>
+              </a:ext>
+              <a:ext uri="{96DAC541-7B7A-43D3-8B79-37D633B846F1}">
+                <asvg:svgBlip xmlns:asvg="http://schemas.microsoft.com/office/drawing/2016/SVG/main" r:embed="rId4"/>
+              </a:ext>
+            </a:extLst>
+          </a:blip>
+          <a:stretch>
+            <a:fillRect/>
+          </a:stretch>
+        </a:blipFill>
+        <a:ln>
+          <a:noFill/>
+        </a:ln>
+      </dgm:spPr>
+      <dgm:extLst>
+        <a:ext uri="{E40237B7-FDA0-4F09-8148-C483321AD2D9}">
+          <dgm14:cNvPr xmlns:dgm14="http://schemas.microsoft.com/office/drawing/2010/diagram" id="0" name="" descr="Head with Gears"/>
+        </a:ext>
+      </dgm:extLst>
+    </dgm:pt>
+    <dgm:pt modelId="{45D07ED2-A589-4FE2-A8BA-2C5B0AEB5852}" type="pres">
+      <dgm:prSet presAssocID="{84A835E7-9E50-4395-8517-67E82C3D1D01}" presName="spaceRect" presStyleCnt="0"/>
+      <dgm:spPr/>
+    </dgm:pt>
+    <dgm:pt modelId="{50ACFF23-BE3C-48F6-BD7C-15459EF18535}" type="pres">
+      <dgm:prSet presAssocID="{84A835E7-9E50-4395-8517-67E82C3D1D01}" presName="parTx" presStyleLbl="revTx" presStyleIdx="1" presStyleCnt="4">
+        <dgm:presLayoutVars>
+          <dgm:chMax val="0"/>
+          <dgm:chPref val="0"/>
+        </dgm:presLayoutVars>
+      </dgm:prSet>
+      <dgm:spPr/>
+    </dgm:pt>
+    <dgm:pt modelId="{2525BD80-CA21-4B77-AE58-4E13F242F334}" type="pres">
+      <dgm:prSet presAssocID="{2370889C-974C-4C39-B992-C3107CEDF848}" presName="sibTrans" presStyleCnt="0"/>
+      <dgm:spPr/>
+    </dgm:pt>
+    <dgm:pt modelId="{3F22F86F-ECF7-4895-9300-26C9319F2CC3}" type="pres">
+      <dgm:prSet presAssocID="{213BA9CE-CEB0-41CD-9825-FBDDCE7A3664}" presName="compNode" presStyleCnt="0"/>
+      <dgm:spPr/>
+    </dgm:pt>
+    <dgm:pt modelId="{DCBC50CD-DD53-41E8-A6AE-33D8C01F664F}" type="pres">
+      <dgm:prSet presAssocID="{213BA9CE-CEB0-41CD-9825-FBDDCE7A3664}" presName="bgRect" presStyleLbl="bgShp" presStyleIdx="2" presStyleCnt="4"/>
+      <dgm:spPr/>
+    </dgm:pt>
+    <dgm:pt modelId="{891E3FFE-B18B-48FF-86DD-C40D60A213C3}" type="pres">
+      <dgm:prSet presAssocID="{213BA9CE-CEB0-41CD-9825-FBDDCE7A3664}" presName="iconRect" presStyleLbl="node1" presStyleIdx="2" presStyleCnt="4"/>
+      <dgm:spPr>
+        <a:blipFill>
+          <a:blip xmlns:r="http://schemas.openxmlformats.org/officeDocument/2006/relationships" r:embed="rId5">
+            <a:extLst>
+              <a:ext uri="{28A0092B-C50C-407E-A947-70E740481C1C}">
+                <a14:useLocalDpi xmlns:a14="http://schemas.microsoft.com/office/drawing/2010/main" val="0"/>
+              </a:ext>
+              <a:ext uri="{96DAC541-7B7A-43D3-8B79-37D633B846F1}">
+                <asvg:svgBlip xmlns:asvg="http://schemas.microsoft.com/office/drawing/2016/SVG/main" r:embed="rId6"/>
+              </a:ext>
+            </a:extLst>
+          </a:blip>
+          <a:stretch>
+            <a:fillRect/>
+          </a:stretch>
+        </a:blipFill>
+        <a:ln>
+          <a:noFill/>
+        </a:ln>
+      </dgm:spPr>
+      <dgm:extLst>
+        <a:ext uri="{E40237B7-FDA0-4F09-8148-C483321AD2D9}">
+          <dgm14:cNvPr xmlns:dgm14="http://schemas.microsoft.com/office/drawing/2010/diagram" id="0" name="" descr="Database"/>
+        </a:ext>
+      </dgm:extLst>
+    </dgm:pt>
+    <dgm:pt modelId="{D36A9F0E-8D9D-41AC-B539-94CF7A311256}" type="pres">
+      <dgm:prSet presAssocID="{213BA9CE-CEB0-41CD-9825-FBDDCE7A3664}" presName="spaceRect" presStyleCnt="0"/>
+      <dgm:spPr/>
+    </dgm:pt>
+    <dgm:pt modelId="{DBA92242-D1D4-4FBA-85A6-D5A1866F35D6}" type="pres">
+      <dgm:prSet presAssocID="{213BA9CE-CEB0-41CD-9825-FBDDCE7A3664}" presName="parTx" presStyleLbl="revTx" presStyleIdx="2" presStyleCnt="4">
+        <dgm:presLayoutVars>
+          <dgm:chMax val="0"/>
+          <dgm:chPref val="0"/>
+        </dgm:presLayoutVars>
+      </dgm:prSet>
+      <dgm:spPr/>
+    </dgm:pt>
+    <dgm:pt modelId="{0A95863B-ED53-4B72-8C74-E23C37BE9092}" type="pres">
+      <dgm:prSet presAssocID="{68139FCC-5EE2-4580-87AF-C70E89AA1A87}" presName="sibTrans" presStyleCnt="0"/>
+      <dgm:spPr/>
+    </dgm:pt>
+    <dgm:pt modelId="{3B1762BD-1773-493A-9963-04A2443C6B87}" type="pres">
+      <dgm:prSet presAssocID="{A7D40C22-7B75-4F6E-B253-6F404B3509CC}" presName="compNode" presStyleCnt="0"/>
+      <dgm:spPr/>
+    </dgm:pt>
+    <dgm:pt modelId="{66A0C9D9-64EE-4B5F-A9C6-71F1127D6D73}" type="pres">
+      <dgm:prSet presAssocID="{A7D40C22-7B75-4F6E-B253-6F404B3509CC}" presName="bgRect" presStyleLbl="bgShp" presStyleIdx="3" presStyleCnt="4"/>
+      <dgm:spPr/>
+    </dgm:pt>
+    <dgm:pt modelId="{8C0E268F-40B3-4F29-8426-31F692098C85}" type="pres">
+      <dgm:prSet presAssocID="{A7D40C22-7B75-4F6E-B253-6F404B3509CC}" presName="iconRect" presStyleLbl="node1" presStyleIdx="3" presStyleCnt="4"/>
+      <dgm:spPr>
+        <a:blipFill>
+          <a:blip xmlns:r="http://schemas.openxmlformats.org/officeDocument/2006/relationships" r:embed="rId7">
+            <a:extLst>
+              <a:ext uri="{28A0092B-C50C-407E-A947-70E740481C1C}">
+                <a14:useLocalDpi xmlns:a14="http://schemas.microsoft.com/office/drawing/2010/main" val="0"/>
+              </a:ext>
+              <a:ext uri="{96DAC541-7B7A-43D3-8B79-37D633B846F1}">
+                <asvg:svgBlip xmlns:asvg="http://schemas.microsoft.com/office/drawing/2016/SVG/main" r:embed="rId8"/>
+              </a:ext>
+            </a:extLst>
+          </a:blip>
+          <a:stretch>
+            <a:fillRect/>
+          </a:stretch>
+        </a:blipFill>
+        <a:ln>
+          <a:noFill/>
+        </a:ln>
+      </dgm:spPr>
+      <dgm:extLst>
+        <a:ext uri="{E40237B7-FDA0-4F09-8148-C483321AD2D9}">
+          <dgm14:cNvPr xmlns:dgm14="http://schemas.microsoft.com/office/drawing/2010/diagram" id="0" name="" descr="Run"/>
+        </a:ext>
+      </dgm:extLst>
+    </dgm:pt>
+    <dgm:pt modelId="{4F1268CF-1D85-41C6-BA3D-65C003B50535}" type="pres">
+      <dgm:prSet presAssocID="{A7D40C22-7B75-4F6E-B253-6F404B3509CC}" presName="spaceRect" presStyleCnt="0"/>
+      <dgm:spPr/>
+    </dgm:pt>
+    <dgm:pt modelId="{DAB7F312-6A98-4C2F-8CE4-14946D3B37C8}" type="pres">
+      <dgm:prSet presAssocID="{A7D40C22-7B75-4F6E-B253-6F404B3509CC}" presName="parTx" presStyleLbl="revTx" presStyleIdx="3" presStyleCnt="4">
+        <dgm:presLayoutVars>
+          <dgm:chMax val="0"/>
+          <dgm:chPref val="0"/>
+        </dgm:presLayoutVars>
+      </dgm:prSet>
+      <dgm:spPr/>
+    </dgm:pt>
+  </dgm:ptLst>
+  <dgm:cxnLst>
+    <dgm:cxn modelId="{5F31D00B-94B6-4E61-905D-B100C456D861}" type="presOf" srcId="{52114E57-039A-4D3E-A981-EE46F8E513B2}" destId="{2D450C91-741A-4B81-8216-6F5A1CECD2B2}" srcOrd="0" destOrd="0" presId="urn:microsoft.com/office/officeart/2018/2/layout/IconVerticalSolidList"/>
+    <dgm:cxn modelId="{CADF4A2C-8793-4930-807F-A448351A8CBF}" type="presOf" srcId="{84A835E7-9E50-4395-8517-67E82C3D1D01}" destId="{50ACFF23-BE3C-48F6-BD7C-15459EF18535}" srcOrd="0" destOrd="0" presId="urn:microsoft.com/office/officeart/2018/2/layout/IconVerticalSolidList"/>
+    <dgm:cxn modelId="{A136F164-317E-41B8-91D6-C6AFC5717C36}" type="presOf" srcId="{686F7436-B044-4200-BBF8-39ED58D5C00A}" destId="{7FE00BC8-7828-44D0-92C3-044999C2CD2B}" srcOrd="0" destOrd="0" presId="urn:microsoft.com/office/officeart/2018/2/layout/IconVerticalSolidList"/>
+    <dgm:cxn modelId="{420F849A-298E-4DC5-98D8-5DC8577B1CD9}" type="presOf" srcId="{A7D40C22-7B75-4F6E-B253-6F404B3509CC}" destId="{DAB7F312-6A98-4C2F-8CE4-14946D3B37C8}" srcOrd="0" destOrd="0" presId="urn:microsoft.com/office/officeart/2018/2/layout/IconVerticalSolidList"/>
+    <dgm:cxn modelId="{A118F4A6-B776-4FAE-A2AF-1966DECC67AC}" type="presOf" srcId="{213BA9CE-CEB0-41CD-9825-FBDDCE7A3664}" destId="{DBA92242-D1D4-4FBA-85A6-D5A1866F35D6}" srcOrd="0" destOrd="0" presId="urn:microsoft.com/office/officeart/2018/2/layout/IconVerticalSolidList"/>
+    <dgm:cxn modelId="{89591AB4-FA73-4632-A91A-373C165677F0}" srcId="{686F7436-B044-4200-BBF8-39ED58D5C00A}" destId="{52114E57-039A-4D3E-A981-EE46F8E513B2}" srcOrd="0" destOrd="0" parTransId="{9BE6CA25-9A39-4B35-A1F9-618C8226CCCF}" sibTransId="{3EBC70EE-9F5D-406F-8333-5EF620856BB1}"/>
+    <dgm:cxn modelId="{FB221DBE-6C22-4DFD-9E1C-278799653256}" srcId="{686F7436-B044-4200-BBF8-39ED58D5C00A}" destId="{A7D40C22-7B75-4F6E-B253-6F404B3509CC}" srcOrd="3" destOrd="0" parTransId="{CFE7D50E-2AC4-4F20-8E46-5F37D46FC310}" sibTransId="{FC6A3B75-5B2D-4890-B86C-A530B655F6E8}"/>
+    <dgm:cxn modelId="{268E30E1-C677-4935-9B7E-90F87BA4EDA0}" srcId="{686F7436-B044-4200-BBF8-39ED58D5C00A}" destId="{84A835E7-9E50-4395-8517-67E82C3D1D01}" srcOrd="1" destOrd="0" parTransId="{A9F0A68B-9A5C-46B7-BD0C-93252F2619BD}" sibTransId="{2370889C-974C-4C39-B992-C3107CEDF848}"/>
+    <dgm:cxn modelId="{2B1E3FF2-4057-41CB-A346-D439E8555265}" srcId="{686F7436-B044-4200-BBF8-39ED58D5C00A}" destId="{213BA9CE-CEB0-41CD-9825-FBDDCE7A3664}" srcOrd="2" destOrd="0" parTransId="{DE7232DA-33CB-4937-BBD3-D6859EDDF9DE}" sibTransId="{68139FCC-5EE2-4580-87AF-C70E89AA1A87}"/>
+    <dgm:cxn modelId="{259C7BCE-21A0-4F02-AACC-34B46436AD34}" type="presParOf" srcId="{7FE00BC8-7828-44D0-92C3-044999C2CD2B}" destId="{7B533159-CBEB-4196-AAEF-863C06120F18}" srcOrd="0" destOrd="0" presId="urn:microsoft.com/office/officeart/2018/2/layout/IconVerticalSolidList"/>
+    <dgm:cxn modelId="{5C5F4B4A-BB3D-4019-880C-CB89D1CECAC3}" type="presParOf" srcId="{7B533159-CBEB-4196-AAEF-863C06120F18}" destId="{66D8800E-EC43-4E5B-918E-60944829D333}" srcOrd="0" destOrd="0" presId="urn:microsoft.com/office/officeart/2018/2/layout/IconVerticalSolidList"/>
+    <dgm:cxn modelId="{09397DCF-E083-4E3B-A68D-88A71AF86459}" type="presParOf" srcId="{7B533159-CBEB-4196-AAEF-863C06120F18}" destId="{34AB24DE-9BFE-423D-AF7C-6EF9FF1E7C8C}" srcOrd="1" destOrd="0" presId="urn:microsoft.com/office/officeart/2018/2/layout/IconVerticalSolidList"/>
+    <dgm:cxn modelId="{2310B6C4-209A-4E75-8C3C-D4CEA229D1D2}" type="presParOf" srcId="{7B533159-CBEB-4196-AAEF-863C06120F18}" destId="{4D3249A6-FFAB-4DD5-8AC4-00D895307AA1}" srcOrd="2" destOrd="0" presId="urn:microsoft.com/office/officeart/2018/2/layout/IconVerticalSolidList"/>
+    <dgm:cxn modelId="{3103FB97-F451-4687-BE39-4594605D84CC}" type="presParOf" srcId="{7B533159-CBEB-4196-AAEF-863C06120F18}" destId="{2D450C91-741A-4B81-8216-6F5A1CECD2B2}" srcOrd="3" destOrd="0" presId="urn:microsoft.com/office/officeart/2018/2/layout/IconVerticalSolidList"/>
+    <dgm:cxn modelId="{EA3E0289-01E3-4354-8698-D255ADCC736B}" type="presParOf" srcId="{7FE00BC8-7828-44D0-92C3-044999C2CD2B}" destId="{5B702E63-7C46-4B43-B49D-2C72B2E5D7EE}" srcOrd="1" destOrd="0" presId="urn:microsoft.com/office/officeart/2018/2/layout/IconVerticalSolidList"/>
+    <dgm:cxn modelId="{CE608BA8-BFCD-41E8-BD42-0A929EE5925F}" type="presParOf" srcId="{7FE00BC8-7828-44D0-92C3-044999C2CD2B}" destId="{98A5F073-9312-4F04-817F-B30163D3C77E}" srcOrd="2" destOrd="0" presId="urn:microsoft.com/office/officeart/2018/2/layout/IconVerticalSolidList"/>
+    <dgm:cxn modelId="{D8FAFBAA-C465-42DD-B17C-F667609709C9}" type="presParOf" srcId="{98A5F073-9312-4F04-817F-B30163D3C77E}" destId="{E0CF4E21-9C94-46DC-BE98-B75CB7F5B9FE}" srcOrd="0" destOrd="0" presId="urn:microsoft.com/office/officeart/2018/2/layout/IconVerticalSolidList"/>
+    <dgm:cxn modelId="{E6F630A3-F1BC-47A1-8DE1-52E807DCF853}" type="presParOf" srcId="{98A5F073-9312-4F04-817F-B30163D3C77E}" destId="{27733933-57D8-49CF-B1C9-56074DA81894}" srcOrd="1" destOrd="0" presId="urn:microsoft.com/office/officeart/2018/2/layout/IconVerticalSolidList"/>
+    <dgm:cxn modelId="{0D93EEC9-C38F-4225-B55F-11628746AC20}" type="presParOf" srcId="{98A5F073-9312-4F04-817F-B30163D3C77E}" destId="{45D07ED2-A589-4FE2-A8BA-2C5B0AEB5852}" srcOrd="2" destOrd="0" presId="urn:microsoft.com/office/officeart/2018/2/layout/IconVerticalSolidList"/>
+    <dgm:cxn modelId="{6FE56BB4-CA0C-46C1-A361-2491AAD27589}" type="presParOf" srcId="{98A5F073-9312-4F04-817F-B30163D3C77E}" destId="{50ACFF23-BE3C-48F6-BD7C-15459EF18535}" srcOrd="3" destOrd="0" presId="urn:microsoft.com/office/officeart/2018/2/layout/IconVerticalSolidList"/>
+    <dgm:cxn modelId="{3B7FF6B9-FA9C-429C-AE36-7E074B105FF3}" type="presParOf" srcId="{7FE00BC8-7828-44D0-92C3-044999C2CD2B}" destId="{2525BD80-CA21-4B77-AE58-4E13F242F334}" srcOrd="3" destOrd="0" presId="urn:microsoft.com/office/officeart/2018/2/layout/IconVerticalSolidList"/>
+    <dgm:cxn modelId="{A3CE5503-0C00-4A98-8395-B58DCC26CC2B}" type="presParOf" srcId="{7FE00BC8-7828-44D0-92C3-044999C2CD2B}" destId="{3F22F86F-ECF7-4895-9300-26C9319F2CC3}" srcOrd="4" destOrd="0" presId="urn:microsoft.com/office/officeart/2018/2/layout/IconVerticalSolidList"/>
+    <dgm:cxn modelId="{9A74EA45-3F5E-4973-A516-40977409DBCC}" type="presParOf" srcId="{3F22F86F-ECF7-4895-9300-26C9319F2CC3}" destId="{DCBC50CD-DD53-41E8-A6AE-33D8C01F664F}" srcOrd="0" destOrd="0" presId="urn:microsoft.com/office/officeart/2018/2/layout/IconVerticalSolidList"/>
+    <dgm:cxn modelId="{E5495A11-0B2C-477F-B254-19B0E98E5652}" type="presParOf" srcId="{3F22F86F-ECF7-4895-9300-26C9319F2CC3}" destId="{891E3FFE-B18B-48FF-86DD-C40D60A213C3}" srcOrd="1" destOrd="0" presId="urn:microsoft.com/office/officeart/2018/2/layout/IconVerticalSolidList"/>
+    <dgm:cxn modelId="{70319C3D-75CE-4A54-8E3A-241A34F20293}" type="presParOf" srcId="{3F22F86F-ECF7-4895-9300-26C9319F2CC3}" destId="{D36A9F0E-8D9D-41AC-B539-94CF7A311256}" srcOrd="2" destOrd="0" presId="urn:microsoft.com/office/officeart/2018/2/layout/IconVerticalSolidList"/>
+    <dgm:cxn modelId="{D7C3CE27-546A-44D0-ADB5-738684BD7A88}" type="presParOf" srcId="{3F22F86F-ECF7-4895-9300-26C9319F2CC3}" destId="{DBA92242-D1D4-4FBA-85A6-D5A1866F35D6}" srcOrd="3" destOrd="0" presId="urn:microsoft.com/office/officeart/2018/2/layout/IconVerticalSolidList"/>
+    <dgm:cxn modelId="{6FFA7D38-15B5-40F8-BC7B-391E6E32C678}" type="presParOf" srcId="{7FE00BC8-7828-44D0-92C3-044999C2CD2B}" destId="{0A95863B-ED53-4B72-8C74-E23C37BE9092}" srcOrd="5" destOrd="0" presId="urn:microsoft.com/office/officeart/2018/2/layout/IconVerticalSolidList"/>
+    <dgm:cxn modelId="{B064581B-E725-4FB2-BA00-070DEA72F99C}" type="presParOf" srcId="{7FE00BC8-7828-44D0-92C3-044999C2CD2B}" destId="{3B1762BD-1773-493A-9963-04A2443C6B87}" srcOrd="6" destOrd="0" presId="urn:microsoft.com/office/officeart/2018/2/layout/IconVerticalSolidList"/>
+    <dgm:cxn modelId="{CF1B9B6A-CB3F-4944-BAA5-F33BC26C14A4}" type="presParOf" srcId="{3B1762BD-1773-493A-9963-04A2443C6B87}" destId="{66A0C9D9-64EE-4B5F-A9C6-71F1127D6D73}" srcOrd="0" destOrd="0" presId="urn:microsoft.com/office/officeart/2018/2/layout/IconVerticalSolidList"/>
+    <dgm:cxn modelId="{7CA89816-A372-47E4-9A2B-CFCE5E700001}" type="presParOf" srcId="{3B1762BD-1773-493A-9963-04A2443C6B87}" destId="{8C0E268F-40B3-4F29-8426-31F692098C85}" srcOrd="1" destOrd="0" presId="urn:microsoft.com/office/officeart/2018/2/layout/IconVerticalSolidList"/>
+    <dgm:cxn modelId="{2E93FF73-3C0F-4840-AFA2-F27CC0F3D3CF}" type="presParOf" srcId="{3B1762BD-1773-493A-9963-04A2443C6B87}" destId="{4F1268CF-1D85-41C6-BA3D-65C003B50535}" srcOrd="2" destOrd="0" presId="urn:microsoft.com/office/officeart/2018/2/layout/IconVerticalSolidList"/>
+    <dgm:cxn modelId="{98AE609D-9885-48D9-9B7C-A5B9785D2110}" type="presParOf" srcId="{3B1762BD-1773-493A-9963-04A2443C6B87}" destId="{DAB7F312-6A98-4C2F-8CE4-14946D3B37C8}" srcOrd="3" destOrd="0" presId="urn:microsoft.com/office/officeart/2018/2/layout/IconVerticalSolidList"/>
   </dgm:cxnLst>
   <dgm:bg/>
   <dgm:whole/>
@@ -10147,7 +10147,7 @@
         </a:bodyPr>
         <a:lstStyle/>
         <a:p>
-          <a:pPr marL="0" lvl="0" indent="0" algn="l" defTabSz="800100">
+          <a:pPr marL="0" lvl="0" indent="0" algn="l" defTabSz="844550">
             <a:lnSpc>
               <a:spcPct val="90000"/>
             </a:lnSpc>
@@ -10160,7 +10160,7 @@
             <a:buNone/>
           </a:pPr>
           <a:r>
-            <a:rPr lang="en-US" sz="1800" kern="1200"/>
+            <a:rPr lang="en-US" sz="1900" kern="1200"/>
             <a:t>Daily Scrum</a:t>
           </a:r>
         </a:p>
@@ -10297,7 +10297,7 @@
         </a:bodyPr>
         <a:lstStyle/>
         <a:p>
-          <a:pPr marL="0" lvl="0" indent="0" algn="l" defTabSz="800100">
+          <a:pPr marL="0" lvl="0" indent="0" algn="l" defTabSz="844550">
             <a:lnSpc>
               <a:spcPct val="90000"/>
             </a:lnSpc>
@@ -10310,7 +10310,7 @@
             <a:buNone/>
           </a:pPr>
           <a:r>
-            <a:rPr lang="en-US" sz="1800" kern="1200"/>
+            <a:rPr lang="en-US" sz="1900" kern="1200"/>
             <a:t>Distribution of tasks</a:t>
           </a:r>
         </a:p>
@@ -10447,7 +10447,7 @@
         </a:bodyPr>
         <a:lstStyle/>
         <a:p>
-          <a:pPr marL="0" lvl="0" indent="0" algn="l" defTabSz="800100">
+          <a:pPr marL="0" lvl="0" indent="0" algn="l" defTabSz="844550">
             <a:lnSpc>
               <a:spcPct val="90000"/>
             </a:lnSpc>
@@ -10460,7 +10460,7 @@
             <a:buNone/>
           </a:pPr>
           <a:r>
-            <a:rPr lang="en-US" sz="1800" kern="1200"/>
+            <a:rPr lang="en-US" sz="1900" kern="1200"/>
             <a:t>Setting up goals for the day</a:t>
           </a:r>
         </a:p>
@@ -10597,7 +10597,7 @@
         </a:bodyPr>
         <a:lstStyle/>
         <a:p>
-          <a:pPr marL="0" lvl="0" indent="0" algn="l" defTabSz="800100">
+          <a:pPr marL="0" lvl="0" indent="0" algn="l" defTabSz="844550">
             <a:lnSpc>
               <a:spcPct val="90000"/>
             </a:lnSpc>
@@ -10610,8 +10610,8 @@
             <a:buNone/>
           </a:pPr>
           <a:r>
-            <a:rPr lang="en-US" sz="1800" kern="1200"/>
-            <a:t>Make sure everyone is equally active and participating on developing an ongoing product</a:t>
+            <a:rPr lang="en-US" sz="1900" kern="1200" dirty="0"/>
+            <a:t>Equal participation</a:t>
           </a:r>
         </a:p>
       </dsp:txBody>
@@ -10747,7 +10747,7 @@
         </a:bodyPr>
         <a:lstStyle/>
         <a:p>
-          <a:pPr marL="0" lvl="0" indent="0" algn="l" defTabSz="800100">
+          <a:pPr marL="0" lvl="0" indent="0" algn="l" defTabSz="844550">
             <a:lnSpc>
               <a:spcPct val="90000"/>
             </a:lnSpc>
@@ -10760,7 +10760,7 @@
             <a:buNone/>
           </a:pPr>
           <a:r>
-            <a:rPr lang="en-US" sz="1800" kern="1200"/>
+            <a:rPr lang="en-US" sz="1900" kern="1200" dirty="0"/>
             <a:t>End of the day meeting</a:t>
           </a:r>
         </a:p>
@@ -11240,622 +11240,6 @@
 </file>
 
 <file path=ppt/diagrams/drawing6.xml><?xml version="1.0" encoding="utf-8"?>
-<dsp:drawing xmlns:dgm="http://schemas.openxmlformats.org/drawingml/2006/diagram" xmlns:dsp="http://schemas.microsoft.com/office/drawing/2008/diagram" xmlns:a="http://schemas.openxmlformats.org/drawingml/2006/main">
-  <dsp:spTree>
-    <dsp:nvGrpSpPr>
-      <dsp:cNvPr id="0" name=""/>
-      <dsp:cNvGrpSpPr/>
-    </dsp:nvGrpSpPr>
-    <dsp:grpSpPr/>
-    <dsp:sp modelId="{66D8800E-EC43-4E5B-918E-60944829D333}">
-      <dsp:nvSpPr>
-        <dsp:cNvPr id="0" name=""/>
-        <dsp:cNvSpPr/>
-      </dsp:nvSpPr>
-      <dsp:spPr>
-        <a:xfrm>
-          <a:off x="0" y="2185"/>
-          <a:ext cx="6832212" cy="1107454"/>
-        </a:xfrm>
-        <a:prstGeom prst="roundRect">
-          <a:avLst>
-            <a:gd name="adj" fmla="val 10000"/>
-          </a:avLst>
-        </a:prstGeom>
-        <a:solidFill>
-          <a:schemeClr val="bg1">
-            <a:lumMod val="95000"/>
-            <a:hueOff val="0"/>
-            <a:satOff val="0"/>
-            <a:lumOff val="0"/>
-            <a:alphaOff val="0"/>
-          </a:schemeClr>
-        </a:solidFill>
-        <a:ln>
-          <a:noFill/>
-        </a:ln>
-        <a:effectLst/>
-      </dsp:spPr>
-      <dsp:style>
-        <a:lnRef idx="0">
-          <a:scrgbClr r="0" g="0" b="0"/>
-        </a:lnRef>
-        <a:fillRef idx="1">
-          <a:scrgbClr r="0" g="0" b="0"/>
-        </a:fillRef>
-        <a:effectRef idx="0">
-          <a:scrgbClr r="0" g="0" b="0"/>
-        </a:effectRef>
-        <a:fontRef idx="minor"/>
-      </dsp:style>
-    </dsp:sp>
-    <dsp:sp modelId="{34AB24DE-9BFE-423D-AF7C-6EF9FF1E7C8C}">
-      <dsp:nvSpPr>
-        <dsp:cNvPr id="0" name=""/>
-        <dsp:cNvSpPr/>
-      </dsp:nvSpPr>
-      <dsp:spPr>
-        <a:xfrm>
-          <a:off x="335004" y="251362"/>
-          <a:ext cx="609099" cy="609099"/>
-        </a:xfrm>
-        <a:prstGeom prst="rect">
-          <a:avLst/>
-        </a:prstGeom>
-        <a:blipFill>
-          <a:blip xmlns:r="http://schemas.openxmlformats.org/officeDocument/2006/relationships" r:embed="rId1">
-            <a:extLst>
-              <a:ext uri="{28A0092B-C50C-407E-A947-70E740481C1C}">
-                <a14:useLocalDpi xmlns:a14="http://schemas.microsoft.com/office/drawing/2010/main" val="0"/>
-              </a:ext>
-              <a:ext uri="{96DAC541-7B7A-43D3-8B79-37D633B846F1}">
-                <asvg:svgBlip xmlns:asvg="http://schemas.microsoft.com/office/drawing/2016/SVG/main" r:embed="rId2"/>
-              </a:ext>
-            </a:extLst>
-          </a:blip>
-          <a:stretch>
-            <a:fillRect/>
-          </a:stretch>
-        </a:blipFill>
-        <a:ln w="15875" cap="rnd" cmpd="sng" algn="ctr">
-          <a:noFill/>
-          <a:prstDash val="solid"/>
-        </a:ln>
-        <a:effectLst/>
-      </dsp:spPr>
-      <dsp:style>
-        <a:lnRef idx="2">
-          <a:scrgbClr r="0" g="0" b="0"/>
-        </a:lnRef>
-        <a:fillRef idx="1">
-          <a:scrgbClr r="0" g="0" b="0"/>
-        </a:fillRef>
-        <a:effectRef idx="0">
-          <a:scrgbClr r="0" g="0" b="0"/>
-        </a:effectRef>
-        <a:fontRef idx="minor">
-          <a:schemeClr val="lt1"/>
-        </a:fontRef>
-      </dsp:style>
-    </dsp:sp>
-    <dsp:sp modelId="{2D450C91-741A-4B81-8216-6F5A1CECD2B2}">
-      <dsp:nvSpPr>
-        <dsp:cNvPr id="0" name=""/>
-        <dsp:cNvSpPr/>
-      </dsp:nvSpPr>
-      <dsp:spPr>
-        <a:xfrm>
-          <a:off x="1279109" y="2185"/>
-          <a:ext cx="5553102" cy="1107454"/>
-        </a:xfrm>
-        <a:prstGeom prst="rect">
-          <a:avLst/>
-        </a:prstGeom>
-        <a:noFill/>
-        <a:ln>
-          <a:noFill/>
-        </a:ln>
-        <a:effectLst/>
-      </dsp:spPr>
-      <dsp:style>
-        <a:lnRef idx="0">
-          <a:scrgbClr r="0" g="0" b="0"/>
-        </a:lnRef>
-        <a:fillRef idx="0">
-          <a:scrgbClr r="0" g="0" b="0"/>
-        </a:fillRef>
-        <a:effectRef idx="0">
-          <a:scrgbClr r="0" g="0" b="0"/>
-        </a:effectRef>
-        <a:fontRef idx="minor"/>
-      </dsp:style>
-      <dsp:txBody>
-        <a:bodyPr spcFirstLastPara="0" vert="horz" wrap="square" lIns="117206" tIns="117206" rIns="117206" bIns="117206" numCol="1" spcCol="1270" anchor="ctr" anchorCtr="0">
-          <a:noAutofit/>
-        </a:bodyPr>
-        <a:lstStyle/>
-        <a:p>
-          <a:pPr marL="0" lvl="0" indent="0" algn="l" defTabSz="977900">
-            <a:lnSpc>
-              <a:spcPct val="90000"/>
-            </a:lnSpc>
-            <a:spcBef>
-              <a:spcPct val="0"/>
-            </a:spcBef>
-            <a:spcAft>
-              <a:spcPct val="35000"/>
-            </a:spcAft>
-            <a:buNone/>
-          </a:pPr>
-          <a:r>
-            <a:rPr lang="en-US" sz="2200" kern="1200"/>
-            <a:t>Regression</a:t>
-          </a:r>
-        </a:p>
-      </dsp:txBody>
-      <dsp:txXfrm>
-        <a:off x="1279109" y="2185"/>
-        <a:ext cx="5553102" cy="1107454"/>
-      </dsp:txXfrm>
-    </dsp:sp>
-    <dsp:sp modelId="{E0CF4E21-9C94-46DC-BE98-B75CB7F5B9FE}">
-      <dsp:nvSpPr>
-        <dsp:cNvPr id="0" name=""/>
-        <dsp:cNvSpPr/>
-      </dsp:nvSpPr>
-      <dsp:spPr>
-        <a:xfrm>
-          <a:off x="0" y="1386503"/>
-          <a:ext cx="6832212" cy="1107454"/>
-        </a:xfrm>
-        <a:prstGeom prst="roundRect">
-          <a:avLst>
-            <a:gd name="adj" fmla="val 10000"/>
-          </a:avLst>
-        </a:prstGeom>
-        <a:solidFill>
-          <a:schemeClr val="bg1">
-            <a:lumMod val="95000"/>
-            <a:hueOff val="0"/>
-            <a:satOff val="0"/>
-            <a:lumOff val="0"/>
-            <a:alphaOff val="0"/>
-          </a:schemeClr>
-        </a:solidFill>
-        <a:ln>
-          <a:noFill/>
-        </a:ln>
-        <a:effectLst/>
-      </dsp:spPr>
-      <dsp:style>
-        <a:lnRef idx="0">
-          <a:scrgbClr r="0" g="0" b="0"/>
-        </a:lnRef>
-        <a:fillRef idx="1">
-          <a:scrgbClr r="0" g="0" b="0"/>
-        </a:fillRef>
-        <a:effectRef idx="0">
-          <a:scrgbClr r="0" g="0" b="0"/>
-        </a:effectRef>
-        <a:fontRef idx="minor"/>
-      </dsp:style>
-    </dsp:sp>
-    <dsp:sp modelId="{27733933-57D8-49CF-B1C9-56074DA81894}">
-      <dsp:nvSpPr>
-        <dsp:cNvPr id="0" name=""/>
-        <dsp:cNvSpPr/>
-      </dsp:nvSpPr>
-      <dsp:spPr>
-        <a:xfrm>
-          <a:off x="335004" y="1635680"/>
-          <a:ext cx="609099" cy="609099"/>
-        </a:xfrm>
-        <a:prstGeom prst="rect">
-          <a:avLst/>
-        </a:prstGeom>
-        <a:blipFill>
-          <a:blip xmlns:r="http://schemas.openxmlformats.org/officeDocument/2006/relationships" r:embed="rId3">
-            <a:extLst>
-              <a:ext uri="{28A0092B-C50C-407E-A947-70E740481C1C}">
-                <a14:useLocalDpi xmlns:a14="http://schemas.microsoft.com/office/drawing/2010/main" val="0"/>
-              </a:ext>
-              <a:ext uri="{96DAC541-7B7A-43D3-8B79-37D633B846F1}">
-                <asvg:svgBlip xmlns:asvg="http://schemas.microsoft.com/office/drawing/2016/SVG/main" r:embed="rId4"/>
-              </a:ext>
-            </a:extLst>
-          </a:blip>
-          <a:stretch>
-            <a:fillRect/>
-          </a:stretch>
-        </a:blipFill>
-        <a:ln w="15875" cap="rnd" cmpd="sng" algn="ctr">
-          <a:noFill/>
-          <a:prstDash val="solid"/>
-        </a:ln>
-        <a:effectLst/>
-      </dsp:spPr>
-      <dsp:style>
-        <a:lnRef idx="2">
-          <a:scrgbClr r="0" g="0" b="0"/>
-        </a:lnRef>
-        <a:fillRef idx="1">
-          <a:scrgbClr r="0" g="0" b="0"/>
-        </a:fillRef>
-        <a:effectRef idx="0">
-          <a:scrgbClr r="0" g="0" b="0"/>
-        </a:effectRef>
-        <a:fontRef idx="minor">
-          <a:schemeClr val="lt1"/>
-        </a:fontRef>
-      </dsp:style>
-    </dsp:sp>
-    <dsp:sp modelId="{50ACFF23-BE3C-48F6-BD7C-15459EF18535}">
-      <dsp:nvSpPr>
-        <dsp:cNvPr id="0" name=""/>
-        <dsp:cNvSpPr/>
-      </dsp:nvSpPr>
-      <dsp:spPr>
-        <a:xfrm>
-          <a:off x="1279109" y="1386503"/>
-          <a:ext cx="5553102" cy="1107454"/>
-        </a:xfrm>
-        <a:prstGeom prst="rect">
-          <a:avLst/>
-        </a:prstGeom>
-        <a:noFill/>
-        <a:ln>
-          <a:noFill/>
-        </a:ln>
-        <a:effectLst/>
-      </dsp:spPr>
-      <dsp:style>
-        <a:lnRef idx="0">
-          <a:scrgbClr r="0" g="0" b="0"/>
-        </a:lnRef>
-        <a:fillRef idx="0">
-          <a:scrgbClr r="0" g="0" b="0"/>
-        </a:fillRef>
-        <a:effectRef idx="0">
-          <a:scrgbClr r="0" g="0" b="0"/>
-        </a:effectRef>
-        <a:fontRef idx="minor"/>
-      </dsp:style>
-      <dsp:txBody>
-        <a:bodyPr spcFirstLastPara="0" vert="horz" wrap="square" lIns="117206" tIns="117206" rIns="117206" bIns="117206" numCol="1" spcCol="1270" anchor="ctr" anchorCtr="0">
-          <a:noAutofit/>
-        </a:bodyPr>
-        <a:lstStyle/>
-        <a:p>
-          <a:pPr marL="0" lvl="0" indent="0" algn="l" defTabSz="977900">
-            <a:lnSpc>
-              <a:spcPct val="90000"/>
-            </a:lnSpc>
-            <a:spcBef>
-              <a:spcPct val="0"/>
-            </a:spcBef>
-            <a:spcAft>
-              <a:spcPct val="35000"/>
-            </a:spcAft>
-            <a:buNone/>
-          </a:pPr>
-          <a:r>
-            <a:rPr lang="en-US" sz="2200" kern="1200"/>
-            <a:t>Dash in combination with Machine learning</a:t>
-          </a:r>
-        </a:p>
-      </dsp:txBody>
-      <dsp:txXfrm>
-        <a:off x="1279109" y="1386503"/>
-        <a:ext cx="5553102" cy="1107454"/>
-      </dsp:txXfrm>
-    </dsp:sp>
-    <dsp:sp modelId="{DCBC50CD-DD53-41E8-A6AE-33D8C01F664F}">
-      <dsp:nvSpPr>
-        <dsp:cNvPr id="0" name=""/>
-        <dsp:cNvSpPr/>
-      </dsp:nvSpPr>
-      <dsp:spPr>
-        <a:xfrm>
-          <a:off x="0" y="2770821"/>
-          <a:ext cx="6832212" cy="1107454"/>
-        </a:xfrm>
-        <a:prstGeom prst="roundRect">
-          <a:avLst>
-            <a:gd name="adj" fmla="val 10000"/>
-          </a:avLst>
-        </a:prstGeom>
-        <a:solidFill>
-          <a:schemeClr val="bg1">
-            <a:lumMod val="95000"/>
-            <a:hueOff val="0"/>
-            <a:satOff val="0"/>
-            <a:lumOff val="0"/>
-            <a:alphaOff val="0"/>
-          </a:schemeClr>
-        </a:solidFill>
-        <a:ln>
-          <a:noFill/>
-        </a:ln>
-        <a:effectLst/>
-      </dsp:spPr>
-      <dsp:style>
-        <a:lnRef idx="0">
-          <a:scrgbClr r="0" g="0" b="0"/>
-        </a:lnRef>
-        <a:fillRef idx="1">
-          <a:scrgbClr r="0" g="0" b="0"/>
-        </a:fillRef>
-        <a:effectRef idx="0">
-          <a:scrgbClr r="0" g="0" b="0"/>
-        </a:effectRef>
-        <a:fontRef idx="minor"/>
-      </dsp:style>
-    </dsp:sp>
-    <dsp:sp modelId="{891E3FFE-B18B-48FF-86DD-C40D60A213C3}">
-      <dsp:nvSpPr>
-        <dsp:cNvPr id="0" name=""/>
-        <dsp:cNvSpPr/>
-      </dsp:nvSpPr>
-      <dsp:spPr>
-        <a:xfrm>
-          <a:off x="335004" y="3019998"/>
-          <a:ext cx="609099" cy="609099"/>
-        </a:xfrm>
-        <a:prstGeom prst="rect">
-          <a:avLst/>
-        </a:prstGeom>
-        <a:blipFill>
-          <a:blip xmlns:r="http://schemas.openxmlformats.org/officeDocument/2006/relationships" r:embed="rId5">
-            <a:extLst>
-              <a:ext uri="{28A0092B-C50C-407E-A947-70E740481C1C}">
-                <a14:useLocalDpi xmlns:a14="http://schemas.microsoft.com/office/drawing/2010/main" val="0"/>
-              </a:ext>
-              <a:ext uri="{96DAC541-7B7A-43D3-8B79-37D633B846F1}">
-                <asvg:svgBlip xmlns:asvg="http://schemas.microsoft.com/office/drawing/2016/SVG/main" r:embed="rId6"/>
-              </a:ext>
-            </a:extLst>
-          </a:blip>
-          <a:stretch>
-            <a:fillRect/>
-          </a:stretch>
-        </a:blipFill>
-        <a:ln w="15875" cap="rnd" cmpd="sng" algn="ctr">
-          <a:noFill/>
-          <a:prstDash val="solid"/>
-        </a:ln>
-        <a:effectLst/>
-      </dsp:spPr>
-      <dsp:style>
-        <a:lnRef idx="2">
-          <a:scrgbClr r="0" g="0" b="0"/>
-        </a:lnRef>
-        <a:fillRef idx="1">
-          <a:scrgbClr r="0" g="0" b="0"/>
-        </a:fillRef>
-        <a:effectRef idx="0">
-          <a:scrgbClr r="0" g="0" b="0"/>
-        </a:effectRef>
-        <a:fontRef idx="minor">
-          <a:schemeClr val="lt1"/>
-        </a:fontRef>
-      </dsp:style>
-    </dsp:sp>
-    <dsp:sp modelId="{DBA92242-D1D4-4FBA-85A6-D5A1866F35D6}">
-      <dsp:nvSpPr>
-        <dsp:cNvPr id="0" name=""/>
-        <dsp:cNvSpPr/>
-      </dsp:nvSpPr>
-      <dsp:spPr>
-        <a:xfrm>
-          <a:off x="1279109" y="2770821"/>
-          <a:ext cx="5553102" cy="1107454"/>
-        </a:xfrm>
-        <a:prstGeom prst="rect">
-          <a:avLst/>
-        </a:prstGeom>
-        <a:noFill/>
-        <a:ln>
-          <a:noFill/>
-        </a:ln>
-        <a:effectLst/>
-      </dsp:spPr>
-      <dsp:style>
-        <a:lnRef idx="0">
-          <a:scrgbClr r="0" g="0" b="0"/>
-        </a:lnRef>
-        <a:fillRef idx="0">
-          <a:scrgbClr r="0" g="0" b="0"/>
-        </a:fillRef>
-        <a:effectRef idx="0">
-          <a:scrgbClr r="0" g="0" b="0"/>
-        </a:effectRef>
-        <a:fontRef idx="minor"/>
-      </dsp:style>
-      <dsp:txBody>
-        <a:bodyPr spcFirstLastPara="0" vert="horz" wrap="square" lIns="117206" tIns="117206" rIns="117206" bIns="117206" numCol="1" spcCol="1270" anchor="ctr" anchorCtr="0">
-          <a:noAutofit/>
-        </a:bodyPr>
-        <a:lstStyle/>
-        <a:p>
-          <a:pPr marL="0" lvl="0" indent="0" algn="l" defTabSz="977900">
-            <a:lnSpc>
-              <a:spcPct val="90000"/>
-            </a:lnSpc>
-            <a:spcBef>
-              <a:spcPct val="0"/>
-            </a:spcBef>
-            <a:spcAft>
-              <a:spcPct val="35000"/>
-            </a:spcAft>
-            <a:buNone/>
-          </a:pPr>
-          <a:r>
-            <a:rPr lang="en-US" sz="2200" kern="1200"/>
-            <a:t>Power Bi, connecting to Database</a:t>
-          </a:r>
-        </a:p>
-      </dsp:txBody>
-      <dsp:txXfrm>
-        <a:off x="1279109" y="2770821"/>
-        <a:ext cx="5553102" cy="1107454"/>
-      </dsp:txXfrm>
-    </dsp:sp>
-    <dsp:sp modelId="{66A0C9D9-64EE-4B5F-A9C6-71F1127D6D73}">
-      <dsp:nvSpPr>
-        <dsp:cNvPr id="0" name=""/>
-        <dsp:cNvSpPr/>
-      </dsp:nvSpPr>
-      <dsp:spPr>
-        <a:xfrm>
-          <a:off x="0" y="4155139"/>
-          <a:ext cx="6832212" cy="1107454"/>
-        </a:xfrm>
-        <a:prstGeom prst="roundRect">
-          <a:avLst>
-            <a:gd name="adj" fmla="val 10000"/>
-          </a:avLst>
-        </a:prstGeom>
-        <a:solidFill>
-          <a:schemeClr val="bg1">
-            <a:lumMod val="95000"/>
-            <a:hueOff val="0"/>
-            <a:satOff val="0"/>
-            <a:lumOff val="0"/>
-            <a:alphaOff val="0"/>
-          </a:schemeClr>
-        </a:solidFill>
-        <a:ln>
-          <a:noFill/>
-        </a:ln>
-        <a:effectLst/>
-      </dsp:spPr>
-      <dsp:style>
-        <a:lnRef idx="0">
-          <a:scrgbClr r="0" g="0" b="0"/>
-        </a:lnRef>
-        <a:fillRef idx="1">
-          <a:scrgbClr r="0" g="0" b="0"/>
-        </a:fillRef>
-        <a:effectRef idx="0">
-          <a:scrgbClr r="0" g="0" b="0"/>
-        </a:effectRef>
-        <a:fontRef idx="minor"/>
-      </dsp:style>
-    </dsp:sp>
-    <dsp:sp modelId="{8C0E268F-40B3-4F29-8426-31F692098C85}">
-      <dsp:nvSpPr>
-        <dsp:cNvPr id="0" name=""/>
-        <dsp:cNvSpPr/>
-      </dsp:nvSpPr>
-      <dsp:spPr>
-        <a:xfrm>
-          <a:off x="335004" y="4404316"/>
-          <a:ext cx="609099" cy="609099"/>
-        </a:xfrm>
-        <a:prstGeom prst="rect">
-          <a:avLst/>
-        </a:prstGeom>
-        <a:blipFill>
-          <a:blip xmlns:r="http://schemas.openxmlformats.org/officeDocument/2006/relationships" r:embed="rId7">
-            <a:extLst>
-              <a:ext uri="{28A0092B-C50C-407E-A947-70E740481C1C}">
-                <a14:useLocalDpi xmlns:a14="http://schemas.microsoft.com/office/drawing/2010/main" val="0"/>
-              </a:ext>
-              <a:ext uri="{96DAC541-7B7A-43D3-8B79-37D633B846F1}">
-                <asvg:svgBlip xmlns:asvg="http://schemas.microsoft.com/office/drawing/2016/SVG/main" r:embed="rId8"/>
-              </a:ext>
-            </a:extLst>
-          </a:blip>
-          <a:stretch>
-            <a:fillRect/>
-          </a:stretch>
-        </a:blipFill>
-        <a:ln w="15875" cap="rnd" cmpd="sng" algn="ctr">
-          <a:noFill/>
-          <a:prstDash val="solid"/>
-        </a:ln>
-        <a:effectLst/>
-      </dsp:spPr>
-      <dsp:style>
-        <a:lnRef idx="2">
-          <a:scrgbClr r="0" g="0" b="0"/>
-        </a:lnRef>
-        <a:fillRef idx="1">
-          <a:scrgbClr r="0" g="0" b="0"/>
-        </a:fillRef>
-        <a:effectRef idx="0">
-          <a:scrgbClr r="0" g="0" b="0"/>
-        </a:effectRef>
-        <a:fontRef idx="minor">
-          <a:schemeClr val="lt1"/>
-        </a:fontRef>
-      </dsp:style>
-    </dsp:sp>
-    <dsp:sp modelId="{DAB7F312-6A98-4C2F-8CE4-14946D3B37C8}">
-      <dsp:nvSpPr>
-        <dsp:cNvPr id="0" name=""/>
-        <dsp:cNvSpPr/>
-      </dsp:nvSpPr>
-      <dsp:spPr>
-        <a:xfrm>
-          <a:off x="1279109" y="4155139"/>
-          <a:ext cx="5553102" cy="1107454"/>
-        </a:xfrm>
-        <a:prstGeom prst="rect">
-          <a:avLst/>
-        </a:prstGeom>
-        <a:noFill/>
-        <a:ln>
-          <a:noFill/>
-        </a:ln>
-        <a:effectLst/>
-      </dsp:spPr>
-      <dsp:style>
-        <a:lnRef idx="0">
-          <a:scrgbClr r="0" g="0" b="0"/>
-        </a:lnRef>
-        <a:fillRef idx="0">
-          <a:scrgbClr r="0" g="0" b="0"/>
-        </a:fillRef>
-        <a:effectRef idx="0">
-          <a:scrgbClr r="0" g="0" b="0"/>
-        </a:effectRef>
-        <a:fontRef idx="minor"/>
-      </dsp:style>
-      <dsp:txBody>
-        <a:bodyPr spcFirstLastPara="0" vert="horz" wrap="square" lIns="117206" tIns="117206" rIns="117206" bIns="117206" numCol="1" spcCol="1270" anchor="ctr" anchorCtr="0">
-          <a:noAutofit/>
-        </a:bodyPr>
-        <a:lstStyle/>
-        <a:p>
-          <a:pPr marL="0" lvl="0" indent="0" algn="l" defTabSz="977900">
-            <a:lnSpc>
-              <a:spcPct val="90000"/>
-            </a:lnSpc>
-            <a:spcBef>
-              <a:spcPct val="0"/>
-            </a:spcBef>
-            <a:spcAft>
-              <a:spcPct val="35000"/>
-            </a:spcAft>
-            <a:buNone/>
-          </a:pPr>
-          <a:r>
-            <a:rPr lang="en-US" sz="2200" kern="1200"/>
-            <a:t>Agile</a:t>
-          </a:r>
-        </a:p>
-      </dsp:txBody>
-      <dsp:txXfrm>
-        <a:off x="1279109" y="4155139"/>
-        <a:ext cx="5553102" cy="1107454"/>
-      </dsp:txXfrm>
-    </dsp:sp>
-  </dsp:spTree>
-</dsp:drawing>
-</file>
-
-<file path=ppt/diagrams/drawing7.xml><?xml version="1.0" encoding="utf-8"?>
 <dsp:drawing xmlns:dgm="http://schemas.openxmlformats.org/drawingml/2006/diagram" xmlns:dsp="http://schemas.microsoft.com/office/drawing/2008/diagram" xmlns:a="http://schemas.openxmlformats.org/drawingml/2006/main">
   <dsp:spTree>
     <dsp:nvGrpSpPr>
@@ -12767,6 +12151,622 @@
       <dsp:txXfrm>
         <a:off x="838191" y="4537369"/>
         <a:ext cx="5994020" cy="725706"/>
+      </dsp:txXfrm>
+    </dsp:sp>
+  </dsp:spTree>
+</dsp:drawing>
+</file>
+
+<file path=ppt/diagrams/drawing7.xml><?xml version="1.0" encoding="utf-8"?>
+<dsp:drawing xmlns:dgm="http://schemas.openxmlformats.org/drawingml/2006/diagram" xmlns:dsp="http://schemas.microsoft.com/office/drawing/2008/diagram" xmlns:a="http://schemas.openxmlformats.org/drawingml/2006/main">
+  <dsp:spTree>
+    <dsp:nvGrpSpPr>
+      <dsp:cNvPr id="0" name=""/>
+      <dsp:cNvGrpSpPr/>
+    </dsp:nvGrpSpPr>
+    <dsp:grpSpPr/>
+    <dsp:sp modelId="{66D8800E-EC43-4E5B-918E-60944829D333}">
+      <dsp:nvSpPr>
+        <dsp:cNvPr id="0" name=""/>
+        <dsp:cNvSpPr/>
+      </dsp:nvSpPr>
+      <dsp:spPr>
+        <a:xfrm>
+          <a:off x="0" y="2185"/>
+          <a:ext cx="6832212" cy="1107454"/>
+        </a:xfrm>
+        <a:prstGeom prst="roundRect">
+          <a:avLst>
+            <a:gd name="adj" fmla="val 10000"/>
+          </a:avLst>
+        </a:prstGeom>
+        <a:solidFill>
+          <a:schemeClr val="bg1">
+            <a:lumMod val="95000"/>
+            <a:hueOff val="0"/>
+            <a:satOff val="0"/>
+            <a:lumOff val="0"/>
+            <a:alphaOff val="0"/>
+          </a:schemeClr>
+        </a:solidFill>
+        <a:ln>
+          <a:noFill/>
+        </a:ln>
+        <a:effectLst/>
+      </dsp:spPr>
+      <dsp:style>
+        <a:lnRef idx="0">
+          <a:scrgbClr r="0" g="0" b="0"/>
+        </a:lnRef>
+        <a:fillRef idx="1">
+          <a:scrgbClr r="0" g="0" b="0"/>
+        </a:fillRef>
+        <a:effectRef idx="0">
+          <a:scrgbClr r="0" g="0" b="0"/>
+        </a:effectRef>
+        <a:fontRef idx="minor"/>
+      </dsp:style>
+    </dsp:sp>
+    <dsp:sp modelId="{34AB24DE-9BFE-423D-AF7C-6EF9FF1E7C8C}">
+      <dsp:nvSpPr>
+        <dsp:cNvPr id="0" name=""/>
+        <dsp:cNvSpPr/>
+      </dsp:nvSpPr>
+      <dsp:spPr>
+        <a:xfrm>
+          <a:off x="335004" y="251362"/>
+          <a:ext cx="609099" cy="609099"/>
+        </a:xfrm>
+        <a:prstGeom prst="rect">
+          <a:avLst/>
+        </a:prstGeom>
+        <a:blipFill>
+          <a:blip xmlns:r="http://schemas.openxmlformats.org/officeDocument/2006/relationships" r:embed="rId1">
+            <a:extLst>
+              <a:ext uri="{28A0092B-C50C-407E-A947-70E740481C1C}">
+                <a14:useLocalDpi xmlns:a14="http://schemas.microsoft.com/office/drawing/2010/main" val="0"/>
+              </a:ext>
+              <a:ext uri="{96DAC541-7B7A-43D3-8B79-37D633B846F1}">
+                <asvg:svgBlip xmlns:asvg="http://schemas.microsoft.com/office/drawing/2016/SVG/main" r:embed="rId2"/>
+              </a:ext>
+            </a:extLst>
+          </a:blip>
+          <a:stretch>
+            <a:fillRect/>
+          </a:stretch>
+        </a:blipFill>
+        <a:ln w="15875" cap="rnd" cmpd="sng" algn="ctr">
+          <a:noFill/>
+          <a:prstDash val="solid"/>
+        </a:ln>
+        <a:effectLst/>
+      </dsp:spPr>
+      <dsp:style>
+        <a:lnRef idx="2">
+          <a:scrgbClr r="0" g="0" b="0"/>
+        </a:lnRef>
+        <a:fillRef idx="1">
+          <a:scrgbClr r="0" g="0" b="0"/>
+        </a:fillRef>
+        <a:effectRef idx="0">
+          <a:scrgbClr r="0" g="0" b="0"/>
+        </a:effectRef>
+        <a:fontRef idx="minor">
+          <a:schemeClr val="lt1"/>
+        </a:fontRef>
+      </dsp:style>
+    </dsp:sp>
+    <dsp:sp modelId="{2D450C91-741A-4B81-8216-6F5A1CECD2B2}">
+      <dsp:nvSpPr>
+        <dsp:cNvPr id="0" name=""/>
+        <dsp:cNvSpPr/>
+      </dsp:nvSpPr>
+      <dsp:spPr>
+        <a:xfrm>
+          <a:off x="1279109" y="2185"/>
+          <a:ext cx="5553102" cy="1107454"/>
+        </a:xfrm>
+        <a:prstGeom prst="rect">
+          <a:avLst/>
+        </a:prstGeom>
+        <a:noFill/>
+        <a:ln>
+          <a:noFill/>
+        </a:ln>
+        <a:effectLst/>
+      </dsp:spPr>
+      <dsp:style>
+        <a:lnRef idx="0">
+          <a:scrgbClr r="0" g="0" b="0"/>
+        </a:lnRef>
+        <a:fillRef idx="0">
+          <a:scrgbClr r="0" g="0" b="0"/>
+        </a:fillRef>
+        <a:effectRef idx="0">
+          <a:scrgbClr r="0" g="0" b="0"/>
+        </a:effectRef>
+        <a:fontRef idx="minor"/>
+      </dsp:style>
+      <dsp:txBody>
+        <a:bodyPr spcFirstLastPara="0" vert="horz" wrap="square" lIns="117206" tIns="117206" rIns="117206" bIns="117206" numCol="1" spcCol="1270" anchor="ctr" anchorCtr="0">
+          <a:noAutofit/>
+        </a:bodyPr>
+        <a:lstStyle/>
+        <a:p>
+          <a:pPr marL="0" lvl="0" indent="0" algn="l" defTabSz="977900">
+            <a:lnSpc>
+              <a:spcPct val="90000"/>
+            </a:lnSpc>
+            <a:spcBef>
+              <a:spcPct val="0"/>
+            </a:spcBef>
+            <a:spcAft>
+              <a:spcPct val="35000"/>
+            </a:spcAft>
+            <a:buNone/>
+          </a:pPr>
+          <a:r>
+            <a:rPr lang="en-US" sz="2200" kern="1200"/>
+            <a:t>Regression</a:t>
+          </a:r>
+        </a:p>
+      </dsp:txBody>
+      <dsp:txXfrm>
+        <a:off x="1279109" y="2185"/>
+        <a:ext cx="5553102" cy="1107454"/>
+      </dsp:txXfrm>
+    </dsp:sp>
+    <dsp:sp modelId="{E0CF4E21-9C94-46DC-BE98-B75CB7F5B9FE}">
+      <dsp:nvSpPr>
+        <dsp:cNvPr id="0" name=""/>
+        <dsp:cNvSpPr/>
+      </dsp:nvSpPr>
+      <dsp:spPr>
+        <a:xfrm>
+          <a:off x="0" y="1386503"/>
+          <a:ext cx="6832212" cy="1107454"/>
+        </a:xfrm>
+        <a:prstGeom prst="roundRect">
+          <a:avLst>
+            <a:gd name="adj" fmla="val 10000"/>
+          </a:avLst>
+        </a:prstGeom>
+        <a:solidFill>
+          <a:schemeClr val="bg1">
+            <a:lumMod val="95000"/>
+            <a:hueOff val="0"/>
+            <a:satOff val="0"/>
+            <a:lumOff val="0"/>
+            <a:alphaOff val="0"/>
+          </a:schemeClr>
+        </a:solidFill>
+        <a:ln>
+          <a:noFill/>
+        </a:ln>
+        <a:effectLst/>
+      </dsp:spPr>
+      <dsp:style>
+        <a:lnRef idx="0">
+          <a:scrgbClr r="0" g="0" b="0"/>
+        </a:lnRef>
+        <a:fillRef idx="1">
+          <a:scrgbClr r="0" g="0" b="0"/>
+        </a:fillRef>
+        <a:effectRef idx="0">
+          <a:scrgbClr r="0" g="0" b="0"/>
+        </a:effectRef>
+        <a:fontRef idx="minor"/>
+      </dsp:style>
+    </dsp:sp>
+    <dsp:sp modelId="{27733933-57D8-49CF-B1C9-56074DA81894}">
+      <dsp:nvSpPr>
+        <dsp:cNvPr id="0" name=""/>
+        <dsp:cNvSpPr/>
+      </dsp:nvSpPr>
+      <dsp:spPr>
+        <a:xfrm>
+          <a:off x="335004" y="1635680"/>
+          <a:ext cx="609099" cy="609099"/>
+        </a:xfrm>
+        <a:prstGeom prst="rect">
+          <a:avLst/>
+        </a:prstGeom>
+        <a:blipFill>
+          <a:blip xmlns:r="http://schemas.openxmlformats.org/officeDocument/2006/relationships" r:embed="rId3">
+            <a:extLst>
+              <a:ext uri="{28A0092B-C50C-407E-A947-70E740481C1C}">
+                <a14:useLocalDpi xmlns:a14="http://schemas.microsoft.com/office/drawing/2010/main" val="0"/>
+              </a:ext>
+              <a:ext uri="{96DAC541-7B7A-43D3-8B79-37D633B846F1}">
+                <asvg:svgBlip xmlns:asvg="http://schemas.microsoft.com/office/drawing/2016/SVG/main" r:embed="rId4"/>
+              </a:ext>
+            </a:extLst>
+          </a:blip>
+          <a:stretch>
+            <a:fillRect/>
+          </a:stretch>
+        </a:blipFill>
+        <a:ln w="15875" cap="rnd" cmpd="sng" algn="ctr">
+          <a:noFill/>
+          <a:prstDash val="solid"/>
+        </a:ln>
+        <a:effectLst/>
+      </dsp:spPr>
+      <dsp:style>
+        <a:lnRef idx="2">
+          <a:scrgbClr r="0" g="0" b="0"/>
+        </a:lnRef>
+        <a:fillRef idx="1">
+          <a:scrgbClr r="0" g="0" b="0"/>
+        </a:fillRef>
+        <a:effectRef idx="0">
+          <a:scrgbClr r="0" g="0" b="0"/>
+        </a:effectRef>
+        <a:fontRef idx="minor">
+          <a:schemeClr val="lt1"/>
+        </a:fontRef>
+      </dsp:style>
+    </dsp:sp>
+    <dsp:sp modelId="{50ACFF23-BE3C-48F6-BD7C-15459EF18535}">
+      <dsp:nvSpPr>
+        <dsp:cNvPr id="0" name=""/>
+        <dsp:cNvSpPr/>
+      </dsp:nvSpPr>
+      <dsp:spPr>
+        <a:xfrm>
+          <a:off x="1279109" y="1386503"/>
+          <a:ext cx="5553102" cy="1107454"/>
+        </a:xfrm>
+        <a:prstGeom prst="rect">
+          <a:avLst/>
+        </a:prstGeom>
+        <a:noFill/>
+        <a:ln>
+          <a:noFill/>
+        </a:ln>
+        <a:effectLst/>
+      </dsp:spPr>
+      <dsp:style>
+        <a:lnRef idx="0">
+          <a:scrgbClr r="0" g="0" b="0"/>
+        </a:lnRef>
+        <a:fillRef idx="0">
+          <a:scrgbClr r="0" g="0" b="0"/>
+        </a:fillRef>
+        <a:effectRef idx="0">
+          <a:scrgbClr r="0" g="0" b="0"/>
+        </a:effectRef>
+        <a:fontRef idx="minor"/>
+      </dsp:style>
+      <dsp:txBody>
+        <a:bodyPr spcFirstLastPara="0" vert="horz" wrap="square" lIns="117206" tIns="117206" rIns="117206" bIns="117206" numCol="1" spcCol="1270" anchor="ctr" anchorCtr="0">
+          <a:noAutofit/>
+        </a:bodyPr>
+        <a:lstStyle/>
+        <a:p>
+          <a:pPr marL="0" lvl="0" indent="0" algn="l" defTabSz="977900">
+            <a:lnSpc>
+              <a:spcPct val="90000"/>
+            </a:lnSpc>
+            <a:spcBef>
+              <a:spcPct val="0"/>
+            </a:spcBef>
+            <a:spcAft>
+              <a:spcPct val="35000"/>
+            </a:spcAft>
+            <a:buNone/>
+          </a:pPr>
+          <a:r>
+            <a:rPr lang="en-US" sz="2200" kern="1200"/>
+            <a:t>Dash in combination with Machine learning</a:t>
+          </a:r>
+        </a:p>
+      </dsp:txBody>
+      <dsp:txXfrm>
+        <a:off x="1279109" y="1386503"/>
+        <a:ext cx="5553102" cy="1107454"/>
+      </dsp:txXfrm>
+    </dsp:sp>
+    <dsp:sp modelId="{DCBC50CD-DD53-41E8-A6AE-33D8C01F664F}">
+      <dsp:nvSpPr>
+        <dsp:cNvPr id="0" name=""/>
+        <dsp:cNvSpPr/>
+      </dsp:nvSpPr>
+      <dsp:spPr>
+        <a:xfrm>
+          <a:off x="0" y="2770821"/>
+          <a:ext cx="6832212" cy="1107454"/>
+        </a:xfrm>
+        <a:prstGeom prst="roundRect">
+          <a:avLst>
+            <a:gd name="adj" fmla="val 10000"/>
+          </a:avLst>
+        </a:prstGeom>
+        <a:solidFill>
+          <a:schemeClr val="bg1">
+            <a:lumMod val="95000"/>
+            <a:hueOff val="0"/>
+            <a:satOff val="0"/>
+            <a:lumOff val="0"/>
+            <a:alphaOff val="0"/>
+          </a:schemeClr>
+        </a:solidFill>
+        <a:ln>
+          <a:noFill/>
+        </a:ln>
+        <a:effectLst/>
+      </dsp:spPr>
+      <dsp:style>
+        <a:lnRef idx="0">
+          <a:scrgbClr r="0" g="0" b="0"/>
+        </a:lnRef>
+        <a:fillRef idx="1">
+          <a:scrgbClr r="0" g="0" b="0"/>
+        </a:fillRef>
+        <a:effectRef idx="0">
+          <a:scrgbClr r="0" g="0" b="0"/>
+        </a:effectRef>
+        <a:fontRef idx="minor"/>
+      </dsp:style>
+    </dsp:sp>
+    <dsp:sp modelId="{891E3FFE-B18B-48FF-86DD-C40D60A213C3}">
+      <dsp:nvSpPr>
+        <dsp:cNvPr id="0" name=""/>
+        <dsp:cNvSpPr/>
+      </dsp:nvSpPr>
+      <dsp:spPr>
+        <a:xfrm>
+          <a:off x="335004" y="3019998"/>
+          <a:ext cx="609099" cy="609099"/>
+        </a:xfrm>
+        <a:prstGeom prst="rect">
+          <a:avLst/>
+        </a:prstGeom>
+        <a:blipFill>
+          <a:blip xmlns:r="http://schemas.openxmlformats.org/officeDocument/2006/relationships" r:embed="rId5">
+            <a:extLst>
+              <a:ext uri="{28A0092B-C50C-407E-A947-70E740481C1C}">
+                <a14:useLocalDpi xmlns:a14="http://schemas.microsoft.com/office/drawing/2010/main" val="0"/>
+              </a:ext>
+              <a:ext uri="{96DAC541-7B7A-43D3-8B79-37D633B846F1}">
+                <asvg:svgBlip xmlns:asvg="http://schemas.microsoft.com/office/drawing/2016/SVG/main" r:embed="rId6"/>
+              </a:ext>
+            </a:extLst>
+          </a:blip>
+          <a:stretch>
+            <a:fillRect/>
+          </a:stretch>
+        </a:blipFill>
+        <a:ln w="15875" cap="rnd" cmpd="sng" algn="ctr">
+          <a:noFill/>
+          <a:prstDash val="solid"/>
+        </a:ln>
+        <a:effectLst/>
+      </dsp:spPr>
+      <dsp:style>
+        <a:lnRef idx="2">
+          <a:scrgbClr r="0" g="0" b="0"/>
+        </a:lnRef>
+        <a:fillRef idx="1">
+          <a:scrgbClr r="0" g="0" b="0"/>
+        </a:fillRef>
+        <a:effectRef idx="0">
+          <a:scrgbClr r="0" g="0" b="0"/>
+        </a:effectRef>
+        <a:fontRef idx="minor">
+          <a:schemeClr val="lt1"/>
+        </a:fontRef>
+      </dsp:style>
+    </dsp:sp>
+    <dsp:sp modelId="{DBA92242-D1D4-4FBA-85A6-D5A1866F35D6}">
+      <dsp:nvSpPr>
+        <dsp:cNvPr id="0" name=""/>
+        <dsp:cNvSpPr/>
+      </dsp:nvSpPr>
+      <dsp:spPr>
+        <a:xfrm>
+          <a:off x="1279109" y="2770821"/>
+          <a:ext cx="5553102" cy="1107454"/>
+        </a:xfrm>
+        <a:prstGeom prst="rect">
+          <a:avLst/>
+        </a:prstGeom>
+        <a:noFill/>
+        <a:ln>
+          <a:noFill/>
+        </a:ln>
+        <a:effectLst/>
+      </dsp:spPr>
+      <dsp:style>
+        <a:lnRef idx="0">
+          <a:scrgbClr r="0" g="0" b="0"/>
+        </a:lnRef>
+        <a:fillRef idx="0">
+          <a:scrgbClr r="0" g="0" b="0"/>
+        </a:fillRef>
+        <a:effectRef idx="0">
+          <a:scrgbClr r="0" g="0" b="0"/>
+        </a:effectRef>
+        <a:fontRef idx="minor"/>
+      </dsp:style>
+      <dsp:txBody>
+        <a:bodyPr spcFirstLastPara="0" vert="horz" wrap="square" lIns="117206" tIns="117206" rIns="117206" bIns="117206" numCol="1" spcCol="1270" anchor="ctr" anchorCtr="0">
+          <a:noAutofit/>
+        </a:bodyPr>
+        <a:lstStyle/>
+        <a:p>
+          <a:pPr marL="0" lvl="0" indent="0" algn="l" defTabSz="977900">
+            <a:lnSpc>
+              <a:spcPct val="90000"/>
+            </a:lnSpc>
+            <a:spcBef>
+              <a:spcPct val="0"/>
+            </a:spcBef>
+            <a:spcAft>
+              <a:spcPct val="35000"/>
+            </a:spcAft>
+            <a:buNone/>
+          </a:pPr>
+          <a:r>
+            <a:rPr lang="en-US" sz="2200" kern="1200"/>
+            <a:t>Power Bi, connecting to Database</a:t>
+          </a:r>
+        </a:p>
+      </dsp:txBody>
+      <dsp:txXfrm>
+        <a:off x="1279109" y="2770821"/>
+        <a:ext cx="5553102" cy="1107454"/>
+      </dsp:txXfrm>
+    </dsp:sp>
+    <dsp:sp modelId="{66A0C9D9-64EE-4B5F-A9C6-71F1127D6D73}">
+      <dsp:nvSpPr>
+        <dsp:cNvPr id="0" name=""/>
+        <dsp:cNvSpPr/>
+      </dsp:nvSpPr>
+      <dsp:spPr>
+        <a:xfrm>
+          <a:off x="0" y="4155139"/>
+          <a:ext cx="6832212" cy="1107454"/>
+        </a:xfrm>
+        <a:prstGeom prst="roundRect">
+          <a:avLst>
+            <a:gd name="adj" fmla="val 10000"/>
+          </a:avLst>
+        </a:prstGeom>
+        <a:solidFill>
+          <a:schemeClr val="bg1">
+            <a:lumMod val="95000"/>
+            <a:hueOff val="0"/>
+            <a:satOff val="0"/>
+            <a:lumOff val="0"/>
+            <a:alphaOff val="0"/>
+          </a:schemeClr>
+        </a:solidFill>
+        <a:ln>
+          <a:noFill/>
+        </a:ln>
+        <a:effectLst/>
+      </dsp:spPr>
+      <dsp:style>
+        <a:lnRef idx="0">
+          <a:scrgbClr r="0" g="0" b="0"/>
+        </a:lnRef>
+        <a:fillRef idx="1">
+          <a:scrgbClr r="0" g="0" b="0"/>
+        </a:fillRef>
+        <a:effectRef idx="0">
+          <a:scrgbClr r="0" g="0" b="0"/>
+        </a:effectRef>
+        <a:fontRef idx="minor"/>
+      </dsp:style>
+    </dsp:sp>
+    <dsp:sp modelId="{8C0E268F-40B3-4F29-8426-31F692098C85}">
+      <dsp:nvSpPr>
+        <dsp:cNvPr id="0" name=""/>
+        <dsp:cNvSpPr/>
+      </dsp:nvSpPr>
+      <dsp:spPr>
+        <a:xfrm>
+          <a:off x="335004" y="4404316"/>
+          <a:ext cx="609099" cy="609099"/>
+        </a:xfrm>
+        <a:prstGeom prst="rect">
+          <a:avLst/>
+        </a:prstGeom>
+        <a:blipFill>
+          <a:blip xmlns:r="http://schemas.openxmlformats.org/officeDocument/2006/relationships" r:embed="rId7">
+            <a:extLst>
+              <a:ext uri="{28A0092B-C50C-407E-A947-70E740481C1C}">
+                <a14:useLocalDpi xmlns:a14="http://schemas.microsoft.com/office/drawing/2010/main" val="0"/>
+              </a:ext>
+              <a:ext uri="{96DAC541-7B7A-43D3-8B79-37D633B846F1}">
+                <asvg:svgBlip xmlns:asvg="http://schemas.microsoft.com/office/drawing/2016/SVG/main" r:embed="rId8"/>
+              </a:ext>
+            </a:extLst>
+          </a:blip>
+          <a:stretch>
+            <a:fillRect/>
+          </a:stretch>
+        </a:blipFill>
+        <a:ln w="15875" cap="rnd" cmpd="sng" algn="ctr">
+          <a:noFill/>
+          <a:prstDash val="solid"/>
+        </a:ln>
+        <a:effectLst/>
+      </dsp:spPr>
+      <dsp:style>
+        <a:lnRef idx="2">
+          <a:scrgbClr r="0" g="0" b="0"/>
+        </a:lnRef>
+        <a:fillRef idx="1">
+          <a:scrgbClr r="0" g="0" b="0"/>
+        </a:fillRef>
+        <a:effectRef idx="0">
+          <a:scrgbClr r="0" g="0" b="0"/>
+        </a:effectRef>
+        <a:fontRef idx="minor">
+          <a:schemeClr val="lt1"/>
+        </a:fontRef>
+      </dsp:style>
+    </dsp:sp>
+    <dsp:sp modelId="{DAB7F312-6A98-4C2F-8CE4-14946D3B37C8}">
+      <dsp:nvSpPr>
+        <dsp:cNvPr id="0" name=""/>
+        <dsp:cNvSpPr/>
+      </dsp:nvSpPr>
+      <dsp:spPr>
+        <a:xfrm>
+          <a:off x="1279109" y="4155139"/>
+          <a:ext cx="5553102" cy="1107454"/>
+        </a:xfrm>
+        <a:prstGeom prst="rect">
+          <a:avLst/>
+        </a:prstGeom>
+        <a:noFill/>
+        <a:ln>
+          <a:noFill/>
+        </a:ln>
+        <a:effectLst/>
+      </dsp:spPr>
+      <dsp:style>
+        <a:lnRef idx="0">
+          <a:scrgbClr r="0" g="0" b="0"/>
+        </a:lnRef>
+        <a:fillRef idx="0">
+          <a:scrgbClr r="0" g="0" b="0"/>
+        </a:fillRef>
+        <a:effectRef idx="0">
+          <a:scrgbClr r="0" g="0" b="0"/>
+        </a:effectRef>
+        <a:fontRef idx="minor"/>
+      </dsp:style>
+      <dsp:txBody>
+        <a:bodyPr spcFirstLastPara="0" vert="horz" wrap="square" lIns="117206" tIns="117206" rIns="117206" bIns="117206" numCol="1" spcCol="1270" anchor="ctr" anchorCtr="0">
+          <a:noAutofit/>
+        </a:bodyPr>
+        <a:lstStyle/>
+        <a:p>
+          <a:pPr marL="0" lvl="0" indent="0" algn="l" defTabSz="977900">
+            <a:lnSpc>
+              <a:spcPct val="90000"/>
+            </a:lnSpc>
+            <a:spcBef>
+              <a:spcPct val="0"/>
+            </a:spcBef>
+            <a:spcAft>
+              <a:spcPct val="35000"/>
+            </a:spcAft>
+            <a:buNone/>
+          </a:pPr>
+          <a:r>
+            <a:rPr lang="en-US" sz="2200" kern="1200"/>
+            <a:t>Agile</a:t>
+          </a:r>
+        </a:p>
+      </dsp:txBody>
+      <dsp:txXfrm>
+        <a:off x="1279109" y="4155139"/>
+        <a:ext cx="5553102" cy="1107454"/>
       </dsp:txXfrm>
     </dsp:sp>
   </dsp:spTree>
@@ -22175,7 +22175,7 @@
           <a:p>
             <a:fld id="{DF96D516-803A-4DB7-B704-28470E3DC6FA}" type="datetimeFigureOut">
               <a:rPr lang="en-SE" smtClean="0"/>
-              <a:t>2022-09-01</a:t>
+              <a:t>2022-09-02</a:t>
             </a:fld>
             <a:endParaRPr lang="en-SE"/>
           </a:p>
@@ -22513,7 +22513,7 @@
           <a:p>
             <a:fld id="{DF96D516-803A-4DB7-B704-28470E3DC6FA}" type="datetimeFigureOut">
               <a:rPr lang="en-SE" smtClean="0"/>
-              <a:t>2022-09-01</a:t>
+              <a:t>2022-09-02</a:t>
             </a:fld>
             <a:endParaRPr lang="en-SE"/>
           </a:p>
@@ -22914,7 +22914,7 @@
           <a:p>
             <a:fld id="{DF96D516-803A-4DB7-B704-28470E3DC6FA}" type="datetimeFigureOut">
               <a:rPr lang="en-SE" smtClean="0"/>
-              <a:t>2022-09-01</a:t>
+              <a:t>2022-09-02</a:t>
             </a:fld>
             <a:endParaRPr lang="en-SE"/>
           </a:p>
@@ -23250,7 +23250,7 @@
           <a:p>
             <a:fld id="{DF96D516-803A-4DB7-B704-28470E3DC6FA}" type="datetimeFigureOut">
               <a:rPr lang="en-SE" smtClean="0"/>
-              <a:t>2022-09-01</a:t>
+              <a:t>2022-09-02</a:t>
             </a:fld>
             <a:endParaRPr lang="en-SE"/>
           </a:p>
@@ -23570,7 +23570,7 @@
           <a:p>
             <a:fld id="{DF96D516-803A-4DB7-B704-28470E3DC6FA}" type="datetimeFigureOut">
               <a:rPr lang="en-SE" smtClean="0"/>
-              <a:t>2022-09-01</a:t>
+              <a:t>2022-09-02</a:t>
             </a:fld>
             <a:endParaRPr lang="en-SE"/>
           </a:p>
@@ -23966,7 +23966,7 @@
           <a:p>
             <a:fld id="{DF96D516-803A-4DB7-B704-28470E3DC6FA}" type="datetimeFigureOut">
               <a:rPr lang="en-SE" smtClean="0"/>
-              <a:t>2022-09-01</a:t>
+              <a:t>2022-09-02</a:t>
             </a:fld>
             <a:endParaRPr lang="en-SE"/>
           </a:p>
@@ -24223,7 +24223,7 @@
           <a:p>
             <a:fld id="{DF96D516-803A-4DB7-B704-28470E3DC6FA}" type="datetimeFigureOut">
               <a:rPr lang="en-SE" smtClean="0"/>
-              <a:t>2022-09-01</a:t>
+              <a:t>2022-09-02</a:t>
             </a:fld>
             <a:endParaRPr lang="en-SE"/>
           </a:p>
@@ -24485,7 +24485,7 @@
           <a:p>
             <a:fld id="{DF96D516-803A-4DB7-B704-28470E3DC6FA}" type="datetimeFigureOut">
               <a:rPr lang="en-SE" smtClean="0"/>
-              <a:t>2022-09-01</a:t>
+              <a:t>2022-09-02</a:t>
             </a:fld>
             <a:endParaRPr lang="en-SE"/>
           </a:p>
@@ -24747,7 +24747,7 @@
           <a:p>
             <a:fld id="{DF96D516-803A-4DB7-B704-28470E3DC6FA}" type="datetimeFigureOut">
               <a:rPr lang="en-SE" smtClean="0"/>
-              <a:t>2022-09-01</a:t>
+              <a:t>2022-09-02</a:t>
             </a:fld>
             <a:endParaRPr lang="en-SE"/>
           </a:p>
@@ -25076,7 +25076,7 @@
           <a:p>
             <a:fld id="{DF96D516-803A-4DB7-B704-28470E3DC6FA}" type="datetimeFigureOut">
               <a:rPr lang="en-SE" smtClean="0"/>
-              <a:t>2022-09-01</a:t>
+              <a:t>2022-09-02</a:t>
             </a:fld>
             <a:endParaRPr lang="en-SE"/>
           </a:p>
@@ -25399,7 +25399,7 @@
           <a:p>
             <a:fld id="{DF96D516-803A-4DB7-B704-28470E3DC6FA}" type="datetimeFigureOut">
               <a:rPr lang="en-SE" smtClean="0"/>
-              <a:t>2022-09-01</a:t>
+              <a:t>2022-09-02</a:t>
             </a:fld>
             <a:endParaRPr lang="en-SE"/>
           </a:p>
@@ -25856,7 +25856,7 @@
           <a:p>
             <a:fld id="{DF96D516-803A-4DB7-B704-28470E3DC6FA}" type="datetimeFigureOut">
               <a:rPr lang="en-SE" smtClean="0"/>
-              <a:t>2022-09-01</a:t>
+              <a:t>2022-09-02</a:t>
             </a:fld>
             <a:endParaRPr lang="en-SE"/>
           </a:p>
@@ -26061,7 +26061,7 @@
           <a:p>
             <a:fld id="{DF96D516-803A-4DB7-B704-28470E3DC6FA}" type="datetimeFigureOut">
               <a:rPr lang="en-SE" smtClean="0"/>
-              <a:t>2022-09-01</a:t>
+              <a:t>2022-09-02</a:t>
             </a:fld>
             <a:endParaRPr lang="en-SE"/>
           </a:p>
@@ -26238,7 +26238,7 @@
           <a:p>
             <a:fld id="{DF96D516-803A-4DB7-B704-28470E3DC6FA}" type="datetimeFigureOut">
               <a:rPr lang="en-SE" smtClean="0"/>
-              <a:t>2022-09-01</a:t>
+              <a:t>2022-09-02</a:t>
             </a:fld>
             <a:endParaRPr lang="en-SE"/>
           </a:p>
@@ -26571,7 +26571,7 @@
           <a:p>
             <a:fld id="{DF96D516-803A-4DB7-B704-28470E3DC6FA}" type="datetimeFigureOut">
               <a:rPr lang="en-SE" smtClean="0"/>
-              <a:t>2022-09-01</a:t>
+              <a:t>2022-09-02</a:t>
             </a:fld>
             <a:endParaRPr lang="en-SE"/>
           </a:p>
@@ -26916,7 +26916,7 @@
           <a:p>
             <a:fld id="{DF96D516-803A-4DB7-B704-28470E3DC6FA}" type="datetimeFigureOut">
               <a:rPr lang="en-SE" smtClean="0"/>
-              <a:t>2022-09-01</a:t>
+              <a:t>2022-09-02</a:t>
             </a:fld>
             <a:endParaRPr lang="en-SE"/>
           </a:p>
@@ -29033,7 +29033,7 @@
           <a:p>
             <a:fld id="{DF96D516-803A-4DB7-B704-28470E3DC6FA}" type="datetimeFigureOut">
               <a:rPr lang="en-SE" smtClean="0"/>
-              <a:t>2022-09-01</a:t>
+              <a:t>2022-09-02</a:t>
             </a:fld>
             <a:endParaRPr lang="en-SE"/>
           </a:p>
@@ -36392,7 +36392,7 @@
             <p:ph idx="1"/>
             <p:extLst>
               <p:ext uri="{D42A27DB-BD31-4B8C-83A1-F6EECF244321}">
-                <p14:modId xmlns:p14="http://schemas.microsoft.com/office/powerpoint/2010/main" val="1595767666"/>
+                <p14:modId xmlns:p14="http://schemas.microsoft.com/office/powerpoint/2010/main" val="490689526"/>
               </p:ext>
             </p:extLst>
           </p:nvPr>
@@ -37126,6 +37126,447 @@
       </p:grpSpPr>
       <p:sp>
         <p:nvSpPr>
+          <p:cNvPr id="9" name="Rectangle 8">
+            <a:extLst>
+              <a:ext uri="{FF2B5EF4-FFF2-40B4-BE49-F238E27FC236}">
+                <a16:creationId xmlns:a16="http://schemas.microsoft.com/office/drawing/2014/main" id="{A3D9AEEE-1CCD-43C0-BA3E-16D60A6E23C0}"/>
+              </a:ext>
+              <a:ext uri="{C183D7F6-B498-43B3-948B-1728B52AA6E4}">
+                <adec:decorative xmlns:adec="http://schemas.microsoft.com/office/drawing/2017/decorative" val="1"/>
+              </a:ext>
+            </a:extLst>
+          </p:cNvPr>
+          <p:cNvSpPr>
+            <a:spLocks noGrp="1" noRot="1" noChangeAspect="1" noMove="1" noResize="1" noEditPoints="1" noAdjustHandles="1" noChangeArrowheads="1" noChangeShapeType="1" noTextEdit="1"/>
+          </p:cNvSpPr>
+          <p:nvPr>
+            <p:extLst>
+              <p:ext uri="{386F3935-93C4-4BCD-93E2-E3B085C9AB24}">
+                <p16:designElem xmlns:p16="http://schemas.microsoft.com/office/powerpoint/2015/main" val="1"/>
+              </p:ext>
+            </p:extLst>
+          </p:nvPr>
+        </p:nvSpPr>
+        <p:spPr>
+          <a:xfrm>
+            <a:off x="1" y="0"/>
+            <a:ext cx="4059079" cy="6858000"/>
+          </a:xfrm>
+          <a:prstGeom prst="rect">
+            <a:avLst/>
+          </a:prstGeom>
+          <a:solidFill>
+            <a:schemeClr val="tx2"/>
+          </a:solidFill>
+          <a:ln>
+            <a:noFill/>
+          </a:ln>
+        </p:spPr>
+        <p:style>
+          <a:lnRef idx="2">
+            <a:schemeClr val="accent1">
+              <a:shade val="50000"/>
+            </a:schemeClr>
+          </a:lnRef>
+          <a:fillRef idx="1">
+            <a:schemeClr val="accent1"/>
+          </a:fillRef>
+          <a:effectRef idx="0">
+            <a:schemeClr val="accent1"/>
+          </a:effectRef>
+          <a:fontRef idx="minor">
+            <a:schemeClr val="lt1"/>
+          </a:fontRef>
+        </p:style>
+        <p:txBody>
+          <a:bodyPr rtlCol="0" anchor="ctr"/>
+          <a:lstStyle/>
+          <a:p>
+            <a:pPr algn="ctr"/>
+            <a:endParaRPr lang="en-US"/>
+          </a:p>
+        </p:txBody>
+      </p:sp>
+      <p:sp>
+        <p:nvSpPr>
+          <p:cNvPr id="2" name="Title 1">
+            <a:extLst>
+              <a:ext uri="{FF2B5EF4-FFF2-40B4-BE49-F238E27FC236}">
+                <a16:creationId xmlns:a16="http://schemas.microsoft.com/office/drawing/2014/main" id="{B8C3CE7A-113A-A3A4-7839-0482480EBA7C}"/>
+              </a:ext>
+            </a:extLst>
+          </p:cNvPr>
+          <p:cNvSpPr>
+            <a:spLocks noGrp="1"/>
+          </p:cNvSpPr>
+          <p:nvPr>
+            <p:ph type="title"/>
+          </p:nvPr>
+        </p:nvSpPr>
+        <p:spPr>
+          <a:xfrm>
+            <a:off x="1259893" y="3101093"/>
+            <a:ext cx="2454052" cy="3029344"/>
+          </a:xfrm>
+        </p:spPr>
+        <p:txBody>
+          <a:bodyPr>
+            <a:normAutofit/>
+          </a:bodyPr>
+          <a:lstStyle/>
+          <a:p>
+            <a:r>
+              <a:rPr lang="en-US" sz="3200">
+                <a:solidFill>
+                  <a:schemeClr val="bg1"/>
+                </a:solidFill>
+              </a:rPr>
+              <a:t>Future &amp; Potentials</a:t>
+            </a:r>
+          </a:p>
+        </p:txBody>
+      </p:sp>
+      <p:sp>
+        <p:nvSpPr>
+          <p:cNvPr id="11" name="Freeform 11">
+            <a:extLst>
+              <a:ext uri="{FF2B5EF4-FFF2-40B4-BE49-F238E27FC236}">
+                <a16:creationId xmlns:a16="http://schemas.microsoft.com/office/drawing/2014/main" id="{60F880A6-33D3-4EEC-A780-B73559B9F24C}"/>
+              </a:ext>
+              <a:ext uri="{C183D7F6-B498-43B3-948B-1728B52AA6E4}">
+                <adec:decorative xmlns:adec="http://schemas.microsoft.com/office/drawing/2017/decorative" val="1"/>
+              </a:ext>
+            </a:extLst>
+          </p:cNvPr>
+          <p:cNvSpPr>
+            <a:spLocks noGrp="1" noRot="1" noChangeAspect="1" noMove="1" noResize="1" noEditPoints="1" noAdjustHandles="1" noChangeArrowheads="1" noChangeShapeType="1" noTextEdit="1"/>
+          </p:cNvSpPr>
+          <p:nvPr>
+            <p:extLst>
+              <p:ext uri="{386F3935-93C4-4BCD-93E2-E3B085C9AB24}">
+                <p16:designElem xmlns:p16="http://schemas.microsoft.com/office/powerpoint/2015/main" val="1"/>
+              </p:ext>
+            </p:extLst>
+          </p:nvPr>
+        </p:nvSpPr>
+        <p:spPr bwMode="auto">
+          <a:xfrm flipV="1">
+            <a:off x="-159" y="3179901"/>
+            <a:ext cx="1098194" cy="514066"/>
+          </a:xfrm>
+          <a:custGeom>
+            <a:avLst/>
+            <a:gdLst>
+              <a:gd name="connsiteX0" fmla="*/ 10000 w 10044"/>
+              <a:gd name="connsiteY0" fmla="*/ 4701 h 9966"/>
+              <a:gd name="connsiteX1" fmla="*/ 8559 w 10044"/>
+              <a:gd name="connsiteY1" fmla="*/ 188 h 9966"/>
+              <a:gd name="connsiteX2" fmla="*/ 8527 w 10044"/>
+              <a:gd name="connsiteY2" fmla="*/ 94 h 9966"/>
+              <a:gd name="connsiteX3" fmla="*/ 8438 w 10044"/>
+              <a:gd name="connsiteY3" fmla="*/ 0 h 9966"/>
+              <a:gd name="connsiteX4" fmla="*/ 7867 w 10044"/>
+              <a:gd name="connsiteY4" fmla="*/ 0 h 9966"/>
+              <a:gd name="connsiteX5" fmla="*/ 0 w 10044"/>
+              <a:gd name="connsiteY5" fmla="*/ 70 h 9966"/>
+              <a:gd name="connsiteX6" fmla="*/ 3132 w 10044"/>
+              <a:gd name="connsiteY6" fmla="*/ 9763 h 9966"/>
+              <a:gd name="connsiteX7" fmla="*/ 7867 w 10044"/>
+              <a:gd name="connsiteY7" fmla="*/ 9966 h 9966"/>
+              <a:gd name="connsiteX8" fmla="*/ 8438 w 10044"/>
+              <a:gd name="connsiteY8" fmla="*/ 9966 h 9966"/>
+              <a:gd name="connsiteX9" fmla="*/ 8527 w 10044"/>
+              <a:gd name="connsiteY9" fmla="*/ 9872 h 9966"/>
+              <a:gd name="connsiteX10" fmla="*/ 8559 w 10044"/>
+              <a:gd name="connsiteY10" fmla="*/ 9778 h 9966"/>
+              <a:gd name="connsiteX11" fmla="*/ 10000 w 10044"/>
+              <a:gd name="connsiteY11" fmla="*/ 5265 h 9966"/>
+              <a:gd name="connsiteX12" fmla="*/ 10000 w 10044"/>
+              <a:gd name="connsiteY12" fmla="*/ 4701 h 9966"/>
+              <a:gd name="connsiteX0" fmla="*/ 6839 w 6883"/>
+              <a:gd name="connsiteY0" fmla="*/ 4885 h 10168"/>
+              <a:gd name="connsiteX1" fmla="*/ 5405 w 6883"/>
+              <a:gd name="connsiteY1" fmla="*/ 357 h 10168"/>
+              <a:gd name="connsiteX2" fmla="*/ 5373 w 6883"/>
+              <a:gd name="connsiteY2" fmla="*/ 262 h 10168"/>
+              <a:gd name="connsiteX3" fmla="*/ 5284 w 6883"/>
+              <a:gd name="connsiteY3" fmla="*/ 168 h 10168"/>
+              <a:gd name="connsiteX4" fmla="*/ 4716 w 6883"/>
+              <a:gd name="connsiteY4" fmla="*/ 168 h 10168"/>
+              <a:gd name="connsiteX5" fmla="*/ 50 w 6883"/>
+              <a:gd name="connsiteY5" fmla="*/ 0 h 10168"/>
+              <a:gd name="connsiteX6" fmla="*/ 1 w 6883"/>
+              <a:gd name="connsiteY6" fmla="*/ 9964 h 10168"/>
+              <a:gd name="connsiteX7" fmla="*/ 4716 w 6883"/>
+              <a:gd name="connsiteY7" fmla="*/ 10168 h 10168"/>
+              <a:gd name="connsiteX8" fmla="*/ 5284 w 6883"/>
+              <a:gd name="connsiteY8" fmla="*/ 10168 h 10168"/>
+              <a:gd name="connsiteX9" fmla="*/ 5373 w 6883"/>
+              <a:gd name="connsiteY9" fmla="*/ 10074 h 10168"/>
+              <a:gd name="connsiteX10" fmla="*/ 5405 w 6883"/>
+              <a:gd name="connsiteY10" fmla="*/ 9979 h 10168"/>
+              <a:gd name="connsiteX11" fmla="*/ 6839 w 6883"/>
+              <a:gd name="connsiteY11" fmla="*/ 5451 h 10168"/>
+              <a:gd name="connsiteX12" fmla="*/ 6839 w 6883"/>
+              <a:gd name="connsiteY12" fmla="*/ 4885 h 10168"/>
+            </a:gdLst>
+            <a:ahLst/>
+            <a:cxnLst>
+              <a:cxn ang="0">
+                <a:pos x="connsiteX0" y="connsiteY0"/>
+              </a:cxn>
+              <a:cxn ang="0">
+                <a:pos x="connsiteX1" y="connsiteY1"/>
+              </a:cxn>
+              <a:cxn ang="0">
+                <a:pos x="connsiteX2" y="connsiteY2"/>
+              </a:cxn>
+              <a:cxn ang="0">
+                <a:pos x="connsiteX3" y="connsiteY3"/>
+              </a:cxn>
+              <a:cxn ang="0">
+                <a:pos x="connsiteX4" y="connsiteY4"/>
+              </a:cxn>
+              <a:cxn ang="0">
+                <a:pos x="connsiteX5" y="connsiteY5"/>
+              </a:cxn>
+              <a:cxn ang="0">
+                <a:pos x="connsiteX6" y="connsiteY6"/>
+              </a:cxn>
+              <a:cxn ang="0">
+                <a:pos x="connsiteX7" y="connsiteY7"/>
+              </a:cxn>
+              <a:cxn ang="0">
+                <a:pos x="connsiteX8" y="connsiteY8"/>
+              </a:cxn>
+              <a:cxn ang="0">
+                <a:pos x="connsiteX9" y="connsiteY9"/>
+              </a:cxn>
+              <a:cxn ang="0">
+                <a:pos x="connsiteX10" y="connsiteY10"/>
+              </a:cxn>
+              <a:cxn ang="0">
+                <a:pos x="connsiteX11" y="connsiteY11"/>
+              </a:cxn>
+              <a:cxn ang="0">
+                <a:pos x="connsiteX12" y="connsiteY12"/>
+              </a:cxn>
+            </a:cxnLst>
+            <a:rect l="l" t="t" r="r" b="b"/>
+            <a:pathLst>
+              <a:path w="6883" h="10168">
+                <a:moveTo>
+                  <a:pt x="6839" y="4885"/>
+                </a:moveTo>
+                <a:lnTo>
+                  <a:pt x="5405" y="357"/>
+                </a:lnTo>
+                <a:cubicBezTo>
+                  <a:pt x="5395" y="325"/>
+                  <a:pt x="5383" y="294"/>
+                  <a:pt x="5373" y="262"/>
+                </a:cubicBezTo>
+                <a:cubicBezTo>
+                  <a:pt x="5344" y="168"/>
+                  <a:pt x="5314" y="168"/>
+                  <a:pt x="5284" y="168"/>
+                </a:cubicBezTo>
+                <a:lnTo>
+                  <a:pt x="4716" y="168"/>
+                </a:lnTo>
+                <a:lnTo>
+                  <a:pt x="50" y="0"/>
+                </a:lnTo>
+                <a:cubicBezTo>
+                  <a:pt x="59" y="3322"/>
+                  <a:pt x="-8" y="6643"/>
+                  <a:pt x="1" y="9964"/>
+                </a:cubicBezTo>
+                <a:lnTo>
+                  <a:pt x="4716" y="10168"/>
+                </a:lnTo>
+                <a:lnTo>
+                  <a:pt x="5284" y="10168"/>
+                </a:lnTo>
+                <a:cubicBezTo>
+                  <a:pt x="5314" y="10168"/>
+                  <a:pt x="5344" y="10074"/>
+                  <a:pt x="5373" y="10074"/>
+                </a:cubicBezTo>
+                <a:cubicBezTo>
+                  <a:pt x="5373" y="9979"/>
+                  <a:pt x="5405" y="9979"/>
+                  <a:pt x="5405" y="9979"/>
+                </a:cubicBezTo>
+                <a:lnTo>
+                  <a:pt x="6839" y="5451"/>
+                </a:lnTo>
+                <a:cubicBezTo>
+                  <a:pt x="6898" y="5262"/>
+                  <a:pt x="6898" y="5074"/>
+                  <a:pt x="6839" y="4885"/>
+                </a:cubicBezTo>
+                <a:close/>
+              </a:path>
+            </a:pathLst>
+          </a:custGeom>
+          <a:solidFill>
+            <a:schemeClr val="accent1"/>
+          </a:solidFill>
+          <a:ln>
+            <a:noFill/>
+          </a:ln>
+        </p:spPr>
+      </p:sp>
+      <p:sp useBgFill="1">
+        <p:nvSpPr>
+          <p:cNvPr id="13" name="Rectangle 12">
+            <a:extLst>
+              <a:ext uri="{FF2B5EF4-FFF2-40B4-BE49-F238E27FC236}">
+                <a16:creationId xmlns:a16="http://schemas.microsoft.com/office/drawing/2014/main" id="{2C6246ED-0535-4496-A8F6-1E80CC4EB853}"/>
+              </a:ext>
+              <a:ext uri="{C183D7F6-B498-43B3-948B-1728B52AA6E4}">
+                <adec:decorative xmlns:adec="http://schemas.microsoft.com/office/drawing/2017/decorative" val="1"/>
+              </a:ext>
+            </a:extLst>
+          </p:cNvPr>
+          <p:cNvSpPr>
+            <a:spLocks noGrp="1" noRot="1" noChangeAspect="1" noMove="1" noResize="1" noEditPoints="1" noAdjustHandles="1" noChangeArrowheads="1" noChangeShapeType="1" noTextEdit="1"/>
+          </p:cNvSpPr>
+          <p:nvPr>
+            <p:extLst>
+              <p:ext uri="{386F3935-93C4-4BCD-93E2-E3B085C9AB24}">
+                <p16:designElem xmlns:p16="http://schemas.microsoft.com/office/powerpoint/2015/main" val="1"/>
+              </p:ext>
+            </p:extLst>
+          </p:nvPr>
+        </p:nvSpPr>
+        <p:spPr>
+          <a:xfrm>
+            <a:off x="4795736" y="0"/>
+            <a:ext cx="7396264" cy="6858000"/>
+          </a:xfrm>
+          <a:prstGeom prst="rect">
+            <a:avLst/>
+          </a:prstGeom>
+          <a:ln>
+            <a:noFill/>
+          </a:ln>
+        </p:spPr>
+        <p:style>
+          <a:lnRef idx="2">
+            <a:schemeClr val="accent1">
+              <a:shade val="50000"/>
+            </a:schemeClr>
+          </a:lnRef>
+          <a:fillRef idx="1">
+            <a:schemeClr val="accent1"/>
+          </a:fillRef>
+          <a:effectRef idx="0">
+            <a:schemeClr val="accent1"/>
+          </a:effectRef>
+          <a:fontRef idx="minor">
+            <a:schemeClr val="lt1"/>
+          </a:fontRef>
+        </p:style>
+        <p:txBody>
+          <a:bodyPr rtlCol="0" anchor="ctr"/>
+          <a:lstStyle/>
+          <a:p>
+            <a:pPr algn="ctr"/>
+            <a:endParaRPr lang="en-US"/>
+          </a:p>
+        </p:txBody>
+      </p:sp>
+      <p:graphicFrame>
+        <p:nvGraphicFramePr>
+          <p:cNvPr id="5" name="Content Placeholder 2">
+            <a:extLst>
+              <a:ext uri="{FF2B5EF4-FFF2-40B4-BE49-F238E27FC236}">
+                <a16:creationId xmlns:a16="http://schemas.microsoft.com/office/drawing/2014/main" id="{4156A9C0-FC0E-8CFE-4542-90437CFE0C2D}"/>
+              </a:ext>
+            </a:extLst>
+          </p:cNvPr>
+          <p:cNvGraphicFramePr>
+            <a:graphicFrameLocks noGrp="1"/>
+          </p:cNvGraphicFramePr>
+          <p:nvPr>
+            <p:ph idx="1"/>
+            <p:extLst>
+              <p:ext uri="{D42A27DB-BD31-4B8C-83A1-F6EECF244321}">
+                <p14:modId xmlns:p14="http://schemas.microsoft.com/office/powerpoint/2010/main" val="678441081"/>
+              </p:ext>
+            </p:extLst>
+          </p:nvPr>
+        </p:nvGraphicFramePr>
+        <p:xfrm>
+          <a:off x="4713144" y="641551"/>
+          <a:ext cx="6832212" cy="5264779"/>
+        </p:xfrm>
+        <a:graphic>
+          <a:graphicData uri="http://schemas.openxmlformats.org/drawingml/2006/diagram">
+            <dgm:relIds xmlns:dgm="http://schemas.openxmlformats.org/drawingml/2006/diagram" xmlns:r="http://schemas.openxmlformats.org/officeDocument/2006/relationships" r:dm="rId2" r:lo="rId3" r:qs="rId4" r:cs="rId5"/>
+          </a:graphicData>
+        </a:graphic>
+      </p:graphicFrame>
+    </p:spTree>
+    <p:extLst>
+      <p:ext uri="{BB962C8B-B14F-4D97-AF65-F5344CB8AC3E}">
+        <p14:creationId xmlns:p14="http://schemas.microsoft.com/office/powerpoint/2010/main" val="3187306194"/>
+      </p:ext>
+    </p:extLst>
+  </p:cSld>
+  <p:clrMapOvr>
+    <a:masterClrMapping/>
+  </p:clrMapOvr>
+</p:sld>
+</file>
+
+<file path=ppt/slides/slide9.xml><?xml version="1.0" encoding="utf-8"?>
+<p:sld xmlns:a="http://schemas.openxmlformats.org/drawingml/2006/main" xmlns:r="http://schemas.openxmlformats.org/officeDocument/2006/relationships" xmlns:p="http://schemas.openxmlformats.org/presentationml/2006/main">
+  <p:cSld>
+    <p:bg>
+      <p:bgPr>
+        <a:gradFill rotWithShape="1">
+          <a:gsLst>
+            <a:gs pos="0">
+              <a:schemeClr val="bg2">
+                <a:tint val="90000"/>
+                <a:satMod val="92000"/>
+                <a:lumMod val="120000"/>
+              </a:schemeClr>
+            </a:gs>
+            <a:gs pos="100000">
+              <a:schemeClr val="bg2">
+                <a:shade val="98000"/>
+                <a:satMod val="120000"/>
+                <a:lumMod val="98000"/>
+              </a:schemeClr>
+            </a:gs>
+          </a:gsLst>
+          <a:path path="circle">
+            <a:fillToRect l="50000" t="50000" r="100000" b="100000"/>
+          </a:path>
+        </a:gradFill>
+        <a:effectLst/>
+      </p:bgPr>
+    </p:bg>
+    <p:spTree>
+      <p:nvGrpSpPr>
+        <p:cNvPr id="1" name=""/>
+        <p:cNvGrpSpPr/>
+        <p:nvPr/>
+      </p:nvGrpSpPr>
+      <p:grpSpPr>
+        <a:xfrm>
+          <a:off x="0" y="0"/>
+          <a:ext cx="0" cy="0"/>
+          <a:chOff x="0" y="0"/>
+          <a:chExt cx="0" cy="0"/>
+        </a:xfrm>
+      </p:grpSpPr>
+      <p:sp>
+        <p:nvSpPr>
           <p:cNvPr id="10" name="Rectangle 9">
             <a:extLst>
               <a:ext uri="{FF2B5EF4-FFF2-40B4-BE49-F238E27FC236}">
@@ -37548,447 +37989,6 @@
 </p:sld>
 </file>
 
-<file path=ppt/slides/slide9.xml><?xml version="1.0" encoding="utf-8"?>
-<p:sld xmlns:a="http://schemas.openxmlformats.org/drawingml/2006/main" xmlns:r="http://schemas.openxmlformats.org/officeDocument/2006/relationships" xmlns:p="http://schemas.openxmlformats.org/presentationml/2006/main">
-  <p:cSld>
-    <p:bg>
-      <p:bgPr>
-        <a:gradFill rotWithShape="1">
-          <a:gsLst>
-            <a:gs pos="0">
-              <a:schemeClr val="bg2">
-                <a:tint val="90000"/>
-                <a:satMod val="92000"/>
-                <a:lumMod val="120000"/>
-              </a:schemeClr>
-            </a:gs>
-            <a:gs pos="100000">
-              <a:schemeClr val="bg2">
-                <a:shade val="98000"/>
-                <a:satMod val="120000"/>
-                <a:lumMod val="98000"/>
-              </a:schemeClr>
-            </a:gs>
-          </a:gsLst>
-          <a:path path="circle">
-            <a:fillToRect l="50000" t="50000" r="100000" b="100000"/>
-          </a:path>
-        </a:gradFill>
-        <a:effectLst/>
-      </p:bgPr>
-    </p:bg>
-    <p:spTree>
-      <p:nvGrpSpPr>
-        <p:cNvPr id="1" name=""/>
-        <p:cNvGrpSpPr/>
-        <p:nvPr/>
-      </p:nvGrpSpPr>
-      <p:grpSpPr>
-        <a:xfrm>
-          <a:off x="0" y="0"/>
-          <a:ext cx="0" cy="0"/>
-          <a:chOff x="0" y="0"/>
-          <a:chExt cx="0" cy="0"/>
-        </a:xfrm>
-      </p:grpSpPr>
-      <p:sp>
-        <p:nvSpPr>
-          <p:cNvPr id="9" name="Rectangle 8">
-            <a:extLst>
-              <a:ext uri="{FF2B5EF4-FFF2-40B4-BE49-F238E27FC236}">
-                <a16:creationId xmlns:a16="http://schemas.microsoft.com/office/drawing/2014/main" id="{A3D9AEEE-1CCD-43C0-BA3E-16D60A6E23C0}"/>
-              </a:ext>
-              <a:ext uri="{C183D7F6-B498-43B3-948B-1728B52AA6E4}">
-                <adec:decorative xmlns:adec="http://schemas.microsoft.com/office/drawing/2017/decorative" val="1"/>
-              </a:ext>
-            </a:extLst>
-          </p:cNvPr>
-          <p:cNvSpPr>
-            <a:spLocks noGrp="1" noRot="1" noChangeAspect="1" noMove="1" noResize="1" noEditPoints="1" noAdjustHandles="1" noChangeArrowheads="1" noChangeShapeType="1" noTextEdit="1"/>
-          </p:cNvSpPr>
-          <p:nvPr>
-            <p:extLst>
-              <p:ext uri="{386F3935-93C4-4BCD-93E2-E3B085C9AB24}">
-                <p16:designElem xmlns:p16="http://schemas.microsoft.com/office/powerpoint/2015/main" val="1"/>
-              </p:ext>
-            </p:extLst>
-          </p:nvPr>
-        </p:nvSpPr>
-        <p:spPr>
-          <a:xfrm>
-            <a:off x="1" y="0"/>
-            <a:ext cx="4059079" cy="6858000"/>
-          </a:xfrm>
-          <a:prstGeom prst="rect">
-            <a:avLst/>
-          </a:prstGeom>
-          <a:solidFill>
-            <a:schemeClr val="tx2"/>
-          </a:solidFill>
-          <a:ln>
-            <a:noFill/>
-          </a:ln>
-        </p:spPr>
-        <p:style>
-          <a:lnRef idx="2">
-            <a:schemeClr val="accent1">
-              <a:shade val="50000"/>
-            </a:schemeClr>
-          </a:lnRef>
-          <a:fillRef idx="1">
-            <a:schemeClr val="accent1"/>
-          </a:fillRef>
-          <a:effectRef idx="0">
-            <a:schemeClr val="accent1"/>
-          </a:effectRef>
-          <a:fontRef idx="minor">
-            <a:schemeClr val="lt1"/>
-          </a:fontRef>
-        </p:style>
-        <p:txBody>
-          <a:bodyPr rtlCol="0" anchor="ctr"/>
-          <a:lstStyle/>
-          <a:p>
-            <a:pPr algn="ctr"/>
-            <a:endParaRPr lang="en-US"/>
-          </a:p>
-        </p:txBody>
-      </p:sp>
-      <p:sp>
-        <p:nvSpPr>
-          <p:cNvPr id="2" name="Title 1">
-            <a:extLst>
-              <a:ext uri="{FF2B5EF4-FFF2-40B4-BE49-F238E27FC236}">
-                <a16:creationId xmlns:a16="http://schemas.microsoft.com/office/drawing/2014/main" id="{B8C3CE7A-113A-A3A4-7839-0482480EBA7C}"/>
-              </a:ext>
-            </a:extLst>
-          </p:cNvPr>
-          <p:cNvSpPr>
-            <a:spLocks noGrp="1"/>
-          </p:cNvSpPr>
-          <p:nvPr>
-            <p:ph type="title"/>
-          </p:nvPr>
-        </p:nvSpPr>
-        <p:spPr>
-          <a:xfrm>
-            <a:off x="1259893" y="3101093"/>
-            <a:ext cx="2454052" cy="3029344"/>
-          </a:xfrm>
-        </p:spPr>
-        <p:txBody>
-          <a:bodyPr>
-            <a:normAutofit/>
-          </a:bodyPr>
-          <a:lstStyle/>
-          <a:p>
-            <a:r>
-              <a:rPr lang="en-US" sz="3200">
-                <a:solidFill>
-                  <a:schemeClr val="bg1"/>
-                </a:solidFill>
-              </a:rPr>
-              <a:t>Future &amp; Potentials</a:t>
-            </a:r>
-          </a:p>
-        </p:txBody>
-      </p:sp>
-      <p:sp>
-        <p:nvSpPr>
-          <p:cNvPr id="11" name="Freeform 11">
-            <a:extLst>
-              <a:ext uri="{FF2B5EF4-FFF2-40B4-BE49-F238E27FC236}">
-                <a16:creationId xmlns:a16="http://schemas.microsoft.com/office/drawing/2014/main" id="{60F880A6-33D3-4EEC-A780-B73559B9F24C}"/>
-              </a:ext>
-              <a:ext uri="{C183D7F6-B498-43B3-948B-1728B52AA6E4}">
-                <adec:decorative xmlns:adec="http://schemas.microsoft.com/office/drawing/2017/decorative" val="1"/>
-              </a:ext>
-            </a:extLst>
-          </p:cNvPr>
-          <p:cNvSpPr>
-            <a:spLocks noGrp="1" noRot="1" noChangeAspect="1" noMove="1" noResize="1" noEditPoints="1" noAdjustHandles="1" noChangeArrowheads="1" noChangeShapeType="1" noTextEdit="1"/>
-          </p:cNvSpPr>
-          <p:nvPr>
-            <p:extLst>
-              <p:ext uri="{386F3935-93C4-4BCD-93E2-E3B085C9AB24}">
-                <p16:designElem xmlns:p16="http://schemas.microsoft.com/office/powerpoint/2015/main" val="1"/>
-              </p:ext>
-            </p:extLst>
-          </p:nvPr>
-        </p:nvSpPr>
-        <p:spPr bwMode="auto">
-          <a:xfrm flipV="1">
-            <a:off x="-159" y="3179901"/>
-            <a:ext cx="1098194" cy="514066"/>
-          </a:xfrm>
-          <a:custGeom>
-            <a:avLst/>
-            <a:gdLst>
-              <a:gd name="connsiteX0" fmla="*/ 10000 w 10044"/>
-              <a:gd name="connsiteY0" fmla="*/ 4701 h 9966"/>
-              <a:gd name="connsiteX1" fmla="*/ 8559 w 10044"/>
-              <a:gd name="connsiteY1" fmla="*/ 188 h 9966"/>
-              <a:gd name="connsiteX2" fmla="*/ 8527 w 10044"/>
-              <a:gd name="connsiteY2" fmla="*/ 94 h 9966"/>
-              <a:gd name="connsiteX3" fmla="*/ 8438 w 10044"/>
-              <a:gd name="connsiteY3" fmla="*/ 0 h 9966"/>
-              <a:gd name="connsiteX4" fmla="*/ 7867 w 10044"/>
-              <a:gd name="connsiteY4" fmla="*/ 0 h 9966"/>
-              <a:gd name="connsiteX5" fmla="*/ 0 w 10044"/>
-              <a:gd name="connsiteY5" fmla="*/ 70 h 9966"/>
-              <a:gd name="connsiteX6" fmla="*/ 3132 w 10044"/>
-              <a:gd name="connsiteY6" fmla="*/ 9763 h 9966"/>
-              <a:gd name="connsiteX7" fmla="*/ 7867 w 10044"/>
-              <a:gd name="connsiteY7" fmla="*/ 9966 h 9966"/>
-              <a:gd name="connsiteX8" fmla="*/ 8438 w 10044"/>
-              <a:gd name="connsiteY8" fmla="*/ 9966 h 9966"/>
-              <a:gd name="connsiteX9" fmla="*/ 8527 w 10044"/>
-              <a:gd name="connsiteY9" fmla="*/ 9872 h 9966"/>
-              <a:gd name="connsiteX10" fmla="*/ 8559 w 10044"/>
-              <a:gd name="connsiteY10" fmla="*/ 9778 h 9966"/>
-              <a:gd name="connsiteX11" fmla="*/ 10000 w 10044"/>
-              <a:gd name="connsiteY11" fmla="*/ 5265 h 9966"/>
-              <a:gd name="connsiteX12" fmla="*/ 10000 w 10044"/>
-              <a:gd name="connsiteY12" fmla="*/ 4701 h 9966"/>
-              <a:gd name="connsiteX0" fmla="*/ 6839 w 6883"/>
-              <a:gd name="connsiteY0" fmla="*/ 4885 h 10168"/>
-              <a:gd name="connsiteX1" fmla="*/ 5405 w 6883"/>
-              <a:gd name="connsiteY1" fmla="*/ 357 h 10168"/>
-              <a:gd name="connsiteX2" fmla="*/ 5373 w 6883"/>
-              <a:gd name="connsiteY2" fmla="*/ 262 h 10168"/>
-              <a:gd name="connsiteX3" fmla="*/ 5284 w 6883"/>
-              <a:gd name="connsiteY3" fmla="*/ 168 h 10168"/>
-              <a:gd name="connsiteX4" fmla="*/ 4716 w 6883"/>
-              <a:gd name="connsiteY4" fmla="*/ 168 h 10168"/>
-              <a:gd name="connsiteX5" fmla="*/ 50 w 6883"/>
-              <a:gd name="connsiteY5" fmla="*/ 0 h 10168"/>
-              <a:gd name="connsiteX6" fmla="*/ 1 w 6883"/>
-              <a:gd name="connsiteY6" fmla="*/ 9964 h 10168"/>
-              <a:gd name="connsiteX7" fmla="*/ 4716 w 6883"/>
-              <a:gd name="connsiteY7" fmla="*/ 10168 h 10168"/>
-              <a:gd name="connsiteX8" fmla="*/ 5284 w 6883"/>
-              <a:gd name="connsiteY8" fmla="*/ 10168 h 10168"/>
-              <a:gd name="connsiteX9" fmla="*/ 5373 w 6883"/>
-              <a:gd name="connsiteY9" fmla="*/ 10074 h 10168"/>
-              <a:gd name="connsiteX10" fmla="*/ 5405 w 6883"/>
-              <a:gd name="connsiteY10" fmla="*/ 9979 h 10168"/>
-              <a:gd name="connsiteX11" fmla="*/ 6839 w 6883"/>
-              <a:gd name="connsiteY11" fmla="*/ 5451 h 10168"/>
-              <a:gd name="connsiteX12" fmla="*/ 6839 w 6883"/>
-              <a:gd name="connsiteY12" fmla="*/ 4885 h 10168"/>
-            </a:gdLst>
-            <a:ahLst/>
-            <a:cxnLst>
-              <a:cxn ang="0">
-                <a:pos x="connsiteX0" y="connsiteY0"/>
-              </a:cxn>
-              <a:cxn ang="0">
-                <a:pos x="connsiteX1" y="connsiteY1"/>
-              </a:cxn>
-              <a:cxn ang="0">
-                <a:pos x="connsiteX2" y="connsiteY2"/>
-              </a:cxn>
-              <a:cxn ang="0">
-                <a:pos x="connsiteX3" y="connsiteY3"/>
-              </a:cxn>
-              <a:cxn ang="0">
-                <a:pos x="connsiteX4" y="connsiteY4"/>
-              </a:cxn>
-              <a:cxn ang="0">
-                <a:pos x="connsiteX5" y="connsiteY5"/>
-              </a:cxn>
-              <a:cxn ang="0">
-                <a:pos x="connsiteX6" y="connsiteY6"/>
-              </a:cxn>
-              <a:cxn ang="0">
-                <a:pos x="connsiteX7" y="connsiteY7"/>
-              </a:cxn>
-              <a:cxn ang="0">
-                <a:pos x="connsiteX8" y="connsiteY8"/>
-              </a:cxn>
-              <a:cxn ang="0">
-                <a:pos x="connsiteX9" y="connsiteY9"/>
-              </a:cxn>
-              <a:cxn ang="0">
-                <a:pos x="connsiteX10" y="connsiteY10"/>
-              </a:cxn>
-              <a:cxn ang="0">
-                <a:pos x="connsiteX11" y="connsiteY11"/>
-              </a:cxn>
-              <a:cxn ang="0">
-                <a:pos x="connsiteX12" y="connsiteY12"/>
-              </a:cxn>
-            </a:cxnLst>
-            <a:rect l="l" t="t" r="r" b="b"/>
-            <a:pathLst>
-              <a:path w="6883" h="10168">
-                <a:moveTo>
-                  <a:pt x="6839" y="4885"/>
-                </a:moveTo>
-                <a:lnTo>
-                  <a:pt x="5405" y="357"/>
-                </a:lnTo>
-                <a:cubicBezTo>
-                  <a:pt x="5395" y="325"/>
-                  <a:pt x="5383" y="294"/>
-                  <a:pt x="5373" y="262"/>
-                </a:cubicBezTo>
-                <a:cubicBezTo>
-                  <a:pt x="5344" y="168"/>
-                  <a:pt x="5314" y="168"/>
-                  <a:pt x="5284" y="168"/>
-                </a:cubicBezTo>
-                <a:lnTo>
-                  <a:pt x="4716" y="168"/>
-                </a:lnTo>
-                <a:lnTo>
-                  <a:pt x="50" y="0"/>
-                </a:lnTo>
-                <a:cubicBezTo>
-                  <a:pt x="59" y="3322"/>
-                  <a:pt x="-8" y="6643"/>
-                  <a:pt x="1" y="9964"/>
-                </a:cubicBezTo>
-                <a:lnTo>
-                  <a:pt x="4716" y="10168"/>
-                </a:lnTo>
-                <a:lnTo>
-                  <a:pt x="5284" y="10168"/>
-                </a:lnTo>
-                <a:cubicBezTo>
-                  <a:pt x="5314" y="10168"/>
-                  <a:pt x="5344" y="10074"/>
-                  <a:pt x="5373" y="10074"/>
-                </a:cubicBezTo>
-                <a:cubicBezTo>
-                  <a:pt x="5373" y="9979"/>
-                  <a:pt x="5405" y="9979"/>
-                  <a:pt x="5405" y="9979"/>
-                </a:cubicBezTo>
-                <a:lnTo>
-                  <a:pt x="6839" y="5451"/>
-                </a:lnTo>
-                <a:cubicBezTo>
-                  <a:pt x="6898" y="5262"/>
-                  <a:pt x="6898" y="5074"/>
-                  <a:pt x="6839" y="4885"/>
-                </a:cubicBezTo>
-                <a:close/>
-              </a:path>
-            </a:pathLst>
-          </a:custGeom>
-          <a:solidFill>
-            <a:schemeClr val="accent1"/>
-          </a:solidFill>
-          <a:ln>
-            <a:noFill/>
-          </a:ln>
-        </p:spPr>
-      </p:sp>
-      <p:sp useBgFill="1">
-        <p:nvSpPr>
-          <p:cNvPr id="13" name="Rectangle 12">
-            <a:extLst>
-              <a:ext uri="{FF2B5EF4-FFF2-40B4-BE49-F238E27FC236}">
-                <a16:creationId xmlns:a16="http://schemas.microsoft.com/office/drawing/2014/main" id="{2C6246ED-0535-4496-A8F6-1E80CC4EB853}"/>
-              </a:ext>
-              <a:ext uri="{C183D7F6-B498-43B3-948B-1728B52AA6E4}">
-                <adec:decorative xmlns:adec="http://schemas.microsoft.com/office/drawing/2017/decorative" val="1"/>
-              </a:ext>
-            </a:extLst>
-          </p:cNvPr>
-          <p:cNvSpPr>
-            <a:spLocks noGrp="1" noRot="1" noChangeAspect="1" noMove="1" noResize="1" noEditPoints="1" noAdjustHandles="1" noChangeArrowheads="1" noChangeShapeType="1" noTextEdit="1"/>
-          </p:cNvSpPr>
-          <p:nvPr>
-            <p:extLst>
-              <p:ext uri="{386F3935-93C4-4BCD-93E2-E3B085C9AB24}">
-                <p16:designElem xmlns:p16="http://schemas.microsoft.com/office/powerpoint/2015/main" val="1"/>
-              </p:ext>
-            </p:extLst>
-          </p:nvPr>
-        </p:nvSpPr>
-        <p:spPr>
-          <a:xfrm>
-            <a:off x="4795736" y="0"/>
-            <a:ext cx="7396264" cy="6858000"/>
-          </a:xfrm>
-          <a:prstGeom prst="rect">
-            <a:avLst/>
-          </a:prstGeom>
-          <a:ln>
-            <a:noFill/>
-          </a:ln>
-        </p:spPr>
-        <p:style>
-          <a:lnRef idx="2">
-            <a:schemeClr val="accent1">
-              <a:shade val="50000"/>
-            </a:schemeClr>
-          </a:lnRef>
-          <a:fillRef idx="1">
-            <a:schemeClr val="accent1"/>
-          </a:fillRef>
-          <a:effectRef idx="0">
-            <a:schemeClr val="accent1"/>
-          </a:effectRef>
-          <a:fontRef idx="minor">
-            <a:schemeClr val="lt1"/>
-          </a:fontRef>
-        </p:style>
-        <p:txBody>
-          <a:bodyPr rtlCol="0" anchor="ctr"/>
-          <a:lstStyle/>
-          <a:p>
-            <a:pPr algn="ctr"/>
-            <a:endParaRPr lang="en-US"/>
-          </a:p>
-        </p:txBody>
-      </p:sp>
-      <p:graphicFrame>
-        <p:nvGraphicFramePr>
-          <p:cNvPr id="5" name="Content Placeholder 2">
-            <a:extLst>
-              <a:ext uri="{FF2B5EF4-FFF2-40B4-BE49-F238E27FC236}">
-                <a16:creationId xmlns:a16="http://schemas.microsoft.com/office/drawing/2014/main" id="{4156A9C0-FC0E-8CFE-4542-90437CFE0C2D}"/>
-              </a:ext>
-            </a:extLst>
-          </p:cNvPr>
-          <p:cNvGraphicFramePr>
-            <a:graphicFrameLocks noGrp="1"/>
-          </p:cNvGraphicFramePr>
-          <p:nvPr>
-            <p:ph idx="1"/>
-            <p:extLst>
-              <p:ext uri="{D42A27DB-BD31-4B8C-83A1-F6EECF244321}">
-                <p14:modId xmlns:p14="http://schemas.microsoft.com/office/powerpoint/2010/main" val="678441081"/>
-              </p:ext>
-            </p:extLst>
-          </p:nvPr>
-        </p:nvGraphicFramePr>
-        <p:xfrm>
-          <a:off x="4713144" y="641551"/>
-          <a:ext cx="6832212" cy="5264779"/>
-        </p:xfrm>
-        <a:graphic>
-          <a:graphicData uri="http://schemas.openxmlformats.org/drawingml/2006/diagram">
-            <dgm:relIds xmlns:dgm="http://schemas.openxmlformats.org/drawingml/2006/diagram" xmlns:r="http://schemas.openxmlformats.org/officeDocument/2006/relationships" r:dm="rId2" r:lo="rId3" r:qs="rId4" r:cs="rId5"/>
-          </a:graphicData>
-        </a:graphic>
-      </p:graphicFrame>
-    </p:spTree>
-    <p:extLst>
-      <p:ext uri="{BB962C8B-B14F-4D97-AF65-F5344CB8AC3E}">
-        <p14:creationId xmlns:p14="http://schemas.microsoft.com/office/powerpoint/2010/main" val="3187306194"/>
-      </p:ext>
-    </p:extLst>
-  </p:cSld>
-  <p:clrMapOvr>
-    <a:masterClrMapping/>
-  </p:clrMapOvr>
-</p:sld>
-</file>
-
 <file path=ppt/theme/theme1.xml><?xml version="1.0" encoding="utf-8"?>
 <a:theme xmlns:a="http://schemas.openxmlformats.org/drawingml/2006/main" name="Wisp">
   <a:themeElements>
